--- a/Learning/Statistics/ISL/Presentation_v1.2.pptx
+++ b/Learning/Statistics/ISL/Presentation_v1.2.pptx
@@ -7,6 +7,22 @@
   <p:sldIdLst>
     <p:sldId id="257" r:id="rId5"/>
     <p:sldId id="258" r:id="rId6"/>
+    <p:sldId id="259" r:id="rId7"/>
+    <p:sldId id="260" r:id="rId8"/>
+    <p:sldId id="261" r:id="rId9"/>
+    <p:sldId id="262" r:id="rId10"/>
+    <p:sldId id="263" r:id="rId11"/>
+    <p:sldId id="264" r:id="rId12"/>
+    <p:sldId id="265" r:id="rId13"/>
+    <p:sldId id="266" r:id="rId14"/>
+    <p:sldId id="268" r:id="rId15"/>
+    <p:sldId id="269" r:id="rId16"/>
+    <p:sldId id="270" r:id="rId17"/>
+    <p:sldId id="271" r:id="rId18"/>
+    <p:sldId id="272" r:id="rId19"/>
+    <p:sldId id="273" r:id="rId20"/>
+    <p:sldId id="274" r:id="rId21"/>
+    <p:sldId id="275" r:id="rId22"/>
   </p:sldIdLst>
   <p:sldSz cx="12192000" cy="6858000"/>
   <p:notesSz cx="6858000" cy="9144000"/>
@@ -7186,6 +7202,1883 @@
 </p:sld>
 </file>
 
+<file path=ppt/slides/slide10.xml><?xml version="1.0" encoding="utf-8"?>
+<p:sld xmlns:a="http://schemas.openxmlformats.org/drawingml/2006/main" xmlns:r="http://schemas.openxmlformats.org/officeDocument/2006/relationships" xmlns:p="http://schemas.openxmlformats.org/presentationml/2006/main">
+  <p:cSld>
+    <p:spTree>
+      <p:nvGrpSpPr>
+        <p:cNvPr id="1" name=""/>
+        <p:cNvGrpSpPr/>
+        <p:nvPr/>
+      </p:nvGrpSpPr>
+      <p:grpSpPr>
+        <a:xfrm>
+          <a:off x="0" y="0"/>
+          <a:ext cx="0" cy="0"/>
+          <a:chOff x="0" y="0"/>
+          <a:chExt cx="0" cy="0"/>
+        </a:xfrm>
+      </p:grpSpPr>
+      <p:sp>
+        <p:nvSpPr>
+          <p:cNvPr id="2" name="Title 1">
+            <a:extLst>
+              <a:ext uri="{FF2B5EF4-FFF2-40B4-BE49-F238E27FC236}">
+                <a16:creationId xmlns:a16="http://schemas.microsoft.com/office/drawing/2014/main" id="{2148CF2E-98B6-A6B9-21A3-EFDF50AA16B0}"/>
+              </a:ext>
+            </a:extLst>
+          </p:cNvPr>
+          <p:cNvSpPr>
+            <a:spLocks noGrp="1"/>
+          </p:cNvSpPr>
+          <p:nvPr>
+            <p:ph type="title"/>
+          </p:nvPr>
+        </p:nvSpPr>
+        <p:spPr/>
+        <p:txBody>
+          <a:bodyPr/>
+          <a:lstStyle/>
+          <a:p>
+            <a:r>
+              <a:rPr lang="en-PK" dirty="0"/>
+              <a:t>2. Correlation of Error Terms</a:t>
+            </a:r>
+          </a:p>
+        </p:txBody>
+      </p:sp>
+      <p:sp>
+        <p:nvSpPr>
+          <p:cNvPr id="3" name="Content Placeholder 2">
+            <a:extLst>
+              <a:ext uri="{FF2B5EF4-FFF2-40B4-BE49-F238E27FC236}">
+                <a16:creationId xmlns:a16="http://schemas.microsoft.com/office/drawing/2014/main" id="{4D3FB878-ACEA-E0E1-3908-297A69F0FD46}"/>
+              </a:ext>
+            </a:extLst>
+          </p:cNvPr>
+          <p:cNvSpPr>
+            <a:spLocks noGrp="1"/>
+          </p:cNvSpPr>
+          <p:nvPr>
+            <p:ph idx="1"/>
+          </p:nvPr>
+        </p:nvSpPr>
+        <p:spPr/>
+        <p:txBody>
+          <a:bodyPr/>
+          <a:lstStyle/>
+          <a:p>
+            <a:r>
+              <a:rPr lang="en-US" dirty="0"/>
+              <a:t>When err</a:t>
+            </a:r>
+            <a:r>
+              <a:rPr lang="en-PK" dirty="0"/>
+              <a:t>ors are not correlated</a:t>
+            </a:r>
+          </a:p>
+          <a:p>
+            <a:pPr lvl="1"/>
+            <a:r>
+              <a:rPr lang="en-US" dirty="0"/>
+              <a:t>The standard </a:t>
+            </a:r>
+            <a:r>
+              <a:rPr lang="en-PK" dirty="0"/>
+              <a:t>error for </a:t>
+            </a:r>
+            <a:r>
+              <a:rPr lang="en-GB" dirty="0"/>
+              <a:t>the coefficient</a:t>
+            </a:r>
+            <a:r>
+              <a:rPr lang="en-PK" dirty="0"/>
+              <a:t> is reliable </a:t>
+            </a:r>
+          </a:p>
+          <a:p>
+            <a:pPr lvl="1"/>
+            <a:r>
+              <a:rPr lang="en-GB" dirty="0"/>
+              <a:t>Confidence</a:t>
+            </a:r>
+            <a:r>
+              <a:rPr lang="en-PK" dirty="0"/>
+              <a:t> interval is trusted</a:t>
+            </a:r>
+          </a:p>
+          <a:p>
+            <a:pPr lvl="1"/>
+            <a:r>
+              <a:rPr lang="en-PK" dirty="0"/>
+              <a:t>P values are valid</a:t>
+            </a:r>
+          </a:p>
+          <a:p>
+            <a:r>
+              <a:rPr lang="en-PK" dirty="0"/>
+              <a:t>Correlation occurs in the time series data</a:t>
+            </a:r>
+          </a:p>
+          <a:p>
+            <a:endParaRPr lang="en-PK" dirty="0"/>
+          </a:p>
+        </p:txBody>
+      </p:sp>
+    </p:spTree>
+    <p:extLst>
+      <p:ext uri="{BB962C8B-B14F-4D97-AF65-F5344CB8AC3E}">
+        <p14:creationId xmlns:p14="http://schemas.microsoft.com/office/powerpoint/2010/main" val="1321387269"/>
+      </p:ext>
+    </p:extLst>
+  </p:cSld>
+  <p:clrMapOvr>
+    <a:masterClrMapping/>
+  </p:clrMapOvr>
+</p:sld>
+</file>
+
+<file path=ppt/slides/slide11.xml><?xml version="1.0" encoding="utf-8"?>
+<p:sld xmlns:a="http://schemas.openxmlformats.org/drawingml/2006/main" xmlns:r="http://schemas.openxmlformats.org/officeDocument/2006/relationships" xmlns:p="http://schemas.openxmlformats.org/presentationml/2006/main">
+  <p:cSld>
+    <p:spTree>
+      <p:nvGrpSpPr>
+        <p:cNvPr id="1" name=""/>
+        <p:cNvGrpSpPr/>
+        <p:nvPr/>
+      </p:nvGrpSpPr>
+      <p:grpSpPr>
+        <a:xfrm>
+          <a:off x="0" y="0"/>
+          <a:ext cx="0" cy="0"/>
+          <a:chOff x="0" y="0"/>
+          <a:chExt cx="0" cy="0"/>
+        </a:xfrm>
+      </p:grpSpPr>
+      <p:sp>
+        <p:nvSpPr>
+          <p:cNvPr id="2" name="Title 1">
+            <a:extLst>
+              <a:ext uri="{FF2B5EF4-FFF2-40B4-BE49-F238E27FC236}">
+                <a16:creationId xmlns:a16="http://schemas.microsoft.com/office/drawing/2014/main" id="{68FC039F-D95A-9455-FF6B-F49F19AB123E}"/>
+              </a:ext>
+            </a:extLst>
+          </p:cNvPr>
+          <p:cNvSpPr>
+            <a:spLocks noGrp="1"/>
+          </p:cNvSpPr>
+          <p:nvPr>
+            <p:ph type="title"/>
+          </p:nvPr>
+        </p:nvSpPr>
+        <p:spPr/>
+        <p:txBody>
+          <a:bodyPr/>
+          <a:lstStyle/>
+          <a:p>
+            <a:r>
+              <a:rPr lang="en-PK" dirty="0"/>
+              <a:t>3. Non Constant Variance of Error Terms</a:t>
+            </a:r>
+          </a:p>
+        </p:txBody>
+      </p:sp>
+      <p:sp>
+        <p:nvSpPr>
+          <p:cNvPr id="3" name="Content Placeholder 2">
+            <a:extLst>
+              <a:ext uri="{FF2B5EF4-FFF2-40B4-BE49-F238E27FC236}">
+                <a16:creationId xmlns:a16="http://schemas.microsoft.com/office/drawing/2014/main" id="{7FFE4AA7-F267-EC67-66C6-3BE1EF7FE81B}"/>
+              </a:ext>
+            </a:extLst>
+          </p:cNvPr>
+          <p:cNvSpPr>
+            <a:spLocks noGrp="1"/>
+          </p:cNvSpPr>
+          <p:nvPr>
+            <p:ph idx="1"/>
+          </p:nvPr>
+        </p:nvSpPr>
+        <p:spPr/>
+        <p:txBody>
+          <a:bodyPr/>
+          <a:lstStyle/>
+          <a:p>
+            <a:r>
+              <a:rPr lang="en-GB" dirty="0"/>
+              <a:t>The variance</a:t>
+            </a:r>
+            <a:r>
+              <a:rPr lang="en-PK" dirty="0"/>
+              <a:t> of error </a:t>
+            </a:r>
+            <a:r>
+              <a:rPr lang="en-GB" dirty="0"/>
+              <a:t>increases</a:t>
+            </a:r>
+            <a:r>
+              <a:rPr lang="en-PK" dirty="0"/>
+              <a:t> with the value of </a:t>
+            </a:r>
+            <a:r>
+              <a:rPr lang="en-GB" dirty="0"/>
+              <a:t>the </a:t>
+            </a:r>
+            <a:r>
+              <a:rPr lang="en-PK" dirty="0"/>
+              <a:t>response</a:t>
+            </a:r>
+          </a:p>
+        </p:txBody>
+      </p:sp>
+      <p:pic>
+        <p:nvPicPr>
+          <p:cNvPr id="10" name="Picture 9" descr="A comparison of graphs with numbers&#10;&#10;Description automatically generated with medium confidence">
+            <a:extLst>
+              <a:ext uri="{FF2B5EF4-FFF2-40B4-BE49-F238E27FC236}">
+                <a16:creationId xmlns:a16="http://schemas.microsoft.com/office/drawing/2014/main" id="{56FE9F3E-50F7-97AA-32B9-53679EABCBE0}"/>
+              </a:ext>
+            </a:extLst>
+          </p:cNvPr>
+          <p:cNvPicPr>
+            <a:picLocks noChangeAspect="1"/>
+          </p:cNvPicPr>
+          <p:nvPr/>
+        </p:nvPicPr>
+        <p:blipFill>
+          <a:blip r:embed="rId2">
+            <a:extLst>
+              <a:ext uri="{28A0092B-C50C-407E-A947-70E740481C1C}">
+                <a14:useLocalDpi xmlns:a14="http://schemas.microsoft.com/office/drawing/2010/main" val="0"/>
+              </a:ext>
+            </a:extLst>
+          </a:blip>
+          <a:stretch>
+            <a:fillRect/>
+          </a:stretch>
+        </p:blipFill>
+        <p:spPr>
+          <a:xfrm>
+            <a:off x="3195558" y="2587336"/>
+            <a:ext cx="5800883" cy="2884055"/>
+          </a:xfrm>
+          <a:prstGeom prst="rect">
+            <a:avLst/>
+          </a:prstGeom>
+        </p:spPr>
+      </p:pic>
+      <p:sp>
+        <p:nvSpPr>
+          <p:cNvPr id="11" name="TextBox 10">
+            <a:extLst>
+              <a:ext uri="{FF2B5EF4-FFF2-40B4-BE49-F238E27FC236}">
+                <a16:creationId xmlns:a16="http://schemas.microsoft.com/office/drawing/2014/main" id="{0769265E-DF93-736C-6EFF-6A490D55F11A}"/>
+              </a:ext>
+            </a:extLst>
+          </p:cNvPr>
+          <p:cNvSpPr txBox="1"/>
+          <p:nvPr/>
+        </p:nvSpPr>
+        <p:spPr>
+          <a:xfrm>
+            <a:off x="3349958" y="5611956"/>
+            <a:ext cx="5492081" cy="369332"/>
+          </a:xfrm>
+          <a:prstGeom prst="rect">
+            <a:avLst/>
+          </a:prstGeom>
+          <a:noFill/>
+        </p:spPr>
+        <p:txBody>
+          <a:bodyPr wrap="none" rtlCol="0">
+            <a:spAutoFit/>
+          </a:bodyPr>
+          <a:lstStyle/>
+          <a:p>
+            <a:r>
+              <a:rPr lang="en-GB" dirty="0"/>
+              <a:t>The variance</a:t>
+            </a:r>
+            <a:r>
+              <a:rPr lang="en-PK" dirty="0"/>
+              <a:t> of error between residual and fitted values </a:t>
+            </a:r>
+          </a:p>
+        </p:txBody>
+      </p:sp>
+    </p:spTree>
+    <p:extLst>
+      <p:ext uri="{BB962C8B-B14F-4D97-AF65-F5344CB8AC3E}">
+        <p14:creationId xmlns:p14="http://schemas.microsoft.com/office/powerpoint/2010/main" val="1610417779"/>
+      </p:ext>
+    </p:extLst>
+  </p:cSld>
+  <p:clrMapOvr>
+    <a:masterClrMapping/>
+  </p:clrMapOvr>
+</p:sld>
+</file>
+
+<file path=ppt/slides/slide12.xml><?xml version="1.0" encoding="utf-8"?>
+<p:sld xmlns:a="http://schemas.openxmlformats.org/drawingml/2006/main" xmlns:r="http://schemas.openxmlformats.org/officeDocument/2006/relationships" xmlns:p="http://schemas.openxmlformats.org/presentationml/2006/main">
+  <p:cSld>
+    <p:spTree>
+      <p:nvGrpSpPr>
+        <p:cNvPr id="1" name=""/>
+        <p:cNvGrpSpPr/>
+        <p:nvPr/>
+      </p:nvGrpSpPr>
+      <p:grpSpPr>
+        <a:xfrm>
+          <a:off x="0" y="0"/>
+          <a:ext cx="0" cy="0"/>
+          <a:chOff x="0" y="0"/>
+          <a:chExt cx="0" cy="0"/>
+        </a:xfrm>
+      </p:grpSpPr>
+      <p:sp>
+        <p:nvSpPr>
+          <p:cNvPr id="2" name="Title 1">
+            <a:extLst>
+              <a:ext uri="{FF2B5EF4-FFF2-40B4-BE49-F238E27FC236}">
+                <a16:creationId xmlns:a16="http://schemas.microsoft.com/office/drawing/2014/main" id="{AF29BCC9-9823-8F44-EA71-F3E7E0A19664}"/>
+              </a:ext>
+            </a:extLst>
+          </p:cNvPr>
+          <p:cNvSpPr>
+            <a:spLocks noGrp="1"/>
+          </p:cNvSpPr>
+          <p:nvPr>
+            <p:ph type="title"/>
+          </p:nvPr>
+        </p:nvSpPr>
+        <p:spPr/>
+        <p:txBody>
+          <a:bodyPr/>
+          <a:lstStyle/>
+          <a:p>
+            <a:r>
+              <a:rPr lang="en-PK" dirty="0"/>
+              <a:t>4. Outliers </a:t>
+            </a:r>
+          </a:p>
+        </p:txBody>
+      </p:sp>
+      <p:sp>
+        <p:nvSpPr>
+          <p:cNvPr id="3" name="Content Placeholder 2">
+            <a:extLst>
+              <a:ext uri="{FF2B5EF4-FFF2-40B4-BE49-F238E27FC236}">
+                <a16:creationId xmlns:a16="http://schemas.microsoft.com/office/drawing/2014/main" id="{017C5D43-9C0C-6033-1E5F-2C75D615FED2}"/>
+              </a:ext>
+            </a:extLst>
+          </p:cNvPr>
+          <p:cNvSpPr>
+            <a:spLocks noGrp="1"/>
+          </p:cNvSpPr>
+          <p:nvPr>
+            <p:ph idx="1"/>
+          </p:nvPr>
+        </p:nvSpPr>
+        <p:spPr/>
+        <p:txBody>
+          <a:bodyPr/>
+          <a:lstStyle/>
+          <a:p>
+            <a:r>
+              <a:rPr lang="en-GB" dirty="0"/>
+              <a:t>The points</a:t>
+            </a:r>
+            <a:r>
+              <a:rPr lang="en-PK" dirty="0"/>
+              <a:t> where </a:t>
+            </a:r>
+            <a:r>
+              <a:rPr lang="en-GB" dirty="0"/>
+              <a:t>the </a:t>
+            </a:r>
+            <a:r>
+              <a:rPr lang="en-PK" dirty="0"/>
+              <a:t>observed value is far from </a:t>
+            </a:r>
+            <a:r>
+              <a:rPr lang="en-GB" dirty="0"/>
+              <a:t>the </a:t>
+            </a:r>
+            <a:r>
+              <a:rPr lang="en-PK" dirty="0"/>
+              <a:t>predicted</a:t>
+            </a:r>
+          </a:p>
+          <a:p>
+            <a:r>
+              <a:rPr lang="en-PK" dirty="0"/>
+              <a:t>Outliers can cause invalid fitted </a:t>
+            </a:r>
+            <a:r>
+              <a:rPr lang="en-GB" dirty="0"/>
+              <a:t>line</a:t>
+            </a:r>
+          </a:p>
+          <a:p>
+            <a:r>
+              <a:rPr lang="en-GB" dirty="0"/>
+              <a:t>Just remove the outliers, but it can indicate other factors</a:t>
+            </a:r>
+          </a:p>
+          <a:p>
+            <a:endParaRPr lang="en-PK" dirty="0"/>
+          </a:p>
+        </p:txBody>
+      </p:sp>
+    </p:spTree>
+    <p:extLst>
+      <p:ext uri="{BB962C8B-B14F-4D97-AF65-F5344CB8AC3E}">
+        <p14:creationId xmlns:p14="http://schemas.microsoft.com/office/powerpoint/2010/main" val="1413350386"/>
+      </p:ext>
+    </p:extLst>
+  </p:cSld>
+  <p:clrMapOvr>
+    <a:masterClrMapping/>
+  </p:clrMapOvr>
+</p:sld>
+</file>
+
+<file path=ppt/slides/slide13.xml><?xml version="1.0" encoding="utf-8"?>
+<p:sld xmlns:a="http://schemas.openxmlformats.org/drawingml/2006/main" xmlns:r="http://schemas.openxmlformats.org/officeDocument/2006/relationships" xmlns:p="http://schemas.openxmlformats.org/presentationml/2006/main">
+  <p:cSld>
+    <p:spTree>
+      <p:nvGrpSpPr>
+        <p:cNvPr id="1" name=""/>
+        <p:cNvGrpSpPr/>
+        <p:nvPr/>
+      </p:nvGrpSpPr>
+      <p:grpSpPr>
+        <a:xfrm>
+          <a:off x="0" y="0"/>
+          <a:ext cx="0" cy="0"/>
+          <a:chOff x="0" y="0"/>
+          <a:chExt cx="0" cy="0"/>
+        </a:xfrm>
+      </p:grpSpPr>
+      <p:sp>
+        <p:nvSpPr>
+          <p:cNvPr id="2" name="Title 1">
+            <a:extLst>
+              <a:ext uri="{FF2B5EF4-FFF2-40B4-BE49-F238E27FC236}">
+                <a16:creationId xmlns:a16="http://schemas.microsoft.com/office/drawing/2014/main" id="{9A13743D-00EC-0758-A706-20A09B0CA5BB}"/>
+              </a:ext>
+            </a:extLst>
+          </p:cNvPr>
+          <p:cNvSpPr>
+            <a:spLocks noGrp="1"/>
+          </p:cNvSpPr>
+          <p:nvPr>
+            <p:ph type="title"/>
+          </p:nvPr>
+        </p:nvSpPr>
+        <p:spPr/>
+        <p:txBody>
+          <a:bodyPr/>
+          <a:lstStyle/>
+          <a:p>
+            <a:r>
+              <a:rPr lang="en-PK" dirty="0"/>
+              <a:t>5. High </a:t>
+            </a:r>
+            <a:r>
+              <a:rPr lang="en-GB" dirty="0"/>
+              <a:t>Leverage</a:t>
+            </a:r>
+            <a:r>
+              <a:rPr lang="en-PK" dirty="0"/>
+              <a:t> Points</a:t>
+            </a:r>
+          </a:p>
+        </p:txBody>
+      </p:sp>
+      <mc:AlternateContent xmlns:mc="http://schemas.openxmlformats.org/markup-compatibility/2006">
+        <mc:Choice xmlns:a14="http://schemas.microsoft.com/office/drawing/2010/main" Requires="a14">
+          <p:sp>
+            <p:nvSpPr>
+              <p:cNvPr id="3" name="Content Placeholder 2">
+                <a:extLst>
+                  <a:ext uri="{FF2B5EF4-FFF2-40B4-BE49-F238E27FC236}">
+                    <a16:creationId xmlns:a16="http://schemas.microsoft.com/office/drawing/2014/main" id="{01ED50F4-129C-2878-D345-7499643C97B9}"/>
+                  </a:ext>
+                </a:extLst>
+              </p:cNvPr>
+              <p:cNvSpPr>
+                <a:spLocks noGrp="1"/>
+              </p:cNvSpPr>
+              <p:nvPr>
+                <p:ph idx="1"/>
+              </p:nvPr>
+            </p:nvSpPr>
+            <p:spPr/>
+            <p:txBody>
+              <a:bodyPr/>
+              <a:lstStyle/>
+              <a:p>
+                <a:r>
+                  <a:rPr lang="en-PK" dirty="0"/>
+                  <a:t>Have </a:t>
+                </a:r>
+                <a:r>
+                  <a:rPr lang="en-GB" dirty="0"/>
+                  <a:t>unusual</a:t>
+                </a:r>
+                <a:r>
+                  <a:rPr lang="en-PK" dirty="0"/>
+                  <a:t> value for </a:t>
+                </a:r>
+                <a14:m>
+                  <m:oMath xmlns:m="http://schemas.openxmlformats.org/officeDocument/2006/math">
+                    <m:sSub>
+                      <m:sSubPr>
+                        <m:ctrlPr>
+                          <a:rPr lang="en-PK" sz="2800" i="1" kern="100" smtClean="0">
+                            <a:effectLst/>
+                            <a:latin typeface="Cambria Math" panose="02040503050406030204" pitchFamily="18" charset="0"/>
+                            <a:ea typeface="Calibri" panose="020F0502020204030204" pitchFamily="34" charset="0"/>
+                            <a:cs typeface="Arial" panose="020B0604020202020204" pitchFamily="34" charset="0"/>
+                          </a:rPr>
+                        </m:ctrlPr>
+                      </m:sSubPr>
+                      <m:e>
+                        <m:r>
+                          <a:rPr lang="en-US" sz="2800" b="0" i="1" kern="100" smtClean="0">
+                            <a:effectLst/>
+                            <a:latin typeface="Cambria Math" panose="02040503050406030204" pitchFamily="18" charset="0"/>
+                            <a:ea typeface="Calibri" panose="020F0502020204030204" pitchFamily="34" charset="0"/>
+                            <a:cs typeface="Arial" panose="020B0604020202020204" pitchFamily="34" charset="0"/>
+                          </a:rPr>
+                          <m:t>𝑥</m:t>
+                        </m:r>
+                      </m:e>
+                      <m:sub>
+                        <m:r>
+                          <a:rPr lang="en-PK" sz="2800" i="1" kern="100">
+                            <a:effectLst/>
+                            <a:latin typeface="Cambria Math" panose="02040503050406030204" pitchFamily="18" charset="0"/>
+                            <a:ea typeface="Calibri" panose="020F0502020204030204" pitchFamily="34" charset="0"/>
+                            <a:cs typeface="Arial" panose="020B0604020202020204" pitchFamily="34" charset="0"/>
+                          </a:rPr>
+                          <m:t>𝑖</m:t>
+                        </m:r>
+                      </m:sub>
+                    </m:sSub>
+                  </m:oMath>
+                </a14:m>
+                <a:endParaRPr lang="en-US" sz="2800" kern="100" dirty="0">
+                  <a:effectLst/>
+                  <a:ea typeface="Calibri" panose="020F0502020204030204" pitchFamily="34" charset="0"/>
+                  <a:cs typeface="Arial" panose="020B0604020202020204" pitchFamily="34" charset="0"/>
+                </a:endParaRPr>
+              </a:p>
+              <a:p>
+                <a:r>
+                  <a:rPr lang="en-PK" dirty="0"/>
+                  <a:t>To identify </a:t>
+                </a:r>
+                <a:r>
+                  <a:rPr lang="en-GB" dirty="0"/>
+                  <a:t>high-leverage </a:t>
+                </a:r>
+                <a:r>
+                  <a:rPr lang="en-PK" dirty="0"/>
+                  <a:t>points </a:t>
+                </a:r>
+              </a:p>
+              <a:p>
+                <a:r>
+                  <a:rPr lang="en-PK" dirty="0"/>
+                  <a:t>We use leverage statistics (LS)</a:t>
+                </a:r>
+              </a:p>
+              <a:p>
+                <a:r>
+                  <a:rPr lang="en-PK" dirty="0"/>
+                  <a:t>For simple linear regression</a:t>
+                </a:r>
+              </a:p>
+              <a:p>
+                <a:endParaRPr lang="en-PK" dirty="0"/>
+              </a:p>
+              <a:p>
+                <a:pPr marL="457200" lvl="1" indent="0">
+                  <a:buNone/>
+                </a:pPr>
+                <a14:m>
+                  <m:oMathPara xmlns:m="http://schemas.openxmlformats.org/officeDocument/2006/math">
+                    <m:oMathParaPr>
+                      <m:jc m:val="centerGroup"/>
+                    </m:oMathParaPr>
+                    <m:oMath xmlns:m="http://schemas.openxmlformats.org/officeDocument/2006/math">
+                      <m:r>
+                        <a:rPr lang="en-US" i="1" kern="100" smtClean="0">
+                          <a:effectLst/>
+                          <a:ea typeface="Calibri" panose="020F0502020204030204" pitchFamily="34" charset="0"/>
+                          <a:cs typeface="Arial" panose="020B0604020202020204" pitchFamily="34" charset="0"/>
+                        </a:rPr>
+                        <m:t>𝐿𝑆</m:t>
+                      </m:r>
+                      <m:r>
+                        <a:rPr lang="en-US" i="1" kern="100" smtClean="0">
+                          <a:effectLst/>
+                          <a:ea typeface="Calibri" panose="020F0502020204030204" pitchFamily="34" charset="0"/>
+                          <a:cs typeface="Arial" panose="020B0604020202020204" pitchFamily="34" charset="0"/>
+                        </a:rPr>
+                        <m:t>=</m:t>
+                      </m:r>
+                      <m:f>
+                        <m:fPr>
+                          <m:ctrlPr>
+                            <a:rPr lang="en-PK" i="1" kern="100">
+                              <a:effectLst/>
+                              <a:ea typeface="Calibri" panose="020F0502020204030204" pitchFamily="34" charset="0"/>
+                              <a:cs typeface="Arial" panose="020B0604020202020204" pitchFamily="34" charset="0"/>
+                            </a:rPr>
+                          </m:ctrlPr>
+                        </m:fPr>
+                        <m:num>
+                          <m:r>
+                            <a:rPr lang="en-US" i="1" kern="100">
+                              <a:effectLst/>
+                              <a:ea typeface="Calibri" panose="020F0502020204030204" pitchFamily="34" charset="0"/>
+                              <a:cs typeface="Arial" panose="020B0604020202020204" pitchFamily="34" charset="0"/>
+                            </a:rPr>
+                            <m:t>1</m:t>
+                          </m:r>
+                        </m:num>
+                        <m:den>
+                          <m:r>
+                            <a:rPr lang="en-US" i="1" kern="100">
+                              <a:effectLst/>
+                              <a:ea typeface="Calibri" panose="020F0502020204030204" pitchFamily="34" charset="0"/>
+                              <a:cs typeface="Arial" panose="020B0604020202020204" pitchFamily="34" charset="0"/>
+                            </a:rPr>
+                            <m:t>𝑛</m:t>
+                          </m:r>
+                        </m:den>
+                      </m:f>
+                      <m:r>
+                        <a:rPr lang="en-US" i="1" kern="100">
+                          <a:effectLst/>
+                          <a:ea typeface="Calibri" panose="020F0502020204030204" pitchFamily="34" charset="0"/>
+                          <a:cs typeface="Arial" panose="020B0604020202020204" pitchFamily="34" charset="0"/>
+                        </a:rPr>
+                        <m:t>+</m:t>
+                      </m:r>
+                      <m:f>
+                        <m:fPr>
+                          <m:ctrlPr>
+                            <a:rPr lang="en-PK" i="1" kern="100">
+                              <a:effectLst/>
+                              <a:ea typeface="Calibri" panose="020F0502020204030204" pitchFamily="34" charset="0"/>
+                              <a:cs typeface="Arial" panose="020B0604020202020204" pitchFamily="34" charset="0"/>
+                            </a:rPr>
+                          </m:ctrlPr>
+                        </m:fPr>
+                        <m:num>
+                          <m:r>
+                            <a:rPr lang="en-US" i="1" kern="100">
+                              <a:effectLst/>
+                              <a:ea typeface="Calibri" panose="020F0502020204030204" pitchFamily="34" charset="0"/>
+                              <a:cs typeface="Arial" panose="020B0604020202020204" pitchFamily="34" charset="0"/>
+                            </a:rPr>
+                            <m:t>(</m:t>
+                          </m:r>
+                          <m:sSub>
+                            <m:sSubPr>
+                              <m:ctrlPr>
+                                <a:rPr lang="en-PK" i="1" kern="100">
+                                  <a:effectLst/>
+                                  <a:ea typeface="Calibri" panose="020F0502020204030204" pitchFamily="34" charset="0"/>
+                                  <a:cs typeface="Arial" panose="020B0604020202020204" pitchFamily="34" charset="0"/>
+                                </a:rPr>
+                              </m:ctrlPr>
+                            </m:sSubPr>
+                            <m:e>
+                              <m:r>
+                                <a:rPr lang="en-US" i="1" kern="100">
+                                  <a:effectLst/>
+                                  <a:ea typeface="Calibri" panose="020F0502020204030204" pitchFamily="34" charset="0"/>
+                                  <a:cs typeface="Arial" panose="020B0604020202020204" pitchFamily="34" charset="0"/>
+                                </a:rPr>
+                                <m:t>𝑥</m:t>
+                              </m:r>
+                            </m:e>
+                            <m:sub>
+                              <m:r>
+                                <a:rPr lang="en-US" i="1" kern="100">
+                                  <a:effectLst/>
+                                  <a:ea typeface="Calibri" panose="020F0502020204030204" pitchFamily="34" charset="0"/>
+                                  <a:cs typeface="Arial" panose="020B0604020202020204" pitchFamily="34" charset="0"/>
+                                </a:rPr>
+                                <m:t>𝑖</m:t>
+                              </m:r>
+                            </m:sub>
+                          </m:sSub>
+                          <m:r>
+                            <a:rPr lang="en-US" i="1" kern="100">
+                              <a:effectLst/>
+                              <a:ea typeface="Calibri" panose="020F0502020204030204" pitchFamily="34" charset="0"/>
+                              <a:cs typeface="Arial" panose="020B0604020202020204" pitchFamily="34" charset="0"/>
+                            </a:rPr>
+                            <m:t>+</m:t>
+                          </m:r>
+                          <m:sSup>
+                            <m:sSupPr>
+                              <m:ctrlPr>
+                                <a:rPr lang="en-PK" i="1" kern="100">
+                                  <a:effectLst/>
+                                  <a:ea typeface="Calibri" panose="020F0502020204030204" pitchFamily="34" charset="0"/>
+                                  <a:cs typeface="Arial" panose="020B0604020202020204" pitchFamily="34" charset="0"/>
+                                </a:rPr>
+                              </m:ctrlPr>
+                            </m:sSupPr>
+                            <m:e>
+                              <m:acc>
+                                <m:accPr>
+                                  <m:chr m:val="̅"/>
+                                  <m:ctrlPr>
+                                    <a:rPr lang="en-PK" i="1" kern="100">
+                                      <a:latin typeface="Cambria Math" panose="02040503050406030204" pitchFamily="18" charset="0"/>
+                                      <a:ea typeface="Calibri" panose="020F0502020204030204" pitchFamily="34" charset="0"/>
+                                      <a:cs typeface="Arial" panose="020B0604020202020204" pitchFamily="34" charset="0"/>
+                                    </a:rPr>
+                                  </m:ctrlPr>
+                                </m:accPr>
+                                <m:e>
+                                  <m:r>
+                                    <a:rPr lang="en-US" i="1" kern="100">
+                                      <a:latin typeface="Cambria Math" panose="02040503050406030204" pitchFamily="18" charset="0"/>
+                                      <a:ea typeface="Calibri" panose="020F0502020204030204" pitchFamily="34" charset="0"/>
+                                      <a:cs typeface="Arial" panose="020B0604020202020204" pitchFamily="34" charset="0"/>
+                                    </a:rPr>
+                                    <m:t>𝑥</m:t>
+                                  </m:r>
+                                </m:e>
+                              </m:acc>
+                              <m:r>
+                                <a:rPr lang="en-US" i="1" kern="100">
+                                  <a:effectLst/>
+                                  <a:ea typeface="Calibri" panose="020F0502020204030204" pitchFamily="34" charset="0"/>
+                                  <a:cs typeface="Arial" panose="020B0604020202020204" pitchFamily="34" charset="0"/>
+                                </a:rPr>
+                                <m:t>)</m:t>
+                              </m:r>
+                            </m:e>
+                            <m:sup>
+                              <m:r>
+                                <a:rPr lang="en-US" i="1" kern="100">
+                                  <a:effectLst/>
+                                  <a:ea typeface="Calibri" panose="020F0502020204030204" pitchFamily="34" charset="0"/>
+                                  <a:cs typeface="Arial" panose="020B0604020202020204" pitchFamily="34" charset="0"/>
+                                </a:rPr>
+                                <m:t>2</m:t>
+                              </m:r>
+                            </m:sup>
+                          </m:sSup>
+                        </m:num>
+                        <m:den>
+                          <m:nary>
+                            <m:naryPr>
+                              <m:chr m:val="∑"/>
+                              <m:limLoc m:val="undOvr"/>
+                              <m:ctrlPr>
+                                <a:rPr lang="en-PK" i="1" kern="100">
+                                  <a:effectLst/>
+                                  <a:ea typeface="Calibri" panose="020F0502020204030204" pitchFamily="34" charset="0"/>
+                                  <a:cs typeface="Arial" panose="020B0604020202020204" pitchFamily="34" charset="0"/>
+                                </a:rPr>
+                              </m:ctrlPr>
+                            </m:naryPr>
+                            <m:sub>
+                              <m:r>
+                                <a:rPr lang="en-US" i="1" kern="100">
+                                  <a:effectLst/>
+                                  <a:ea typeface="Calibri" panose="020F0502020204030204" pitchFamily="34" charset="0"/>
+                                  <a:cs typeface="Arial" panose="020B0604020202020204" pitchFamily="34" charset="0"/>
+                                </a:rPr>
+                                <m:t>𝑖</m:t>
+                              </m:r>
+                              <m:r>
+                                <a:rPr lang="en-US" i="1" kern="100">
+                                  <a:effectLst/>
+                                  <a:ea typeface="Calibri" panose="020F0502020204030204" pitchFamily="34" charset="0"/>
+                                  <a:cs typeface="Arial" panose="020B0604020202020204" pitchFamily="34" charset="0"/>
+                                </a:rPr>
+                                <m:t>=0</m:t>
+                              </m:r>
+                            </m:sub>
+                            <m:sup>
+                              <m:r>
+                                <a:rPr lang="en-US" i="1" kern="100">
+                                  <a:effectLst/>
+                                  <a:ea typeface="Calibri" panose="020F0502020204030204" pitchFamily="34" charset="0"/>
+                                  <a:cs typeface="Arial" panose="020B0604020202020204" pitchFamily="34" charset="0"/>
+                                </a:rPr>
+                                <m:t>𝑛</m:t>
+                              </m:r>
+                            </m:sup>
+                            <m:e>
+                              <m:r>
+                                <a:rPr lang="en-US" i="1" kern="100">
+                                  <a:effectLst/>
+                                  <a:ea typeface="Calibri" panose="020F0502020204030204" pitchFamily="34" charset="0"/>
+                                  <a:cs typeface="Arial" panose="020B0604020202020204" pitchFamily="34" charset="0"/>
+                                </a:rPr>
+                                <m:t>(</m:t>
+                              </m:r>
+                              <m:sSub>
+                                <m:sSubPr>
+                                  <m:ctrlPr>
+                                    <a:rPr lang="en-PK" i="1" kern="100">
+                                      <a:effectLst/>
+                                      <a:ea typeface="Calibri" panose="020F0502020204030204" pitchFamily="34" charset="0"/>
+                                      <a:cs typeface="Arial" panose="020B0604020202020204" pitchFamily="34" charset="0"/>
+                                    </a:rPr>
+                                  </m:ctrlPr>
+                                </m:sSubPr>
+                                <m:e>
+                                  <m:r>
+                                    <a:rPr lang="en-US" i="1" kern="100">
+                                      <a:effectLst/>
+                                      <a:ea typeface="Calibri" panose="020F0502020204030204" pitchFamily="34" charset="0"/>
+                                      <a:cs typeface="Arial" panose="020B0604020202020204" pitchFamily="34" charset="0"/>
+                                    </a:rPr>
+                                    <m:t>𝑥</m:t>
+                                  </m:r>
+                                </m:e>
+                                <m:sub>
+                                  <m:r>
+                                    <a:rPr lang="en-US" i="1" kern="100">
+                                      <a:effectLst/>
+                                      <a:ea typeface="Calibri" panose="020F0502020204030204" pitchFamily="34" charset="0"/>
+                                      <a:cs typeface="Arial" panose="020B0604020202020204" pitchFamily="34" charset="0"/>
+                                    </a:rPr>
+                                    <m:t>𝑖</m:t>
+                                  </m:r>
+                                </m:sub>
+                              </m:sSub>
+                              <m:r>
+                                <a:rPr lang="en-US" i="1" kern="100">
+                                  <a:effectLst/>
+                                  <a:ea typeface="Calibri" panose="020F0502020204030204" pitchFamily="34" charset="0"/>
+                                  <a:cs typeface="Arial" panose="020B0604020202020204" pitchFamily="34" charset="0"/>
+                                </a:rPr>
+                                <m:t>+</m:t>
+                              </m:r>
+                              <m:acc>
+                                <m:accPr>
+                                  <m:chr m:val="̅"/>
+                                  <m:ctrlPr>
+                                    <a:rPr lang="en-PK" i="1" kern="100">
+                                      <a:effectLst/>
+                                      <a:ea typeface="Calibri" panose="020F0502020204030204" pitchFamily="34" charset="0"/>
+                                      <a:cs typeface="Arial" panose="020B0604020202020204" pitchFamily="34" charset="0"/>
+                                    </a:rPr>
+                                  </m:ctrlPr>
+                                </m:accPr>
+                                <m:e>
+                                  <m:r>
+                                    <a:rPr lang="en-US" i="1" kern="100">
+                                      <a:effectLst/>
+                                      <a:ea typeface="Calibri" panose="020F0502020204030204" pitchFamily="34" charset="0"/>
+                                      <a:cs typeface="Arial" panose="020B0604020202020204" pitchFamily="34" charset="0"/>
+                                    </a:rPr>
+                                    <m:t>𝑥</m:t>
+                                  </m:r>
+                                </m:e>
+                              </m:acc>
+                              <m:sSup>
+                                <m:sSupPr>
+                                  <m:ctrlPr>
+                                    <a:rPr lang="en-PK" i="1" kern="100">
+                                      <a:effectLst/>
+                                      <a:ea typeface="Calibri" panose="020F0502020204030204" pitchFamily="34" charset="0"/>
+                                      <a:cs typeface="Arial" panose="020B0604020202020204" pitchFamily="34" charset="0"/>
+                                    </a:rPr>
+                                  </m:ctrlPr>
+                                </m:sSupPr>
+                                <m:e>
+                                  <m:r>
+                                    <a:rPr lang="en-US" i="1" kern="100">
+                                      <a:effectLst/>
+                                      <a:ea typeface="Calibri" panose="020F0502020204030204" pitchFamily="34" charset="0"/>
+                                      <a:cs typeface="Arial" panose="020B0604020202020204" pitchFamily="34" charset="0"/>
+                                    </a:rPr>
+                                    <m:t>)</m:t>
+                                  </m:r>
+                                </m:e>
+                                <m:sup>
+                                  <m:r>
+                                    <a:rPr lang="en-US" i="1" kern="100">
+                                      <a:effectLst/>
+                                      <a:ea typeface="Calibri" panose="020F0502020204030204" pitchFamily="34" charset="0"/>
+                                      <a:cs typeface="Arial" panose="020B0604020202020204" pitchFamily="34" charset="0"/>
+                                    </a:rPr>
+                                    <m:t>2</m:t>
+                                  </m:r>
+                                </m:sup>
+                              </m:sSup>
+                            </m:e>
+                          </m:nary>
+                        </m:den>
+                      </m:f>
+                    </m:oMath>
+                  </m:oMathPara>
+                </a14:m>
+                <a:endParaRPr lang="en-PK" kern="100" dirty="0">
+                  <a:effectLst/>
+                  <a:ea typeface="Calibri" panose="020F0502020204030204" pitchFamily="34" charset="0"/>
+                  <a:cs typeface="Arial" panose="020B0604020202020204" pitchFamily="34" charset="0"/>
+                </a:endParaRPr>
+              </a:p>
+              <a:p>
+                <a:endParaRPr lang="en-PK" dirty="0"/>
+              </a:p>
+            </p:txBody>
+          </p:sp>
+        </mc:Choice>
+        <mc:Fallback>
+          <p:sp>
+            <p:nvSpPr>
+              <p:cNvPr id="3" name="Content Placeholder 2">
+                <a:extLst>
+                  <a:ext uri="{FF2B5EF4-FFF2-40B4-BE49-F238E27FC236}">
+                    <a16:creationId xmlns:a16="http://schemas.microsoft.com/office/drawing/2014/main" id="{01ED50F4-129C-2878-D345-7499643C97B9}"/>
+                  </a:ext>
+                </a:extLst>
+              </p:cNvPr>
+              <p:cNvSpPr>
+                <a:spLocks noGrp="1" noRot="1" noChangeAspect="1" noMove="1" noResize="1" noEditPoints="1" noAdjustHandles="1" noChangeArrowheads="1" noChangeShapeType="1" noTextEdit="1"/>
+              </p:cNvSpPr>
+              <p:nvPr>
+                <p:ph idx="1"/>
+              </p:nvPr>
+            </p:nvSpPr>
+            <p:spPr>
+              <a:blipFill>
+                <a:blip r:embed="rId2"/>
+                <a:stretch>
+                  <a:fillRect l="-1086" t="-2326"/>
+                </a:stretch>
+              </a:blipFill>
+            </p:spPr>
+            <p:txBody>
+              <a:bodyPr/>
+              <a:lstStyle/>
+              <a:p>
+                <a:r>
+                  <a:rPr lang="en-PK">
+                    <a:noFill/>
+                  </a:rPr>
+                  <a:t> </a:t>
+                </a:r>
+              </a:p>
+            </p:txBody>
+          </p:sp>
+        </mc:Fallback>
+      </mc:AlternateContent>
+    </p:spTree>
+    <p:extLst>
+      <p:ext uri="{BB962C8B-B14F-4D97-AF65-F5344CB8AC3E}">
+        <p14:creationId xmlns:p14="http://schemas.microsoft.com/office/powerpoint/2010/main" val="1759381387"/>
+      </p:ext>
+    </p:extLst>
+  </p:cSld>
+  <p:clrMapOvr>
+    <a:masterClrMapping/>
+  </p:clrMapOvr>
+</p:sld>
+</file>
+
+<file path=ppt/slides/slide14.xml><?xml version="1.0" encoding="utf-8"?>
+<p:sld xmlns:a="http://schemas.openxmlformats.org/drawingml/2006/main" xmlns:r="http://schemas.openxmlformats.org/officeDocument/2006/relationships" xmlns:p="http://schemas.openxmlformats.org/presentationml/2006/main">
+  <p:cSld>
+    <p:spTree>
+      <p:nvGrpSpPr>
+        <p:cNvPr id="1" name=""/>
+        <p:cNvGrpSpPr/>
+        <p:nvPr/>
+      </p:nvGrpSpPr>
+      <p:grpSpPr>
+        <a:xfrm>
+          <a:off x="0" y="0"/>
+          <a:ext cx="0" cy="0"/>
+          <a:chOff x="0" y="0"/>
+          <a:chExt cx="0" cy="0"/>
+        </a:xfrm>
+      </p:grpSpPr>
+      <p:sp>
+        <p:nvSpPr>
+          <p:cNvPr id="2" name="Title 1">
+            <a:extLst>
+              <a:ext uri="{FF2B5EF4-FFF2-40B4-BE49-F238E27FC236}">
+                <a16:creationId xmlns:a16="http://schemas.microsoft.com/office/drawing/2014/main" id="{BBB42B52-7FEB-F75A-FE2F-567F6D9E3F9C}"/>
+              </a:ext>
+            </a:extLst>
+          </p:cNvPr>
+          <p:cNvSpPr>
+            <a:spLocks noGrp="1"/>
+          </p:cNvSpPr>
+          <p:nvPr>
+            <p:ph type="title"/>
+          </p:nvPr>
+        </p:nvSpPr>
+        <p:spPr/>
+        <p:txBody>
+          <a:bodyPr>
+            <a:normAutofit fontScale="90000"/>
+          </a:bodyPr>
+          <a:lstStyle/>
+          <a:p>
+            <a:br>
+              <a:rPr lang="en-PK" dirty="0"/>
+            </a:br>
+            <a:r>
+              <a:rPr lang="en-PK" dirty="0"/>
+              <a:t>High </a:t>
+            </a:r>
+            <a:r>
+              <a:rPr lang="en-GB" dirty="0"/>
+              <a:t>Leverage</a:t>
+            </a:r>
+            <a:r>
+              <a:rPr lang="en-PK" dirty="0"/>
+              <a:t> Points</a:t>
+            </a:r>
+            <a:br>
+              <a:rPr lang="en-PK" dirty="0"/>
+            </a:br>
+            <a:endParaRPr lang="en-PK" dirty="0"/>
+          </a:p>
+        </p:txBody>
+      </p:sp>
+      <mc:AlternateContent xmlns:mc="http://schemas.openxmlformats.org/markup-compatibility/2006">
+        <mc:Choice xmlns:a14="http://schemas.microsoft.com/office/drawing/2010/main" Requires="a14">
+          <p:sp>
+            <p:nvSpPr>
+              <p:cNvPr id="10" name="Content Placeholder 9">
+                <a:extLst>
+                  <a:ext uri="{FF2B5EF4-FFF2-40B4-BE49-F238E27FC236}">
+                    <a16:creationId xmlns:a16="http://schemas.microsoft.com/office/drawing/2014/main" id="{E3944232-82A0-1769-770D-3D694923EFF2}"/>
+                  </a:ext>
+                </a:extLst>
+              </p:cNvPr>
+              <p:cNvSpPr>
+                <a:spLocks noGrp="1"/>
+              </p:cNvSpPr>
+              <p:nvPr>
+                <p:ph idx="1"/>
+              </p:nvPr>
+            </p:nvSpPr>
+            <p:spPr/>
+            <p:txBody>
+              <a:bodyPr/>
+              <a:lstStyle/>
+              <a:p>
+                <a:r>
+                  <a:rPr lang="en-PK" kern="100" dirty="0">
+                    <a:effectLst/>
+                    <a:ea typeface="Calibri" panose="020F0502020204030204" pitchFamily="34" charset="0"/>
+                    <a:cs typeface="Arial" panose="020B0604020202020204" pitchFamily="34" charset="0"/>
+                  </a:rPr>
+                  <a:t>Alway</a:t>
+                </a:r>
+                <a:r>
+                  <a:rPr lang="en-GB" kern="100" dirty="0">
+                    <a:effectLst/>
+                    <a:ea typeface="Calibri" panose="020F0502020204030204" pitchFamily="34" charset="0"/>
+                    <a:cs typeface="Arial" panose="020B0604020202020204" pitchFamily="34" charset="0"/>
+                  </a:rPr>
+                  <a:t>s</a:t>
+                </a:r>
+                <a:r>
+                  <a:rPr lang="en-PK" kern="100" dirty="0">
+                    <a:ea typeface="Calibri" panose="020F0502020204030204" pitchFamily="34" charset="0"/>
+                    <a:cs typeface="Arial" panose="020B0604020202020204" pitchFamily="34" charset="0"/>
+                  </a:rPr>
+                  <a:t> between </a:t>
+                </a:r>
+                <a14:m>
+                  <m:oMath xmlns:m="http://schemas.openxmlformats.org/officeDocument/2006/math">
+                    <m:f>
+                      <m:fPr>
+                        <m:ctrlPr>
+                          <a:rPr lang="en-PK" i="1" kern="100" smtClean="0">
+                            <a:effectLst/>
+                            <a:latin typeface="Cambria Math" panose="02040503050406030204" pitchFamily="18" charset="0"/>
+                            <a:ea typeface="Calibri" panose="020F0502020204030204" pitchFamily="34" charset="0"/>
+                            <a:cs typeface="Arial" panose="020B0604020202020204" pitchFamily="34" charset="0"/>
+                          </a:rPr>
+                        </m:ctrlPr>
+                      </m:fPr>
+                      <m:num>
+                        <m:r>
+                          <a:rPr lang="en-US" i="1" kern="100">
+                            <a:effectLst/>
+                            <a:latin typeface="Cambria Math" panose="02040503050406030204" pitchFamily="18" charset="0"/>
+                            <a:ea typeface="Calibri" panose="020F0502020204030204" pitchFamily="34" charset="0"/>
+                            <a:cs typeface="Arial" panose="020B0604020202020204" pitchFamily="34" charset="0"/>
+                          </a:rPr>
+                          <m:t>1</m:t>
+                        </m:r>
+                      </m:num>
+                      <m:den>
+                        <m:r>
+                          <a:rPr lang="en-US" i="1" kern="100">
+                            <a:effectLst/>
+                            <a:latin typeface="Cambria Math" panose="02040503050406030204" pitchFamily="18" charset="0"/>
+                            <a:ea typeface="Calibri" panose="020F0502020204030204" pitchFamily="34" charset="0"/>
+                            <a:cs typeface="Arial" panose="020B0604020202020204" pitchFamily="34" charset="0"/>
+                          </a:rPr>
+                          <m:t>𝑛</m:t>
+                        </m:r>
+                      </m:den>
+                    </m:f>
+                  </m:oMath>
+                </a14:m>
+                <a:r>
+                  <a:rPr lang="en-PK" dirty="0"/>
+                  <a:t> and 1.</a:t>
+                </a:r>
+              </a:p>
+              <a:p>
+                <a:r>
+                  <a:rPr lang="en-GB" dirty="0"/>
+                  <a:t>Average </a:t>
+                </a:r>
+                <a:r>
+                  <a:rPr lang="en-PK" dirty="0"/>
+                  <a:t>LS always = </a:t>
+                </a:r>
+                <a14:m>
+                  <m:oMath xmlns:m="http://schemas.openxmlformats.org/officeDocument/2006/math">
+                    <m:f>
+                      <m:fPr>
+                        <m:ctrlPr>
+                          <a:rPr lang="en-PK" i="1" kern="100" smtClean="0">
+                            <a:effectLst/>
+                            <a:latin typeface="Cambria Math" panose="02040503050406030204" pitchFamily="18" charset="0"/>
+                            <a:ea typeface="Calibri" panose="020F0502020204030204" pitchFamily="34" charset="0"/>
+                            <a:cs typeface="Arial" panose="020B0604020202020204" pitchFamily="34" charset="0"/>
+                          </a:rPr>
+                        </m:ctrlPr>
+                      </m:fPr>
+                      <m:num>
+                        <m:r>
+                          <a:rPr lang="en-US" b="0" i="1" kern="100" smtClean="0">
+                            <a:effectLst/>
+                            <a:latin typeface="Cambria Math" panose="02040503050406030204" pitchFamily="18" charset="0"/>
+                            <a:ea typeface="Calibri" panose="020F0502020204030204" pitchFamily="34" charset="0"/>
+                            <a:cs typeface="Arial" panose="020B0604020202020204" pitchFamily="34" charset="0"/>
+                          </a:rPr>
+                          <m:t>(</m:t>
+                        </m:r>
+                        <m:r>
+                          <a:rPr lang="en-US" b="0" i="1" kern="100" smtClean="0">
+                            <a:effectLst/>
+                            <a:latin typeface="Cambria Math" panose="02040503050406030204" pitchFamily="18" charset="0"/>
+                            <a:ea typeface="Calibri" panose="020F0502020204030204" pitchFamily="34" charset="0"/>
+                            <a:cs typeface="Arial" panose="020B0604020202020204" pitchFamily="34" charset="0"/>
+                          </a:rPr>
+                          <m:t>𝑝</m:t>
+                        </m:r>
+                        <m:r>
+                          <a:rPr lang="en-US" b="0" i="1" kern="100" smtClean="0">
+                            <a:effectLst/>
+                            <a:latin typeface="Cambria Math" panose="02040503050406030204" pitchFamily="18" charset="0"/>
+                            <a:ea typeface="Calibri" panose="020F0502020204030204" pitchFamily="34" charset="0"/>
+                            <a:cs typeface="Arial" panose="020B0604020202020204" pitchFamily="34" charset="0"/>
+                          </a:rPr>
+                          <m:t>+1)</m:t>
+                        </m:r>
+                      </m:num>
+                      <m:den>
+                        <m:r>
+                          <a:rPr lang="en-US" i="1" kern="100">
+                            <a:effectLst/>
+                            <a:latin typeface="Cambria Math" panose="02040503050406030204" pitchFamily="18" charset="0"/>
+                            <a:ea typeface="Calibri" panose="020F0502020204030204" pitchFamily="34" charset="0"/>
+                            <a:cs typeface="Arial" panose="020B0604020202020204" pitchFamily="34" charset="0"/>
+                          </a:rPr>
+                          <m:t>𝑛</m:t>
+                        </m:r>
+                      </m:den>
+                    </m:f>
+                  </m:oMath>
+                </a14:m>
+                <a:r>
+                  <a:rPr lang="en-PK" dirty="0"/>
+                  <a:t>.</a:t>
+                </a:r>
+              </a:p>
+              <a:p>
+                <a:r>
+                  <a:rPr lang="en-PK" dirty="0"/>
+                  <a:t> If</a:t>
+                </a:r>
+                <a:r>
+                  <a:rPr lang="en-GB" dirty="0"/>
+                  <a:t> exceed the average, then high </a:t>
+                </a:r>
+                <a:r>
+                  <a:rPr lang="en-PK" dirty="0"/>
+                  <a:t>levearge</a:t>
+                </a:r>
+              </a:p>
+              <a:p>
+                <a:endParaRPr lang="en-PK" dirty="0"/>
+              </a:p>
+            </p:txBody>
+          </p:sp>
+        </mc:Choice>
+        <mc:Fallback>
+          <p:sp>
+            <p:nvSpPr>
+              <p:cNvPr id="10" name="Content Placeholder 9">
+                <a:extLst>
+                  <a:ext uri="{FF2B5EF4-FFF2-40B4-BE49-F238E27FC236}">
+                    <a16:creationId xmlns:a16="http://schemas.microsoft.com/office/drawing/2014/main" id="{E3944232-82A0-1769-770D-3D694923EFF2}"/>
+                  </a:ext>
+                </a:extLst>
+              </p:cNvPr>
+              <p:cNvSpPr>
+                <a:spLocks noGrp="1" noRot="1" noChangeAspect="1" noMove="1" noResize="1" noEditPoints="1" noAdjustHandles="1" noChangeArrowheads="1" noChangeShapeType="1" noTextEdit="1"/>
+              </p:cNvSpPr>
+              <p:nvPr>
+                <p:ph idx="1"/>
+              </p:nvPr>
+            </p:nvSpPr>
+            <p:spPr>
+              <a:blipFill>
+                <a:blip r:embed="rId2"/>
+                <a:stretch>
+                  <a:fillRect l="-1086" t="-291"/>
+                </a:stretch>
+              </a:blipFill>
+            </p:spPr>
+            <p:txBody>
+              <a:bodyPr/>
+              <a:lstStyle/>
+              <a:p>
+                <a:r>
+                  <a:rPr lang="en-PK">
+                    <a:noFill/>
+                  </a:rPr>
+                  <a:t> </a:t>
+                </a:r>
+              </a:p>
+            </p:txBody>
+          </p:sp>
+        </mc:Fallback>
+      </mc:AlternateContent>
+    </p:spTree>
+    <p:extLst>
+      <p:ext uri="{BB962C8B-B14F-4D97-AF65-F5344CB8AC3E}">
+        <p14:creationId xmlns:p14="http://schemas.microsoft.com/office/powerpoint/2010/main" val="2998294374"/>
+      </p:ext>
+    </p:extLst>
+  </p:cSld>
+  <p:clrMapOvr>
+    <a:masterClrMapping/>
+  </p:clrMapOvr>
+</p:sld>
+</file>
+
+<file path=ppt/slides/slide15.xml><?xml version="1.0" encoding="utf-8"?>
+<p:sld xmlns:a="http://schemas.openxmlformats.org/drawingml/2006/main" xmlns:r="http://schemas.openxmlformats.org/officeDocument/2006/relationships" xmlns:p="http://schemas.openxmlformats.org/presentationml/2006/main">
+  <p:cSld>
+    <p:spTree>
+      <p:nvGrpSpPr>
+        <p:cNvPr id="1" name=""/>
+        <p:cNvGrpSpPr/>
+        <p:nvPr/>
+      </p:nvGrpSpPr>
+      <p:grpSpPr>
+        <a:xfrm>
+          <a:off x="0" y="0"/>
+          <a:ext cx="0" cy="0"/>
+          <a:chOff x="0" y="0"/>
+          <a:chExt cx="0" cy="0"/>
+        </a:xfrm>
+      </p:grpSpPr>
+      <p:sp>
+        <p:nvSpPr>
+          <p:cNvPr id="2" name="Title 1">
+            <a:extLst>
+              <a:ext uri="{FF2B5EF4-FFF2-40B4-BE49-F238E27FC236}">
+                <a16:creationId xmlns:a16="http://schemas.microsoft.com/office/drawing/2014/main" id="{EF5BC43C-47C5-E59D-E62F-8C16D227AD54}"/>
+              </a:ext>
+            </a:extLst>
+          </p:cNvPr>
+          <p:cNvSpPr>
+            <a:spLocks noGrp="1"/>
+          </p:cNvSpPr>
+          <p:nvPr>
+            <p:ph type="title"/>
+          </p:nvPr>
+        </p:nvSpPr>
+        <p:spPr/>
+        <p:txBody>
+          <a:bodyPr/>
+          <a:lstStyle/>
+          <a:p>
+            <a:r>
+              <a:rPr lang="en-PK" dirty="0"/>
+              <a:t>6. Collinearity</a:t>
+            </a:r>
+          </a:p>
+        </p:txBody>
+      </p:sp>
+      <p:sp>
+        <p:nvSpPr>
+          <p:cNvPr id="3" name="Content Placeholder 2">
+            <a:extLst>
+              <a:ext uri="{FF2B5EF4-FFF2-40B4-BE49-F238E27FC236}">
+                <a16:creationId xmlns:a16="http://schemas.microsoft.com/office/drawing/2014/main" id="{147E5E8A-A084-64BA-87D7-818E800A92F1}"/>
+              </a:ext>
+            </a:extLst>
+          </p:cNvPr>
+          <p:cNvSpPr>
+            <a:spLocks noGrp="1"/>
+          </p:cNvSpPr>
+          <p:nvPr>
+            <p:ph idx="1"/>
+          </p:nvPr>
+        </p:nvSpPr>
+        <p:spPr/>
+        <p:txBody>
+          <a:bodyPr/>
+          <a:lstStyle/>
+          <a:p>
+            <a:r>
+              <a:rPr lang="en-PK" dirty="0"/>
+              <a:t>Two or more predictors are closely related</a:t>
+            </a:r>
+          </a:p>
+          <a:p>
+            <a:pPr lvl="1"/>
+            <a:r>
+              <a:rPr lang="en-PK" dirty="0"/>
+              <a:t>Less reliable statistical test</a:t>
+            </a:r>
+          </a:p>
+          <a:p>
+            <a:pPr lvl="1"/>
+            <a:r>
+              <a:rPr lang="en-US" dirty="0"/>
+              <a:t>Difficult to find individual effects on response</a:t>
+            </a:r>
+            <a:endParaRPr lang="en-PK" dirty="0"/>
+          </a:p>
+          <a:p>
+            <a:r>
+              <a:rPr lang="en-PK" dirty="0"/>
+              <a:t>To check collinearity</a:t>
+            </a:r>
+          </a:p>
+          <a:p>
+            <a:pPr lvl="1"/>
+            <a:r>
+              <a:rPr lang="en-PK" dirty="0"/>
+              <a:t>Correlation </a:t>
+            </a:r>
+            <a:r>
+              <a:rPr lang="en-GB" dirty="0"/>
+              <a:t>matrix</a:t>
+            </a:r>
+            <a:endParaRPr lang="en-PK" dirty="0"/>
+          </a:p>
+          <a:p>
+            <a:pPr lvl="1"/>
+            <a:r>
+              <a:rPr lang="en-PK" dirty="0"/>
+              <a:t>Variance inflation factor</a:t>
+            </a:r>
+          </a:p>
+          <a:p>
+            <a:endParaRPr lang="en-PK" dirty="0"/>
+          </a:p>
+          <a:p>
+            <a:pPr marL="457200" lvl="1" indent="0">
+              <a:buNone/>
+            </a:pPr>
+            <a:endParaRPr lang="en-PK" dirty="0"/>
+          </a:p>
+          <a:p>
+            <a:pPr lvl="1"/>
+            <a:endParaRPr lang="en-PK" dirty="0"/>
+          </a:p>
+        </p:txBody>
+      </p:sp>
+    </p:spTree>
+    <p:extLst>
+      <p:ext uri="{BB962C8B-B14F-4D97-AF65-F5344CB8AC3E}">
+        <p14:creationId xmlns:p14="http://schemas.microsoft.com/office/powerpoint/2010/main" val="236605726"/>
+      </p:ext>
+    </p:extLst>
+  </p:cSld>
+  <p:clrMapOvr>
+    <a:masterClrMapping/>
+  </p:clrMapOvr>
+</p:sld>
+</file>
+
+<file path=ppt/slides/slide16.xml><?xml version="1.0" encoding="utf-8"?>
+<p:sld xmlns:a="http://schemas.openxmlformats.org/drawingml/2006/main" xmlns:r="http://schemas.openxmlformats.org/officeDocument/2006/relationships" xmlns:p="http://schemas.openxmlformats.org/presentationml/2006/main">
+  <p:cSld>
+    <p:spTree>
+      <p:nvGrpSpPr>
+        <p:cNvPr id="1" name=""/>
+        <p:cNvGrpSpPr/>
+        <p:nvPr/>
+      </p:nvGrpSpPr>
+      <p:grpSpPr>
+        <a:xfrm>
+          <a:off x="0" y="0"/>
+          <a:ext cx="0" cy="0"/>
+          <a:chOff x="0" y="0"/>
+          <a:chExt cx="0" cy="0"/>
+        </a:xfrm>
+      </p:grpSpPr>
+      <p:sp>
+        <p:nvSpPr>
+          <p:cNvPr id="2" name="Title 1">
+            <a:extLst>
+              <a:ext uri="{FF2B5EF4-FFF2-40B4-BE49-F238E27FC236}">
+                <a16:creationId xmlns:a16="http://schemas.microsoft.com/office/drawing/2014/main" id="{8A17D4E1-0284-B54D-446C-DEDE5C558CBB}"/>
+              </a:ext>
+            </a:extLst>
+          </p:cNvPr>
+          <p:cNvSpPr>
+            <a:spLocks noGrp="1"/>
+          </p:cNvSpPr>
+          <p:nvPr>
+            <p:ph type="title"/>
+          </p:nvPr>
+        </p:nvSpPr>
+        <p:spPr/>
+        <p:txBody>
+          <a:bodyPr/>
+          <a:lstStyle/>
+          <a:p>
+            <a:r>
+              <a:rPr lang="en-PK" dirty="0"/>
+              <a:t>K-Nearest Neighbors</a:t>
+            </a:r>
+          </a:p>
+        </p:txBody>
+      </p:sp>
+      <p:sp>
+        <p:nvSpPr>
+          <p:cNvPr id="3" name="Content Placeholder 2">
+            <a:extLst>
+              <a:ext uri="{FF2B5EF4-FFF2-40B4-BE49-F238E27FC236}">
+                <a16:creationId xmlns:a16="http://schemas.microsoft.com/office/drawing/2014/main" id="{A88DC11B-BF9D-6A8F-970E-72D5BF3084A0}"/>
+              </a:ext>
+            </a:extLst>
+          </p:cNvPr>
+          <p:cNvSpPr>
+            <a:spLocks noGrp="1"/>
+          </p:cNvSpPr>
+          <p:nvPr>
+            <p:ph idx="1"/>
+          </p:nvPr>
+        </p:nvSpPr>
+        <p:spPr/>
+        <p:txBody>
+          <a:bodyPr/>
+          <a:lstStyle/>
+          <a:p>
+            <a:r>
+              <a:rPr lang="en-PK" dirty="0"/>
+              <a:t>Non parametric approch </a:t>
+            </a:r>
+          </a:p>
+          <a:p>
+            <a:r>
+              <a:rPr lang="en-PK" dirty="0"/>
+              <a:t>Find </a:t>
+            </a:r>
+            <a:r>
+              <a:rPr lang="en-GB" dirty="0"/>
+              <a:t>the </a:t>
+            </a:r>
+            <a:r>
+              <a:rPr lang="en-PK" dirty="0"/>
+              <a:t>value of k</a:t>
+            </a:r>
+          </a:p>
+          <a:p>
+            <a:r>
+              <a:rPr lang="en-PK" dirty="0"/>
+              <a:t>Bias variance tradeoff</a:t>
+            </a:r>
+          </a:p>
+          <a:p>
+            <a:endParaRPr lang="en-PK" dirty="0"/>
+          </a:p>
+          <a:p>
+            <a:endParaRPr lang="en-PK" dirty="0"/>
+          </a:p>
+          <a:p>
+            <a:endParaRPr lang="en-PK" dirty="0"/>
+          </a:p>
+        </p:txBody>
+      </p:sp>
+    </p:spTree>
+    <p:extLst>
+      <p:ext uri="{BB962C8B-B14F-4D97-AF65-F5344CB8AC3E}">
+        <p14:creationId xmlns:p14="http://schemas.microsoft.com/office/powerpoint/2010/main" val="2513380109"/>
+      </p:ext>
+    </p:extLst>
+  </p:cSld>
+  <p:clrMapOvr>
+    <a:masterClrMapping/>
+  </p:clrMapOvr>
+</p:sld>
+</file>
+
+<file path=ppt/slides/slide17.xml><?xml version="1.0" encoding="utf-8"?>
+<p:sld xmlns:a="http://schemas.openxmlformats.org/drawingml/2006/main" xmlns:r="http://schemas.openxmlformats.org/officeDocument/2006/relationships" xmlns:p="http://schemas.openxmlformats.org/presentationml/2006/main">
+  <p:cSld>
+    <p:spTree>
+      <p:nvGrpSpPr>
+        <p:cNvPr id="1" name=""/>
+        <p:cNvGrpSpPr/>
+        <p:nvPr/>
+      </p:nvGrpSpPr>
+      <p:grpSpPr>
+        <a:xfrm>
+          <a:off x="0" y="0"/>
+          <a:ext cx="0" cy="0"/>
+          <a:chOff x="0" y="0"/>
+          <a:chExt cx="0" cy="0"/>
+        </a:xfrm>
+      </p:grpSpPr>
+      <p:sp>
+        <p:nvSpPr>
+          <p:cNvPr id="2" name="Title 1">
+            <a:extLst>
+              <a:ext uri="{FF2B5EF4-FFF2-40B4-BE49-F238E27FC236}">
+                <a16:creationId xmlns:a16="http://schemas.microsoft.com/office/drawing/2014/main" id="{7F037E1B-51A1-AE61-EE3F-35E646DBA67D}"/>
+              </a:ext>
+            </a:extLst>
+          </p:cNvPr>
+          <p:cNvSpPr>
+            <a:spLocks noGrp="1"/>
+          </p:cNvSpPr>
+          <p:nvPr>
+            <p:ph type="title"/>
+          </p:nvPr>
+        </p:nvSpPr>
+        <p:spPr/>
+        <p:txBody>
+          <a:bodyPr/>
+          <a:lstStyle/>
+          <a:p>
+            <a:r>
+              <a:rPr lang="en-PK" dirty="0"/>
+              <a:t>K-Nearest Neighbors</a:t>
+            </a:r>
+          </a:p>
+        </p:txBody>
+      </p:sp>
+      <p:sp>
+        <p:nvSpPr>
+          <p:cNvPr id="3" name="Content Placeholder 2">
+            <a:extLst>
+              <a:ext uri="{FF2B5EF4-FFF2-40B4-BE49-F238E27FC236}">
+                <a16:creationId xmlns:a16="http://schemas.microsoft.com/office/drawing/2014/main" id="{90912F8A-6F52-70FE-5FBD-DEA75A9FAE28}"/>
+              </a:ext>
+            </a:extLst>
+          </p:cNvPr>
+          <p:cNvSpPr>
+            <a:spLocks noGrp="1"/>
+          </p:cNvSpPr>
+          <p:nvPr>
+            <p:ph idx="1"/>
+          </p:nvPr>
+        </p:nvSpPr>
+        <p:spPr/>
+        <p:txBody>
+          <a:bodyPr/>
+          <a:lstStyle/>
+          <a:p>
+            <a:r>
+              <a:rPr lang="en-US" dirty="0"/>
+              <a:t>The parametric approach will outperform if the estimated form is true</a:t>
+            </a:r>
+          </a:p>
+          <a:p>
+            <a:endParaRPr lang="en-PK" dirty="0"/>
+          </a:p>
+        </p:txBody>
+      </p:sp>
+      <p:sp>
+        <p:nvSpPr>
+          <p:cNvPr id="5" name="TextBox 4">
+            <a:extLst>
+              <a:ext uri="{FF2B5EF4-FFF2-40B4-BE49-F238E27FC236}">
+                <a16:creationId xmlns:a16="http://schemas.microsoft.com/office/drawing/2014/main" id="{094EF3EF-2B2F-8C65-7AFF-5F252FDBDCEA}"/>
+              </a:ext>
+            </a:extLst>
+          </p:cNvPr>
+          <p:cNvSpPr txBox="1"/>
+          <p:nvPr/>
+        </p:nvSpPr>
+        <p:spPr>
+          <a:xfrm>
+            <a:off x="2897686" y="5942568"/>
+            <a:ext cx="6409575" cy="369332"/>
+          </a:xfrm>
+          <a:prstGeom prst="rect">
+            <a:avLst/>
+          </a:prstGeom>
+          <a:noFill/>
+        </p:spPr>
+        <p:txBody>
+          <a:bodyPr wrap="none" rtlCol="0">
+            <a:spAutoFit/>
+          </a:bodyPr>
+          <a:lstStyle/>
+          <a:p>
+            <a:r>
+              <a:rPr lang="en-PK" dirty="0"/>
+              <a:t>Display the relation between x and y for linear regression and KNN</a:t>
+            </a:r>
+          </a:p>
+        </p:txBody>
+      </p:sp>
+      <p:pic>
+        <p:nvPicPr>
+          <p:cNvPr id="7" name="Picture 6" descr="A graph of a graph of a graph&#10;&#10;Description automatically generated with medium confidence">
+            <a:extLst>
+              <a:ext uri="{FF2B5EF4-FFF2-40B4-BE49-F238E27FC236}">
+                <a16:creationId xmlns:a16="http://schemas.microsoft.com/office/drawing/2014/main" id="{CBD6620E-3234-328E-6907-5169DC637127}"/>
+              </a:ext>
+            </a:extLst>
+          </p:cNvPr>
+          <p:cNvPicPr>
+            <a:picLocks noChangeAspect="1"/>
+          </p:cNvPicPr>
+          <p:nvPr/>
+        </p:nvPicPr>
+        <p:blipFill>
+          <a:blip r:embed="rId2">
+            <a:extLst>
+              <a:ext uri="{28A0092B-C50C-407E-A947-70E740481C1C}">
+                <a14:useLocalDpi xmlns:a14="http://schemas.microsoft.com/office/drawing/2010/main" val="0"/>
+              </a:ext>
+            </a:extLst>
+          </a:blip>
+          <a:stretch>
+            <a:fillRect/>
+          </a:stretch>
+        </p:blipFill>
+        <p:spPr>
+          <a:xfrm>
+            <a:off x="3021157" y="2810305"/>
+            <a:ext cx="6149686" cy="2997326"/>
+          </a:xfrm>
+          <a:prstGeom prst="rect">
+            <a:avLst/>
+          </a:prstGeom>
+        </p:spPr>
+      </p:pic>
+    </p:spTree>
+    <p:extLst>
+      <p:ext uri="{BB962C8B-B14F-4D97-AF65-F5344CB8AC3E}">
+        <p14:creationId xmlns:p14="http://schemas.microsoft.com/office/powerpoint/2010/main" val="828046914"/>
+      </p:ext>
+    </p:extLst>
+  </p:cSld>
+  <p:clrMapOvr>
+    <a:masterClrMapping/>
+  </p:clrMapOvr>
+</p:sld>
+</file>
+
+<file path=ppt/slides/slide18.xml><?xml version="1.0" encoding="utf-8"?>
+<p:sld xmlns:a="http://schemas.openxmlformats.org/drawingml/2006/main" xmlns:r="http://schemas.openxmlformats.org/officeDocument/2006/relationships" xmlns:p="http://schemas.openxmlformats.org/presentationml/2006/main">
+  <p:cSld>
+    <p:spTree>
+      <p:nvGrpSpPr>
+        <p:cNvPr id="1" name=""/>
+        <p:cNvGrpSpPr/>
+        <p:nvPr/>
+      </p:nvGrpSpPr>
+      <p:grpSpPr>
+        <a:xfrm>
+          <a:off x="0" y="0"/>
+          <a:ext cx="0" cy="0"/>
+          <a:chOff x="0" y="0"/>
+          <a:chExt cx="0" cy="0"/>
+        </a:xfrm>
+      </p:grpSpPr>
+      <p:sp>
+        <p:nvSpPr>
+          <p:cNvPr id="2" name="Title 1">
+            <a:extLst>
+              <a:ext uri="{FF2B5EF4-FFF2-40B4-BE49-F238E27FC236}">
+                <a16:creationId xmlns:a16="http://schemas.microsoft.com/office/drawing/2014/main" id="{BEC43F8C-1C0A-9BE2-86BD-8BA9BA548290}"/>
+              </a:ext>
+            </a:extLst>
+          </p:cNvPr>
+          <p:cNvSpPr>
+            <a:spLocks noGrp="1"/>
+          </p:cNvSpPr>
+          <p:nvPr>
+            <p:ph type="title"/>
+          </p:nvPr>
+        </p:nvSpPr>
+        <p:spPr/>
+        <p:txBody>
+          <a:bodyPr>
+            <a:normAutofit fontScale="90000"/>
+          </a:bodyPr>
+          <a:lstStyle/>
+          <a:p>
+            <a:br>
+              <a:rPr lang="en-PK" dirty="0"/>
+            </a:br>
+            <a:r>
+              <a:rPr lang="en-PK" dirty="0"/>
+              <a:t>K-Nearest Neighbors</a:t>
+            </a:r>
+            <a:br>
+              <a:rPr lang="en-PK" dirty="0"/>
+            </a:br>
+            <a:endParaRPr lang="en-PK" dirty="0"/>
+          </a:p>
+        </p:txBody>
+      </p:sp>
+      <p:sp>
+        <p:nvSpPr>
+          <p:cNvPr id="3" name="Content Placeholder 2">
+            <a:extLst>
+              <a:ext uri="{FF2B5EF4-FFF2-40B4-BE49-F238E27FC236}">
+                <a16:creationId xmlns:a16="http://schemas.microsoft.com/office/drawing/2014/main" id="{3666AF53-8C84-786B-A880-317AB2901602}"/>
+              </a:ext>
+            </a:extLst>
+          </p:cNvPr>
+          <p:cNvSpPr>
+            <a:spLocks noGrp="1"/>
+          </p:cNvSpPr>
+          <p:nvPr>
+            <p:ph idx="1"/>
+          </p:nvPr>
+        </p:nvSpPr>
+        <p:spPr/>
+        <p:txBody>
+          <a:bodyPr/>
+          <a:lstStyle/>
+          <a:p>
+            <a:r>
+              <a:rPr lang="en-PK" dirty="0"/>
+              <a:t>KNN is better for predictors &lt;= 4</a:t>
+            </a:r>
+          </a:p>
+          <a:p>
+            <a:r>
+              <a:rPr lang="en-PK" dirty="0"/>
+              <a:t>Perform worse if greater </a:t>
+            </a:r>
+          </a:p>
+          <a:p>
+            <a:endParaRPr lang="en-PK" dirty="0"/>
+          </a:p>
+        </p:txBody>
+      </p:sp>
+      <p:sp>
+        <p:nvSpPr>
+          <p:cNvPr id="7" name="TextBox 6">
+            <a:extLst>
+              <a:ext uri="{FF2B5EF4-FFF2-40B4-BE49-F238E27FC236}">
+                <a16:creationId xmlns:a16="http://schemas.microsoft.com/office/drawing/2014/main" id="{790A0E0C-52D4-6287-17B3-CADDD7FEA464}"/>
+              </a:ext>
+            </a:extLst>
+          </p:cNvPr>
+          <p:cNvSpPr txBox="1"/>
+          <p:nvPr/>
+        </p:nvSpPr>
+        <p:spPr>
+          <a:xfrm>
+            <a:off x="3222294" y="5857360"/>
+            <a:ext cx="5747407" cy="369332"/>
+          </a:xfrm>
+          <a:prstGeom prst="rect">
+            <a:avLst/>
+          </a:prstGeom>
+          <a:noFill/>
+        </p:spPr>
+        <p:txBody>
+          <a:bodyPr wrap="none" rtlCol="0">
+            <a:spAutoFit/>
+          </a:bodyPr>
+          <a:lstStyle/>
+          <a:p>
+            <a:r>
+              <a:rPr lang="en-PK" dirty="0"/>
+              <a:t>KNN MSE (green line) against linear regression (dotted line)</a:t>
+            </a:r>
+          </a:p>
+        </p:txBody>
+      </p:sp>
+      <p:pic>
+        <p:nvPicPr>
+          <p:cNvPr id="9" name="Picture 8" descr="A graph of a number of data&#10;&#10;Description automatically generated with medium confidence">
+            <a:extLst>
+              <a:ext uri="{FF2B5EF4-FFF2-40B4-BE49-F238E27FC236}">
+                <a16:creationId xmlns:a16="http://schemas.microsoft.com/office/drawing/2014/main" id="{63B201C6-ED0D-BF28-7F2D-BAA754CDA3CB}"/>
+              </a:ext>
+            </a:extLst>
+          </p:cNvPr>
+          <p:cNvPicPr>
+            <a:picLocks noChangeAspect="1"/>
+          </p:cNvPicPr>
+          <p:nvPr/>
+        </p:nvPicPr>
+        <p:blipFill>
+          <a:blip r:embed="rId2">
+            <a:extLst>
+              <a:ext uri="{28A0092B-C50C-407E-A947-70E740481C1C}">
+                <a14:useLocalDpi xmlns:a14="http://schemas.microsoft.com/office/drawing/2010/main" val="0"/>
+              </a:ext>
+            </a:extLst>
+          </a:blip>
+          <a:stretch>
+            <a:fillRect/>
+          </a:stretch>
+        </p:blipFill>
+        <p:spPr>
+          <a:xfrm>
+            <a:off x="2199101" y="3043508"/>
+            <a:ext cx="7793791" cy="2746384"/>
+          </a:xfrm>
+          <a:prstGeom prst="rect">
+            <a:avLst/>
+          </a:prstGeom>
+        </p:spPr>
+      </p:pic>
+    </p:spTree>
+    <p:extLst>
+      <p:ext uri="{BB962C8B-B14F-4D97-AF65-F5344CB8AC3E}">
+        <p14:creationId xmlns:p14="http://schemas.microsoft.com/office/powerpoint/2010/main" val="2132575605"/>
+      </p:ext>
+    </p:extLst>
+  </p:cSld>
+  <p:clrMapOvr>
+    <a:masterClrMapping/>
+  </p:clrMapOvr>
+</p:sld>
+</file>
+
 <file path=ppt/slides/slide2.xml><?xml version="1.0" encoding="utf-8"?>
 <p:sld xmlns:a="http://schemas.openxmlformats.org/drawingml/2006/main" xmlns:r="http://schemas.openxmlformats.org/officeDocument/2006/relationships" xmlns:p="http://schemas.openxmlformats.org/presentationml/2006/main">
   <p:cSld>
@@ -7224,7 +9117,10 @@
           <a:bodyPr/>
           <a:lstStyle/>
           <a:p>
-            <a:endParaRPr lang="en-US"/>
+            <a:r>
+              <a:rPr lang="en-US" dirty="0"/>
+              <a:t>Other Considerations for the Model</a:t>
+            </a:r>
           </a:p>
         </p:txBody>
       </p:sp>
@@ -7249,7 +9145,22 @@
           <a:bodyPr/>
           <a:lstStyle/>
           <a:p>
-            <a:endParaRPr lang="en-US"/>
+            <a:r>
+              <a:rPr lang="en-US" dirty="0"/>
+              <a:t>Qualitative variables</a:t>
+            </a:r>
+          </a:p>
+          <a:p>
+            <a:r>
+              <a:rPr lang="en-US" dirty="0"/>
+              <a:t>Extension of the Linear Model</a:t>
+            </a:r>
+          </a:p>
+          <a:p>
+            <a:r>
+              <a:rPr lang="en-US" dirty="0"/>
+              <a:t>Potential problems</a:t>
+            </a:r>
           </a:p>
         </p:txBody>
       </p:sp>
@@ -7257,6 +9168,3670 @@
     <p:extLst>
       <p:ext uri="{BB962C8B-B14F-4D97-AF65-F5344CB8AC3E}">
         <p14:creationId xmlns:p14="http://schemas.microsoft.com/office/powerpoint/2010/main" val="1104384049"/>
+      </p:ext>
+    </p:extLst>
+  </p:cSld>
+  <p:clrMapOvr>
+    <a:masterClrMapping/>
+  </p:clrMapOvr>
+</p:sld>
+</file>
+
+<file path=ppt/slides/slide3.xml><?xml version="1.0" encoding="utf-8"?>
+<p:sld xmlns:a="http://schemas.openxmlformats.org/drawingml/2006/main" xmlns:r="http://schemas.openxmlformats.org/officeDocument/2006/relationships" xmlns:p="http://schemas.openxmlformats.org/presentationml/2006/main">
+  <p:cSld>
+    <p:spTree>
+      <p:nvGrpSpPr>
+        <p:cNvPr id="1" name=""/>
+        <p:cNvGrpSpPr/>
+        <p:nvPr/>
+      </p:nvGrpSpPr>
+      <p:grpSpPr>
+        <a:xfrm>
+          <a:off x="0" y="0"/>
+          <a:ext cx="0" cy="0"/>
+          <a:chOff x="0" y="0"/>
+          <a:chExt cx="0" cy="0"/>
+        </a:xfrm>
+      </p:grpSpPr>
+      <p:sp>
+        <p:nvSpPr>
+          <p:cNvPr id="2" name="Title 1">
+            <a:extLst>
+              <a:ext uri="{FF2B5EF4-FFF2-40B4-BE49-F238E27FC236}">
+                <a16:creationId xmlns:a16="http://schemas.microsoft.com/office/drawing/2014/main" id="{25FD1736-974F-8FF7-9EA6-5A5B45A66123}"/>
+              </a:ext>
+            </a:extLst>
+          </p:cNvPr>
+          <p:cNvSpPr>
+            <a:spLocks noGrp="1"/>
+          </p:cNvSpPr>
+          <p:nvPr>
+            <p:ph type="title"/>
+          </p:nvPr>
+        </p:nvSpPr>
+        <p:spPr/>
+        <p:txBody>
+          <a:bodyPr/>
+          <a:lstStyle/>
+          <a:p>
+            <a:r>
+              <a:rPr lang="en-PK" dirty="0"/>
+              <a:t>Qualitative Predictors</a:t>
+            </a:r>
+          </a:p>
+        </p:txBody>
+      </p:sp>
+      <p:sp>
+        <p:nvSpPr>
+          <p:cNvPr id="3" name="Content Placeholder 2">
+            <a:extLst>
+              <a:ext uri="{FF2B5EF4-FFF2-40B4-BE49-F238E27FC236}">
+                <a16:creationId xmlns:a16="http://schemas.microsoft.com/office/drawing/2014/main" id="{5495F3E1-A1C7-E06D-5C12-EF6969B046C3}"/>
+              </a:ext>
+            </a:extLst>
+          </p:cNvPr>
+          <p:cNvSpPr>
+            <a:spLocks noGrp="1"/>
+          </p:cNvSpPr>
+          <p:nvPr>
+            <p:ph idx="1"/>
+          </p:nvPr>
+        </p:nvSpPr>
+        <p:spPr/>
+        <p:txBody>
+          <a:bodyPr/>
+          <a:lstStyle/>
+          <a:p>
+            <a:r>
+              <a:rPr lang="en-PK" dirty="0"/>
+              <a:t>Predictors with two levels</a:t>
+            </a:r>
+          </a:p>
+          <a:p>
+            <a:pPr lvl="1"/>
+            <a:r>
+              <a:rPr lang="en-PK" dirty="0"/>
+              <a:t>Gender (male/female), employed (yes/no), etc.</a:t>
+            </a:r>
+          </a:p>
+          <a:p>
+            <a:pPr marL="457200" lvl="1" indent="0">
+              <a:buNone/>
+            </a:pPr>
+            <a:endParaRPr lang="en-PK" dirty="0"/>
+          </a:p>
+          <a:p>
+            <a:r>
+              <a:rPr lang="en-PK" dirty="0"/>
+              <a:t>Predictors with more than two levels</a:t>
+            </a:r>
+          </a:p>
+          <a:p>
+            <a:pPr lvl="1"/>
+            <a:r>
+              <a:rPr lang="en-PK" dirty="0"/>
+              <a:t>Operating system (</a:t>
+            </a:r>
+            <a:r>
+              <a:rPr lang="en-GB" dirty="0"/>
+              <a:t>Windows</a:t>
+            </a:r>
+            <a:r>
+              <a:rPr lang="en-PK" dirty="0"/>
+              <a:t>/Mac/L</a:t>
+            </a:r>
+            <a:r>
+              <a:rPr lang="en-GB" dirty="0" err="1"/>
+              <a:t>inux</a:t>
+            </a:r>
+            <a:r>
+              <a:rPr lang="en-PK" dirty="0"/>
+              <a:t>), Geographic region (east /west/south/north), etc.</a:t>
+            </a:r>
+          </a:p>
+          <a:p>
+            <a:endParaRPr lang="en-PK" dirty="0"/>
+          </a:p>
+        </p:txBody>
+      </p:sp>
+      <p:graphicFrame>
+        <p:nvGraphicFramePr>
+          <p:cNvPr id="12" name="Table 11">
+            <a:extLst>
+              <a:ext uri="{FF2B5EF4-FFF2-40B4-BE49-F238E27FC236}">
+                <a16:creationId xmlns:a16="http://schemas.microsoft.com/office/drawing/2014/main" id="{E74B942A-5C5E-0CAE-CD3D-0A4F08C12DE5}"/>
+              </a:ext>
+            </a:extLst>
+          </p:cNvPr>
+          <p:cNvGraphicFramePr>
+            <a:graphicFrameLocks noGrp="1"/>
+          </p:cNvGraphicFramePr>
+          <p:nvPr>
+            <p:extLst>
+              <p:ext uri="{D42A27DB-BD31-4B8C-83A1-F6EECF244321}">
+                <p14:modId xmlns:p14="http://schemas.microsoft.com/office/powerpoint/2010/main" val="2606921770"/>
+              </p:ext>
+            </p:extLst>
+          </p:nvPr>
+        </p:nvGraphicFramePr>
+        <p:xfrm>
+          <a:off x="3324252" y="4351625"/>
+          <a:ext cx="5543495" cy="1825338"/>
+        </p:xfrm>
+        <a:graphic>
+          <a:graphicData uri="http://schemas.openxmlformats.org/drawingml/2006/table">
+            <a:tbl>
+              <a:tblPr firstRow="1" bandRow="1">
+                <a:tableStyleId>{5A111915-BE36-4E01-A7E5-04B1672EAD32}</a:tableStyleId>
+              </a:tblPr>
+              <a:tblGrid>
+                <a:gridCol w="841996">
+                  <a:extLst>
+                    <a:ext uri="{9D8B030D-6E8A-4147-A177-3AD203B41FA5}">
+                      <a16:colId xmlns:a16="http://schemas.microsoft.com/office/drawing/2014/main" val="603128276"/>
+                    </a:ext>
+                  </a:extLst>
+                </a:gridCol>
+                <a:gridCol w="1333515">
+                  <a:extLst>
+                    <a:ext uri="{9D8B030D-6E8A-4147-A177-3AD203B41FA5}">
+                      <a16:colId xmlns:a16="http://schemas.microsoft.com/office/drawing/2014/main" val="4151879137"/>
+                    </a:ext>
+                  </a:extLst>
+                </a:gridCol>
+                <a:gridCol w="841996">
+                  <a:extLst>
+                    <a:ext uri="{9D8B030D-6E8A-4147-A177-3AD203B41FA5}">
+                      <a16:colId xmlns:a16="http://schemas.microsoft.com/office/drawing/2014/main" val="3891869594"/>
+                    </a:ext>
+                  </a:extLst>
+                </a:gridCol>
+                <a:gridCol w="841996">
+                  <a:extLst>
+                    <a:ext uri="{9D8B030D-6E8A-4147-A177-3AD203B41FA5}">
+                      <a16:colId xmlns:a16="http://schemas.microsoft.com/office/drawing/2014/main" val="3648485641"/>
+                    </a:ext>
+                  </a:extLst>
+                </a:gridCol>
+                <a:gridCol w="841996">
+                  <a:extLst>
+                    <a:ext uri="{9D8B030D-6E8A-4147-A177-3AD203B41FA5}">
+                      <a16:colId xmlns:a16="http://schemas.microsoft.com/office/drawing/2014/main" val="1536855079"/>
+                    </a:ext>
+                  </a:extLst>
+                </a:gridCol>
+                <a:gridCol w="841996">
+                  <a:extLst>
+                    <a:ext uri="{9D8B030D-6E8A-4147-A177-3AD203B41FA5}">
+                      <a16:colId xmlns:a16="http://schemas.microsoft.com/office/drawing/2014/main" val="1308750845"/>
+                    </a:ext>
+                  </a:extLst>
+                </a:gridCol>
+              </a:tblGrid>
+              <a:tr h="341978">
+                <a:tc>
+                  <a:txBody>
+                    <a:bodyPr/>
+                    <a:lstStyle/>
+                    <a:p>
+                      <a:pPr algn="l" fontAlgn="b">
+                        <a:spcBef>
+                          <a:spcPts val="0"/>
+                        </a:spcBef>
+                        <a:spcAft>
+                          <a:spcPts val="0"/>
+                        </a:spcAft>
+                      </a:pPr>
+                      <a:r>
+                        <a:rPr lang="en-GB" sz="1300" b="1" u="none" strike="noStrike" dirty="0">
+                          <a:solidFill>
+                            <a:schemeClr val="bg1"/>
+                          </a:solidFill>
+                          <a:effectLst/>
+                        </a:rPr>
+                        <a:t>Person ID</a:t>
+                      </a:r>
+                      <a:endParaRPr lang="en-GB" sz="1300" b="0" i="0" u="none" strike="noStrike" dirty="0">
+                        <a:solidFill>
+                          <a:schemeClr val="bg1"/>
+                        </a:solidFill>
+                        <a:effectLst/>
+                        <a:latin typeface="Arial" panose="020B0604020202020204" pitchFamily="34" charset="0"/>
+                      </a:endParaRPr>
+                    </a:p>
+                  </a:txBody>
+                  <a:tcPr marL="67889" marR="67889" marT="33944" marB="33944" anchor="b"/>
+                </a:tc>
+                <a:tc>
+                  <a:txBody>
+                    <a:bodyPr/>
+                    <a:lstStyle/>
+                    <a:p>
+                      <a:pPr algn="l" fontAlgn="b">
+                        <a:spcBef>
+                          <a:spcPts val="0"/>
+                        </a:spcBef>
+                        <a:spcAft>
+                          <a:spcPts val="0"/>
+                        </a:spcAft>
+                      </a:pPr>
+                      <a:r>
+                        <a:rPr lang="en-GB" sz="1300" b="1" u="none" strike="noStrike" dirty="0">
+                          <a:solidFill>
+                            <a:schemeClr val="bg1"/>
+                          </a:solidFill>
+                          <a:effectLst/>
+                        </a:rPr>
+                        <a:t>Region (Original)</a:t>
+                      </a:r>
+                      <a:endParaRPr lang="en-GB" sz="1300" b="0" i="0" u="none" strike="noStrike" dirty="0">
+                        <a:solidFill>
+                          <a:schemeClr val="bg1"/>
+                        </a:solidFill>
+                        <a:effectLst/>
+                        <a:latin typeface="Arial" panose="020B0604020202020204" pitchFamily="34" charset="0"/>
+                      </a:endParaRPr>
+                    </a:p>
+                  </a:txBody>
+                  <a:tcPr marL="67889" marR="67889" marT="33944" marB="33944" anchor="b"/>
+                </a:tc>
+                <a:tc>
+                  <a:txBody>
+                    <a:bodyPr/>
+                    <a:lstStyle/>
+                    <a:p>
+                      <a:pPr algn="l" fontAlgn="b">
+                        <a:spcBef>
+                          <a:spcPts val="0"/>
+                        </a:spcBef>
+                        <a:spcAft>
+                          <a:spcPts val="0"/>
+                        </a:spcAft>
+                      </a:pPr>
+                      <a:r>
+                        <a:rPr lang="en-GB" sz="1300" b="1" u="none" strike="noStrike" dirty="0">
+                          <a:solidFill>
+                            <a:schemeClr val="bg1"/>
+                          </a:solidFill>
+                          <a:effectLst/>
+                        </a:rPr>
+                        <a:t>North</a:t>
+                      </a:r>
+                      <a:endParaRPr lang="en-GB" sz="1300" b="0" i="0" u="none" strike="noStrike" dirty="0">
+                        <a:solidFill>
+                          <a:schemeClr val="bg1"/>
+                        </a:solidFill>
+                        <a:effectLst/>
+                        <a:latin typeface="Arial" panose="020B0604020202020204" pitchFamily="34" charset="0"/>
+                      </a:endParaRPr>
+                    </a:p>
+                  </a:txBody>
+                  <a:tcPr marL="67889" marR="67889" marT="33944" marB="33944" anchor="b"/>
+                </a:tc>
+                <a:tc>
+                  <a:txBody>
+                    <a:bodyPr/>
+                    <a:lstStyle/>
+                    <a:p>
+                      <a:pPr algn="l" fontAlgn="b">
+                        <a:spcBef>
+                          <a:spcPts val="0"/>
+                        </a:spcBef>
+                        <a:spcAft>
+                          <a:spcPts val="0"/>
+                        </a:spcAft>
+                      </a:pPr>
+                      <a:r>
+                        <a:rPr lang="en-GB" sz="1300" b="1" u="none" strike="noStrike">
+                          <a:solidFill>
+                            <a:schemeClr val="bg1"/>
+                          </a:solidFill>
+                          <a:effectLst/>
+                        </a:rPr>
+                        <a:t>South</a:t>
+                      </a:r>
+                      <a:endParaRPr lang="en-GB" sz="1300" b="0" i="0" u="none" strike="noStrike">
+                        <a:solidFill>
+                          <a:schemeClr val="bg1"/>
+                        </a:solidFill>
+                        <a:effectLst/>
+                        <a:latin typeface="Arial" panose="020B0604020202020204" pitchFamily="34" charset="0"/>
+                      </a:endParaRPr>
+                    </a:p>
+                  </a:txBody>
+                  <a:tcPr marL="67889" marR="67889" marT="33944" marB="33944" anchor="b"/>
+                </a:tc>
+                <a:tc>
+                  <a:txBody>
+                    <a:bodyPr/>
+                    <a:lstStyle/>
+                    <a:p>
+                      <a:pPr algn="l" fontAlgn="b">
+                        <a:spcBef>
+                          <a:spcPts val="0"/>
+                        </a:spcBef>
+                        <a:spcAft>
+                          <a:spcPts val="0"/>
+                        </a:spcAft>
+                      </a:pPr>
+                      <a:r>
+                        <a:rPr lang="en-GB" sz="1300" b="1" u="none" strike="noStrike">
+                          <a:solidFill>
+                            <a:schemeClr val="bg1"/>
+                          </a:solidFill>
+                          <a:effectLst/>
+                        </a:rPr>
+                        <a:t>East</a:t>
+                      </a:r>
+                      <a:endParaRPr lang="en-GB" sz="1300" b="0" i="0" u="none" strike="noStrike">
+                        <a:solidFill>
+                          <a:schemeClr val="bg1"/>
+                        </a:solidFill>
+                        <a:effectLst/>
+                        <a:latin typeface="Arial" panose="020B0604020202020204" pitchFamily="34" charset="0"/>
+                      </a:endParaRPr>
+                    </a:p>
+                  </a:txBody>
+                  <a:tcPr marL="67889" marR="67889" marT="33944" marB="33944" anchor="b"/>
+                </a:tc>
+                <a:tc>
+                  <a:txBody>
+                    <a:bodyPr/>
+                    <a:lstStyle/>
+                    <a:p>
+                      <a:pPr algn="l" fontAlgn="b">
+                        <a:spcBef>
+                          <a:spcPts val="0"/>
+                        </a:spcBef>
+                        <a:spcAft>
+                          <a:spcPts val="0"/>
+                        </a:spcAft>
+                      </a:pPr>
+                      <a:r>
+                        <a:rPr lang="en-GB" sz="1300" b="1" u="none" strike="noStrike" dirty="0">
+                          <a:solidFill>
+                            <a:schemeClr val="bg1"/>
+                          </a:solidFill>
+                          <a:effectLst/>
+                        </a:rPr>
+                        <a:t>West</a:t>
+                      </a:r>
+                      <a:endParaRPr lang="en-GB" sz="1300" b="0" i="0" u="none" strike="noStrike" dirty="0">
+                        <a:solidFill>
+                          <a:schemeClr val="bg1"/>
+                        </a:solidFill>
+                        <a:effectLst/>
+                        <a:latin typeface="Arial" panose="020B0604020202020204" pitchFamily="34" charset="0"/>
+                      </a:endParaRPr>
+                    </a:p>
+                  </a:txBody>
+                  <a:tcPr marL="67889" marR="67889" marT="33944" marB="33944" anchor="b"/>
+                </a:tc>
+                <a:extLst>
+                  <a:ext uri="{0D108BD9-81ED-4DB2-BD59-A6C34878D82A}">
+                    <a16:rowId xmlns:a16="http://schemas.microsoft.com/office/drawing/2014/main" val="2013071214"/>
+                  </a:ext>
+                </a:extLst>
+              </a:tr>
+              <a:tr h="370840">
+                <a:tc>
+                  <a:txBody>
+                    <a:bodyPr/>
+                    <a:lstStyle/>
+                    <a:p>
+                      <a:pPr algn="l" fontAlgn="base">
+                        <a:spcBef>
+                          <a:spcPts val="0"/>
+                        </a:spcBef>
+                        <a:spcAft>
+                          <a:spcPts val="0"/>
+                        </a:spcAft>
+                      </a:pPr>
+                      <a:r>
+                        <a:rPr lang="en-PK" sz="1300" b="0" u="none" strike="noStrike">
+                          <a:solidFill>
+                            <a:schemeClr val="bg1">
+                              <a:lumMod val="10000"/>
+                            </a:schemeClr>
+                          </a:solidFill>
+                          <a:effectLst/>
+                        </a:rPr>
+                        <a:t>1</a:t>
+                      </a:r>
+                      <a:endParaRPr lang="en-PK" sz="1300" b="0" i="0" u="none" strike="noStrike">
+                        <a:solidFill>
+                          <a:schemeClr val="bg1">
+                            <a:lumMod val="10000"/>
+                          </a:schemeClr>
+                        </a:solidFill>
+                        <a:effectLst/>
+                        <a:latin typeface="Arial" panose="020B0604020202020204" pitchFamily="34" charset="0"/>
+                      </a:endParaRPr>
+                    </a:p>
+                  </a:txBody>
+                  <a:tcPr marL="67889" marR="67889" marT="33944" marB="33944" anchor="ctr"/>
+                </a:tc>
+                <a:tc>
+                  <a:txBody>
+                    <a:bodyPr/>
+                    <a:lstStyle/>
+                    <a:p>
+                      <a:pPr algn="l" fontAlgn="base">
+                        <a:spcBef>
+                          <a:spcPts val="0"/>
+                        </a:spcBef>
+                        <a:spcAft>
+                          <a:spcPts val="0"/>
+                        </a:spcAft>
+                      </a:pPr>
+                      <a:r>
+                        <a:rPr lang="en-GB" sz="1300" b="0" u="none" strike="noStrike" dirty="0">
+                          <a:solidFill>
+                            <a:schemeClr val="bg1">
+                              <a:lumMod val="10000"/>
+                            </a:schemeClr>
+                          </a:solidFill>
+                          <a:effectLst/>
+                        </a:rPr>
+                        <a:t>North</a:t>
+                      </a:r>
+                      <a:endParaRPr lang="en-GB" sz="1300" b="0" i="0" u="none" strike="noStrike" dirty="0">
+                        <a:solidFill>
+                          <a:schemeClr val="bg1">
+                            <a:lumMod val="10000"/>
+                          </a:schemeClr>
+                        </a:solidFill>
+                        <a:effectLst/>
+                        <a:latin typeface="Arial" panose="020B0604020202020204" pitchFamily="34" charset="0"/>
+                      </a:endParaRPr>
+                    </a:p>
+                  </a:txBody>
+                  <a:tcPr marL="67889" marR="67889" marT="33944" marB="33944" anchor="ctr"/>
+                </a:tc>
+                <a:tc>
+                  <a:txBody>
+                    <a:bodyPr/>
+                    <a:lstStyle/>
+                    <a:p>
+                      <a:pPr algn="l" fontAlgn="base">
+                        <a:spcBef>
+                          <a:spcPts val="0"/>
+                        </a:spcBef>
+                        <a:spcAft>
+                          <a:spcPts val="0"/>
+                        </a:spcAft>
+                      </a:pPr>
+                      <a:r>
+                        <a:rPr lang="en-PK" sz="1300" b="0" u="none" strike="noStrike" dirty="0">
+                          <a:solidFill>
+                            <a:schemeClr val="bg1">
+                              <a:lumMod val="10000"/>
+                            </a:schemeClr>
+                          </a:solidFill>
+                          <a:effectLst/>
+                        </a:rPr>
+                        <a:t>1</a:t>
+                      </a:r>
+                      <a:endParaRPr lang="en-PK" sz="1300" b="0" i="0" u="none" strike="noStrike" dirty="0">
+                        <a:solidFill>
+                          <a:schemeClr val="bg1">
+                            <a:lumMod val="10000"/>
+                          </a:schemeClr>
+                        </a:solidFill>
+                        <a:effectLst/>
+                        <a:latin typeface="Arial" panose="020B0604020202020204" pitchFamily="34" charset="0"/>
+                      </a:endParaRPr>
+                    </a:p>
+                  </a:txBody>
+                  <a:tcPr marL="67889" marR="67889" marT="33944" marB="33944" anchor="ctr"/>
+                </a:tc>
+                <a:tc>
+                  <a:txBody>
+                    <a:bodyPr/>
+                    <a:lstStyle/>
+                    <a:p>
+                      <a:pPr algn="l" fontAlgn="base">
+                        <a:spcBef>
+                          <a:spcPts val="0"/>
+                        </a:spcBef>
+                        <a:spcAft>
+                          <a:spcPts val="0"/>
+                        </a:spcAft>
+                      </a:pPr>
+                      <a:r>
+                        <a:rPr lang="en-PK" sz="1300" b="0" u="none" strike="noStrike" dirty="0">
+                          <a:solidFill>
+                            <a:schemeClr val="bg1">
+                              <a:lumMod val="10000"/>
+                            </a:schemeClr>
+                          </a:solidFill>
+                          <a:effectLst/>
+                        </a:rPr>
+                        <a:t>0</a:t>
+                      </a:r>
+                      <a:endParaRPr lang="en-PK" sz="1300" b="0" i="0" u="none" strike="noStrike" dirty="0">
+                        <a:solidFill>
+                          <a:schemeClr val="bg1">
+                            <a:lumMod val="10000"/>
+                          </a:schemeClr>
+                        </a:solidFill>
+                        <a:effectLst/>
+                        <a:latin typeface="Arial" panose="020B0604020202020204" pitchFamily="34" charset="0"/>
+                      </a:endParaRPr>
+                    </a:p>
+                  </a:txBody>
+                  <a:tcPr marL="67889" marR="67889" marT="33944" marB="33944" anchor="ctr"/>
+                </a:tc>
+                <a:tc>
+                  <a:txBody>
+                    <a:bodyPr/>
+                    <a:lstStyle/>
+                    <a:p>
+                      <a:pPr algn="l" fontAlgn="base">
+                        <a:spcBef>
+                          <a:spcPts val="0"/>
+                        </a:spcBef>
+                        <a:spcAft>
+                          <a:spcPts val="0"/>
+                        </a:spcAft>
+                      </a:pPr>
+                      <a:r>
+                        <a:rPr lang="en-PK" sz="1300" b="0" u="none" strike="noStrike">
+                          <a:solidFill>
+                            <a:schemeClr val="bg1">
+                              <a:lumMod val="10000"/>
+                            </a:schemeClr>
+                          </a:solidFill>
+                          <a:effectLst/>
+                        </a:rPr>
+                        <a:t>0</a:t>
+                      </a:r>
+                      <a:endParaRPr lang="en-PK" sz="1300" b="0" i="0" u="none" strike="noStrike">
+                        <a:solidFill>
+                          <a:schemeClr val="bg1">
+                            <a:lumMod val="10000"/>
+                          </a:schemeClr>
+                        </a:solidFill>
+                        <a:effectLst/>
+                        <a:latin typeface="Arial" panose="020B0604020202020204" pitchFamily="34" charset="0"/>
+                      </a:endParaRPr>
+                    </a:p>
+                  </a:txBody>
+                  <a:tcPr marL="67889" marR="67889" marT="33944" marB="33944" anchor="ctr"/>
+                </a:tc>
+                <a:tc>
+                  <a:txBody>
+                    <a:bodyPr/>
+                    <a:lstStyle/>
+                    <a:p>
+                      <a:pPr algn="l" fontAlgn="base">
+                        <a:spcBef>
+                          <a:spcPts val="0"/>
+                        </a:spcBef>
+                        <a:spcAft>
+                          <a:spcPts val="0"/>
+                        </a:spcAft>
+                      </a:pPr>
+                      <a:r>
+                        <a:rPr lang="en-PK" sz="1300" b="0" u="none" strike="noStrike" dirty="0">
+                          <a:solidFill>
+                            <a:schemeClr val="bg1">
+                              <a:lumMod val="10000"/>
+                            </a:schemeClr>
+                          </a:solidFill>
+                          <a:effectLst/>
+                        </a:rPr>
+                        <a:t>0</a:t>
+                      </a:r>
+                      <a:endParaRPr lang="en-PK" sz="1300" b="0" i="0" u="none" strike="noStrike" dirty="0">
+                        <a:solidFill>
+                          <a:schemeClr val="bg1">
+                            <a:lumMod val="10000"/>
+                          </a:schemeClr>
+                        </a:solidFill>
+                        <a:effectLst/>
+                        <a:latin typeface="Arial" panose="020B0604020202020204" pitchFamily="34" charset="0"/>
+                      </a:endParaRPr>
+                    </a:p>
+                  </a:txBody>
+                  <a:tcPr marL="67889" marR="67889" marT="33944" marB="33944" anchor="ctr"/>
+                </a:tc>
+                <a:extLst>
+                  <a:ext uri="{0D108BD9-81ED-4DB2-BD59-A6C34878D82A}">
+                    <a16:rowId xmlns:a16="http://schemas.microsoft.com/office/drawing/2014/main" val="3212948010"/>
+                  </a:ext>
+                </a:extLst>
+              </a:tr>
+              <a:tr h="370840">
+                <a:tc>
+                  <a:txBody>
+                    <a:bodyPr/>
+                    <a:lstStyle/>
+                    <a:p>
+                      <a:pPr algn="l" fontAlgn="base">
+                        <a:spcBef>
+                          <a:spcPts val="0"/>
+                        </a:spcBef>
+                        <a:spcAft>
+                          <a:spcPts val="0"/>
+                        </a:spcAft>
+                      </a:pPr>
+                      <a:r>
+                        <a:rPr lang="en-PK" sz="1300" b="0" u="none" strike="noStrike">
+                          <a:solidFill>
+                            <a:schemeClr val="bg1">
+                              <a:lumMod val="10000"/>
+                            </a:schemeClr>
+                          </a:solidFill>
+                          <a:effectLst/>
+                        </a:rPr>
+                        <a:t>2</a:t>
+                      </a:r>
+                      <a:endParaRPr lang="en-PK" sz="1300" b="0" i="0" u="none" strike="noStrike">
+                        <a:solidFill>
+                          <a:schemeClr val="bg1">
+                            <a:lumMod val="10000"/>
+                          </a:schemeClr>
+                        </a:solidFill>
+                        <a:effectLst/>
+                        <a:latin typeface="Arial" panose="020B0604020202020204" pitchFamily="34" charset="0"/>
+                      </a:endParaRPr>
+                    </a:p>
+                  </a:txBody>
+                  <a:tcPr marL="67889" marR="67889" marT="33944" marB="33944" anchor="ctr"/>
+                </a:tc>
+                <a:tc>
+                  <a:txBody>
+                    <a:bodyPr/>
+                    <a:lstStyle/>
+                    <a:p>
+                      <a:pPr algn="l" fontAlgn="base">
+                        <a:spcBef>
+                          <a:spcPts val="0"/>
+                        </a:spcBef>
+                        <a:spcAft>
+                          <a:spcPts val="0"/>
+                        </a:spcAft>
+                      </a:pPr>
+                      <a:r>
+                        <a:rPr lang="en-GB" sz="1300" b="0" u="none" strike="noStrike">
+                          <a:solidFill>
+                            <a:schemeClr val="bg1">
+                              <a:lumMod val="10000"/>
+                            </a:schemeClr>
+                          </a:solidFill>
+                          <a:effectLst/>
+                        </a:rPr>
+                        <a:t>South</a:t>
+                      </a:r>
+                      <a:endParaRPr lang="en-GB" sz="1300" b="0" i="0" u="none" strike="noStrike">
+                        <a:solidFill>
+                          <a:schemeClr val="bg1">
+                            <a:lumMod val="10000"/>
+                          </a:schemeClr>
+                        </a:solidFill>
+                        <a:effectLst/>
+                        <a:latin typeface="Arial" panose="020B0604020202020204" pitchFamily="34" charset="0"/>
+                      </a:endParaRPr>
+                    </a:p>
+                  </a:txBody>
+                  <a:tcPr marL="67889" marR="67889" marT="33944" marB="33944" anchor="ctr"/>
+                </a:tc>
+                <a:tc>
+                  <a:txBody>
+                    <a:bodyPr/>
+                    <a:lstStyle/>
+                    <a:p>
+                      <a:pPr algn="l" fontAlgn="base">
+                        <a:spcBef>
+                          <a:spcPts val="0"/>
+                        </a:spcBef>
+                        <a:spcAft>
+                          <a:spcPts val="0"/>
+                        </a:spcAft>
+                      </a:pPr>
+                      <a:r>
+                        <a:rPr lang="en-PK" sz="1300" b="0" u="none" strike="noStrike">
+                          <a:solidFill>
+                            <a:schemeClr val="bg1">
+                              <a:lumMod val="10000"/>
+                            </a:schemeClr>
+                          </a:solidFill>
+                          <a:effectLst/>
+                        </a:rPr>
+                        <a:t>0</a:t>
+                      </a:r>
+                      <a:endParaRPr lang="en-PK" sz="1300" b="0" i="0" u="none" strike="noStrike">
+                        <a:solidFill>
+                          <a:schemeClr val="bg1">
+                            <a:lumMod val="10000"/>
+                          </a:schemeClr>
+                        </a:solidFill>
+                        <a:effectLst/>
+                        <a:latin typeface="Arial" panose="020B0604020202020204" pitchFamily="34" charset="0"/>
+                      </a:endParaRPr>
+                    </a:p>
+                  </a:txBody>
+                  <a:tcPr marL="67889" marR="67889" marT="33944" marB="33944" anchor="ctr"/>
+                </a:tc>
+                <a:tc>
+                  <a:txBody>
+                    <a:bodyPr/>
+                    <a:lstStyle/>
+                    <a:p>
+                      <a:pPr algn="l" fontAlgn="base">
+                        <a:spcBef>
+                          <a:spcPts val="0"/>
+                        </a:spcBef>
+                        <a:spcAft>
+                          <a:spcPts val="0"/>
+                        </a:spcAft>
+                      </a:pPr>
+                      <a:r>
+                        <a:rPr lang="en-PK" sz="1300" b="0" u="none" strike="noStrike" dirty="0">
+                          <a:solidFill>
+                            <a:schemeClr val="bg1">
+                              <a:lumMod val="10000"/>
+                            </a:schemeClr>
+                          </a:solidFill>
+                          <a:effectLst/>
+                        </a:rPr>
+                        <a:t>1</a:t>
+                      </a:r>
+                      <a:endParaRPr lang="en-PK" sz="1300" b="0" i="0" u="none" strike="noStrike" dirty="0">
+                        <a:solidFill>
+                          <a:schemeClr val="bg1">
+                            <a:lumMod val="10000"/>
+                          </a:schemeClr>
+                        </a:solidFill>
+                        <a:effectLst/>
+                        <a:latin typeface="Arial" panose="020B0604020202020204" pitchFamily="34" charset="0"/>
+                      </a:endParaRPr>
+                    </a:p>
+                  </a:txBody>
+                  <a:tcPr marL="67889" marR="67889" marT="33944" marB="33944" anchor="ctr"/>
+                </a:tc>
+                <a:tc>
+                  <a:txBody>
+                    <a:bodyPr/>
+                    <a:lstStyle/>
+                    <a:p>
+                      <a:pPr algn="l" fontAlgn="base">
+                        <a:spcBef>
+                          <a:spcPts val="0"/>
+                        </a:spcBef>
+                        <a:spcAft>
+                          <a:spcPts val="0"/>
+                        </a:spcAft>
+                      </a:pPr>
+                      <a:r>
+                        <a:rPr lang="en-PK" sz="1300" b="0" u="none" strike="noStrike">
+                          <a:solidFill>
+                            <a:schemeClr val="bg1">
+                              <a:lumMod val="10000"/>
+                            </a:schemeClr>
+                          </a:solidFill>
+                          <a:effectLst/>
+                        </a:rPr>
+                        <a:t>0</a:t>
+                      </a:r>
+                      <a:endParaRPr lang="en-PK" sz="1300" b="0" i="0" u="none" strike="noStrike">
+                        <a:solidFill>
+                          <a:schemeClr val="bg1">
+                            <a:lumMod val="10000"/>
+                          </a:schemeClr>
+                        </a:solidFill>
+                        <a:effectLst/>
+                        <a:latin typeface="Arial" panose="020B0604020202020204" pitchFamily="34" charset="0"/>
+                      </a:endParaRPr>
+                    </a:p>
+                  </a:txBody>
+                  <a:tcPr marL="67889" marR="67889" marT="33944" marB="33944" anchor="ctr"/>
+                </a:tc>
+                <a:tc>
+                  <a:txBody>
+                    <a:bodyPr/>
+                    <a:lstStyle/>
+                    <a:p>
+                      <a:pPr algn="l" fontAlgn="base">
+                        <a:spcBef>
+                          <a:spcPts val="0"/>
+                        </a:spcBef>
+                        <a:spcAft>
+                          <a:spcPts val="0"/>
+                        </a:spcAft>
+                      </a:pPr>
+                      <a:r>
+                        <a:rPr lang="en-PK" sz="1300" b="0" u="none" strike="noStrike">
+                          <a:solidFill>
+                            <a:schemeClr val="bg1">
+                              <a:lumMod val="10000"/>
+                            </a:schemeClr>
+                          </a:solidFill>
+                          <a:effectLst/>
+                        </a:rPr>
+                        <a:t>0</a:t>
+                      </a:r>
+                      <a:endParaRPr lang="en-PK" sz="1300" b="0" i="0" u="none" strike="noStrike">
+                        <a:solidFill>
+                          <a:schemeClr val="bg1">
+                            <a:lumMod val="10000"/>
+                          </a:schemeClr>
+                        </a:solidFill>
+                        <a:effectLst/>
+                        <a:latin typeface="Arial" panose="020B0604020202020204" pitchFamily="34" charset="0"/>
+                      </a:endParaRPr>
+                    </a:p>
+                  </a:txBody>
+                  <a:tcPr marL="67889" marR="67889" marT="33944" marB="33944" anchor="ctr"/>
+                </a:tc>
+                <a:extLst>
+                  <a:ext uri="{0D108BD9-81ED-4DB2-BD59-A6C34878D82A}">
+                    <a16:rowId xmlns:a16="http://schemas.microsoft.com/office/drawing/2014/main" val="160839639"/>
+                  </a:ext>
+                </a:extLst>
+              </a:tr>
+              <a:tr h="370840">
+                <a:tc>
+                  <a:txBody>
+                    <a:bodyPr/>
+                    <a:lstStyle/>
+                    <a:p>
+                      <a:pPr algn="l" fontAlgn="base">
+                        <a:spcBef>
+                          <a:spcPts val="0"/>
+                        </a:spcBef>
+                        <a:spcAft>
+                          <a:spcPts val="0"/>
+                        </a:spcAft>
+                      </a:pPr>
+                      <a:r>
+                        <a:rPr lang="en-PK" sz="1300" b="0" u="none" strike="noStrike">
+                          <a:solidFill>
+                            <a:schemeClr val="bg1">
+                              <a:lumMod val="10000"/>
+                            </a:schemeClr>
+                          </a:solidFill>
+                          <a:effectLst/>
+                        </a:rPr>
+                        <a:t>3</a:t>
+                      </a:r>
+                      <a:endParaRPr lang="en-PK" sz="1300" b="0" i="0" u="none" strike="noStrike">
+                        <a:solidFill>
+                          <a:schemeClr val="bg1">
+                            <a:lumMod val="10000"/>
+                          </a:schemeClr>
+                        </a:solidFill>
+                        <a:effectLst/>
+                        <a:latin typeface="Arial" panose="020B0604020202020204" pitchFamily="34" charset="0"/>
+                      </a:endParaRPr>
+                    </a:p>
+                  </a:txBody>
+                  <a:tcPr marL="67889" marR="67889" marT="33944" marB="33944" anchor="ctr"/>
+                </a:tc>
+                <a:tc>
+                  <a:txBody>
+                    <a:bodyPr/>
+                    <a:lstStyle/>
+                    <a:p>
+                      <a:pPr algn="l" fontAlgn="base">
+                        <a:spcBef>
+                          <a:spcPts val="0"/>
+                        </a:spcBef>
+                        <a:spcAft>
+                          <a:spcPts val="0"/>
+                        </a:spcAft>
+                      </a:pPr>
+                      <a:r>
+                        <a:rPr lang="en-GB" sz="1300" b="0" u="none" strike="noStrike" dirty="0">
+                          <a:solidFill>
+                            <a:schemeClr val="bg1">
+                              <a:lumMod val="10000"/>
+                            </a:schemeClr>
+                          </a:solidFill>
+                          <a:effectLst/>
+                        </a:rPr>
+                        <a:t>East</a:t>
+                      </a:r>
+                      <a:endParaRPr lang="en-GB" sz="1300" b="0" i="0" u="none" strike="noStrike" dirty="0">
+                        <a:solidFill>
+                          <a:schemeClr val="bg1">
+                            <a:lumMod val="10000"/>
+                          </a:schemeClr>
+                        </a:solidFill>
+                        <a:effectLst/>
+                        <a:latin typeface="Arial" panose="020B0604020202020204" pitchFamily="34" charset="0"/>
+                      </a:endParaRPr>
+                    </a:p>
+                  </a:txBody>
+                  <a:tcPr marL="67889" marR="67889" marT="33944" marB="33944" anchor="ctr"/>
+                </a:tc>
+                <a:tc>
+                  <a:txBody>
+                    <a:bodyPr/>
+                    <a:lstStyle/>
+                    <a:p>
+                      <a:pPr algn="l" fontAlgn="base">
+                        <a:spcBef>
+                          <a:spcPts val="0"/>
+                        </a:spcBef>
+                        <a:spcAft>
+                          <a:spcPts val="0"/>
+                        </a:spcAft>
+                      </a:pPr>
+                      <a:r>
+                        <a:rPr lang="en-PK" sz="1300" b="0" u="none" strike="noStrike">
+                          <a:solidFill>
+                            <a:schemeClr val="bg1">
+                              <a:lumMod val="10000"/>
+                            </a:schemeClr>
+                          </a:solidFill>
+                          <a:effectLst/>
+                        </a:rPr>
+                        <a:t>0</a:t>
+                      </a:r>
+                      <a:endParaRPr lang="en-PK" sz="1300" b="0" i="0" u="none" strike="noStrike">
+                        <a:solidFill>
+                          <a:schemeClr val="bg1">
+                            <a:lumMod val="10000"/>
+                          </a:schemeClr>
+                        </a:solidFill>
+                        <a:effectLst/>
+                        <a:latin typeface="Arial" panose="020B0604020202020204" pitchFamily="34" charset="0"/>
+                      </a:endParaRPr>
+                    </a:p>
+                  </a:txBody>
+                  <a:tcPr marL="67889" marR="67889" marT="33944" marB="33944" anchor="ctr"/>
+                </a:tc>
+                <a:tc>
+                  <a:txBody>
+                    <a:bodyPr/>
+                    <a:lstStyle/>
+                    <a:p>
+                      <a:pPr algn="l" fontAlgn="base">
+                        <a:spcBef>
+                          <a:spcPts val="0"/>
+                        </a:spcBef>
+                        <a:spcAft>
+                          <a:spcPts val="0"/>
+                        </a:spcAft>
+                      </a:pPr>
+                      <a:r>
+                        <a:rPr lang="en-PK" sz="1300" b="0" u="none" strike="noStrike">
+                          <a:solidFill>
+                            <a:schemeClr val="bg1">
+                              <a:lumMod val="10000"/>
+                            </a:schemeClr>
+                          </a:solidFill>
+                          <a:effectLst/>
+                        </a:rPr>
+                        <a:t>0</a:t>
+                      </a:r>
+                      <a:endParaRPr lang="en-PK" sz="1300" b="0" i="0" u="none" strike="noStrike">
+                        <a:solidFill>
+                          <a:schemeClr val="bg1">
+                            <a:lumMod val="10000"/>
+                          </a:schemeClr>
+                        </a:solidFill>
+                        <a:effectLst/>
+                        <a:latin typeface="Arial" panose="020B0604020202020204" pitchFamily="34" charset="0"/>
+                      </a:endParaRPr>
+                    </a:p>
+                  </a:txBody>
+                  <a:tcPr marL="67889" marR="67889" marT="33944" marB="33944" anchor="ctr"/>
+                </a:tc>
+                <a:tc>
+                  <a:txBody>
+                    <a:bodyPr/>
+                    <a:lstStyle/>
+                    <a:p>
+                      <a:pPr algn="l" fontAlgn="base">
+                        <a:spcBef>
+                          <a:spcPts val="0"/>
+                        </a:spcBef>
+                        <a:spcAft>
+                          <a:spcPts val="0"/>
+                        </a:spcAft>
+                      </a:pPr>
+                      <a:r>
+                        <a:rPr lang="en-PK" sz="1300" b="0" u="none" strike="noStrike">
+                          <a:solidFill>
+                            <a:schemeClr val="bg1">
+                              <a:lumMod val="10000"/>
+                            </a:schemeClr>
+                          </a:solidFill>
+                          <a:effectLst/>
+                        </a:rPr>
+                        <a:t>1</a:t>
+                      </a:r>
+                      <a:endParaRPr lang="en-PK" sz="1300" b="0" i="0" u="none" strike="noStrike">
+                        <a:solidFill>
+                          <a:schemeClr val="bg1">
+                            <a:lumMod val="10000"/>
+                          </a:schemeClr>
+                        </a:solidFill>
+                        <a:effectLst/>
+                        <a:latin typeface="Arial" panose="020B0604020202020204" pitchFamily="34" charset="0"/>
+                      </a:endParaRPr>
+                    </a:p>
+                  </a:txBody>
+                  <a:tcPr marL="67889" marR="67889" marT="33944" marB="33944" anchor="ctr"/>
+                </a:tc>
+                <a:tc>
+                  <a:txBody>
+                    <a:bodyPr/>
+                    <a:lstStyle/>
+                    <a:p>
+                      <a:pPr algn="l" fontAlgn="base">
+                        <a:spcBef>
+                          <a:spcPts val="0"/>
+                        </a:spcBef>
+                        <a:spcAft>
+                          <a:spcPts val="0"/>
+                        </a:spcAft>
+                      </a:pPr>
+                      <a:r>
+                        <a:rPr lang="en-PK" sz="1300" b="0" u="none" strike="noStrike" dirty="0">
+                          <a:solidFill>
+                            <a:schemeClr val="bg1">
+                              <a:lumMod val="10000"/>
+                            </a:schemeClr>
+                          </a:solidFill>
+                          <a:effectLst/>
+                        </a:rPr>
+                        <a:t>0</a:t>
+                      </a:r>
+                      <a:endParaRPr lang="en-PK" sz="1300" b="0" i="0" u="none" strike="noStrike" dirty="0">
+                        <a:solidFill>
+                          <a:schemeClr val="bg1">
+                            <a:lumMod val="10000"/>
+                          </a:schemeClr>
+                        </a:solidFill>
+                        <a:effectLst/>
+                        <a:latin typeface="Arial" panose="020B0604020202020204" pitchFamily="34" charset="0"/>
+                      </a:endParaRPr>
+                    </a:p>
+                  </a:txBody>
+                  <a:tcPr marL="67889" marR="67889" marT="33944" marB="33944" anchor="ctr"/>
+                </a:tc>
+                <a:extLst>
+                  <a:ext uri="{0D108BD9-81ED-4DB2-BD59-A6C34878D82A}">
+                    <a16:rowId xmlns:a16="http://schemas.microsoft.com/office/drawing/2014/main" val="1361678857"/>
+                  </a:ext>
+                </a:extLst>
+              </a:tr>
+              <a:tr h="370840">
+                <a:tc>
+                  <a:txBody>
+                    <a:bodyPr/>
+                    <a:lstStyle/>
+                    <a:p>
+                      <a:pPr algn="l" fontAlgn="base">
+                        <a:spcBef>
+                          <a:spcPts val="0"/>
+                        </a:spcBef>
+                        <a:spcAft>
+                          <a:spcPts val="0"/>
+                        </a:spcAft>
+                      </a:pPr>
+                      <a:r>
+                        <a:rPr lang="en-PK" sz="1300" b="0" u="none" strike="noStrike">
+                          <a:solidFill>
+                            <a:schemeClr val="bg1">
+                              <a:lumMod val="10000"/>
+                            </a:schemeClr>
+                          </a:solidFill>
+                          <a:effectLst/>
+                        </a:rPr>
+                        <a:t>4</a:t>
+                      </a:r>
+                      <a:endParaRPr lang="en-PK" sz="1300" b="0" i="0" u="none" strike="noStrike">
+                        <a:solidFill>
+                          <a:schemeClr val="bg1">
+                            <a:lumMod val="10000"/>
+                          </a:schemeClr>
+                        </a:solidFill>
+                        <a:effectLst/>
+                        <a:latin typeface="Arial" panose="020B0604020202020204" pitchFamily="34" charset="0"/>
+                      </a:endParaRPr>
+                    </a:p>
+                  </a:txBody>
+                  <a:tcPr marL="67889" marR="67889" marT="33944" marB="33944" anchor="ctr"/>
+                </a:tc>
+                <a:tc>
+                  <a:txBody>
+                    <a:bodyPr/>
+                    <a:lstStyle/>
+                    <a:p>
+                      <a:pPr algn="l" fontAlgn="base">
+                        <a:spcBef>
+                          <a:spcPts val="0"/>
+                        </a:spcBef>
+                        <a:spcAft>
+                          <a:spcPts val="0"/>
+                        </a:spcAft>
+                      </a:pPr>
+                      <a:r>
+                        <a:rPr lang="en-GB" sz="1300" b="0" u="none" strike="noStrike">
+                          <a:solidFill>
+                            <a:schemeClr val="bg1">
+                              <a:lumMod val="10000"/>
+                            </a:schemeClr>
+                          </a:solidFill>
+                          <a:effectLst/>
+                        </a:rPr>
+                        <a:t>West</a:t>
+                      </a:r>
+                      <a:endParaRPr lang="en-GB" sz="1300" b="0" i="0" u="none" strike="noStrike">
+                        <a:solidFill>
+                          <a:schemeClr val="bg1">
+                            <a:lumMod val="10000"/>
+                          </a:schemeClr>
+                        </a:solidFill>
+                        <a:effectLst/>
+                        <a:latin typeface="Arial" panose="020B0604020202020204" pitchFamily="34" charset="0"/>
+                      </a:endParaRPr>
+                    </a:p>
+                  </a:txBody>
+                  <a:tcPr marL="67889" marR="67889" marT="33944" marB="33944" anchor="ctr"/>
+                </a:tc>
+                <a:tc>
+                  <a:txBody>
+                    <a:bodyPr/>
+                    <a:lstStyle/>
+                    <a:p>
+                      <a:pPr algn="l" fontAlgn="base">
+                        <a:spcBef>
+                          <a:spcPts val="0"/>
+                        </a:spcBef>
+                        <a:spcAft>
+                          <a:spcPts val="0"/>
+                        </a:spcAft>
+                      </a:pPr>
+                      <a:r>
+                        <a:rPr lang="en-PK" sz="1300" b="0" u="none" strike="noStrike">
+                          <a:solidFill>
+                            <a:schemeClr val="bg1">
+                              <a:lumMod val="10000"/>
+                            </a:schemeClr>
+                          </a:solidFill>
+                          <a:effectLst/>
+                        </a:rPr>
+                        <a:t>0</a:t>
+                      </a:r>
+                      <a:endParaRPr lang="en-PK" sz="1300" b="0" i="0" u="none" strike="noStrike">
+                        <a:solidFill>
+                          <a:schemeClr val="bg1">
+                            <a:lumMod val="10000"/>
+                          </a:schemeClr>
+                        </a:solidFill>
+                        <a:effectLst/>
+                        <a:latin typeface="Arial" panose="020B0604020202020204" pitchFamily="34" charset="0"/>
+                      </a:endParaRPr>
+                    </a:p>
+                  </a:txBody>
+                  <a:tcPr marL="67889" marR="67889" marT="33944" marB="33944" anchor="ctr"/>
+                </a:tc>
+                <a:tc>
+                  <a:txBody>
+                    <a:bodyPr/>
+                    <a:lstStyle/>
+                    <a:p>
+                      <a:pPr algn="l" fontAlgn="base">
+                        <a:spcBef>
+                          <a:spcPts val="0"/>
+                        </a:spcBef>
+                        <a:spcAft>
+                          <a:spcPts val="0"/>
+                        </a:spcAft>
+                      </a:pPr>
+                      <a:r>
+                        <a:rPr lang="en-PK" sz="1300" b="0" u="none" strike="noStrike">
+                          <a:solidFill>
+                            <a:schemeClr val="bg1">
+                              <a:lumMod val="10000"/>
+                            </a:schemeClr>
+                          </a:solidFill>
+                          <a:effectLst/>
+                        </a:rPr>
+                        <a:t>0</a:t>
+                      </a:r>
+                      <a:endParaRPr lang="en-PK" sz="1300" b="0" i="0" u="none" strike="noStrike">
+                        <a:solidFill>
+                          <a:schemeClr val="bg1">
+                            <a:lumMod val="10000"/>
+                          </a:schemeClr>
+                        </a:solidFill>
+                        <a:effectLst/>
+                        <a:latin typeface="Arial" panose="020B0604020202020204" pitchFamily="34" charset="0"/>
+                      </a:endParaRPr>
+                    </a:p>
+                  </a:txBody>
+                  <a:tcPr marL="67889" marR="67889" marT="33944" marB="33944" anchor="ctr"/>
+                </a:tc>
+                <a:tc>
+                  <a:txBody>
+                    <a:bodyPr/>
+                    <a:lstStyle/>
+                    <a:p>
+                      <a:pPr algn="l" fontAlgn="base">
+                        <a:spcBef>
+                          <a:spcPts val="0"/>
+                        </a:spcBef>
+                        <a:spcAft>
+                          <a:spcPts val="0"/>
+                        </a:spcAft>
+                      </a:pPr>
+                      <a:r>
+                        <a:rPr lang="en-PK" sz="1300" b="0" u="none" strike="noStrike">
+                          <a:solidFill>
+                            <a:schemeClr val="bg1">
+                              <a:lumMod val="10000"/>
+                            </a:schemeClr>
+                          </a:solidFill>
+                          <a:effectLst/>
+                        </a:rPr>
+                        <a:t>0</a:t>
+                      </a:r>
+                      <a:endParaRPr lang="en-PK" sz="1300" b="0" i="0" u="none" strike="noStrike">
+                        <a:solidFill>
+                          <a:schemeClr val="bg1">
+                            <a:lumMod val="10000"/>
+                          </a:schemeClr>
+                        </a:solidFill>
+                        <a:effectLst/>
+                        <a:latin typeface="Arial" panose="020B0604020202020204" pitchFamily="34" charset="0"/>
+                      </a:endParaRPr>
+                    </a:p>
+                  </a:txBody>
+                  <a:tcPr marL="67889" marR="67889" marT="33944" marB="33944" anchor="ctr"/>
+                </a:tc>
+                <a:tc>
+                  <a:txBody>
+                    <a:bodyPr/>
+                    <a:lstStyle/>
+                    <a:p>
+                      <a:pPr algn="l" fontAlgn="base">
+                        <a:spcBef>
+                          <a:spcPts val="0"/>
+                        </a:spcBef>
+                        <a:spcAft>
+                          <a:spcPts val="0"/>
+                        </a:spcAft>
+                      </a:pPr>
+                      <a:r>
+                        <a:rPr lang="en-PK" sz="1300" b="0" u="none" strike="noStrike" dirty="0">
+                          <a:solidFill>
+                            <a:schemeClr val="bg1">
+                              <a:lumMod val="10000"/>
+                            </a:schemeClr>
+                          </a:solidFill>
+                          <a:effectLst/>
+                        </a:rPr>
+                        <a:t>1</a:t>
+                      </a:r>
+                      <a:endParaRPr lang="en-PK" sz="1300" b="0" i="0" u="none" strike="noStrike" dirty="0">
+                        <a:solidFill>
+                          <a:schemeClr val="bg1">
+                            <a:lumMod val="10000"/>
+                          </a:schemeClr>
+                        </a:solidFill>
+                        <a:effectLst/>
+                        <a:latin typeface="Arial" panose="020B0604020202020204" pitchFamily="34" charset="0"/>
+                      </a:endParaRPr>
+                    </a:p>
+                  </a:txBody>
+                  <a:tcPr marL="67889" marR="67889" marT="33944" marB="33944" anchor="ctr"/>
+                </a:tc>
+                <a:extLst>
+                  <a:ext uri="{0D108BD9-81ED-4DB2-BD59-A6C34878D82A}">
+                    <a16:rowId xmlns:a16="http://schemas.microsoft.com/office/drawing/2014/main" val="4128088812"/>
+                  </a:ext>
+                </a:extLst>
+              </a:tr>
+            </a:tbl>
+          </a:graphicData>
+        </a:graphic>
+      </p:graphicFrame>
+      <p:sp>
+        <p:nvSpPr>
+          <p:cNvPr id="13" name="TextBox 12">
+            <a:extLst>
+              <a:ext uri="{FF2B5EF4-FFF2-40B4-BE49-F238E27FC236}">
+                <a16:creationId xmlns:a16="http://schemas.microsoft.com/office/drawing/2014/main" id="{8FA7B036-7B01-4540-981F-9B06FB008190}"/>
+              </a:ext>
+            </a:extLst>
+          </p:cNvPr>
+          <p:cNvSpPr txBox="1"/>
+          <p:nvPr/>
+        </p:nvSpPr>
+        <p:spPr>
+          <a:xfrm>
+            <a:off x="3225149" y="6311900"/>
+            <a:ext cx="5741700" cy="369332"/>
+          </a:xfrm>
+          <a:prstGeom prst="rect">
+            <a:avLst/>
+          </a:prstGeom>
+          <a:noFill/>
+        </p:spPr>
+        <p:txBody>
+          <a:bodyPr wrap="none" rtlCol="0">
+            <a:spAutoFit/>
+          </a:bodyPr>
+          <a:lstStyle/>
+          <a:p>
+            <a:r>
+              <a:rPr lang="en-PK" dirty="0"/>
+              <a:t>Table </a:t>
+            </a:r>
+            <a:r>
+              <a:rPr lang="en-GB" dirty="0"/>
+              <a:t>presents</a:t>
+            </a:r>
+            <a:r>
+              <a:rPr lang="en-PK" dirty="0"/>
+              <a:t> information for the person from each region</a:t>
+            </a:r>
+          </a:p>
+        </p:txBody>
+      </p:sp>
+    </p:spTree>
+    <p:extLst>
+      <p:ext uri="{BB962C8B-B14F-4D97-AF65-F5344CB8AC3E}">
+        <p14:creationId xmlns:p14="http://schemas.microsoft.com/office/powerpoint/2010/main" val="1439264878"/>
+      </p:ext>
+    </p:extLst>
+  </p:cSld>
+  <p:clrMapOvr>
+    <a:masterClrMapping/>
+  </p:clrMapOvr>
+</p:sld>
+</file>
+
+<file path=ppt/slides/slide4.xml><?xml version="1.0" encoding="utf-8"?>
+<p:sld xmlns:a="http://schemas.openxmlformats.org/drawingml/2006/main" xmlns:r="http://schemas.openxmlformats.org/officeDocument/2006/relationships" xmlns:p="http://schemas.openxmlformats.org/presentationml/2006/main">
+  <p:cSld>
+    <p:spTree>
+      <p:nvGrpSpPr>
+        <p:cNvPr id="1" name=""/>
+        <p:cNvGrpSpPr/>
+        <p:nvPr/>
+      </p:nvGrpSpPr>
+      <p:grpSpPr>
+        <a:xfrm>
+          <a:off x="0" y="0"/>
+          <a:ext cx="0" cy="0"/>
+          <a:chOff x="0" y="0"/>
+          <a:chExt cx="0" cy="0"/>
+        </a:xfrm>
+      </p:grpSpPr>
+      <p:sp>
+        <p:nvSpPr>
+          <p:cNvPr id="2" name="Title 1">
+            <a:extLst>
+              <a:ext uri="{FF2B5EF4-FFF2-40B4-BE49-F238E27FC236}">
+                <a16:creationId xmlns:a16="http://schemas.microsoft.com/office/drawing/2014/main" id="{5069966B-97B6-9417-F241-EFF931F8BDB4}"/>
+              </a:ext>
+            </a:extLst>
+          </p:cNvPr>
+          <p:cNvSpPr>
+            <a:spLocks noGrp="1"/>
+          </p:cNvSpPr>
+          <p:nvPr>
+            <p:ph type="title"/>
+          </p:nvPr>
+        </p:nvSpPr>
+        <p:spPr/>
+        <p:txBody>
+          <a:bodyPr/>
+          <a:lstStyle/>
+          <a:p>
+            <a:r>
+              <a:rPr lang="en-PK" dirty="0"/>
+              <a:t>Extensions of Linear Model</a:t>
+            </a:r>
+          </a:p>
+        </p:txBody>
+      </p:sp>
+      <mc:AlternateContent xmlns:mc="http://schemas.openxmlformats.org/markup-compatibility/2006">
+        <mc:Choice xmlns:a14="http://schemas.microsoft.com/office/drawing/2010/main" Requires="a14">
+          <p:sp>
+            <p:nvSpPr>
+              <p:cNvPr id="3" name="Content Placeholder 2">
+                <a:extLst>
+                  <a:ext uri="{FF2B5EF4-FFF2-40B4-BE49-F238E27FC236}">
+                    <a16:creationId xmlns:a16="http://schemas.microsoft.com/office/drawing/2014/main" id="{94BA37BA-C23F-A802-4819-275DC8047BFC}"/>
+                  </a:ext>
+                </a:extLst>
+              </p:cNvPr>
+              <p:cNvSpPr>
+                <a:spLocks noGrp="1"/>
+              </p:cNvSpPr>
+              <p:nvPr>
+                <p:ph idx="1"/>
+              </p:nvPr>
+            </p:nvSpPr>
+            <p:spPr/>
+            <p:txBody>
+              <a:bodyPr/>
+              <a:lstStyle/>
+              <a:p>
+                <a:r>
+                  <a:rPr lang="en-GB" dirty="0"/>
+                  <a:t>Additive</a:t>
+                </a:r>
+                <a:r>
+                  <a:rPr lang="en-PK" dirty="0"/>
+                  <a:t> vs linear assumption</a:t>
+                </a:r>
+              </a:p>
+              <a:p>
+                <a:r>
+                  <a:rPr lang="en-PK" dirty="0"/>
+                  <a:t>For </a:t>
+                </a:r>
+                <a:r>
+                  <a:rPr lang="en-GB" dirty="0"/>
+                  <a:t>example</a:t>
+                </a:r>
+              </a:p>
+              <a:p>
+                <a:pPr lvl="1"/>
+                <a:r>
+                  <a:rPr lang="en-PK" dirty="0"/>
+                  <a:t>Effect of TV and radio </a:t>
+                </a:r>
+                <a:r>
+                  <a:rPr lang="en-GB" dirty="0"/>
+                  <a:t>advertisement</a:t>
+                </a:r>
+                <a:r>
+                  <a:rPr lang="en-PK" dirty="0"/>
+                  <a:t> on sales</a:t>
+                </a:r>
+              </a:p>
+              <a:p>
+                <a:pPr marL="457200" lvl="1" indent="0">
+                  <a:buNone/>
+                </a:pPr>
+                <a:endParaRPr lang="en-PK" kern="100" dirty="0">
+                  <a:ea typeface="Calibri" panose="020F0502020204030204" pitchFamily="34" charset="0"/>
+                  <a:cs typeface="Arial" panose="020B0604020202020204" pitchFamily="34" charset="0"/>
+                </a:endParaRPr>
+              </a:p>
+              <a:p>
+                <a:pPr marL="457200" lvl="1" indent="0">
+                  <a:buNone/>
+                </a:pPr>
+                <a14:m>
+                  <m:oMathPara xmlns:m="http://schemas.openxmlformats.org/officeDocument/2006/math">
+                    <m:oMathParaPr>
+                      <m:jc m:val="centerGroup"/>
+                    </m:oMathParaPr>
+                    <m:oMath xmlns:m="http://schemas.openxmlformats.org/officeDocument/2006/math">
+                      <m:r>
+                        <a:rPr lang="en-PK" sz="2400" i="1" kern="100" smtClean="0">
+                          <a:effectLst/>
+                          <a:ea typeface="Calibri" panose="020F0502020204030204" pitchFamily="34" charset="0"/>
+                          <a:cs typeface="Arial" panose="020B0604020202020204" pitchFamily="34" charset="0"/>
+                        </a:rPr>
+                        <m:t>𝑌</m:t>
+                      </m:r>
+                      <m:r>
+                        <a:rPr lang="en-PK" sz="2400" i="1" kern="100" smtClean="0">
+                          <a:effectLst/>
+                          <a:ea typeface="Calibri" panose="020F0502020204030204" pitchFamily="34" charset="0"/>
+                          <a:cs typeface="Arial" panose="020B0604020202020204" pitchFamily="34" charset="0"/>
+                        </a:rPr>
+                        <m:t>=</m:t>
+                      </m:r>
+                      <m:sSub>
+                        <m:sSubPr>
+                          <m:ctrlPr>
+                            <a:rPr lang="en-PK" sz="2400" i="1" kern="100">
+                              <a:effectLst/>
+                              <a:ea typeface="Calibri" panose="020F0502020204030204" pitchFamily="34" charset="0"/>
+                              <a:cs typeface="Arial" panose="020B0604020202020204" pitchFamily="34" charset="0"/>
+                            </a:rPr>
+                          </m:ctrlPr>
+                        </m:sSubPr>
+                        <m:e>
+                          <m:r>
+                            <a:rPr lang="en-PK" sz="2400" i="1" kern="100">
+                              <a:effectLst/>
+                              <a:ea typeface="Calibri" panose="020F0502020204030204" pitchFamily="34" charset="0"/>
+                              <a:cs typeface="Arial" panose="020B0604020202020204" pitchFamily="34" charset="0"/>
+                            </a:rPr>
+                            <m:t>𝛽</m:t>
+                          </m:r>
+                        </m:e>
+                        <m:sub>
+                          <m:r>
+                            <a:rPr lang="en-PK" sz="2400" i="1" kern="100">
+                              <a:effectLst/>
+                              <a:ea typeface="Calibri" panose="020F0502020204030204" pitchFamily="34" charset="0"/>
+                              <a:cs typeface="Arial" panose="020B0604020202020204" pitchFamily="34" charset="0"/>
+                            </a:rPr>
+                            <m:t>0</m:t>
+                          </m:r>
+                        </m:sub>
+                      </m:sSub>
+                      <m:r>
+                        <a:rPr lang="en-PK" sz="2400" i="1" kern="100">
+                          <a:effectLst/>
+                          <a:ea typeface="Calibri" panose="020F0502020204030204" pitchFamily="34" charset="0"/>
+                          <a:cs typeface="Arial" panose="020B0604020202020204" pitchFamily="34" charset="0"/>
+                        </a:rPr>
+                        <m:t>+</m:t>
+                      </m:r>
+                      <m:sSub>
+                        <m:sSubPr>
+                          <m:ctrlPr>
+                            <a:rPr lang="en-PK" sz="2400" i="1" kern="100">
+                              <a:effectLst/>
+                              <a:ea typeface="Calibri" panose="020F0502020204030204" pitchFamily="34" charset="0"/>
+                              <a:cs typeface="Arial" panose="020B0604020202020204" pitchFamily="34" charset="0"/>
+                            </a:rPr>
+                          </m:ctrlPr>
+                        </m:sSubPr>
+                        <m:e>
+                          <m:r>
+                            <a:rPr lang="en-PK" sz="2400" i="1" kern="100">
+                              <a:effectLst/>
+                              <a:ea typeface="Calibri" panose="020F0502020204030204" pitchFamily="34" charset="0"/>
+                              <a:cs typeface="Arial" panose="020B0604020202020204" pitchFamily="34" charset="0"/>
+                            </a:rPr>
+                            <m:t>𝛽</m:t>
+                          </m:r>
+                        </m:e>
+                        <m:sub>
+                          <m:r>
+                            <a:rPr lang="en-PK" sz="2400" i="1" kern="100">
+                              <a:effectLst/>
+                              <a:ea typeface="Calibri" panose="020F0502020204030204" pitchFamily="34" charset="0"/>
+                              <a:cs typeface="Arial" panose="020B0604020202020204" pitchFamily="34" charset="0"/>
+                            </a:rPr>
+                            <m:t>1</m:t>
+                          </m:r>
+                        </m:sub>
+                      </m:sSub>
+                      <m:sSub>
+                        <m:sSubPr>
+                          <m:ctrlPr>
+                            <a:rPr lang="en-PK" sz="2400" i="1" kern="100">
+                              <a:effectLst/>
+                              <a:ea typeface="Calibri" panose="020F0502020204030204" pitchFamily="34" charset="0"/>
+                              <a:cs typeface="Arial" panose="020B0604020202020204" pitchFamily="34" charset="0"/>
+                            </a:rPr>
+                          </m:ctrlPr>
+                        </m:sSubPr>
+                        <m:e>
+                          <m:r>
+                            <a:rPr lang="en-PK" sz="2400" i="1" kern="100">
+                              <a:effectLst/>
+                              <a:ea typeface="Calibri" panose="020F0502020204030204" pitchFamily="34" charset="0"/>
+                              <a:cs typeface="Arial" panose="020B0604020202020204" pitchFamily="34" charset="0"/>
+                            </a:rPr>
+                            <m:t>𝑋</m:t>
+                          </m:r>
+                        </m:e>
+                        <m:sub>
+                          <m:r>
+                            <a:rPr lang="en-PK" sz="2400" i="1" kern="100">
+                              <a:effectLst/>
+                              <a:ea typeface="Calibri" panose="020F0502020204030204" pitchFamily="34" charset="0"/>
+                              <a:cs typeface="Arial" panose="020B0604020202020204" pitchFamily="34" charset="0"/>
+                            </a:rPr>
+                            <m:t>1</m:t>
+                          </m:r>
+                        </m:sub>
+                      </m:sSub>
+                      <m:r>
+                        <a:rPr lang="en-PK" sz="2400" i="1" kern="100" smtClean="0">
+                          <a:effectLst/>
+                          <a:ea typeface="Calibri" panose="020F0502020204030204" pitchFamily="34" charset="0"/>
+                          <a:cs typeface="Arial" panose="020B0604020202020204" pitchFamily="34" charset="0"/>
+                        </a:rPr>
+                        <m:t>+</m:t>
+                      </m:r>
+                      <m:sSub>
+                        <m:sSubPr>
+                          <m:ctrlPr>
+                            <a:rPr lang="en-PK" sz="2400" i="1" kern="100">
+                              <a:effectLst/>
+                              <a:ea typeface="Calibri" panose="020F0502020204030204" pitchFamily="34" charset="0"/>
+                              <a:cs typeface="Arial" panose="020B0604020202020204" pitchFamily="34" charset="0"/>
+                            </a:rPr>
+                          </m:ctrlPr>
+                        </m:sSubPr>
+                        <m:e>
+                          <m:r>
+                            <a:rPr lang="en-PK" sz="2400" i="1" kern="100">
+                              <a:effectLst/>
+                              <a:ea typeface="Calibri" panose="020F0502020204030204" pitchFamily="34" charset="0"/>
+                              <a:cs typeface="Arial" panose="020B0604020202020204" pitchFamily="34" charset="0"/>
+                            </a:rPr>
+                            <m:t>𝛽</m:t>
+                          </m:r>
+                        </m:e>
+                        <m:sub>
+                          <m:r>
+                            <a:rPr lang="en-PK" sz="2400" i="1" kern="100">
+                              <a:effectLst/>
+                              <a:ea typeface="Calibri" panose="020F0502020204030204" pitchFamily="34" charset="0"/>
+                              <a:cs typeface="Arial" panose="020B0604020202020204" pitchFamily="34" charset="0"/>
+                            </a:rPr>
+                            <m:t>2</m:t>
+                          </m:r>
+                        </m:sub>
+                      </m:sSub>
+                      <m:sSub>
+                        <m:sSubPr>
+                          <m:ctrlPr>
+                            <a:rPr lang="en-PK" sz="2400" i="1" kern="100">
+                              <a:effectLst/>
+                              <a:ea typeface="Calibri" panose="020F0502020204030204" pitchFamily="34" charset="0"/>
+                              <a:cs typeface="Arial" panose="020B0604020202020204" pitchFamily="34" charset="0"/>
+                            </a:rPr>
+                          </m:ctrlPr>
+                        </m:sSubPr>
+                        <m:e>
+                          <m:r>
+                            <a:rPr lang="en-PK" sz="2400" i="1" kern="100">
+                              <a:effectLst/>
+                              <a:ea typeface="Calibri" panose="020F0502020204030204" pitchFamily="34" charset="0"/>
+                              <a:cs typeface="Arial" panose="020B0604020202020204" pitchFamily="34" charset="0"/>
+                            </a:rPr>
+                            <m:t>𝑋</m:t>
+                          </m:r>
+                        </m:e>
+                        <m:sub>
+                          <m:r>
+                            <a:rPr lang="en-PK" sz="2400" i="1" kern="100">
+                              <a:effectLst/>
+                              <a:ea typeface="Calibri" panose="020F0502020204030204" pitchFamily="34" charset="0"/>
+                              <a:cs typeface="Arial" panose="020B0604020202020204" pitchFamily="34" charset="0"/>
+                            </a:rPr>
+                            <m:t>2</m:t>
+                          </m:r>
+                        </m:sub>
+                      </m:sSub>
+                      <m:r>
+                        <a:rPr lang="en-US" sz="2400" b="0" i="1" kern="100" smtClean="0">
+                          <a:effectLst/>
+                          <a:latin typeface="Cambria Math" panose="02040503050406030204" pitchFamily="18" charset="0"/>
+                          <a:ea typeface="Calibri" panose="020F0502020204030204" pitchFamily="34" charset="0"/>
+                          <a:cs typeface="Arial" panose="020B0604020202020204" pitchFamily="34" charset="0"/>
+                        </a:rPr>
+                        <m:t>+</m:t>
+                      </m:r>
+                      <m:r>
+                        <a:rPr lang="en-PK" i="1"/>
+                        <m:t>𝜖</m:t>
+                      </m:r>
+                    </m:oMath>
+                  </m:oMathPara>
+                </a14:m>
+                <a:endParaRPr lang="en-GB" sz="2400" dirty="0"/>
+              </a:p>
+              <a:p>
+                <a:r>
+                  <a:rPr lang="en-GB" dirty="0"/>
+                  <a:t>Interaction effect</a:t>
+                </a:r>
+              </a:p>
+              <a:p>
+                <a:pPr marL="457200" lvl="1" indent="0">
+                  <a:buNone/>
+                </a:pPr>
+                <a14:m>
+                  <m:oMathPara xmlns:m="http://schemas.openxmlformats.org/officeDocument/2006/math">
+                    <m:oMathParaPr>
+                      <m:jc m:val="centerGroup"/>
+                    </m:oMathParaPr>
+                    <m:oMath xmlns:m="http://schemas.openxmlformats.org/officeDocument/2006/math">
+                      <m:r>
+                        <a:rPr lang="en-PK" i="1" kern="100" smtClean="0">
+                          <a:effectLst/>
+                          <a:latin typeface="Cambria Math" panose="02040503050406030204" pitchFamily="18" charset="0"/>
+                          <a:ea typeface="Calibri" panose="020F0502020204030204" pitchFamily="34" charset="0"/>
+                          <a:cs typeface="Arial" panose="020B0604020202020204" pitchFamily="34" charset="0"/>
+                        </a:rPr>
+                        <m:t>𝑌</m:t>
+                      </m:r>
+                      <m:r>
+                        <a:rPr lang="en-PK" i="1" kern="100" smtClean="0">
+                          <a:effectLst/>
+                          <a:latin typeface="Cambria Math" panose="02040503050406030204" pitchFamily="18" charset="0"/>
+                          <a:ea typeface="Calibri" panose="020F0502020204030204" pitchFamily="34" charset="0"/>
+                          <a:cs typeface="Arial" panose="020B0604020202020204" pitchFamily="34" charset="0"/>
+                        </a:rPr>
+                        <m:t>=</m:t>
+                      </m:r>
+                      <m:sSub>
+                        <m:sSubPr>
+                          <m:ctrlPr>
+                            <a:rPr lang="en-PK" i="1" kern="100">
+                              <a:effectLst/>
+                              <a:latin typeface="Cambria Math" panose="02040503050406030204" pitchFamily="18" charset="0"/>
+                              <a:ea typeface="Calibri" panose="020F0502020204030204" pitchFamily="34" charset="0"/>
+                              <a:cs typeface="Arial" panose="020B0604020202020204" pitchFamily="34" charset="0"/>
+                            </a:rPr>
+                          </m:ctrlPr>
+                        </m:sSubPr>
+                        <m:e>
+                          <m:r>
+                            <a:rPr lang="en-PK" i="1" kern="100">
+                              <a:effectLst/>
+                              <a:latin typeface="Cambria Math" panose="02040503050406030204" pitchFamily="18" charset="0"/>
+                              <a:ea typeface="Calibri" panose="020F0502020204030204" pitchFamily="34" charset="0"/>
+                              <a:cs typeface="Arial" panose="020B0604020202020204" pitchFamily="34" charset="0"/>
+                            </a:rPr>
+                            <m:t>𝛽</m:t>
+                          </m:r>
+                        </m:e>
+                        <m:sub>
+                          <m:r>
+                            <a:rPr lang="en-PK" i="1" kern="100">
+                              <a:effectLst/>
+                              <a:latin typeface="Cambria Math" panose="02040503050406030204" pitchFamily="18" charset="0"/>
+                              <a:ea typeface="Calibri" panose="020F0502020204030204" pitchFamily="34" charset="0"/>
+                              <a:cs typeface="Arial" panose="020B0604020202020204" pitchFamily="34" charset="0"/>
+                            </a:rPr>
+                            <m:t>0</m:t>
+                          </m:r>
+                        </m:sub>
+                      </m:sSub>
+                      <m:r>
+                        <a:rPr lang="en-PK" i="1" kern="100">
+                          <a:effectLst/>
+                          <a:latin typeface="Cambria Math" panose="02040503050406030204" pitchFamily="18" charset="0"/>
+                          <a:ea typeface="Calibri" panose="020F0502020204030204" pitchFamily="34" charset="0"/>
+                          <a:cs typeface="Arial" panose="020B0604020202020204" pitchFamily="34" charset="0"/>
+                        </a:rPr>
+                        <m:t>+</m:t>
+                      </m:r>
+                      <m:d>
+                        <m:dPr>
+                          <m:ctrlPr>
+                            <a:rPr lang="en-US" b="0" i="1" kern="100" smtClean="0">
+                              <a:effectLst/>
+                              <a:latin typeface="Cambria Math" panose="02040503050406030204" pitchFamily="18" charset="0"/>
+                              <a:ea typeface="Calibri" panose="020F0502020204030204" pitchFamily="34" charset="0"/>
+                              <a:cs typeface="Arial" panose="020B0604020202020204" pitchFamily="34" charset="0"/>
+                            </a:rPr>
+                          </m:ctrlPr>
+                        </m:dPr>
+                        <m:e>
+                          <m:sSub>
+                            <m:sSubPr>
+                              <m:ctrlPr>
+                                <a:rPr lang="en-PK" i="1" kern="100">
+                                  <a:latin typeface="Cambria Math" panose="02040503050406030204" pitchFamily="18" charset="0"/>
+                                  <a:ea typeface="Calibri" panose="020F0502020204030204" pitchFamily="34" charset="0"/>
+                                  <a:cs typeface="Arial" panose="020B0604020202020204" pitchFamily="34" charset="0"/>
+                                </a:rPr>
+                              </m:ctrlPr>
+                            </m:sSubPr>
+                            <m:e>
+                              <m:r>
+                                <a:rPr lang="en-PK" i="1" kern="100">
+                                  <a:latin typeface="Cambria Math" panose="02040503050406030204" pitchFamily="18" charset="0"/>
+                                  <a:ea typeface="Calibri" panose="020F0502020204030204" pitchFamily="34" charset="0"/>
+                                  <a:cs typeface="Arial" panose="020B0604020202020204" pitchFamily="34" charset="0"/>
+                                </a:rPr>
+                                <m:t>𝛽</m:t>
+                              </m:r>
+                            </m:e>
+                            <m:sub>
+                              <m:r>
+                                <a:rPr lang="en-PK" i="1" kern="100">
+                                  <a:latin typeface="Cambria Math" panose="02040503050406030204" pitchFamily="18" charset="0"/>
+                                  <a:ea typeface="Calibri" panose="020F0502020204030204" pitchFamily="34" charset="0"/>
+                                  <a:cs typeface="Arial" panose="020B0604020202020204" pitchFamily="34" charset="0"/>
+                                </a:rPr>
+                                <m:t>1</m:t>
+                              </m:r>
+                            </m:sub>
+                          </m:sSub>
+                          <m:r>
+                            <a:rPr lang="en-US" b="0" i="1" kern="100" smtClean="0">
+                              <a:latin typeface="Cambria Math" panose="02040503050406030204" pitchFamily="18" charset="0"/>
+                              <a:ea typeface="Calibri" panose="020F0502020204030204" pitchFamily="34" charset="0"/>
+                              <a:cs typeface="Arial" panose="020B0604020202020204" pitchFamily="34" charset="0"/>
+                            </a:rPr>
+                            <m:t>+</m:t>
+                          </m:r>
+                          <m:sSub>
+                            <m:sSubPr>
+                              <m:ctrlPr>
+                                <a:rPr lang="en-PK" i="1" kern="100">
+                                  <a:latin typeface="Cambria Math" panose="02040503050406030204" pitchFamily="18" charset="0"/>
+                                  <a:ea typeface="Calibri" panose="020F0502020204030204" pitchFamily="34" charset="0"/>
+                                  <a:cs typeface="Arial" panose="020B0604020202020204" pitchFamily="34" charset="0"/>
+                                </a:rPr>
+                              </m:ctrlPr>
+                            </m:sSubPr>
+                            <m:e>
+                              <m:r>
+                                <a:rPr lang="en-PK" i="1" kern="100">
+                                  <a:latin typeface="Cambria Math" panose="02040503050406030204" pitchFamily="18" charset="0"/>
+                                  <a:ea typeface="Calibri" panose="020F0502020204030204" pitchFamily="34" charset="0"/>
+                                  <a:cs typeface="Arial" panose="020B0604020202020204" pitchFamily="34" charset="0"/>
+                                </a:rPr>
+                                <m:t>𝛽</m:t>
+                              </m:r>
+                            </m:e>
+                            <m:sub>
+                              <m:r>
+                                <a:rPr lang="en-US" b="0" i="1" kern="100" smtClean="0">
+                                  <a:latin typeface="Cambria Math" panose="02040503050406030204" pitchFamily="18" charset="0"/>
+                                  <a:ea typeface="Calibri" panose="020F0502020204030204" pitchFamily="34" charset="0"/>
+                                  <a:cs typeface="Arial" panose="020B0604020202020204" pitchFamily="34" charset="0"/>
+                                </a:rPr>
+                                <m:t>3</m:t>
+                              </m:r>
+                            </m:sub>
+                          </m:sSub>
+                          <m:sSub>
+                            <m:sSubPr>
+                              <m:ctrlPr>
+                                <a:rPr lang="en-PK" i="1" kern="100">
+                                  <a:latin typeface="Cambria Math" panose="02040503050406030204" pitchFamily="18" charset="0"/>
+                                  <a:ea typeface="Calibri" panose="020F0502020204030204" pitchFamily="34" charset="0"/>
+                                  <a:cs typeface="Arial" panose="020B0604020202020204" pitchFamily="34" charset="0"/>
+                                </a:rPr>
+                              </m:ctrlPr>
+                            </m:sSubPr>
+                            <m:e>
+                              <m:r>
+                                <a:rPr lang="en-PK" i="1" kern="100">
+                                  <a:latin typeface="Cambria Math" panose="02040503050406030204" pitchFamily="18" charset="0"/>
+                                  <a:ea typeface="Calibri" panose="020F0502020204030204" pitchFamily="34" charset="0"/>
+                                  <a:cs typeface="Arial" panose="020B0604020202020204" pitchFamily="34" charset="0"/>
+                                </a:rPr>
+                                <m:t>𝑋</m:t>
+                              </m:r>
+                            </m:e>
+                            <m:sub>
+                              <m:r>
+                                <a:rPr lang="en-US" b="0" i="1" kern="100" smtClean="0">
+                                  <a:latin typeface="Cambria Math" panose="02040503050406030204" pitchFamily="18" charset="0"/>
+                                  <a:ea typeface="Calibri" panose="020F0502020204030204" pitchFamily="34" charset="0"/>
+                                  <a:cs typeface="Arial" panose="020B0604020202020204" pitchFamily="34" charset="0"/>
+                                </a:rPr>
+                                <m:t>2</m:t>
+                              </m:r>
+                            </m:sub>
+                          </m:sSub>
+                        </m:e>
+                      </m:d>
+                      <m:sSub>
+                        <m:sSubPr>
+                          <m:ctrlPr>
+                            <a:rPr lang="en-PK" i="1" kern="100">
+                              <a:effectLst/>
+                              <a:latin typeface="Cambria Math" panose="02040503050406030204" pitchFamily="18" charset="0"/>
+                              <a:ea typeface="Calibri" panose="020F0502020204030204" pitchFamily="34" charset="0"/>
+                              <a:cs typeface="Arial" panose="020B0604020202020204" pitchFamily="34" charset="0"/>
+                            </a:rPr>
+                          </m:ctrlPr>
+                        </m:sSubPr>
+                        <m:e>
+                          <m:r>
+                            <a:rPr lang="en-PK" i="1" kern="100">
+                              <a:effectLst/>
+                              <a:latin typeface="Cambria Math" panose="02040503050406030204" pitchFamily="18" charset="0"/>
+                              <a:ea typeface="Calibri" panose="020F0502020204030204" pitchFamily="34" charset="0"/>
+                              <a:cs typeface="Arial" panose="020B0604020202020204" pitchFamily="34" charset="0"/>
+                            </a:rPr>
+                            <m:t>𝑋</m:t>
+                          </m:r>
+                        </m:e>
+                        <m:sub>
+                          <m:r>
+                            <a:rPr lang="en-PK" i="1" kern="100">
+                              <a:effectLst/>
+                              <a:latin typeface="Cambria Math" panose="02040503050406030204" pitchFamily="18" charset="0"/>
+                              <a:ea typeface="Calibri" panose="020F0502020204030204" pitchFamily="34" charset="0"/>
+                              <a:cs typeface="Arial" panose="020B0604020202020204" pitchFamily="34" charset="0"/>
+                            </a:rPr>
+                            <m:t>1</m:t>
+                          </m:r>
+                        </m:sub>
+                      </m:sSub>
+                      <m:r>
+                        <a:rPr lang="en-PK" i="1" kern="100" smtClean="0">
+                          <a:effectLst/>
+                          <a:latin typeface="Cambria Math" panose="02040503050406030204" pitchFamily="18" charset="0"/>
+                          <a:ea typeface="Calibri" panose="020F0502020204030204" pitchFamily="34" charset="0"/>
+                          <a:cs typeface="Arial" panose="020B0604020202020204" pitchFamily="34" charset="0"/>
+                        </a:rPr>
+                        <m:t>+</m:t>
+                      </m:r>
+                      <m:sSub>
+                        <m:sSubPr>
+                          <m:ctrlPr>
+                            <a:rPr lang="en-PK" i="1" kern="100">
+                              <a:effectLst/>
+                              <a:latin typeface="Cambria Math" panose="02040503050406030204" pitchFamily="18" charset="0"/>
+                              <a:ea typeface="Calibri" panose="020F0502020204030204" pitchFamily="34" charset="0"/>
+                              <a:cs typeface="Arial" panose="020B0604020202020204" pitchFamily="34" charset="0"/>
+                            </a:rPr>
+                          </m:ctrlPr>
+                        </m:sSubPr>
+                        <m:e>
+                          <m:r>
+                            <a:rPr lang="en-PK" i="1" kern="100">
+                              <a:effectLst/>
+                              <a:latin typeface="Cambria Math" panose="02040503050406030204" pitchFamily="18" charset="0"/>
+                              <a:ea typeface="Calibri" panose="020F0502020204030204" pitchFamily="34" charset="0"/>
+                              <a:cs typeface="Arial" panose="020B0604020202020204" pitchFamily="34" charset="0"/>
+                            </a:rPr>
+                            <m:t>𝛽</m:t>
+                          </m:r>
+                        </m:e>
+                        <m:sub>
+                          <m:r>
+                            <a:rPr lang="en-PK" i="1" kern="100">
+                              <a:effectLst/>
+                              <a:latin typeface="Cambria Math" panose="02040503050406030204" pitchFamily="18" charset="0"/>
+                              <a:ea typeface="Calibri" panose="020F0502020204030204" pitchFamily="34" charset="0"/>
+                              <a:cs typeface="Arial" panose="020B0604020202020204" pitchFamily="34" charset="0"/>
+                            </a:rPr>
+                            <m:t>2</m:t>
+                          </m:r>
+                        </m:sub>
+                      </m:sSub>
+                      <m:sSub>
+                        <m:sSubPr>
+                          <m:ctrlPr>
+                            <a:rPr lang="en-PK" i="1" kern="100">
+                              <a:effectLst/>
+                              <a:latin typeface="Cambria Math" panose="02040503050406030204" pitchFamily="18" charset="0"/>
+                              <a:ea typeface="Calibri" panose="020F0502020204030204" pitchFamily="34" charset="0"/>
+                              <a:cs typeface="Arial" panose="020B0604020202020204" pitchFamily="34" charset="0"/>
+                            </a:rPr>
+                          </m:ctrlPr>
+                        </m:sSubPr>
+                        <m:e>
+                          <m:r>
+                            <a:rPr lang="en-PK" i="1" kern="100">
+                              <a:effectLst/>
+                              <a:latin typeface="Cambria Math" panose="02040503050406030204" pitchFamily="18" charset="0"/>
+                              <a:ea typeface="Calibri" panose="020F0502020204030204" pitchFamily="34" charset="0"/>
+                              <a:cs typeface="Arial" panose="020B0604020202020204" pitchFamily="34" charset="0"/>
+                            </a:rPr>
+                            <m:t>𝑋</m:t>
+                          </m:r>
+                        </m:e>
+                        <m:sub>
+                          <m:r>
+                            <a:rPr lang="en-PK" i="1" kern="100">
+                              <a:effectLst/>
+                              <a:latin typeface="Cambria Math" panose="02040503050406030204" pitchFamily="18" charset="0"/>
+                              <a:ea typeface="Calibri" panose="020F0502020204030204" pitchFamily="34" charset="0"/>
+                              <a:cs typeface="Arial" panose="020B0604020202020204" pitchFamily="34" charset="0"/>
+                            </a:rPr>
+                            <m:t>2</m:t>
+                          </m:r>
+                          <m:r>
+                            <a:rPr lang="en-US" b="0" i="1" kern="100" smtClean="0">
+                              <a:effectLst/>
+                              <a:latin typeface="Cambria Math" panose="02040503050406030204" pitchFamily="18" charset="0"/>
+                              <a:ea typeface="Calibri" panose="020F0502020204030204" pitchFamily="34" charset="0"/>
+                              <a:cs typeface="Arial" panose="020B0604020202020204" pitchFamily="34" charset="0"/>
+                            </a:rPr>
+                            <m:t> </m:t>
+                          </m:r>
+                        </m:sub>
+                      </m:sSub>
+                      <m:r>
+                        <a:rPr lang="en-US" b="0" i="1" kern="100" smtClean="0">
+                          <a:effectLst/>
+                          <a:latin typeface="Cambria Math" panose="02040503050406030204" pitchFamily="18" charset="0"/>
+                          <a:ea typeface="Calibri" panose="020F0502020204030204" pitchFamily="34" charset="0"/>
+                          <a:cs typeface="Arial" panose="020B0604020202020204" pitchFamily="34" charset="0"/>
+                        </a:rPr>
+                        <m:t>+</m:t>
+                      </m:r>
+                      <m:r>
+                        <a:rPr lang="en-PK" i="1"/>
+                        <m:t>𝜖</m:t>
+                      </m:r>
+                    </m:oMath>
+                  </m:oMathPara>
+                </a14:m>
+                <a:endParaRPr lang="en-GB" dirty="0"/>
+              </a:p>
+              <a:p>
+                <a:endParaRPr lang="en-PK" dirty="0"/>
+              </a:p>
+              <a:p>
+                <a:pPr marL="457200" lvl="1" indent="0">
+                  <a:buNone/>
+                </a:pPr>
+                <a:endParaRPr lang="en-PK" dirty="0"/>
+              </a:p>
+            </p:txBody>
+          </p:sp>
+        </mc:Choice>
+        <mc:Fallback>
+          <p:sp>
+            <p:nvSpPr>
+              <p:cNvPr id="3" name="Content Placeholder 2">
+                <a:extLst>
+                  <a:ext uri="{FF2B5EF4-FFF2-40B4-BE49-F238E27FC236}">
+                    <a16:creationId xmlns:a16="http://schemas.microsoft.com/office/drawing/2014/main" id="{94BA37BA-C23F-A802-4819-275DC8047BFC}"/>
+                  </a:ext>
+                </a:extLst>
+              </p:cNvPr>
+              <p:cNvSpPr>
+                <a:spLocks noGrp="1" noRot="1" noChangeAspect="1" noMove="1" noResize="1" noEditPoints="1" noAdjustHandles="1" noChangeArrowheads="1" noChangeShapeType="1" noTextEdit="1"/>
+              </p:cNvSpPr>
+              <p:nvPr>
+                <p:ph idx="1"/>
+              </p:nvPr>
+            </p:nvSpPr>
+            <p:spPr>
+              <a:blipFill>
+                <a:blip r:embed="rId2"/>
+                <a:stretch>
+                  <a:fillRect l="-1086" t="-2326"/>
+                </a:stretch>
+              </a:blipFill>
+            </p:spPr>
+            <p:txBody>
+              <a:bodyPr/>
+              <a:lstStyle/>
+              <a:p>
+                <a:r>
+                  <a:rPr lang="en-PK">
+                    <a:noFill/>
+                  </a:rPr>
+                  <a:t> </a:t>
+                </a:r>
+              </a:p>
+            </p:txBody>
+          </p:sp>
+        </mc:Fallback>
+      </mc:AlternateContent>
+    </p:spTree>
+    <p:extLst>
+      <p:ext uri="{BB962C8B-B14F-4D97-AF65-F5344CB8AC3E}">
+        <p14:creationId xmlns:p14="http://schemas.microsoft.com/office/powerpoint/2010/main" val="4111544938"/>
+      </p:ext>
+    </p:extLst>
+  </p:cSld>
+  <p:clrMapOvr>
+    <a:masterClrMapping/>
+  </p:clrMapOvr>
+</p:sld>
+</file>
+
+<file path=ppt/slides/slide5.xml><?xml version="1.0" encoding="utf-8"?>
+<p:sld xmlns:a="http://schemas.openxmlformats.org/drawingml/2006/main" xmlns:r="http://schemas.openxmlformats.org/officeDocument/2006/relationships" xmlns:p="http://schemas.openxmlformats.org/presentationml/2006/main">
+  <p:cSld>
+    <p:spTree>
+      <p:nvGrpSpPr>
+        <p:cNvPr id="1" name=""/>
+        <p:cNvGrpSpPr/>
+        <p:nvPr/>
+      </p:nvGrpSpPr>
+      <p:grpSpPr>
+        <a:xfrm>
+          <a:off x="0" y="0"/>
+          <a:ext cx="0" cy="0"/>
+          <a:chOff x="0" y="0"/>
+          <a:chExt cx="0" cy="0"/>
+        </a:xfrm>
+      </p:grpSpPr>
+      <p:sp>
+        <p:nvSpPr>
+          <p:cNvPr id="2" name="Title 1">
+            <a:extLst>
+              <a:ext uri="{FF2B5EF4-FFF2-40B4-BE49-F238E27FC236}">
+                <a16:creationId xmlns:a16="http://schemas.microsoft.com/office/drawing/2014/main" id="{6AC57C90-602B-4AF7-FD28-F10202BCF062}"/>
+              </a:ext>
+            </a:extLst>
+          </p:cNvPr>
+          <p:cNvSpPr>
+            <a:spLocks noGrp="1"/>
+          </p:cNvSpPr>
+          <p:nvPr>
+            <p:ph type="title"/>
+          </p:nvPr>
+        </p:nvSpPr>
+        <p:spPr/>
+        <p:txBody>
+          <a:bodyPr/>
+          <a:lstStyle/>
+          <a:p>
+            <a:r>
+              <a:rPr lang="en-PK" dirty="0"/>
+              <a:t>Extensions of Linear Model</a:t>
+            </a:r>
+          </a:p>
+        </p:txBody>
+      </p:sp>
+      <mc:AlternateContent xmlns:mc="http://schemas.openxmlformats.org/markup-compatibility/2006">
+        <mc:Choice xmlns:a14="http://schemas.microsoft.com/office/drawing/2010/main" Requires="a14">
+          <p:sp>
+            <p:nvSpPr>
+              <p:cNvPr id="3" name="Content Placeholder 2">
+                <a:extLst>
+                  <a:ext uri="{FF2B5EF4-FFF2-40B4-BE49-F238E27FC236}">
+                    <a16:creationId xmlns:a16="http://schemas.microsoft.com/office/drawing/2014/main" id="{3B1123B7-4ECA-EE63-E85F-4FA1391430A7}"/>
+                  </a:ext>
+                </a:extLst>
+              </p:cNvPr>
+              <p:cNvSpPr>
+                <a:spLocks noGrp="1"/>
+              </p:cNvSpPr>
+              <p:nvPr>
+                <p:ph idx="1"/>
+              </p:nvPr>
+            </p:nvSpPr>
+            <p:spPr/>
+            <p:txBody>
+              <a:bodyPr/>
+              <a:lstStyle/>
+              <a:p>
+                <a:r>
+                  <a:rPr lang="en-PK" dirty="0"/>
+                  <a:t>For qualitative variable</a:t>
+                </a:r>
+              </a:p>
+              <a:p>
+                <a:pPr lvl="1"/>
+                <a:r>
+                  <a:rPr lang="en-PK" dirty="0"/>
+                  <a:t>For example</a:t>
+                </a:r>
+              </a:p>
+              <a:p>
+                <a:pPr lvl="1"/>
+                <a:r>
+                  <a:rPr lang="en-PK" dirty="0"/>
+                  <a:t>Effect of income on credit card balance, if </a:t>
+                </a:r>
+                <a:r>
+                  <a:rPr lang="en-GB" dirty="0"/>
+                  <a:t>a </a:t>
+                </a:r>
+                <a:r>
+                  <a:rPr lang="en-PK" dirty="0"/>
+                  <a:t>person is </a:t>
+                </a:r>
+                <a:r>
+                  <a:rPr lang="en-GB" dirty="0"/>
+                  <a:t>a </a:t>
+                </a:r>
+                <a:r>
+                  <a:rPr lang="en-PK" dirty="0"/>
+                  <a:t>student or non-student</a:t>
+                </a:r>
+              </a:p>
+              <a:p>
+                <a:pPr lvl="1"/>
+                <a:endParaRPr lang="en-PK" dirty="0"/>
+              </a:p>
+              <a:p>
+                <a:pPr marL="0" indent="0">
+                  <a:buNone/>
+                </a:pPr>
+                <a14:m>
+                  <m:oMathPara xmlns:m="http://schemas.openxmlformats.org/officeDocument/2006/math">
+                    <m:oMathParaPr>
+                      <m:jc m:val="centerGroup"/>
+                    </m:oMathParaPr>
+                    <m:oMath xmlns:m="http://schemas.openxmlformats.org/officeDocument/2006/math">
+                      <m:r>
+                        <a:rPr lang="en-PK" sz="2400" i="1" kern="100" smtClean="0">
+                          <a:effectLst/>
+                          <a:ea typeface="Calibri" panose="020F0502020204030204" pitchFamily="34" charset="0"/>
+                          <a:cs typeface="Arial" panose="020B0604020202020204" pitchFamily="34" charset="0"/>
+                        </a:rPr>
+                        <m:t>𝑌</m:t>
+                      </m:r>
+                      <m:r>
+                        <a:rPr lang="en-PK" sz="2400" i="1" kern="100" smtClean="0">
+                          <a:effectLst/>
+                          <a:ea typeface="Calibri" panose="020F0502020204030204" pitchFamily="34" charset="0"/>
+                          <a:cs typeface="Arial" panose="020B0604020202020204" pitchFamily="34" charset="0"/>
+                        </a:rPr>
+                        <m:t>=</m:t>
+                      </m:r>
+                      <m:sSub>
+                        <m:sSubPr>
+                          <m:ctrlPr>
+                            <a:rPr lang="en-PK" sz="2400" i="1" kern="100">
+                              <a:effectLst/>
+                              <a:ea typeface="Calibri" panose="020F0502020204030204" pitchFamily="34" charset="0"/>
+                              <a:cs typeface="Arial" panose="020B0604020202020204" pitchFamily="34" charset="0"/>
+                            </a:rPr>
+                          </m:ctrlPr>
+                        </m:sSubPr>
+                        <m:e>
+                          <m:r>
+                            <a:rPr lang="en-US" sz="2400" b="0" i="1" kern="100" smtClean="0">
+                              <a:effectLst/>
+                              <a:ea typeface="Calibri" panose="020F0502020204030204" pitchFamily="34" charset="0"/>
+                              <a:cs typeface="Arial" panose="020B0604020202020204" pitchFamily="34" charset="0"/>
+                            </a:rPr>
+                            <m:t>(</m:t>
+                          </m:r>
+                          <m:r>
+                            <a:rPr lang="en-PK" sz="2400" i="1" kern="100">
+                              <a:effectLst/>
+                              <a:ea typeface="Calibri" panose="020F0502020204030204" pitchFamily="34" charset="0"/>
+                              <a:cs typeface="Arial" panose="020B0604020202020204" pitchFamily="34" charset="0"/>
+                            </a:rPr>
+                            <m:t>𝛽</m:t>
+                          </m:r>
+                        </m:e>
+                        <m:sub>
+                          <m:r>
+                            <a:rPr lang="en-PK" sz="2400" i="1" kern="100">
+                              <a:effectLst/>
+                              <a:ea typeface="Calibri" panose="020F0502020204030204" pitchFamily="34" charset="0"/>
+                              <a:cs typeface="Arial" panose="020B0604020202020204" pitchFamily="34" charset="0"/>
+                            </a:rPr>
+                            <m:t>0</m:t>
+                          </m:r>
+                          <m:r>
+                            <a:rPr lang="en-US" sz="2400" b="0" i="1" kern="100" smtClean="0">
+                              <a:effectLst/>
+                              <a:ea typeface="Calibri" panose="020F0502020204030204" pitchFamily="34" charset="0"/>
+                              <a:cs typeface="Arial" panose="020B0604020202020204" pitchFamily="34" charset="0"/>
+                            </a:rPr>
+                            <m:t> </m:t>
+                          </m:r>
+                        </m:sub>
+                      </m:sSub>
+                      <m:r>
+                        <a:rPr lang="en-PK" sz="2400" i="1" kern="100">
+                          <a:effectLst/>
+                          <a:ea typeface="Calibri" panose="020F0502020204030204" pitchFamily="34" charset="0"/>
+                          <a:cs typeface="Arial" panose="020B0604020202020204" pitchFamily="34" charset="0"/>
+                        </a:rPr>
+                        <m:t>+</m:t>
+                      </m:r>
+                      <m:sSub>
+                        <m:sSubPr>
+                          <m:ctrlPr>
+                            <a:rPr lang="en-PK" sz="2400" i="1" kern="100">
+                              <a:ea typeface="Calibri" panose="020F0502020204030204" pitchFamily="34" charset="0"/>
+                              <a:cs typeface="Arial" panose="020B0604020202020204" pitchFamily="34" charset="0"/>
+                            </a:rPr>
+                          </m:ctrlPr>
+                        </m:sSubPr>
+                        <m:e>
+                          <m:r>
+                            <a:rPr lang="en-PK" sz="2400" i="1" kern="100">
+                              <a:ea typeface="Calibri" panose="020F0502020204030204" pitchFamily="34" charset="0"/>
+                              <a:cs typeface="Arial" panose="020B0604020202020204" pitchFamily="34" charset="0"/>
+                            </a:rPr>
+                            <m:t>𝛽</m:t>
+                          </m:r>
+                        </m:e>
+                        <m:sub>
+                          <m:r>
+                            <a:rPr lang="en-PK" sz="2400" i="1" kern="100">
+                              <a:ea typeface="Calibri" panose="020F0502020204030204" pitchFamily="34" charset="0"/>
+                              <a:cs typeface="Arial" panose="020B0604020202020204" pitchFamily="34" charset="0"/>
+                            </a:rPr>
+                            <m:t>2</m:t>
+                          </m:r>
+                        </m:sub>
+                      </m:sSub>
+                      <m:sSub>
+                        <m:sSubPr>
+                          <m:ctrlPr>
+                            <a:rPr lang="en-PK" sz="2400" i="1" kern="100">
+                              <a:ea typeface="Calibri" panose="020F0502020204030204" pitchFamily="34" charset="0"/>
+                              <a:cs typeface="Arial" panose="020B0604020202020204" pitchFamily="34" charset="0"/>
+                            </a:rPr>
+                          </m:ctrlPr>
+                        </m:sSubPr>
+                        <m:e>
+                          <m:r>
+                            <a:rPr lang="en-PK" sz="2400" i="1" kern="100">
+                              <a:ea typeface="Calibri" panose="020F0502020204030204" pitchFamily="34" charset="0"/>
+                              <a:cs typeface="Arial" panose="020B0604020202020204" pitchFamily="34" charset="0"/>
+                            </a:rPr>
+                            <m:t>𝑋</m:t>
+                          </m:r>
+                        </m:e>
+                        <m:sub>
+                          <m:r>
+                            <a:rPr lang="en-US" sz="2400" b="0" i="1" kern="100" smtClean="0">
+                              <a:ea typeface="Calibri" panose="020F0502020204030204" pitchFamily="34" charset="0"/>
+                              <a:cs typeface="Arial" panose="020B0604020202020204" pitchFamily="34" charset="0"/>
+                            </a:rPr>
+                            <m:t>2</m:t>
+                          </m:r>
+                        </m:sub>
+                      </m:sSub>
+                      <m:r>
+                        <a:rPr lang="en-US" sz="2400" b="0" i="1" kern="100" smtClean="0">
+                          <a:ea typeface="Calibri" panose="020F0502020204030204" pitchFamily="34" charset="0"/>
+                          <a:cs typeface="Arial" panose="020B0604020202020204" pitchFamily="34" charset="0"/>
+                        </a:rPr>
+                        <m:t>)+</m:t>
+                      </m:r>
+                      <m:d>
+                        <m:dPr>
+                          <m:ctrlPr>
+                            <a:rPr lang="en-US" sz="2400" b="0" i="1" kern="100" smtClean="0">
+                              <a:effectLst/>
+                              <a:ea typeface="Calibri" panose="020F0502020204030204" pitchFamily="34" charset="0"/>
+                              <a:cs typeface="Arial" panose="020B0604020202020204" pitchFamily="34" charset="0"/>
+                            </a:rPr>
+                          </m:ctrlPr>
+                        </m:dPr>
+                        <m:e>
+                          <m:sSub>
+                            <m:sSubPr>
+                              <m:ctrlPr>
+                                <a:rPr lang="en-PK" sz="2400" i="1" kern="100">
+                                  <a:ea typeface="Calibri" panose="020F0502020204030204" pitchFamily="34" charset="0"/>
+                                  <a:cs typeface="Arial" panose="020B0604020202020204" pitchFamily="34" charset="0"/>
+                                </a:rPr>
+                              </m:ctrlPr>
+                            </m:sSubPr>
+                            <m:e>
+                              <m:r>
+                                <a:rPr lang="en-PK" sz="2400" i="1" kern="100">
+                                  <a:ea typeface="Calibri" panose="020F0502020204030204" pitchFamily="34" charset="0"/>
+                                  <a:cs typeface="Arial" panose="020B0604020202020204" pitchFamily="34" charset="0"/>
+                                </a:rPr>
+                                <m:t>𝛽</m:t>
+                              </m:r>
+                            </m:e>
+                            <m:sub>
+                              <m:r>
+                                <a:rPr lang="en-PK" sz="2400" i="1" kern="100">
+                                  <a:ea typeface="Calibri" panose="020F0502020204030204" pitchFamily="34" charset="0"/>
+                                  <a:cs typeface="Arial" panose="020B0604020202020204" pitchFamily="34" charset="0"/>
+                                </a:rPr>
+                                <m:t>1</m:t>
+                              </m:r>
+                            </m:sub>
+                          </m:sSub>
+                          <m:r>
+                            <a:rPr lang="en-US" sz="2400" b="0" i="1" kern="100" smtClean="0">
+                              <a:ea typeface="Calibri" panose="020F0502020204030204" pitchFamily="34" charset="0"/>
+                              <a:cs typeface="Arial" panose="020B0604020202020204" pitchFamily="34" charset="0"/>
+                            </a:rPr>
+                            <m:t>+</m:t>
+                          </m:r>
+                          <m:sSub>
+                            <m:sSubPr>
+                              <m:ctrlPr>
+                                <a:rPr lang="en-PK" sz="2400" i="1" kern="100">
+                                  <a:ea typeface="Calibri" panose="020F0502020204030204" pitchFamily="34" charset="0"/>
+                                  <a:cs typeface="Arial" panose="020B0604020202020204" pitchFamily="34" charset="0"/>
+                                </a:rPr>
+                              </m:ctrlPr>
+                            </m:sSubPr>
+                            <m:e>
+                              <m:r>
+                                <a:rPr lang="en-PK" sz="2400" i="1" kern="100">
+                                  <a:ea typeface="Calibri" panose="020F0502020204030204" pitchFamily="34" charset="0"/>
+                                  <a:cs typeface="Arial" panose="020B0604020202020204" pitchFamily="34" charset="0"/>
+                                </a:rPr>
+                                <m:t>𝛽</m:t>
+                              </m:r>
+                            </m:e>
+                            <m:sub>
+                              <m:r>
+                                <a:rPr lang="en-US" sz="2400" b="0" i="1" kern="100" smtClean="0">
+                                  <a:ea typeface="Calibri" panose="020F0502020204030204" pitchFamily="34" charset="0"/>
+                                  <a:cs typeface="Arial" panose="020B0604020202020204" pitchFamily="34" charset="0"/>
+                                </a:rPr>
+                                <m:t>3</m:t>
+                              </m:r>
+                            </m:sub>
+                          </m:sSub>
+                          <m:sSub>
+                            <m:sSubPr>
+                              <m:ctrlPr>
+                                <a:rPr lang="en-PK" sz="2400" i="1" kern="100" smtClean="0">
+                                  <a:ea typeface="Calibri" panose="020F0502020204030204" pitchFamily="34" charset="0"/>
+                                  <a:cs typeface="Arial" panose="020B0604020202020204" pitchFamily="34" charset="0"/>
+                                </a:rPr>
+                              </m:ctrlPr>
+                            </m:sSubPr>
+                            <m:e>
+                              <m:r>
+                                <a:rPr lang="en-PK" sz="2400" i="1" kern="100">
+                                  <a:ea typeface="Calibri" panose="020F0502020204030204" pitchFamily="34" charset="0"/>
+                                  <a:cs typeface="Arial" panose="020B0604020202020204" pitchFamily="34" charset="0"/>
+                                </a:rPr>
+                                <m:t>𝑋</m:t>
+                              </m:r>
+                            </m:e>
+                            <m:sub>
+                              <m:r>
+                                <a:rPr lang="en-US" sz="2400" b="0" i="1" kern="100" smtClean="0">
+                                  <a:ea typeface="Calibri" panose="020F0502020204030204" pitchFamily="34" charset="0"/>
+                                  <a:cs typeface="Arial" panose="020B0604020202020204" pitchFamily="34" charset="0"/>
+                                </a:rPr>
+                                <m:t>2</m:t>
+                              </m:r>
+                            </m:sub>
+                          </m:sSub>
+                        </m:e>
+                      </m:d>
+                      <m:sSub>
+                        <m:sSubPr>
+                          <m:ctrlPr>
+                            <a:rPr lang="en-PK" sz="2400" i="1" kern="100">
+                              <a:ea typeface="Calibri" panose="020F0502020204030204" pitchFamily="34" charset="0"/>
+                              <a:cs typeface="Arial" panose="020B0604020202020204" pitchFamily="34" charset="0"/>
+                            </a:rPr>
+                          </m:ctrlPr>
+                        </m:sSubPr>
+                        <m:e>
+                          <m:r>
+                            <a:rPr lang="en-PK" sz="2400" i="1" kern="100">
+                              <a:ea typeface="Calibri" panose="020F0502020204030204" pitchFamily="34" charset="0"/>
+                              <a:cs typeface="Arial" panose="020B0604020202020204" pitchFamily="34" charset="0"/>
+                            </a:rPr>
+                            <m:t>𝑋</m:t>
+                          </m:r>
+                        </m:e>
+                        <m:sub>
+                          <m:r>
+                            <a:rPr lang="en-PK" sz="2400" i="1" kern="100">
+                              <a:ea typeface="Calibri" panose="020F0502020204030204" pitchFamily="34" charset="0"/>
+                              <a:cs typeface="Arial" panose="020B0604020202020204" pitchFamily="34" charset="0"/>
+                            </a:rPr>
+                            <m:t>1</m:t>
+                          </m:r>
+                        </m:sub>
+                      </m:sSub>
+                      <m:r>
+                        <a:rPr lang="en-US" sz="2400" b="0" i="1" kern="100" smtClean="0">
+                          <a:ea typeface="Calibri" panose="020F0502020204030204" pitchFamily="34" charset="0"/>
+                          <a:cs typeface="Arial" panose="020B0604020202020204" pitchFamily="34" charset="0"/>
+                        </a:rPr>
+                        <m:t>+</m:t>
+                      </m:r>
+                      <m:r>
+                        <a:rPr lang="en-PK" sz="2400" i="1"/>
+                        <m:t>𝜖</m:t>
+                      </m:r>
+                    </m:oMath>
+                  </m:oMathPara>
+                </a14:m>
+                <a:endParaRPr lang="en-GB" sz="2400" dirty="0"/>
+              </a:p>
+              <a:p>
+                <a:endParaRPr lang="en-PK" dirty="0"/>
+              </a:p>
+              <a:p>
+                <a:endParaRPr lang="en-PK" dirty="0"/>
+              </a:p>
+            </p:txBody>
+          </p:sp>
+        </mc:Choice>
+        <mc:Fallback>
+          <p:sp>
+            <p:nvSpPr>
+              <p:cNvPr id="3" name="Content Placeholder 2">
+                <a:extLst>
+                  <a:ext uri="{FF2B5EF4-FFF2-40B4-BE49-F238E27FC236}">
+                    <a16:creationId xmlns:a16="http://schemas.microsoft.com/office/drawing/2014/main" id="{3B1123B7-4ECA-EE63-E85F-4FA1391430A7}"/>
+                  </a:ext>
+                </a:extLst>
+              </p:cNvPr>
+              <p:cNvSpPr>
+                <a:spLocks noGrp="1" noRot="1" noChangeAspect="1" noMove="1" noResize="1" noEditPoints="1" noAdjustHandles="1" noChangeArrowheads="1" noChangeShapeType="1" noTextEdit="1"/>
+              </p:cNvSpPr>
+              <p:nvPr>
+                <p:ph idx="1"/>
+              </p:nvPr>
+            </p:nvSpPr>
+            <p:spPr>
+              <a:blipFill>
+                <a:blip r:embed="rId2"/>
+                <a:stretch>
+                  <a:fillRect l="-1086" t="-2326"/>
+                </a:stretch>
+              </a:blipFill>
+            </p:spPr>
+            <p:txBody>
+              <a:bodyPr/>
+              <a:lstStyle/>
+              <a:p>
+                <a:r>
+                  <a:rPr lang="en-PK">
+                    <a:noFill/>
+                  </a:rPr>
+                  <a:t> </a:t>
+                </a:r>
+              </a:p>
+            </p:txBody>
+          </p:sp>
+        </mc:Fallback>
+      </mc:AlternateContent>
+    </p:spTree>
+    <p:extLst>
+      <p:ext uri="{BB962C8B-B14F-4D97-AF65-F5344CB8AC3E}">
+        <p14:creationId xmlns:p14="http://schemas.microsoft.com/office/powerpoint/2010/main" val="1064254034"/>
+      </p:ext>
+    </p:extLst>
+  </p:cSld>
+  <p:clrMapOvr>
+    <a:masterClrMapping/>
+  </p:clrMapOvr>
+</p:sld>
+</file>
+
+<file path=ppt/slides/slide6.xml><?xml version="1.0" encoding="utf-8"?>
+<p:sld xmlns:a="http://schemas.openxmlformats.org/drawingml/2006/main" xmlns:r="http://schemas.openxmlformats.org/officeDocument/2006/relationships" xmlns:p="http://schemas.openxmlformats.org/presentationml/2006/main">
+  <p:cSld>
+    <p:spTree>
+      <p:nvGrpSpPr>
+        <p:cNvPr id="1" name=""/>
+        <p:cNvGrpSpPr/>
+        <p:nvPr/>
+      </p:nvGrpSpPr>
+      <p:grpSpPr>
+        <a:xfrm>
+          <a:off x="0" y="0"/>
+          <a:ext cx="0" cy="0"/>
+          <a:chOff x="0" y="0"/>
+          <a:chExt cx="0" cy="0"/>
+        </a:xfrm>
+      </p:grpSpPr>
+      <p:sp>
+        <p:nvSpPr>
+          <p:cNvPr id="2" name="Title 1">
+            <a:extLst>
+              <a:ext uri="{FF2B5EF4-FFF2-40B4-BE49-F238E27FC236}">
+                <a16:creationId xmlns:a16="http://schemas.microsoft.com/office/drawing/2014/main" id="{08FAA396-1092-7E07-F00D-DFBAFEB5D6A2}"/>
+              </a:ext>
+            </a:extLst>
+          </p:cNvPr>
+          <p:cNvSpPr>
+            <a:spLocks noGrp="1"/>
+          </p:cNvSpPr>
+          <p:nvPr>
+            <p:ph type="title"/>
+          </p:nvPr>
+        </p:nvSpPr>
+        <p:spPr/>
+        <p:txBody>
+          <a:bodyPr/>
+          <a:lstStyle/>
+          <a:p>
+            <a:r>
+              <a:rPr lang="en-PK" dirty="0"/>
+              <a:t>Non-Linear Relationship</a:t>
+            </a:r>
+          </a:p>
+        </p:txBody>
+      </p:sp>
+      <p:sp>
+        <p:nvSpPr>
+          <p:cNvPr id="8" name="Content Placeholder 7">
+            <a:extLst>
+              <a:ext uri="{FF2B5EF4-FFF2-40B4-BE49-F238E27FC236}">
+                <a16:creationId xmlns:a16="http://schemas.microsoft.com/office/drawing/2014/main" id="{81175AB0-5C45-5F2F-6AB9-0CCDD5EF1F9A}"/>
+              </a:ext>
+            </a:extLst>
+          </p:cNvPr>
+          <p:cNvSpPr>
+            <a:spLocks noGrp="1"/>
+          </p:cNvSpPr>
+          <p:nvPr>
+            <p:ph idx="1"/>
+          </p:nvPr>
+        </p:nvSpPr>
+        <p:spPr/>
+        <p:txBody>
+          <a:bodyPr/>
+          <a:lstStyle/>
+          <a:p>
+            <a:r>
+              <a:rPr lang="en-PK" dirty="0"/>
+              <a:t>Polynomial Regression for modeling non-linear</a:t>
+            </a:r>
+          </a:p>
+        </p:txBody>
+      </p:sp>
+      <p:pic>
+        <p:nvPicPr>
+          <p:cNvPr id="11" name="Picture 10" descr="A graph of different colored lines&#10;&#10;Description automatically generated">
+            <a:extLst>
+              <a:ext uri="{FF2B5EF4-FFF2-40B4-BE49-F238E27FC236}">
+                <a16:creationId xmlns:a16="http://schemas.microsoft.com/office/drawing/2014/main" id="{B23943FD-CD9F-2C0A-9BF7-F50126FB4722}"/>
+              </a:ext>
+            </a:extLst>
+          </p:cNvPr>
+          <p:cNvPicPr>
+            <a:picLocks noChangeAspect="1"/>
+          </p:cNvPicPr>
+          <p:nvPr/>
+        </p:nvPicPr>
+        <p:blipFill>
+          <a:blip r:embed="rId2">
+            <a:extLst>
+              <a:ext uri="{28A0092B-C50C-407E-A947-70E740481C1C}">
+                <a14:useLocalDpi xmlns:a14="http://schemas.microsoft.com/office/drawing/2010/main" val="0"/>
+              </a:ext>
+            </a:extLst>
+          </a:blip>
+          <a:stretch>
+            <a:fillRect/>
+          </a:stretch>
+        </p:blipFill>
+        <p:spPr>
+          <a:xfrm>
+            <a:off x="3770532" y="2641187"/>
+            <a:ext cx="4650936" cy="3172493"/>
+          </a:xfrm>
+          <a:prstGeom prst="rect">
+            <a:avLst/>
+          </a:prstGeom>
+        </p:spPr>
+      </p:pic>
+      <p:sp>
+        <p:nvSpPr>
+          <p:cNvPr id="12" name="TextBox 11">
+            <a:extLst>
+              <a:ext uri="{FF2B5EF4-FFF2-40B4-BE49-F238E27FC236}">
+                <a16:creationId xmlns:a16="http://schemas.microsoft.com/office/drawing/2014/main" id="{6B5B3E6D-E14F-7E67-4762-9250664DBFEB}"/>
+              </a:ext>
+            </a:extLst>
+          </p:cNvPr>
+          <p:cNvSpPr txBox="1"/>
+          <p:nvPr/>
+        </p:nvSpPr>
+        <p:spPr>
+          <a:xfrm>
+            <a:off x="4258277" y="5810656"/>
+            <a:ext cx="4163191" cy="369332"/>
+          </a:xfrm>
+          <a:prstGeom prst="rect">
+            <a:avLst/>
+          </a:prstGeom>
+          <a:noFill/>
+        </p:spPr>
+        <p:txBody>
+          <a:bodyPr wrap="none" rtlCol="0">
+            <a:spAutoFit/>
+          </a:bodyPr>
+          <a:lstStyle/>
+          <a:p>
+            <a:r>
+              <a:rPr lang="en-PK" dirty="0"/>
+              <a:t>Different types of model fit for the dataset</a:t>
+            </a:r>
+          </a:p>
+        </p:txBody>
+      </p:sp>
+    </p:spTree>
+    <p:extLst>
+      <p:ext uri="{BB962C8B-B14F-4D97-AF65-F5344CB8AC3E}">
+        <p14:creationId xmlns:p14="http://schemas.microsoft.com/office/powerpoint/2010/main" val="2684720203"/>
+      </p:ext>
+    </p:extLst>
+  </p:cSld>
+  <p:clrMapOvr>
+    <a:masterClrMapping/>
+  </p:clrMapOvr>
+</p:sld>
+</file>
+
+<file path=ppt/slides/slide7.xml><?xml version="1.0" encoding="utf-8"?>
+<p:sld xmlns:a="http://schemas.openxmlformats.org/drawingml/2006/main" xmlns:r="http://schemas.openxmlformats.org/officeDocument/2006/relationships" xmlns:p="http://schemas.openxmlformats.org/presentationml/2006/main">
+  <p:cSld>
+    <p:spTree>
+      <p:nvGrpSpPr>
+        <p:cNvPr id="1" name=""/>
+        <p:cNvGrpSpPr/>
+        <p:nvPr/>
+      </p:nvGrpSpPr>
+      <p:grpSpPr>
+        <a:xfrm>
+          <a:off x="0" y="0"/>
+          <a:ext cx="0" cy="0"/>
+          <a:chOff x="0" y="0"/>
+          <a:chExt cx="0" cy="0"/>
+        </a:xfrm>
+      </p:grpSpPr>
+      <p:sp>
+        <p:nvSpPr>
+          <p:cNvPr id="2" name="Title 1">
+            <a:extLst>
+              <a:ext uri="{FF2B5EF4-FFF2-40B4-BE49-F238E27FC236}">
+                <a16:creationId xmlns:a16="http://schemas.microsoft.com/office/drawing/2014/main" id="{4DC42023-3CF4-2D83-F151-63AA56312750}"/>
+              </a:ext>
+            </a:extLst>
+          </p:cNvPr>
+          <p:cNvSpPr>
+            <a:spLocks noGrp="1"/>
+          </p:cNvSpPr>
+          <p:nvPr>
+            <p:ph type="title"/>
+          </p:nvPr>
+        </p:nvSpPr>
+        <p:spPr/>
+        <p:txBody>
+          <a:bodyPr/>
+          <a:lstStyle/>
+          <a:p>
+            <a:r>
+              <a:rPr lang="en-PK" dirty="0"/>
+              <a:t>Potential Problems</a:t>
+            </a:r>
+          </a:p>
+        </p:txBody>
+      </p:sp>
+      <p:sp>
+        <p:nvSpPr>
+          <p:cNvPr id="3" name="Content Placeholder 2">
+            <a:extLst>
+              <a:ext uri="{FF2B5EF4-FFF2-40B4-BE49-F238E27FC236}">
+                <a16:creationId xmlns:a16="http://schemas.microsoft.com/office/drawing/2014/main" id="{A242F510-1794-1408-4DA3-8F22A06F875E}"/>
+              </a:ext>
+            </a:extLst>
+          </p:cNvPr>
+          <p:cNvSpPr>
+            <a:spLocks noGrp="1"/>
+          </p:cNvSpPr>
+          <p:nvPr>
+            <p:ph idx="1"/>
+          </p:nvPr>
+        </p:nvSpPr>
+        <p:spPr/>
+        <p:txBody>
+          <a:bodyPr/>
+          <a:lstStyle/>
+          <a:p>
+            <a:r>
+              <a:rPr lang="en-PK" dirty="0"/>
+              <a:t>When fitting the model many problems can </a:t>
+            </a:r>
+            <a:r>
+              <a:rPr lang="en-GB" dirty="0"/>
+              <a:t>occur</a:t>
+            </a:r>
+          </a:p>
+          <a:p>
+            <a:pPr marL="914400" lvl="1" indent="-457200">
+              <a:buFont typeface="+mj-lt"/>
+              <a:buAutoNum type="arabicPeriod"/>
+            </a:pPr>
+            <a:r>
+              <a:rPr lang="en-GB" dirty="0">
+                <a:effectLst/>
+              </a:rPr>
+              <a:t>Non-linearity of the response predictor relationships</a:t>
+            </a:r>
+          </a:p>
+          <a:p>
+            <a:pPr marL="914400" lvl="1" indent="-457200">
+              <a:buFont typeface="+mj-lt"/>
+              <a:buAutoNum type="arabicPeriod"/>
+            </a:pPr>
+            <a:r>
+              <a:rPr lang="en-GB" dirty="0">
+                <a:effectLst/>
+              </a:rPr>
+              <a:t>Correlation of error terms</a:t>
+            </a:r>
+          </a:p>
+          <a:p>
+            <a:pPr marL="914400" lvl="1" indent="-457200">
+              <a:buFont typeface="+mj-lt"/>
+              <a:buAutoNum type="arabicPeriod"/>
+            </a:pPr>
+            <a:r>
+              <a:rPr lang="en-GB" dirty="0">
+                <a:effectLst/>
+              </a:rPr>
+              <a:t>Non-constant variance of error terms.</a:t>
+            </a:r>
+          </a:p>
+          <a:p>
+            <a:pPr marL="914400" lvl="1" indent="-457200">
+              <a:buFont typeface="+mj-lt"/>
+              <a:buAutoNum type="arabicPeriod"/>
+            </a:pPr>
+            <a:r>
+              <a:rPr lang="en-GB" dirty="0">
+                <a:effectLst/>
+              </a:rPr>
+              <a:t>Outliers</a:t>
+            </a:r>
+            <a:endParaRPr lang="en-GB" dirty="0"/>
+          </a:p>
+          <a:p>
+            <a:pPr marL="914400" lvl="1" indent="-457200">
+              <a:buFont typeface="+mj-lt"/>
+              <a:buAutoNum type="arabicPeriod"/>
+            </a:pPr>
+            <a:r>
+              <a:rPr lang="en-GB" dirty="0">
+                <a:effectLst/>
+              </a:rPr>
+              <a:t>High-leverage points</a:t>
+            </a:r>
+            <a:endParaRPr lang="en-GB" dirty="0"/>
+          </a:p>
+          <a:p>
+            <a:pPr marL="914400" lvl="1" indent="-457200">
+              <a:buFont typeface="+mj-lt"/>
+              <a:buAutoNum type="arabicPeriod"/>
+            </a:pPr>
+            <a:r>
+              <a:rPr lang="en-GB" dirty="0">
+                <a:effectLst/>
+              </a:rPr>
+              <a:t>Collinearity</a:t>
+            </a:r>
+            <a:endParaRPr lang="en-GB" dirty="0"/>
+          </a:p>
+          <a:p>
+            <a:endParaRPr lang="en-PK" dirty="0"/>
+          </a:p>
+        </p:txBody>
+      </p:sp>
+    </p:spTree>
+    <p:extLst>
+      <p:ext uri="{BB962C8B-B14F-4D97-AF65-F5344CB8AC3E}">
+        <p14:creationId xmlns:p14="http://schemas.microsoft.com/office/powerpoint/2010/main" val="3687733716"/>
+      </p:ext>
+    </p:extLst>
+  </p:cSld>
+  <p:clrMapOvr>
+    <a:masterClrMapping/>
+  </p:clrMapOvr>
+</p:sld>
+</file>
+
+<file path=ppt/slides/slide8.xml><?xml version="1.0" encoding="utf-8"?>
+<p:sld xmlns:a="http://schemas.openxmlformats.org/drawingml/2006/main" xmlns:r="http://schemas.openxmlformats.org/officeDocument/2006/relationships" xmlns:p="http://schemas.openxmlformats.org/presentationml/2006/main">
+  <p:cSld>
+    <p:spTree>
+      <p:nvGrpSpPr>
+        <p:cNvPr id="1" name=""/>
+        <p:cNvGrpSpPr/>
+        <p:nvPr/>
+      </p:nvGrpSpPr>
+      <p:grpSpPr>
+        <a:xfrm>
+          <a:off x="0" y="0"/>
+          <a:ext cx="0" cy="0"/>
+          <a:chOff x="0" y="0"/>
+          <a:chExt cx="0" cy="0"/>
+        </a:xfrm>
+      </p:grpSpPr>
+      <p:sp>
+        <p:nvSpPr>
+          <p:cNvPr id="2" name="Title 1">
+            <a:extLst>
+              <a:ext uri="{FF2B5EF4-FFF2-40B4-BE49-F238E27FC236}">
+                <a16:creationId xmlns:a16="http://schemas.microsoft.com/office/drawing/2014/main" id="{15856CB9-228F-BB2B-BF44-923AE26EA215}"/>
+              </a:ext>
+            </a:extLst>
+          </p:cNvPr>
+          <p:cNvSpPr>
+            <a:spLocks noGrp="1"/>
+          </p:cNvSpPr>
+          <p:nvPr>
+            <p:ph type="title"/>
+          </p:nvPr>
+        </p:nvSpPr>
+        <p:spPr/>
+        <p:txBody>
+          <a:bodyPr/>
+          <a:lstStyle/>
+          <a:p>
+            <a:r>
+              <a:rPr lang="en-PK" dirty="0"/>
+              <a:t>1. Non-Linearity </a:t>
+            </a:r>
+          </a:p>
+        </p:txBody>
+      </p:sp>
+      <mc:AlternateContent xmlns:mc="http://schemas.openxmlformats.org/markup-compatibility/2006">
+        <mc:Choice xmlns:a14="http://schemas.microsoft.com/office/drawing/2010/main" Requires="a14">
+          <p:sp>
+            <p:nvSpPr>
+              <p:cNvPr id="8" name="Content Placeholder 7">
+                <a:extLst>
+                  <a:ext uri="{FF2B5EF4-FFF2-40B4-BE49-F238E27FC236}">
+                    <a16:creationId xmlns:a16="http://schemas.microsoft.com/office/drawing/2014/main" id="{CF66AECF-9936-0941-8C75-192AD1E1064D}"/>
+                  </a:ext>
+                </a:extLst>
+              </p:cNvPr>
+              <p:cNvSpPr>
+                <a:spLocks noGrp="1"/>
+              </p:cNvSpPr>
+              <p:nvPr>
+                <p:ph idx="1"/>
+              </p:nvPr>
+            </p:nvSpPr>
+            <p:spPr/>
+            <p:txBody>
+              <a:bodyPr/>
+              <a:lstStyle/>
+              <a:p>
+                <a:r>
+                  <a:rPr lang="en-GB" dirty="0"/>
+                  <a:t>The residual</a:t>
+                </a:r>
+                <a:r>
+                  <a:rPr lang="en-PK" dirty="0"/>
+                  <a:t> Plot, for linear model its </a:t>
+                </a:r>
+                <a14:m>
+                  <m:oMath xmlns:m="http://schemas.openxmlformats.org/officeDocument/2006/math">
+                    <m:sSub>
+                      <m:sSubPr>
+                        <m:ctrlPr>
+                          <a:rPr lang="en-PK" i="1" kern="100" smtClean="0">
+                            <a:latin typeface="Cambria Math" panose="02040503050406030204" pitchFamily="18" charset="0"/>
+                            <a:ea typeface="Calibri" panose="020F0502020204030204" pitchFamily="34" charset="0"/>
+                            <a:cs typeface="Arial" panose="020B0604020202020204" pitchFamily="34" charset="0"/>
+                          </a:rPr>
+                        </m:ctrlPr>
+                      </m:sSubPr>
+                      <m:e>
+                        <m:r>
+                          <a:rPr lang="en-PK" i="1" kern="100">
+                            <a:latin typeface="Cambria Math" panose="02040503050406030204" pitchFamily="18" charset="0"/>
+                            <a:ea typeface="Calibri" panose="020F0502020204030204" pitchFamily="34" charset="0"/>
+                            <a:cs typeface="Arial" panose="020B0604020202020204" pitchFamily="34" charset="0"/>
+                          </a:rPr>
+                          <m:t>𝑒</m:t>
+                        </m:r>
+                      </m:e>
+                      <m:sub>
+                        <m:r>
+                          <a:rPr lang="en-PK" i="1" kern="100">
+                            <a:latin typeface="Cambria Math" panose="02040503050406030204" pitchFamily="18" charset="0"/>
+                            <a:ea typeface="Calibri" panose="020F0502020204030204" pitchFamily="34" charset="0"/>
+                            <a:cs typeface="Arial" panose="020B0604020202020204" pitchFamily="34" charset="0"/>
+                          </a:rPr>
+                          <m:t>𝑖</m:t>
+                        </m:r>
+                      </m:sub>
+                    </m:sSub>
+                  </m:oMath>
+                </a14:m>
+                <a:r>
+                  <a:rPr lang="en-PK" dirty="0"/>
+                  <a:t> versus </a:t>
+                </a:r>
+                <a14:m>
+                  <m:oMath xmlns:m="http://schemas.openxmlformats.org/officeDocument/2006/math">
+                    <m:sSub>
+                      <m:sSubPr>
+                        <m:ctrlPr>
+                          <a:rPr lang="en-PK" i="1" kern="100">
+                            <a:latin typeface="Cambria Math" panose="02040503050406030204" pitchFamily="18" charset="0"/>
+                            <a:ea typeface="Calibri" panose="020F0502020204030204" pitchFamily="34" charset="0"/>
+                            <a:cs typeface="Arial" panose="020B0604020202020204" pitchFamily="34" charset="0"/>
+                          </a:rPr>
+                        </m:ctrlPr>
+                      </m:sSubPr>
+                      <m:e>
+                        <m:r>
+                          <a:rPr lang="en-US" b="0" i="1" kern="100" smtClean="0">
+                            <a:latin typeface="Cambria Math" panose="02040503050406030204" pitchFamily="18" charset="0"/>
+                            <a:ea typeface="Calibri" panose="020F0502020204030204" pitchFamily="34" charset="0"/>
+                            <a:cs typeface="Arial" panose="020B0604020202020204" pitchFamily="34" charset="0"/>
+                          </a:rPr>
+                          <m:t>𝑥</m:t>
+                        </m:r>
+                      </m:e>
+                      <m:sub>
+                        <m:r>
+                          <a:rPr lang="en-PK" i="1" kern="100">
+                            <a:latin typeface="Cambria Math" panose="02040503050406030204" pitchFamily="18" charset="0"/>
+                            <a:ea typeface="Calibri" panose="020F0502020204030204" pitchFamily="34" charset="0"/>
+                            <a:cs typeface="Arial" panose="020B0604020202020204" pitchFamily="34" charset="0"/>
+                          </a:rPr>
+                          <m:t>𝑖</m:t>
+                        </m:r>
+                      </m:sub>
+                    </m:sSub>
+                  </m:oMath>
+                </a14:m>
+                <a:r>
+                  <a:rPr lang="en-PK" dirty="0"/>
+                  <a:t> </a:t>
+                </a:r>
+              </a:p>
+              <a:p>
+                <a:r>
+                  <a:rPr lang="en-PK" dirty="0"/>
+                  <a:t>For non-linear </a:t>
+                </a:r>
+                <a14:m>
+                  <m:oMath xmlns:m="http://schemas.openxmlformats.org/officeDocument/2006/math">
+                    <m:sSub>
+                      <m:sSubPr>
+                        <m:ctrlPr>
+                          <a:rPr lang="en-PK" i="1" kern="100" smtClean="0">
+                            <a:latin typeface="Cambria Math" panose="02040503050406030204" pitchFamily="18" charset="0"/>
+                            <a:ea typeface="Calibri" panose="020F0502020204030204" pitchFamily="34" charset="0"/>
+                            <a:cs typeface="Arial" panose="020B0604020202020204" pitchFamily="34" charset="0"/>
+                          </a:rPr>
+                        </m:ctrlPr>
+                      </m:sSubPr>
+                      <m:e>
+                        <m:r>
+                          <a:rPr lang="en-US" b="0" i="1" kern="100" smtClean="0">
+                            <a:latin typeface="Cambria Math" panose="02040503050406030204" pitchFamily="18" charset="0"/>
+                            <a:ea typeface="Calibri" panose="020F0502020204030204" pitchFamily="34" charset="0"/>
+                            <a:cs typeface="Arial" panose="020B0604020202020204" pitchFamily="34" charset="0"/>
+                          </a:rPr>
+                          <m:t>𝑒</m:t>
+                        </m:r>
+                      </m:e>
+                      <m:sub>
+                        <m:r>
+                          <a:rPr lang="en-PK" i="1" kern="100">
+                            <a:latin typeface="Cambria Math" panose="02040503050406030204" pitchFamily="18" charset="0"/>
+                            <a:ea typeface="Calibri" panose="020F0502020204030204" pitchFamily="34" charset="0"/>
+                            <a:cs typeface="Arial" panose="020B0604020202020204" pitchFamily="34" charset="0"/>
+                          </a:rPr>
+                          <m:t>𝑖</m:t>
+                        </m:r>
+                      </m:sub>
+                    </m:sSub>
+                  </m:oMath>
+                </a14:m>
+                <a:r>
+                  <a:rPr lang="en-PK" dirty="0"/>
+                  <a:t> versus</a:t>
+                </a:r>
+                <a14:m>
+                  <m:oMath xmlns:m="http://schemas.openxmlformats.org/officeDocument/2006/math">
+                    <m:r>
+                      <a:rPr lang="en-US" b="0" i="0" kern="100" smtClean="0">
+                        <a:latin typeface="Cambria Math" panose="02040503050406030204" pitchFamily="18" charset="0"/>
+                        <a:ea typeface="Calibri" panose="020F0502020204030204" pitchFamily="34" charset="0"/>
+                        <a:cs typeface="Arial" panose="020B0604020202020204" pitchFamily="34" charset="0"/>
+                      </a:rPr>
+                      <m:t> </m:t>
+                    </m:r>
+                    <m:sSub>
+                      <m:sSubPr>
+                        <m:ctrlPr>
+                          <a:rPr lang="en-PK" i="1" kern="100">
+                            <a:latin typeface="Cambria Math" panose="02040503050406030204" pitchFamily="18" charset="0"/>
+                            <a:ea typeface="Calibri" panose="020F0502020204030204" pitchFamily="34" charset="0"/>
+                            <a:cs typeface="Arial" panose="020B0604020202020204" pitchFamily="34" charset="0"/>
+                          </a:rPr>
+                        </m:ctrlPr>
+                      </m:sSubPr>
+                      <m:e>
+                        <m:acc>
+                          <m:accPr>
+                            <m:chr m:val="̂"/>
+                            <m:ctrlPr>
+                              <a:rPr lang="en-PK" i="1" kern="100">
+                                <a:latin typeface="Cambria Math" panose="02040503050406030204" pitchFamily="18" charset="0"/>
+                                <a:ea typeface="Calibri" panose="020F0502020204030204" pitchFamily="34" charset="0"/>
+                                <a:cs typeface="Arial" panose="020B0604020202020204" pitchFamily="34" charset="0"/>
+                              </a:rPr>
+                            </m:ctrlPr>
+                          </m:accPr>
+                          <m:e>
+                            <m:r>
+                              <a:rPr lang="en-PK" i="1" kern="100">
+                                <a:latin typeface="Cambria Math" panose="02040503050406030204" pitchFamily="18" charset="0"/>
+                                <a:ea typeface="Calibri" panose="020F0502020204030204" pitchFamily="34" charset="0"/>
+                                <a:cs typeface="Arial" panose="020B0604020202020204" pitchFamily="34" charset="0"/>
+                              </a:rPr>
+                              <m:t>𝑦</m:t>
+                            </m:r>
+                          </m:e>
+                        </m:acc>
+                      </m:e>
+                      <m:sub>
+                        <m:r>
+                          <a:rPr lang="en-PK" i="1" kern="100">
+                            <a:latin typeface="Cambria Math" panose="02040503050406030204" pitchFamily="18" charset="0"/>
+                            <a:ea typeface="Calibri" panose="020F0502020204030204" pitchFamily="34" charset="0"/>
+                            <a:cs typeface="Arial" panose="020B0604020202020204" pitchFamily="34" charset="0"/>
+                          </a:rPr>
+                          <m:t>𝑖</m:t>
+                        </m:r>
+                      </m:sub>
+                    </m:sSub>
+                  </m:oMath>
+                </a14:m>
+                <a:endParaRPr lang="en-PK" dirty="0"/>
+              </a:p>
+              <a:p>
+                <a:pPr marL="0" indent="0">
+                  <a:buNone/>
+                </a:pPr>
+                <a14:m>
+                  <m:oMathPara xmlns:m="http://schemas.openxmlformats.org/officeDocument/2006/math">
+                    <m:oMathParaPr>
+                      <m:jc m:val="centerGroup"/>
+                    </m:oMathParaPr>
+                    <m:oMath xmlns:m="http://schemas.openxmlformats.org/officeDocument/2006/math">
+                      <m:sSub>
+                        <m:sSubPr>
+                          <m:ctrlPr>
+                            <a:rPr lang="en-PK" sz="2400" i="1" kern="100" smtClean="0">
+                              <a:effectLst/>
+                              <a:ea typeface="Calibri" panose="020F0502020204030204" pitchFamily="34" charset="0"/>
+                              <a:cs typeface="Arial" panose="020B0604020202020204" pitchFamily="34" charset="0"/>
+                            </a:rPr>
+                          </m:ctrlPr>
+                        </m:sSubPr>
+                        <m:e>
+                          <m:r>
+                            <a:rPr lang="en-PK" sz="2400" i="1" kern="100">
+                              <a:effectLst/>
+                              <a:ea typeface="Calibri" panose="020F0502020204030204" pitchFamily="34" charset="0"/>
+                              <a:cs typeface="Arial" panose="020B0604020202020204" pitchFamily="34" charset="0"/>
+                            </a:rPr>
+                            <m:t>𝑒</m:t>
+                          </m:r>
+                        </m:e>
+                        <m:sub>
+                          <m:r>
+                            <a:rPr lang="en-PK" sz="2400" i="1" kern="100">
+                              <a:effectLst/>
+                              <a:ea typeface="Calibri" panose="020F0502020204030204" pitchFamily="34" charset="0"/>
+                              <a:cs typeface="Arial" panose="020B0604020202020204" pitchFamily="34" charset="0"/>
+                            </a:rPr>
+                            <m:t>𝑖</m:t>
+                          </m:r>
+                        </m:sub>
+                      </m:sSub>
+                      <m:r>
+                        <a:rPr lang="en-PK" sz="2400" i="1" kern="100">
+                          <a:effectLst/>
+                          <a:ea typeface="Calibri" panose="020F0502020204030204" pitchFamily="34" charset="0"/>
+                          <a:cs typeface="Arial" panose="020B0604020202020204" pitchFamily="34" charset="0"/>
+                        </a:rPr>
+                        <m:t>=</m:t>
+                      </m:r>
+                      <m:sSub>
+                        <m:sSubPr>
+                          <m:ctrlPr>
+                            <a:rPr lang="en-PK" sz="2400" i="1" kern="100">
+                              <a:effectLst/>
+                              <a:ea typeface="Calibri" panose="020F0502020204030204" pitchFamily="34" charset="0"/>
+                              <a:cs typeface="Arial" panose="020B0604020202020204" pitchFamily="34" charset="0"/>
+                            </a:rPr>
+                          </m:ctrlPr>
+                        </m:sSubPr>
+                        <m:e>
+                          <m:r>
+                            <a:rPr lang="en-PK" sz="2400" i="1" kern="100">
+                              <a:effectLst/>
+                              <a:ea typeface="Calibri" panose="020F0502020204030204" pitchFamily="34" charset="0"/>
+                              <a:cs typeface="Arial" panose="020B0604020202020204" pitchFamily="34" charset="0"/>
+                            </a:rPr>
+                            <m:t>𝑦</m:t>
+                          </m:r>
+                        </m:e>
+                        <m:sub>
+                          <m:r>
+                            <a:rPr lang="en-PK" sz="2400" i="1" kern="100">
+                              <a:effectLst/>
+                              <a:ea typeface="Calibri" panose="020F0502020204030204" pitchFamily="34" charset="0"/>
+                              <a:cs typeface="Arial" panose="020B0604020202020204" pitchFamily="34" charset="0"/>
+                            </a:rPr>
+                            <m:t>𝑖</m:t>
+                          </m:r>
+                        </m:sub>
+                      </m:sSub>
+                      <m:r>
+                        <a:rPr lang="en-PK" sz="2400" i="1" kern="100">
+                          <a:effectLst/>
+                          <a:ea typeface="Calibri" panose="020F0502020204030204" pitchFamily="34" charset="0"/>
+                          <a:cs typeface="Arial" panose="020B0604020202020204" pitchFamily="34" charset="0"/>
+                        </a:rPr>
+                        <m:t>−</m:t>
+                      </m:r>
+                      <m:sSub>
+                        <m:sSubPr>
+                          <m:ctrlPr>
+                            <a:rPr lang="en-PK" sz="2400" i="1" kern="100">
+                              <a:effectLst/>
+                              <a:ea typeface="Calibri" panose="020F0502020204030204" pitchFamily="34" charset="0"/>
+                              <a:cs typeface="Arial" panose="020B0604020202020204" pitchFamily="34" charset="0"/>
+                            </a:rPr>
+                          </m:ctrlPr>
+                        </m:sSubPr>
+                        <m:e>
+                          <m:acc>
+                            <m:accPr>
+                              <m:chr m:val="̂"/>
+                              <m:ctrlPr>
+                                <a:rPr lang="en-PK" sz="2400" i="1" kern="100">
+                                  <a:effectLst/>
+                                  <a:ea typeface="Calibri" panose="020F0502020204030204" pitchFamily="34" charset="0"/>
+                                  <a:cs typeface="Arial" panose="020B0604020202020204" pitchFamily="34" charset="0"/>
+                                </a:rPr>
+                              </m:ctrlPr>
+                            </m:accPr>
+                            <m:e>
+                              <m:r>
+                                <a:rPr lang="en-PK" sz="2400" i="1" kern="100">
+                                  <a:effectLst/>
+                                  <a:ea typeface="Calibri" panose="020F0502020204030204" pitchFamily="34" charset="0"/>
+                                  <a:cs typeface="Arial" panose="020B0604020202020204" pitchFamily="34" charset="0"/>
+                                </a:rPr>
+                                <m:t>𝑦</m:t>
+                              </m:r>
+                            </m:e>
+                          </m:acc>
+                        </m:e>
+                        <m:sub>
+                          <m:r>
+                            <a:rPr lang="en-PK" sz="2400" i="1" kern="100">
+                              <a:effectLst/>
+                              <a:ea typeface="Calibri" panose="020F0502020204030204" pitchFamily="34" charset="0"/>
+                              <a:cs typeface="Arial" panose="020B0604020202020204" pitchFamily="34" charset="0"/>
+                            </a:rPr>
+                            <m:t>𝑖</m:t>
+                          </m:r>
+                        </m:sub>
+                      </m:sSub>
+                    </m:oMath>
+                  </m:oMathPara>
+                </a14:m>
+                <a:endParaRPr lang="en-PK" sz="2400" kern="100" dirty="0">
+                  <a:effectLst/>
+                  <a:ea typeface="Calibri" panose="020F0502020204030204" pitchFamily="34" charset="0"/>
+                  <a:cs typeface="Arial" panose="020B0604020202020204" pitchFamily="34" charset="0"/>
+                </a:endParaRPr>
+              </a:p>
+              <a:p>
+                <a:pPr marL="0" indent="0">
+                  <a:buNone/>
+                </a:pPr>
+                <a:endParaRPr lang="en-PK" sz="2400" kern="100" dirty="0">
+                  <a:effectLst/>
+                  <a:ea typeface="Calibri" panose="020F0502020204030204" pitchFamily="34" charset="0"/>
+                  <a:cs typeface="Arial" panose="020B0604020202020204" pitchFamily="34" charset="0"/>
+                </a:endParaRPr>
+              </a:p>
+              <a:p>
+                <a:pPr marL="0" indent="0">
+                  <a:buNone/>
+                </a:pPr>
+                <a:endParaRPr lang="en-PK" sz="2400" kern="100" dirty="0">
+                  <a:effectLst/>
+                  <a:ea typeface="Calibri" panose="020F0502020204030204" pitchFamily="34" charset="0"/>
+                  <a:cs typeface="Arial" panose="020B0604020202020204" pitchFamily="34" charset="0"/>
+                </a:endParaRPr>
+              </a:p>
+              <a:p>
+                <a:endParaRPr lang="en-PK" dirty="0"/>
+              </a:p>
+            </p:txBody>
+          </p:sp>
+        </mc:Choice>
+        <mc:Fallback>
+          <p:sp>
+            <p:nvSpPr>
+              <p:cNvPr id="8" name="Content Placeholder 7">
+                <a:extLst>
+                  <a:ext uri="{FF2B5EF4-FFF2-40B4-BE49-F238E27FC236}">
+                    <a16:creationId xmlns:a16="http://schemas.microsoft.com/office/drawing/2014/main" id="{CF66AECF-9936-0941-8C75-192AD1E1064D}"/>
+                  </a:ext>
+                </a:extLst>
+              </p:cNvPr>
+              <p:cNvSpPr>
+                <a:spLocks noGrp="1" noRot="1" noChangeAspect="1" noMove="1" noResize="1" noEditPoints="1" noAdjustHandles="1" noChangeArrowheads="1" noChangeShapeType="1" noTextEdit="1"/>
+              </p:cNvSpPr>
+              <p:nvPr>
+                <p:ph idx="1"/>
+              </p:nvPr>
+            </p:nvSpPr>
+            <p:spPr>
+              <a:blipFill>
+                <a:blip r:embed="rId2"/>
+                <a:stretch>
+                  <a:fillRect l="-1086" t="-2326"/>
+                </a:stretch>
+              </a:blipFill>
+            </p:spPr>
+            <p:txBody>
+              <a:bodyPr/>
+              <a:lstStyle/>
+              <a:p>
+                <a:r>
+                  <a:rPr lang="en-PK">
+                    <a:noFill/>
+                  </a:rPr>
+                  <a:t> </a:t>
+                </a:r>
+              </a:p>
+            </p:txBody>
+          </p:sp>
+        </mc:Fallback>
+      </mc:AlternateContent>
+      <p:pic>
+        <p:nvPicPr>
+          <p:cNvPr id="13" name="Picture 12" descr="A comparison of a plot&#10;&#10;Description automatically generated with medium confidence">
+            <a:extLst>
+              <a:ext uri="{FF2B5EF4-FFF2-40B4-BE49-F238E27FC236}">
+                <a16:creationId xmlns:a16="http://schemas.microsoft.com/office/drawing/2014/main" id="{2A4435DD-1698-673D-B134-9E632E439DD3}"/>
+              </a:ext>
+            </a:extLst>
+          </p:cNvPr>
+          <p:cNvPicPr>
+            <a:picLocks noChangeAspect="1"/>
+          </p:cNvPicPr>
+          <p:nvPr/>
+        </p:nvPicPr>
+        <p:blipFill>
+          <a:blip r:embed="rId3">
+            <a:extLst>
+              <a:ext uri="{28A0092B-C50C-407E-A947-70E740481C1C}">
+                <a14:useLocalDpi xmlns:a14="http://schemas.microsoft.com/office/drawing/2010/main" val="0"/>
+              </a:ext>
+            </a:extLst>
+          </a:blip>
+          <a:stretch>
+            <a:fillRect/>
+          </a:stretch>
+        </p:blipFill>
+        <p:spPr>
+          <a:xfrm>
+            <a:off x="3332455" y="3325813"/>
+            <a:ext cx="5527090" cy="2851150"/>
+          </a:xfrm>
+          <a:prstGeom prst="rect">
+            <a:avLst/>
+          </a:prstGeom>
+        </p:spPr>
+      </p:pic>
+      <p:sp>
+        <p:nvSpPr>
+          <p:cNvPr id="14" name="TextBox 13">
+            <a:extLst>
+              <a:ext uri="{FF2B5EF4-FFF2-40B4-BE49-F238E27FC236}">
+                <a16:creationId xmlns:a16="http://schemas.microsoft.com/office/drawing/2014/main" id="{7A790B7F-FD36-375C-80E1-DEA1A8491393}"/>
+              </a:ext>
+            </a:extLst>
+          </p:cNvPr>
+          <p:cNvSpPr txBox="1"/>
+          <p:nvPr/>
+        </p:nvSpPr>
+        <p:spPr>
+          <a:xfrm>
+            <a:off x="3720638" y="6127234"/>
+            <a:ext cx="4750724" cy="369332"/>
+          </a:xfrm>
+          <a:prstGeom prst="rect">
+            <a:avLst/>
+          </a:prstGeom>
+          <a:noFill/>
+        </p:spPr>
+        <p:txBody>
+          <a:bodyPr wrap="none" rtlCol="0">
+            <a:spAutoFit/>
+          </a:bodyPr>
+          <a:lstStyle/>
+          <a:p>
+            <a:r>
+              <a:rPr lang="en-PK" dirty="0"/>
+              <a:t>Residual plot for the linear and non-linear model</a:t>
+            </a:r>
+          </a:p>
+        </p:txBody>
+      </p:sp>
+    </p:spTree>
+    <p:extLst>
+      <p:ext uri="{BB962C8B-B14F-4D97-AF65-F5344CB8AC3E}">
+        <p14:creationId xmlns:p14="http://schemas.microsoft.com/office/powerpoint/2010/main" val="3417913727"/>
+      </p:ext>
+    </p:extLst>
+  </p:cSld>
+  <p:clrMapOvr>
+    <a:masterClrMapping/>
+  </p:clrMapOvr>
+</p:sld>
+</file>
+
+<file path=ppt/slides/slide9.xml><?xml version="1.0" encoding="utf-8"?>
+<p:sld xmlns:a="http://schemas.openxmlformats.org/drawingml/2006/main" xmlns:r="http://schemas.openxmlformats.org/officeDocument/2006/relationships" xmlns:p="http://schemas.openxmlformats.org/presentationml/2006/main">
+  <p:cSld>
+    <p:spTree>
+      <p:nvGrpSpPr>
+        <p:cNvPr id="1" name=""/>
+        <p:cNvGrpSpPr/>
+        <p:nvPr/>
+      </p:nvGrpSpPr>
+      <p:grpSpPr>
+        <a:xfrm>
+          <a:off x="0" y="0"/>
+          <a:ext cx="0" cy="0"/>
+          <a:chOff x="0" y="0"/>
+          <a:chExt cx="0" cy="0"/>
+        </a:xfrm>
+      </p:grpSpPr>
+      <p:sp>
+        <p:nvSpPr>
+          <p:cNvPr id="2" name="Title 1">
+            <a:extLst>
+              <a:ext uri="{FF2B5EF4-FFF2-40B4-BE49-F238E27FC236}">
+                <a16:creationId xmlns:a16="http://schemas.microsoft.com/office/drawing/2014/main" id="{FE8309D4-C708-4FFC-31FB-03BBBAC852AD}"/>
+              </a:ext>
+            </a:extLst>
+          </p:cNvPr>
+          <p:cNvSpPr>
+            <a:spLocks noGrp="1"/>
+          </p:cNvSpPr>
+          <p:nvPr>
+            <p:ph type="title"/>
+          </p:nvPr>
+        </p:nvSpPr>
+        <p:spPr/>
+        <p:txBody>
+          <a:bodyPr>
+            <a:normAutofit fontScale="90000"/>
+          </a:bodyPr>
+          <a:lstStyle/>
+          <a:p>
+            <a:br>
+              <a:rPr lang="en-PK" dirty="0"/>
+            </a:br>
+            <a:r>
+              <a:rPr lang="en-PK" dirty="0"/>
+              <a:t>Non-Linearity</a:t>
+            </a:r>
+            <a:br>
+              <a:rPr lang="en-PK" dirty="0"/>
+            </a:br>
+            <a:endParaRPr lang="en-PK" dirty="0"/>
+          </a:p>
+        </p:txBody>
+      </p:sp>
+      <mc:AlternateContent xmlns:mc="http://schemas.openxmlformats.org/markup-compatibility/2006">
+        <mc:Choice xmlns:a14="http://schemas.microsoft.com/office/drawing/2010/main" Requires="a14">
+          <p:sp>
+            <p:nvSpPr>
+              <p:cNvPr id="3" name="Content Placeholder 2">
+                <a:extLst>
+                  <a:ext uri="{FF2B5EF4-FFF2-40B4-BE49-F238E27FC236}">
+                    <a16:creationId xmlns:a16="http://schemas.microsoft.com/office/drawing/2014/main" id="{AFB48F15-9A71-7F80-FB7B-20074D0640F0}"/>
+                  </a:ext>
+                </a:extLst>
+              </p:cNvPr>
+              <p:cNvSpPr>
+                <a:spLocks noGrp="1"/>
+              </p:cNvSpPr>
+              <p:nvPr>
+                <p:ph idx="1"/>
+              </p:nvPr>
+            </p:nvSpPr>
+            <p:spPr/>
+            <p:txBody>
+              <a:bodyPr/>
+              <a:lstStyle/>
+              <a:p>
+                <a:r>
+                  <a:rPr lang="en-PK" dirty="0"/>
+                  <a:t>If there is non-linearity we can use</a:t>
+                </a:r>
+              </a:p>
+              <a:p>
+                <a:pPr lvl="1"/>
+                <a:r>
+                  <a:rPr lang="en-GB" dirty="0"/>
+                  <a:t>Log </a:t>
+                </a:r>
+                <a:r>
+                  <a:rPr lang="en-GB" dirty="0">
+                    <a:effectLst/>
+                  </a:rPr>
+                  <a:t>X</a:t>
+                </a:r>
+              </a:p>
+              <a:p>
+                <a:pPr lvl="1"/>
+                <a14:m>
+                  <m:oMath xmlns:m="http://schemas.openxmlformats.org/officeDocument/2006/math">
+                    <m:rad>
+                      <m:radPr>
+                        <m:degHide m:val="on"/>
+                        <m:ctrlPr>
+                          <a:rPr lang="en-PK" i="1" kern="100" smtClean="0">
+                            <a:effectLst/>
+                            <a:ea typeface="Calibri" panose="020F0502020204030204" pitchFamily="34" charset="0"/>
+                            <a:cs typeface="Arial" panose="020B0604020202020204" pitchFamily="34" charset="0"/>
+                          </a:rPr>
+                        </m:ctrlPr>
+                      </m:radPr>
+                      <m:deg/>
+                      <m:e>
+                        <m:r>
+                          <a:rPr lang="en-US" i="1" kern="100">
+                            <a:effectLst/>
+                            <a:ea typeface="Calibri" panose="020F0502020204030204" pitchFamily="34" charset="0"/>
+                            <a:cs typeface="Arial" panose="020B0604020202020204" pitchFamily="34" charset="0"/>
+                          </a:rPr>
+                          <m:t>𝑥</m:t>
+                        </m:r>
+                      </m:e>
+                    </m:rad>
+                  </m:oMath>
+                </a14:m>
+                <a:endParaRPr lang="en-PK" kern="100" dirty="0">
+                  <a:effectLst/>
+                  <a:ea typeface="Calibri" panose="020F0502020204030204" pitchFamily="34" charset="0"/>
+                  <a:cs typeface="Arial" panose="020B0604020202020204" pitchFamily="34" charset="0"/>
+                </a:endParaRPr>
+              </a:p>
+              <a:p>
+                <a:pPr lvl="1"/>
+                <a14:m>
+                  <m:oMath xmlns:m="http://schemas.openxmlformats.org/officeDocument/2006/math">
+                    <m:sSup>
+                      <m:sSupPr>
+                        <m:ctrlPr>
+                          <a:rPr lang="en-PK" i="1" kern="100" smtClean="0">
+                            <a:effectLst/>
+                            <a:ea typeface="Calibri" panose="020F0502020204030204" pitchFamily="34" charset="0"/>
+                            <a:cs typeface="Arial" panose="020B0604020202020204" pitchFamily="34" charset="0"/>
+                          </a:rPr>
+                        </m:ctrlPr>
+                      </m:sSupPr>
+                      <m:e>
+                        <m:r>
+                          <a:rPr lang="en-US" i="1" kern="100">
+                            <a:effectLst/>
+                            <a:ea typeface="Calibri" panose="020F0502020204030204" pitchFamily="34" charset="0"/>
+                            <a:cs typeface="Arial" panose="020B0604020202020204" pitchFamily="34" charset="0"/>
+                          </a:rPr>
+                          <m:t>𝑥</m:t>
+                        </m:r>
+                      </m:e>
+                      <m:sup>
+                        <m:r>
+                          <a:rPr lang="en-US" i="1" kern="100">
+                            <a:effectLst/>
+                            <a:ea typeface="Calibri" panose="020F0502020204030204" pitchFamily="34" charset="0"/>
+                            <a:cs typeface="Arial" panose="020B0604020202020204" pitchFamily="34" charset="0"/>
+                          </a:rPr>
+                          <m:t>2</m:t>
+                        </m:r>
+                      </m:sup>
+                    </m:sSup>
+                  </m:oMath>
+                </a14:m>
+                <a:r>
+                  <a:rPr lang="en-PK" kern="100" dirty="0">
+                    <a:cs typeface="Arial" panose="020B0604020202020204" pitchFamily="34" charset="0"/>
+                  </a:rPr>
+                  <a:t> etc. </a:t>
+                </a:r>
+                <a:endParaRPr lang="en-GB" dirty="0"/>
+              </a:p>
+              <a:p>
+                <a:endParaRPr lang="en-PK" dirty="0"/>
+              </a:p>
+            </p:txBody>
+          </p:sp>
+        </mc:Choice>
+        <mc:Fallback>
+          <p:sp>
+            <p:nvSpPr>
+              <p:cNvPr id="3" name="Content Placeholder 2">
+                <a:extLst>
+                  <a:ext uri="{FF2B5EF4-FFF2-40B4-BE49-F238E27FC236}">
+                    <a16:creationId xmlns:a16="http://schemas.microsoft.com/office/drawing/2014/main" id="{AFB48F15-9A71-7F80-FB7B-20074D0640F0}"/>
+                  </a:ext>
+                </a:extLst>
+              </p:cNvPr>
+              <p:cNvSpPr>
+                <a:spLocks noGrp="1" noRot="1" noChangeAspect="1" noMove="1" noResize="1" noEditPoints="1" noAdjustHandles="1" noChangeArrowheads="1" noChangeShapeType="1" noTextEdit="1"/>
+              </p:cNvSpPr>
+              <p:nvPr>
+                <p:ph idx="1"/>
+              </p:nvPr>
+            </p:nvSpPr>
+            <p:spPr>
+              <a:blipFill>
+                <a:blip r:embed="rId2"/>
+                <a:stretch>
+                  <a:fillRect l="-1086" t="-2326"/>
+                </a:stretch>
+              </a:blipFill>
+            </p:spPr>
+            <p:txBody>
+              <a:bodyPr/>
+              <a:lstStyle/>
+              <a:p>
+                <a:r>
+                  <a:rPr lang="en-PK">
+                    <a:noFill/>
+                  </a:rPr>
+                  <a:t> </a:t>
+                </a:r>
+              </a:p>
+            </p:txBody>
+          </p:sp>
+        </mc:Fallback>
+      </mc:AlternateContent>
+    </p:spTree>
+    <p:extLst>
+      <p:ext uri="{BB962C8B-B14F-4D97-AF65-F5344CB8AC3E}">
+        <p14:creationId xmlns:p14="http://schemas.microsoft.com/office/powerpoint/2010/main" val="825518265"/>
       </p:ext>
     </p:extLst>
   </p:cSld>
@@ -7562,6 +13137,26 @@
 </file>
 
 <file path=customXml/item1.xml><?xml version="1.0" encoding="utf-8"?>
+<?mso-contentType ?>
+<FormTemplates xmlns="http://schemas.microsoft.com/sharepoint/v3/contenttype/forms">
+  <Display>DocumentLibraryForm</Display>
+  <Edit>DocumentLibraryForm</Edit>
+  <New>DocumentLibraryForm</New>
+</FormTemplates>
+</file>
+
+<file path=customXml/item2.xml><?xml version="1.0" encoding="utf-8"?>
+<p:properties xmlns:p="http://schemas.microsoft.com/office/2006/metadata/properties" xmlns:xsi="http://www.w3.org/2001/XMLSchema-instance" xmlns:pc="http://schemas.microsoft.com/office/infopath/2007/PartnerControls">
+  <documentManagement>
+    <lcf76f155ced4ddcb4097134ff3c332f xmlns="38503f7b-7af8-46b3-8c66-f338818e2883">
+      <Terms xmlns="http://schemas.microsoft.com/office/infopath/2007/PartnerControls"/>
+    </lcf76f155ced4ddcb4097134ff3c332f>
+    <TaxCatchAll xmlns="e91758c7-56fe-470f-af14-e09fb7bafea2" xsi:nil="true"/>
+  </documentManagement>
+</p:properties>
+</file>
+
+<file path=customXml/item3.xml><?xml version="1.0" encoding="utf-8"?>
 <ct:contentTypeSchema xmlns:ct="http://schemas.microsoft.com/office/2006/metadata/contentType" xmlns:ma="http://schemas.microsoft.com/office/2006/metadata/properties/metaAttributes" ct:_="" ma:_="" ma:contentTypeName="Document" ma:contentTypeID="0x010100DA16DB35958ED944B23160E219717C6E" ma:contentTypeVersion="11" ma:contentTypeDescription="Create a new document." ma:contentTypeScope="" ma:versionID="8f6c0a640c2578133a257228ecda70dc">
   <xsd:schema xmlns:xsd="http://www.w3.org/2001/XMLSchema" xmlns:xs="http://www.w3.org/2001/XMLSchema" xmlns:p="http://schemas.microsoft.com/office/2006/metadata/properties" xmlns:ns2="38503f7b-7af8-46b3-8c66-f338818e2883" xmlns:ns3="e91758c7-56fe-470f-af14-e09fb7bafea2" targetNamespace="http://schemas.microsoft.com/office/2006/metadata/properties" ma:root="true" ma:fieldsID="d7994ade51add7289f90ef7b3fe0a742" ns2:_="" ns3:_="">
     <xsd:import namespace="38503f7b-7af8-46b3-8c66-f338818e2883"/>
@@ -7772,28 +13367,12 @@
 </ct:contentTypeSchema>
 </file>
 
-<file path=customXml/item2.xml><?xml version="1.0" encoding="utf-8"?>
-<p:properties xmlns:p="http://schemas.microsoft.com/office/2006/metadata/properties" xmlns:xsi="http://www.w3.org/2001/XMLSchema-instance" xmlns:pc="http://schemas.microsoft.com/office/infopath/2007/PartnerControls">
-  <documentManagement>
-    <lcf76f155ced4ddcb4097134ff3c332f xmlns="38503f7b-7af8-46b3-8c66-f338818e2883">
-      <Terms xmlns="http://schemas.microsoft.com/office/infopath/2007/PartnerControls"/>
-    </lcf76f155ced4ddcb4097134ff3c332f>
-    <TaxCatchAll xmlns="e91758c7-56fe-470f-af14-e09fb7bafea2" xsi:nil="true"/>
-  </documentManagement>
-</p:properties>
-</file>
-
-<file path=customXml/item3.xml><?xml version="1.0" encoding="utf-8"?>
-<?mso-contentType ?>
-<FormTemplates xmlns="http://schemas.microsoft.com/sharepoint/v3/contenttype/forms">
-  <Display>DocumentLibraryForm</Display>
-  <Edit>DocumentLibraryForm</Edit>
-  <New>DocumentLibraryForm</New>
-</FormTemplates>
-</file>
-
 <file path=customXml/itemProps1.xml><?xml version="1.0" encoding="utf-8"?>
-<ds:datastoreItem xmlns:ds="http://schemas.openxmlformats.org/officeDocument/2006/customXml" ds:itemID="{1A183F95-7D52-42C4-A695-7747AD5716B9}"/>
+<ds:datastoreItem xmlns:ds="http://schemas.openxmlformats.org/officeDocument/2006/customXml" ds:itemID="{3AB3F3BA-7B93-48CB-BC4E-5117D4546B0E}">
+  <ds:schemaRefs>
+    <ds:schemaRef ds:uri="http://schemas.microsoft.com/sharepoint/v3/contenttype/forms"/>
+  </ds:schemaRefs>
+</ds:datastoreItem>
 </file>
 
 <file path=customXml/itemProps2.xml><?xml version="1.0" encoding="utf-8"?>
@@ -7809,14 +13388,27 @@
     <ds:schemaRef ds:uri="http://schemas.microsoft.com/office/infopath/2007/PartnerControls"/>
     <ds:schemaRef ds:uri="http://schemas.openxmlformats.org/package/2006/metadata/core-properties"/>
     <ds:schemaRef ds:uri="8f3a25f6-f11d-4011-8f56-23ac6dc45504"/>
+    <ds:schemaRef ds:uri="38503f7b-7af8-46b3-8c66-f338818e2883"/>
+    <ds:schemaRef ds:uri="e91758c7-56fe-470f-af14-e09fb7bafea2"/>
   </ds:schemaRefs>
 </ds:datastoreItem>
 </file>
 
 <file path=customXml/itemProps3.xml><?xml version="1.0" encoding="utf-8"?>
-<ds:datastoreItem xmlns:ds="http://schemas.openxmlformats.org/officeDocument/2006/customXml" ds:itemID="{3AB3F3BA-7B93-48CB-BC4E-5117D4546B0E}">
+<ds:datastoreItem xmlns:ds="http://schemas.openxmlformats.org/officeDocument/2006/customXml" ds:itemID="{1A183F95-7D52-42C4-A695-7747AD5716B9}">
   <ds:schemaRefs>
-    <ds:schemaRef ds:uri="http://schemas.microsoft.com/sharepoint/v3/contenttype/forms"/>
+    <ds:schemaRef ds:uri="http://schemas.microsoft.com/office/2006/metadata/contentType"/>
+    <ds:schemaRef ds:uri="http://schemas.microsoft.com/office/2006/metadata/properties/metaAttributes"/>
+    <ds:schemaRef ds:uri="http://www.w3.org/2001/XMLSchema"/>
+    <ds:schemaRef ds:uri="http://schemas.microsoft.com/office/2006/metadata/properties"/>
+    <ds:schemaRef ds:uri="38503f7b-7af8-46b3-8c66-f338818e2883"/>
+    <ds:schemaRef ds:uri="e91758c7-56fe-470f-af14-e09fb7bafea2"/>
+    <ds:schemaRef ds:uri="http://schemas.microsoft.com/office/2006/documentManagement/types"/>
+    <ds:schemaRef ds:uri="http://schemas.microsoft.com/office/infopath/2007/PartnerControls"/>
+    <ds:schemaRef ds:uri="http://schemas.openxmlformats.org/package/2006/metadata/core-properties"/>
+    <ds:schemaRef ds:uri="http://purl.org/dc/elements/1.1/"/>
+    <ds:schemaRef ds:uri="http://purl.org/dc/terms/"/>
+    <ds:schemaRef ds:uri="http://schemas.microsoft.com/internal/obd"/>
   </ds:schemaRefs>
 </ds:datastoreItem>
 </file>
--- a/Learning/Statistics/ISL/Presentation_v1.2.pptx
+++ b/Learning/Statistics/ISL/Presentation_v1.2.pptx
@@ -4,25 +4,22 @@
   <p:sldMasterIdLst>
     <p:sldMasterId id="2147483648" r:id="rId4"/>
   </p:sldMasterIdLst>
+  <p:notesMasterIdLst>
+    <p:notesMasterId r:id="rId17"/>
+  </p:notesMasterIdLst>
   <p:sldIdLst>
-    <p:sldId id="257" r:id="rId5"/>
-    <p:sldId id="258" r:id="rId6"/>
-    <p:sldId id="259" r:id="rId7"/>
-    <p:sldId id="260" r:id="rId8"/>
-    <p:sldId id="261" r:id="rId9"/>
-    <p:sldId id="262" r:id="rId10"/>
-    <p:sldId id="263" r:id="rId11"/>
-    <p:sldId id="264" r:id="rId12"/>
-    <p:sldId id="265" r:id="rId13"/>
-    <p:sldId id="266" r:id="rId14"/>
-    <p:sldId id="268" r:id="rId15"/>
-    <p:sldId id="269" r:id="rId16"/>
-    <p:sldId id="270" r:id="rId17"/>
-    <p:sldId id="271" r:id="rId18"/>
-    <p:sldId id="272" r:id="rId19"/>
-    <p:sldId id="273" r:id="rId20"/>
-    <p:sldId id="274" r:id="rId21"/>
-    <p:sldId id="275" r:id="rId22"/>
+    <p:sldId id="279" r:id="rId5"/>
+    <p:sldId id="280" r:id="rId6"/>
+    <p:sldId id="281" r:id="rId7"/>
+    <p:sldId id="283" r:id="rId8"/>
+    <p:sldId id="284" r:id="rId9"/>
+    <p:sldId id="285" r:id="rId10"/>
+    <p:sldId id="286" r:id="rId11"/>
+    <p:sldId id="287" r:id="rId12"/>
+    <p:sldId id="288" r:id="rId13"/>
+    <p:sldId id="289" r:id="rId14"/>
+    <p:sldId id="290" r:id="rId15"/>
+    <p:sldId id="291" r:id="rId16"/>
   </p:sldIdLst>
   <p:sldSz cx="12192000" cy="6858000"/>
   <p:notesSz cx="6858000" cy="9144000"/>
@@ -127,6 +124,356 @@
     </p:ext>
   </p:extLst>
 </p:presentation>
+</file>
+
+<file path=ppt/notesMasters/notesMaster1.xml><?xml version="1.0" encoding="utf-8"?>
+<p:notesMaster xmlns:a="http://schemas.openxmlformats.org/drawingml/2006/main" xmlns:r="http://schemas.openxmlformats.org/officeDocument/2006/relationships" xmlns:p="http://schemas.openxmlformats.org/presentationml/2006/main">
+  <p:cSld>
+    <p:bg>
+      <p:bgRef idx="1001">
+        <a:schemeClr val="bg1"/>
+      </p:bgRef>
+    </p:bg>
+    <p:spTree>
+      <p:nvGrpSpPr>
+        <p:cNvPr id="1" name=""/>
+        <p:cNvGrpSpPr/>
+        <p:nvPr/>
+      </p:nvGrpSpPr>
+      <p:grpSpPr>
+        <a:xfrm>
+          <a:off x="0" y="0"/>
+          <a:ext cx="0" cy="0"/>
+          <a:chOff x="0" y="0"/>
+          <a:chExt cx="0" cy="0"/>
+        </a:xfrm>
+      </p:grpSpPr>
+      <p:sp>
+        <p:nvSpPr>
+          <p:cNvPr id="2" name="Header Placeholder 1"/>
+          <p:cNvSpPr>
+            <a:spLocks noGrp="1"/>
+          </p:cNvSpPr>
+          <p:nvPr>
+            <p:ph type="hdr" sz="quarter"/>
+          </p:nvPr>
+        </p:nvSpPr>
+        <p:spPr>
+          <a:xfrm>
+            <a:off x="0" y="0"/>
+            <a:ext cx="2971800" cy="458788"/>
+          </a:xfrm>
+          <a:prstGeom prst="rect">
+            <a:avLst/>
+          </a:prstGeom>
+        </p:spPr>
+        <p:txBody>
+          <a:bodyPr vert="horz" lIns="91440" tIns="45720" rIns="91440" bIns="45720" rtlCol="0"/>
+          <a:lstStyle>
+            <a:lvl1pPr algn="l">
+              <a:defRPr sz="1200"/>
+            </a:lvl1pPr>
+          </a:lstStyle>
+          <a:p>
+            <a:endParaRPr lang="en-PK"/>
+          </a:p>
+        </p:txBody>
+      </p:sp>
+      <p:sp>
+        <p:nvSpPr>
+          <p:cNvPr id="3" name="Date Placeholder 2"/>
+          <p:cNvSpPr>
+            <a:spLocks noGrp="1"/>
+          </p:cNvSpPr>
+          <p:nvPr>
+            <p:ph type="dt" idx="1"/>
+          </p:nvPr>
+        </p:nvSpPr>
+        <p:spPr>
+          <a:xfrm>
+            <a:off x="3884613" y="0"/>
+            <a:ext cx="2971800" cy="458788"/>
+          </a:xfrm>
+          <a:prstGeom prst="rect">
+            <a:avLst/>
+          </a:prstGeom>
+        </p:spPr>
+        <p:txBody>
+          <a:bodyPr vert="horz" lIns="91440" tIns="45720" rIns="91440" bIns="45720" rtlCol="0"/>
+          <a:lstStyle>
+            <a:lvl1pPr algn="r">
+              <a:defRPr sz="1200"/>
+            </a:lvl1pPr>
+          </a:lstStyle>
+          <a:p>
+            <a:fld id="{E9B7533F-7C88-B946-8349-1AD92AF5EDA2}" type="datetimeFigureOut">
+              <a:rPr lang="en-PK" smtClean="0"/>
+              <a:t>16/02/2024</a:t>
+            </a:fld>
+            <a:endParaRPr lang="en-PK"/>
+          </a:p>
+        </p:txBody>
+      </p:sp>
+      <p:sp>
+        <p:nvSpPr>
+          <p:cNvPr id="4" name="Slide Image Placeholder 3"/>
+          <p:cNvSpPr>
+            <a:spLocks noGrp="1" noRot="1" noChangeAspect="1"/>
+          </p:cNvSpPr>
+          <p:nvPr>
+            <p:ph type="sldImg" idx="2"/>
+          </p:nvPr>
+        </p:nvSpPr>
+        <p:spPr>
+          <a:xfrm>
+            <a:off x="685800" y="1143000"/>
+            <a:ext cx="5486400" cy="3086100"/>
+          </a:xfrm>
+          <a:prstGeom prst="rect">
+            <a:avLst/>
+          </a:prstGeom>
+          <a:noFill/>
+          <a:ln w="12700">
+            <a:solidFill>
+              <a:prstClr val="black"/>
+            </a:solidFill>
+          </a:ln>
+        </p:spPr>
+        <p:txBody>
+          <a:bodyPr vert="horz" lIns="91440" tIns="45720" rIns="91440" bIns="45720" rtlCol="0" anchor="ctr"/>
+          <a:lstStyle/>
+          <a:p>
+            <a:endParaRPr lang="en-PK"/>
+          </a:p>
+        </p:txBody>
+      </p:sp>
+      <p:sp>
+        <p:nvSpPr>
+          <p:cNvPr id="5" name="Notes Placeholder 4"/>
+          <p:cNvSpPr>
+            <a:spLocks noGrp="1"/>
+          </p:cNvSpPr>
+          <p:nvPr>
+            <p:ph type="body" sz="quarter" idx="3"/>
+          </p:nvPr>
+        </p:nvSpPr>
+        <p:spPr>
+          <a:xfrm>
+            <a:off x="685800" y="4400550"/>
+            <a:ext cx="5486400" cy="3600450"/>
+          </a:xfrm>
+          <a:prstGeom prst="rect">
+            <a:avLst/>
+          </a:prstGeom>
+        </p:spPr>
+        <p:txBody>
+          <a:bodyPr vert="horz" lIns="91440" tIns="45720" rIns="91440" bIns="45720" rtlCol="0"/>
+          <a:lstStyle/>
+          <a:p>
+            <a:pPr lvl="0"/>
+            <a:r>
+              <a:rPr lang="en-GB"/>
+              <a:t>Click to edit Master text styles</a:t>
+            </a:r>
+          </a:p>
+          <a:p>
+            <a:pPr lvl="1"/>
+            <a:r>
+              <a:rPr lang="en-GB"/>
+              <a:t>Second level</a:t>
+            </a:r>
+          </a:p>
+          <a:p>
+            <a:pPr lvl="2"/>
+            <a:r>
+              <a:rPr lang="en-GB"/>
+              <a:t>Third level</a:t>
+            </a:r>
+          </a:p>
+          <a:p>
+            <a:pPr lvl="3"/>
+            <a:r>
+              <a:rPr lang="en-GB"/>
+              <a:t>Fourth level</a:t>
+            </a:r>
+          </a:p>
+          <a:p>
+            <a:pPr lvl="4"/>
+            <a:r>
+              <a:rPr lang="en-GB"/>
+              <a:t>Fifth level</a:t>
+            </a:r>
+            <a:endParaRPr lang="en-PK"/>
+          </a:p>
+        </p:txBody>
+      </p:sp>
+      <p:sp>
+        <p:nvSpPr>
+          <p:cNvPr id="6" name="Footer Placeholder 5"/>
+          <p:cNvSpPr>
+            <a:spLocks noGrp="1"/>
+          </p:cNvSpPr>
+          <p:nvPr>
+            <p:ph type="ftr" sz="quarter" idx="4"/>
+          </p:nvPr>
+        </p:nvSpPr>
+        <p:spPr>
+          <a:xfrm>
+            <a:off x="0" y="8685213"/>
+            <a:ext cx="2971800" cy="458787"/>
+          </a:xfrm>
+          <a:prstGeom prst="rect">
+            <a:avLst/>
+          </a:prstGeom>
+        </p:spPr>
+        <p:txBody>
+          <a:bodyPr vert="horz" lIns="91440" tIns="45720" rIns="91440" bIns="45720" rtlCol="0" anchor="b"/>
+          <a:lstStyle>
+            <a:lvl1pPr algn="l">
+              <a:defRPr sz="1200"/>
+            </a:lvl1pPr>
+          </a:lstStyle>
+          <a:p>
+            <a:endParaRPr lang="en-PK"/>
+          </a:p>
+        </p:txBody>
+      </p:sp>
+      <p:sp>
+        <p:nvSpPr>
+          <p:cNvPr id="7" name="Slide Number Placeholder 6"/>
+          <p:cNvSpPr>
+            <a:spLocks noGrp="1"/>
+          </p:cNvSpPr>
+          <p:nvPr>
+            <p:ph type="sldNum" sz="quarter" idx="5"/>
+          </p:nvPr>
+        </p:nvSpPr>
+        <p:spPr>
+          <a:xfrm>
+            <a:off x="3884613" y="8685213"/>
+            <a:ext cx="2971800" cy="458787"/>
+          </a:xfrm>
+          <a:prstGeom prst="rect">
+            <a:avLst/>
+          </a:prstGeom>
+        </p:spPr>
+        <p:txBody>
+          <a:bodyPr vert="horz" lIns="91440" tIns="45720" rIns="91440" bIns="45720" rtlCol="0" anchor="b"/>
+          <a:lstStyle>
+            <a:lvl1pPr algn="r">
+              <a:defRPr sz="1200"/>
+            </a:lvl1pPr>
+          </a:lstStyle>
+          <a:p>
+            <a:fld id="{8596AD34-81B7-6243-9563-2466EB8AA444}" type="slidenum">
+              <a:rPr lang="en-PK" smtClean="0"/>
+              <a:t>‹#›</a:t>
+            </a:fld>
+            <a:endParaRPr lang="en-PK"/>
+          </a:p>
+        </p:txBody>
+      </p:sp>
+    </p:spTree>
+    <p:extLst>
+      <p:ext uri="{BB962C8B-B14F-4D97-AF65-F5344CB8AC3E}">
+        <p14:creationId xmlns:p14="http://schemas.microsoft.com/office/powerpoint/2010/main" val="323963899"/>
+      </p:ext>
+    </p:extLst>
+  </p:cSld>
+  <p:clrMap bg1="lt1" tx1="dk1" bg2="lt2" tx2="dk2" accent1="accent1" accent2="accent2" accent3="accent3" accent4="accent4" accent5="accent5" accent6="accent6" hlink="hlink" folHlink="folHlink"/>
+  <p:notesStyle>
+    <a:lvl1pPr marL="0" algn="l" defTabSz="914400" rtl="0" eaLnBrk="1" latinLnBrk="0" hangingPunct="1">
+      <a:defRPr sz="1200" kern="1200">
+        <a:solidFill>
+          <a:schemeClr val="tx1"/>
+        </a:solidFill>
+        <a:latin typeface="+mn-lt"/>
+        <a:ea typeface="+mn-ea"/>
+        <a:cs typeface="+mn-cs"/>
+      </a:defRPr>
+    </a:lvl1pPr>
+    <a:lvl2pPr marL="457200" algn="l" defTabSz="914400" rtl="0" eaLnBrk="1" latinLnBrk="0" hangingPunct="1">
+      <a:defRPr sz="1200" kern="1200">
+        <a:solidFill>
+          <a:schemeClr val="tx1"/>
+        </a:solidFill>
+        <a:latin typeface="+mn-lt"/>
+        <a:ea typeface="+mn-ea"/>
+        <a:cs typeface="+mn-cs"/>
+      </a:defRPr>
+    </a:lvl2pPr>
+    <a:lvl3pPr marL="914400" algn="l" defTabSz="914400" rtl="0" eaLnBrk="1" latinLnBrk="0" hangingPunct="1">
+      <a:defRPr sz="1200" kern="1200">
+        <a:solidFill>
+          <a:schemeClr val="tx1"/>
+        </a:solidFill>
+        <a:latin typeface="+mn-lt"/>
+        <a:ea typeface="+mn-ea"/>
+        <a:cs typeface="+mn-cs"/>
+      </a:defRPr>
+    </a:lvl3pPr>
+    <a:lvl4pPr marL="1371600" algn="l" defTabSz="914400" rtl="0" eaLnBrk="1" latinLnBrk="0" hangingPunct="1">
+      <a:defRPr sz="1200" kern="1200">
+        <a:solidFill>
+          <a:schemeClr val="tx1"/>
+        </a:solidFill>
+        <a:latin typeface="+mn-lt"/>
+        <a:ea typeface="+mn-ea"/>
+        <a:cs typeface="+mn-cs"/>
+      </a:defRPr>
+    </a:lvl4pPr>
+    <a:lvl5pPr marL="1828800" algn="l" defTabSz="914400" rtl="0" eaLnBrk="1" latinLnBrk="0" hangingPunct="1">
+      <a:defRPr sz="1200" kern="1200">
+        <a:solidFill>
+          <a:schemeClr val="tx1"/>
+        </a:solidFill>
+        <a:latin typeface="+mn-lt"/>
+        <a:ea typeface="+mn-ea"/>
+        <a:cs typeface="+mn-cs"/>
+      </a:defRPr>
+    </a:lvl5pPr>
+    <a:lvl6pPr marL="2286000" algn="l" defTabSz="914400" rtl="0" eaLnBrk="1" latinLnBrk="0" hangingPunct="1">
+      <a:defRPr sz="1200" kern="1200">
+        <a:solidFill>
+          <a:schemeClr val="tx1"/>
+        </a:solidFill>
+        <a:latin typeface="+mn-lt"/>
+        <a:ea typeface="+mn-ea"/>
+        <a:cs typeface="+mn-cs"/>
+      </a:defRPr>
+    </a:lvl6pPr>
+    <a:lvl7pPr marL="2743200" algn="l" defTabSz="914400" rtl="0" eaLnBrk="1" latinLnBrk="0" hangingPunct="1">
+      <a:defRPr sz="1200" kern="1200">
+        <a:solidFill>
+          <a:schemeClr val="tx1"/>
+        </a:solidFill>
+        <a:latin typeface="+mn-lt"/>
+        <a:ea typeface="+mn-ea"/>
+        <a:cs typeface="+mn-cs"/>
+      </a:defRPr>
+    </a:lvl7pPr>
+    <a:lvl8pPr marL="3200400" algn="l" defTabSz="914400" rtl="0" eaLnBrk="1" latinLnBrk="0" hangingPunct="1">
+      <a:defRPr sz="1200" kern="1200">
+        <a:solidFill>
+          <a:schemeClr val="tx1"/>
+        </a:solidFill>
+        <a:latin typeface="+mn-lt"/>
+        <a:ea typeface="+mn-ea"/>
+        <a:cs typeface="+mn-cs"/>
+      </a:defRPr>
+    </a:lvl8pPr>
+    <a:lvl9pPr marL="3657600" algn="l" defTabSz="914400" rtl="0" eaLnBrk="1" latinLnBrk="0" hangingPunct="1">
+      <a:defRPr sz="1200" kern="1200">
+        <a:solidFill>
+          <a:schemeClr val="tx1"/>
+        </a:solidFill>
+        <a:latin typeface="+mn-lt"/>
+        <a:ea typeface="+mn-ea"/>
+        <a:cs typeface="+mn-cs"/>
+      </a:defRPr>
+    </a:lvl9pPr>
+  </p:notesStyle>
+</p:notesMaster>
 </file>
 
 <file path=ppt/slideLayouts/slideLayout1.xml><?xml version="1.0" encoding="utf-8"?>
@@ -7144,7 +7491,7 @@
           <p:cNvPr id="2" name="Title 1">
             <a:extLst>
               <a:ext uri="{FF2B5EF4-FFF2-40B4-BE49-F238E27FC236}">
-                <a16:creationId xmlns:a16="http://schemas.microsoft.com/office/drawing/2014/main" id="{34D194BE-B010-4D6E-B819-040FE4407813}"/>
+                <a16:creationId xmlns:a16="http://schemas.microsoft.com/office/drawing/2014/main" id="{026221AA-A382-8571-FE66-DA5B93025F07}"/>
               </a:ext>
             </a:extLst>
           </p:cNvPr>
@@ -7160,7 +7507,10 @@
           <a:bodyPr/>
           <a:lstStyle/>
           <a:p>
-            <a:endParaRPr lang="en-US"/>
+            <a:r>
+              <a:rPr lang="en-PK" dirty="0"/>
+              <a:t>CBT Recruitment Banner</a:t>
+            </a:r>
           </a:p>
         </p:txBody>
       </p:sp>
@@ -7169,7 +7519,7 @@
           <p:cNvPr id="3" name="Text Placeholder 2">
             <a:extLst>
               <a:ext uri="{FF2B5EF4-FFF2-40B4-BE49-F238E27FC236}">
-                <a16:creationId xmlns:a16="http://schemas.microsoft.com/office/drawing/2014/main" id="{B622B823-36F0-41F2-A846-304442420A04}"/>
+                <a16:creationId xmlns:a16="http://schemas.microsoft.com/office/drawing/2014/main" id="{B95A401D-B12B-7886-115F-F63B4C65BBA0}"/>
               </a:ext>
             </a:extLst>
           </p:cNvPr>
@@ -7185,14 +7535,17 @@
           <a:bodyPr/>
           <a:lstStyle/>
           <a:p>
-            <a:endParaRPr lang="en-US"/>
+            <a:r>
+              <a:rPr lang="en-PK" dirty="0"/>
+              <a:t>Umar Khayam</a:t>
+            </a:r>
           </a:p>
         </p:txBody>
       </p:sp>
     </p:spTree>
     <p:extLst>
       <p:ext uri="{BB962C8B-B14F-4D97-AF65-F5344CB8AC3E}">
-        <p14:creationId xmlns:p14="http://schemas.microsoft.com/office/powerpoint/2010/main" val="3208761145"/>
+        <p14:creationId xmlns:p14="http://schemas.microsoft.com/office/powerpoint/2010/main" val="2596450732"/>
       </p:ext>
     </p:extLst>
   </p:cSld>
@@ -7207,7 +7560,13 @@
   <p:cSld>
     <p:spTree>
       <p:nvGrpSpPr>
-        <p:cNvPr id="1" name=""/>
+        <p:cNvPr id="1" name="">
+          <a:extLst>
+            <a:ext uri="{FF2B5EF4-FFF2-40B4-BE49-F238E27FC236}">
+              <a16:creationId xmlns:a16="http://schemas.microsoft.com/office/drawing/2014/main" id="{6323B98C-B5A6-4895-19A8-847D13883E12}"/>
+            </a:ext>
+          </a:extLst>
+        </p:cNvPr>
         <p:cNvGrpSpPr/>
         <p:nvPr/>
       </p:nvGrpSpPr>
@@ -7224,7 +7583,7 @@
           <p:cNvPr id="2" name="Title 1">
             <a:extLst>
               <a:ext uri="{FF2B5EF4-FFF2-40B4-BE49-F238E27FC236}">
-                <a16:creationId xmlns:a16="http://schemas.microsoft.com/office/drawing/2014/main" id="{2148CF2E-98B6-A6B9-21A3-EFDF50AA16B0}"/>
+                <a16:creationId xmlns:a16="http://schemas.microsoft.com/office/drawing/2014/main" id="{FE90C6B8-3BAC-A1FF-8CC3-8A2A57B43335}"/>
               </a:ext>
             </a:extLst>
           </p:cNvPr>
@@ -7242,17 +7601,17 @@
           <a:p>
             <a:r>
               <a:rPr lang="en-PK" dirty="0"/>
-              <a:t>2. Correlation of Error Terms</a:t>
+              <a:t>Function</a:t>
             </a:r>
           </a:p>
         </p:txBody>
       </p:sp>
       <p:sp>
         <p:nvSpPr>
-          <p:cNvPr id="3" name="Content Placeholder 2">
-            <a:extLst>
-              <a:ext uri="{FF2B5EF4-FFF2-40B4-BE49-F238E27FC236}">
-                <a16:creationId xmlns:a16="http://schemas.microsoft.com/office/drawing/2014/main" id="{4D3FB878-ACEA-E0E1-3908-297A69F0FD46}"/>
+          <p:cNvPr id="6" name="Content Placeholder 5">
+            <a:extLst>
+              <a:ext uri="{FF2B5EF4-FFF2-40B4-BE49-F238E27FC236}">
+                <a16:creationId xmlns:a16="http://schemas.microsoft.com/office/drawing/2014/main" id="{3E9A7409-2194-C6F9-877A-1D48206ED8CE}"/>
               </a:ext>
             </a:extLst>
           </p:cNvPr>
@@ -7270,65 +7629,52 @@
           <a:p>
             <a:r>
               <a:rPr lang="en-US" dirty="0"/>
-              <a:t>When err</a:t>
-            </a:r>
-            <a:r>
-              <a:rPr lang="en-PK" dirty="0"/>
-              <a:t>ors are not correlated</a:t>
-            </a:r>
-          </a:p>
-          <a:p>
-            <a:pPr lvl="1"/>
-            <a:r>
-              <a:rPr lang="en-US" dirty="0"/>
-              <a:t>The standard </a:t>
-            </a:r>
-            <a:r>
-              <a:rPr lang="en-PK" dirty="0"/>
-              <a:t>error for </a:t>
-            </a:r>
-            <a:r>
-              <a:rPr lang="en-GB" dirty="0"/>
-              <a:t>the coefficient</a:t>
-            </a:r>
-            <a:r>
-              <a:rPr lang="en-PK" dirty="0"/>
-              <a:t> is reliable </a:t>
-            </a:r>
-          </a:p>
-          <a:p>
-            <a:pPr lvl="1"/>
-            <a:r>
-              <a:rPr lang="en-GB" dirty="0"/>
-              <a:t>Confidence</a:t>
-            </a:r>
-            <a:r>
-              <a:rPr lang="en-PK" dirty="0"/>
-              <a:t> interval is trusted</a:t>
-            </a:r>
-          </a:p>
-          <a:p>
-            <a:pPr lvl="1"/>
-            <a:r>
-              <a:rPr lang="en-PK" dirty="0"/>
-              <a:t>P values are valid</a:t>
-            </a:r>
-          </a:p>
-          <a:p>
-            <a:r>
-              <a:rPr lang="en-PK" dirty="0"/>
-              <a:t>Correlation occurs in the time series data</a:t>
-            </a:r>
-          </a:p>
-          <a:p>
+              <a:t>Easy to understand</a:t>
+            </a:r>
             <a:endParaRPr lang="en-PK" dirty="0"/>
           </a:p>
         </p:txBody>
       </p:sp>
+      <p:pic>
+        <p:nvPicPr>
+          <p:cNvPr id="7" name="Content Placeholder 4" descr="A person standing in front of a chart&#10;&#10;Description automatically generated">
+            <a:extLst>
+              <a:ext uri="{FF2B5EF4-FFF2-40B4-BE49-F238E27FC236}">
+                <a16:creationId xmlns:a16="http://schemas.microsoft.com/office/drawing/2014/main" id="{D963737E-3DA9-A960-6C73-9CE033D28DB5}"/>
+              </a:ext>
+            </a:extLst>
+          </p:cNvPr>
+          <p:cNvPicPr>
+            <a:picLocks noChangeAspect="1"/>
+          </p:cNvPicPr>
+          <p:nvPr/>
+        </p:nvPicPr>
+        <p:blipFill>
+          <a:blip r:embed="rId2">
+            <a:extLst>
+              <a:ext uri="{28A0092B-C50C-407E-A947-70E740481C1C}">
+                <a14:useLocalDpi xmlns:a14="http://schemas.microsoft.com/office/drawing/2010/main" val="0"/>
+              </a:ext>
+            </a:extLst>
+          </a:blip>
+          <a:stretch>
+            <a:fillRect/>
+          </a:stretch>
+        </p:blipFill>
+        <p:spPr>
+          <a:xfrm>
+            <a:off x="6700753" y="1825625"/>
+            <a:ext cx="3057696" cy="4351338"/>
+          </a:xfrm>
+          <a:prstGeom prst="rect">
+            <a:avLst/>
+          </a:prstGeom>
+        </p:spPr>
+      </p:pic>
     </p:spTree>
     <p:extLst>
       <p:ext uri="{BB962C8B-B14F-4D97-AF65-F5344CB8AC3E}">
-        <p14:creationId xmlns:p14="http://schemas.microsoft.com/office/powerpoint/2010/main" val="1321387269"/>
+        <p14:creationId xmlns:p14="http://schemas.microsoft.com/office/powerpoint/2010/main" val="3218986906"/>
       </p:ext>
     </p:extLst>
   </p:cSld>
@@ -7343,7 +7689,13 @@
   <p:cSld>
     <p:spTree>
       <p:nvGrpSpPr>
-        <p:cNvPr id="1" name=""/>
+        <p:cNvPr id="1" name="">
+          <a:extLst>
+            <a:ext uri="{FF2B5EF4-FFF2-40B4-BE49-F238E27FC236}">
+              <a16:creationId xmlns:a16="http://schemas.microsoft.com/office/drawing/2014/main" id="{62E77600-5496-511C-B0BF-4A65B177FDE7}"/>
+            </a:ext>
+          </a:extLst>
+        </p:cNvPr>
         <p:cNvGrpSpPr/>
         <p:nvPr/>
       </p:nvGrpSpPr>
@@ -7360,7 +7712,7 @@
           <p:cNvPr id="2" name="Title 1">
             <a:extLst>
               <a:ext uri="{FF2B5EF4-FFF2-40B4-BE49-F238E27FC236}">
-                <a16:creationId xmlns:a16="http://schemas.microsoft.com/office/drawing/2014/main" id="{68FC039F-D95A-9455-FF6B-F49F19AB123E}"/>
+                <a16:creationId xmlns:a16="http://schemas.microsoft.com/office/drawing/2014/main" id="{6B0490C1-BA72-E4B0-52D8-8105079E8D08}"/>
               </a:ext>
             </a:extLst>
           </p:cNvPr>
@@ -7378,17 +7730,17 @@
           <a:p>
             <a:r>
               <a:rPr lang="en-PK" dirty="0"/>
-              <a:t>3. Non Constant Variance of Error Terms</a:t>
+              <a:t>Space</a:t>
             </a:r>
           </a:p>
         </p:txBody>
       </p:sp>
       <p:sp>
         <p:nvSpPr>
-          <p:cNvPr id="3" name="Content Placeholder 2">
-            <a:extLst>
-              <a:ext uri="{FF2B5EF4-FFF2-40B4-BE49-F238E27FC236}">
-                <a16:creationId xmlns:a16="http://schemas.microsoft.com/office/drawing/2014/main" id="{7FFE4AA7-F267-EC67-66C6-3BE1EF7FE81B}"/>
+          <p:cNvPr id="6" name="Content Placeholder 5">
+            <a:extLst>
+              <a:ext uri="{FF2B5EF4-FFF2-40B4-BE49-F238E27FC236}">
+                <a16:creationId xmlns:a16="http://schemas.microsoft.com/office/drawing/2014/main" id="{F8A81C95-E9D3-D68B-C527-857D18B9B9C9}"/>
               </a:ext>
             </a:extLst>
           </p:cNvPr>
@@ -7405,38 +7757,19 @@
           <a:lstStyle/>
           <a:p>
             <a:r>
-              <a:rPr lang="en-GB" dirty="0"/>
-              <a:t>The variance</a:t>
-            </a:r>
-            <a:r>
-              <a:rPr lang="en-PK" dirty="0"/>
-              <a:t> of error </a:t>
-            </a:r>
-            <a:r>
-              <a:rPr lang="en-GB" dirty="0"/>
-              <a:t>increases</a:t>
-            </a:r>
-            <a:r>
-              <a:rPr lang="en-PK" dirty="0"/>
-              <a:t> with the value of </a:t>
-            </a:r>
-            <a:r>
-              <a:rPr lang="en-GB" dirty="0"/>
-              <a:t>the </a:t>
-            </a:r>
-            <a:r>
-              <a:rPr lang="en-PK" dirty="0"/>
-              <a:t>response</a:t>
-            </a:r>
+              <a:rPr lang="en-US" dirty="0"/>
+              <a:t>Balance and readability</a:t>
+            </a:r>
+            <a:endParaRPr lang="en-PK" dirty="0"/>
           </a:p>
         </p:txBody>
       </p:sp>
       <p:pic>
         <p:nvPicPr>
-          <p:cNvPr id="10" name="Picture 9" descr="A comparison of graphs with numbers&#10;&#10;Description automatically generated with medium confidence">
-            <a:extLst>
-              <a:ext uri="{FF2B5EF4-FFF2-40B4-BE49-F238E27FC236}">
-                <a16:creationId xmlns:a16="http://schemas.microsoft.com/office/drawing/2014/main" id="{56FE9F3E-50F7-97AA-32B9-53679EABCBE0}"/>
+          <p:cNvPr id="7" name="Content Placeholder 4" descr="A person standing in front of a chart&#10;&#10;Description automatically generated">
+            <a:extLst>
+              <a:ext uri="{FF2B5EF4-FFF2-40B4-BE49-F238E27FC236}">
+                <a16:creationId xmlns:a16="http://schemas.microsoft.com/office/drawing/2014/main" id="{8DF39DC8-6B44-2FC0-F799-FCE86A0B4174}"/>
               </a:ext>
             </a:extLst>
           </p:cNvPr>
@@ -7459,57 +7792,18 @@
         </p:blipFill>
         <p:spPr>
           <a:xfrm>
-            <a:off x="3195558" y="2587336"/>
-            <a:ext cx="5800883" cy="2884055"/>
+            <a:off x="6700753" y="1825625"/>
+            <a:ext cx="3057696" cy="4351338"/>
           </a:xfrm>
           <a:prstGeom prst="rect">
             <a:avLst/>
           </a:prstGeom>
         </p:spPr>
       </p:pic>
-      <p:sp>
-        <p:nvSpPr>
-          <p:cNvPr id="11" name="TextBox 10">
-            <a:extLst>
-              <a:ext uri="{FF2B5EF4-FFF2-40B4-BE49-F238E27FC236}">
-                <a16:creationId xmlns:a16="http://schemas.microsoft.com/office/drawing/2014/main" id="{0769265E-DF93-736C-6EFF-6A490D55F11A}"/>
-              </a:ext>
-            </a:extLst>
-          </p:cNvPr>
-          <p:cNvSpPr txBox="1"/>
-          <p:nvPr/>
-        </p:nvSpPr>
-        <p:spPr>
-          <a:xfrm>
-            <a:off x="3349958" y="5611956"/>
-            <a:ext cx="5492081" cy="369332"/>
-          </a:xfrm>
-          <a:prstGeom prst="rect">
-            <a:avLst/>
-          </a:prstGeom>
-          <a:noFill/>
-        </p:spPr>
-        <p:txBody>
-          <a:bodyPr wrap="none" rtlCol="0">
-            <a:spAutoFit/>
-          </a:bodyPr>
-          <a:lstStyle/>
-          <a:p>
-            <a:r>
-              <a:rPr lang="en-GB" dirty="0"/>
-              <a:t>The variance</a:t>
-            </a:r>
-            <a:r>
-              <a:rPr lang="en-PK" dirty="0"/>
-              <a:t> of error between residual and fitted values </a:t>
-            </a:r>
-          </a:p>
-        </p:txBody>
-      </p:sp>
     </p:spTree>
     <p:extLst>
       <p:ext uri="{BB962C8B-B14F-4D97-AF65-F5344CB8AC3E}">
-        <p14:creationId xmlns:p14="http://schemas.microsoft.com/office/powerpoint/2010/main" val="1610417779"/>
+        <p14:creationId xmlns:p14="http://schemas.microsoft.com/office/powerpoint/2010/main" val="747509550"/>
       </p:ext>
     </p:extLst>
   </p:cSld>
@@ -7536,1540 +7830,10 @@
           <a:chExt cx="0" cy="0"/>
         </a:xfrm>
       </p:grpSpPr>
-      <p:sp>
-        <p:nvSpPr>
-          <p:cNvPr id="2" name="Title 1">
-            <a:extLst>
-              <a:ext uri="{FF2B5EF4-FFF2-40B4-BE49-F238E27FC236}">
-                <a16:creationId xmlns:a16="http://schemas.microsoft.com/office/drawing/2014/main" id="{AF29BCC9-9823-8F44-EA71-F3E7E0A19664}"/>
-              </a:ext>
-            </a:extLst>
-          </p:cNvPr>
-          <p:cNvSpPr>
-            <a:spLocks noGrp="1"/>
-          </p:cNvSpPr>
-          <p:nvPr>
-            <p:ph type="title"/>
-          </p:nvPr>
-        </p:nvSpPr>
-        <p:spPr/>
-        <p:txBody>
-          <a:bodyPr/>
-          <a:lstStyle/>
-          <a:p>
-            <a:r>
-              <a:rPr lang="en-PK" dirty="0"/>
-              <a:t>4. Outliers </a:t>
-            </a:r>
-          </a:p>
-        </p:txBody>
-      </p:sp>
-      <p:sp>
-        <p:nvSpPr>
-          <p:cNvPr id="3" name="Content Placeholder 2">
-            <a:extLst>
-              <a:ext uri="{FF2B5EF4-FFF2-40B4-BE49-F238E27FC236}">
-                <a16:creationId xmlns:a16="http://schemas.microsoft.com/office/drawing/2014/main" id="{017C5D43-9C0C-6033-1E5F-2C75D615FED2}"/>
-              </a:ext>
-            </a:extLst>
-          </p:cNvPr>
-          <p:cNvSpPr>
-            <a:spLocks noGrp="1"/>
-          </p:cNvSpPr>
-          <p:nvPr>
-            <p:ph idx="1"/>
-          </p:nvPr>
-        </p:nvSpPr>
-        <p:spPr/>
-        <p:txBody>
-          <a:bodyPr/>
-          <a:lstStyle/>
-          <a:p>
-            <a:r>
-              <a:rPr lang="en-GB" dirty="0"/>
-              <a:t>The points</a:t>
-            </a:r>
-            <a:r>
-              <a:rPr lang="en-PK" dirty="0"/>
-              <a:t> where </a:t>
-            </a:r>
-            <a:r>
-              <a:rPr lang="en-GB" dirty="0"/>
-              <a:t>the </a:t>
-            </a:r>
-            <a:r>
-              <a:rPr lang="en-PK" dirty="0"/>
-              <a:t>observed value is far from </a:t>
-            </a:r>
-            <a:r>
-              <a:rPr lang="en-GB" dirty="0"/>
-              <a:t>the </a:t>
-            </a:r>
-            <a:r>
-              <a:rPr lang="en-PK" dirty="0"/>
-              <a:t>predicted</a:t>
-            </a:r>
-          </a:p>
-          <a:p>
-            <a:r>
-              <a:rPr lang="en-PK" dirty="0"/>
-              <a:t>Outliers can cause invalid fitted </a:t>
-            </a:r>
-            <a:r>
-              <a:rPr lang="en-GB" dirty="0"/>
-              <a:t>line</a:t>
-            </a:r>
-          </a:p>
-          <a:p>
-            <a:r>
-              <a:rPr lang="en-GB" dirty="0"/>
-              <a:t>Just remove the outliers, but it can indicate other factors</a:t>
-            </a:r>
-          </a:p>
-          <a:p>
-            <a:endParaRPr lang="en-PK" dirty="0"/>
-          </a:p>
-        </p:txBody>
-      </p:sp>
     </p:spTree>
     <p:extLst>
       <p:ext uri="{BB962C8B-B14F-4D97-AF65-F5344CB8AC3E}">
-        <p14:creationId xmlns:p14="http://schemas.microsoft.com/office/powerpoint/2010/main" val="1413350386"/>
-      </p:ext>
-    </p:extLst>
-  </p:cSld>
-  <p:clrMapOvr>
-    <a:masterClrMapping/>
-  </p:clrMapOvr>
-</p:sld>
-</file>
-
-<file path=ppt/slides/slide13.xml><?xml version="1.0" encoding="utf-8"?>
-<p:sld xmlns:a="http://schemas.openxmlformats.org/drawingml/2006/main" xmlns:r="http://schemas.openxmlformats.org/officeDocument/2006/relationships" xmlns:p="http://schemas.openxmlformats.org/presentationml/2006/main">
-  <p:cSld>
-    <p:spTree>
-      <p:nvGrpSpPr>
-        <p:cNvPr id="1" name=""/>
-        <p:cNvGrpSpPr/>
-        <p:nvPr/>
-      </p:nvGrpSpPr>
-      <p:grpSpPr>
-        <a:xfrm>
-          <a:off x="0" y="0"/>
-          <a:ext cx="0" cy="0"/>
-          <a:chOff x="0" y="0"/>
-          <a:chExt cx="0" cy="0"/>
-        </a:xfrm>
-      </p:grpSpPr>
-      <p:sp>
-        <p:nvSpPr>
-          <p:cNvPr id="2" name="Title 1">
-            <a:extLst>
-              <a:ext uri="{FF2B5EF4-FFF2-40B4-BE49-F238E27FC236}">
-                <a16:creationId xmlns:a16="http://schemas.microsoft.com/office/drawing/2014/main" id="{9A13743D-00EC-0758-A706-20A09B0CA5BB}"/>
-              </a:ext>
-            </a:extLst>
-          </p:cNvPr>
-          <p:cNvSpPr>
-            <a:spLocks noGrp="1"/>
-          </p:cNvSpPr>
-          <p:nvPr>
-            <p:ph type="title"/>
-          </p:nvPr>
-        </p:nvSpPr>
-        <p:spPr/>
-        <p:txBody>
-          <a:bodyPr/>
-          <a:lstStyle/>
-          <a:p>
-            <a:r>
-              <a:rPr lang="en-PK" dirty="0"/>
-              <a:t>5. High </a:t>
-            </a:r>
-            <a:r>
-              <a:rPr lang="en-GB" dirty="0"/>
-              <a:t>Leverage</a:t>
-            </a:r>
-            <a:r>
-              <a:rPr lang="en-PK" dirty="0"/>
-              <a:t> Points</a:t>
-            </a:r>
-          </a:p>
-        </p:txBody>
-      </p:sp>
-      <mc:AlternateContent xmlns:mc="http://schemas.openxmlformats.org/markup-compatibility/2006">
-        <mc:Choice xmlns:a14="http://schemas.microsoft.com/office/drawing/2010/main" Requires="a14">
-          <p:sp>
-            <p:nvSpPr>
-              <p:cNvPr id="3" name="Content Placeholder 2">
-                <a:extLst>
-                  <a:ext uri="{FF2B5EF4-FFF2-40B4-BE49-F238E27FC236}">
-                    <a16:creationId xmlns:a16="http://schemas.microsoft.com/office/drawing/2014/main" id="{01ED50F4-129C-2878-D345-7499643C97B9}"/>
-                  </a:ext>
-                </a:extLst>
-              </p:cNvPr>
-              <p:cNvSpPr>
-                <a:spLocks noGrp="1"/>
-              </p:cNvSpPr>
-              <p:nvPr>
-                <p:ph idx="1"/>
-              </p:nvPr>
-            </p:nvSpPr>
-            <p:spPr/>
-            <p:txBody>
-              <a:bodyPr/>
-              <a:lstStyle/>
-              <a:p>
-                <a:r>
-                  <a:rPr lang="en-PK" dirty="0"/>
-                  <a:t>Have </a:t>
-                </a:r>
-                <a:r>
-                  <a:rPr lang="en-GB" dirty="0"/>
-                  <a:t>unusual</a:t>
-                </a:r>
-                <a:r>
-                  <a:rPr lang="en-PK" dirty="0"/>
-                  <a:t> value for </a:t>
-                </a:r>
-                <a14:m>
-                  <m:oMath xmlns:m="http://schemas.openxmlformats.org/officeDocument/2006/math">
-                    <m:sSub>
-                      <m:sSubPr>
-                        <m:ctrlPr>
-                          <a:rPr lang="en-PK" sz="2800" i="1" kern="100" smtClean="0">
-                            <a:effectLst/>
-                            <a:latin typeface="Cambria Math" panose="02040503050406030204" pitchFamily="18" charset="0"/>
-                            <a:ea typeface="Calibri" panose="020F0502020204030204" pitchFamily="34" charset="0"/>
-                            <a:cs typeface="Arial" panose="020B0604020202020204" pitchFamily="34" charset="0"/>
-                          </a:rPr>
-                        </m:ctrlPr>
-                      </m:sSubPr>
-                      <m:e>
-                        <m:r>
-                          <a:rPr lang="en-US" sz="2800" b="0" i="1" kern="100" smtClean="0">
-                            <a:effectLst/>
-                            <a:latin typeface="Cambria Math" panose="02040503050406030204" pitchFamily="18" charset="0"/>
-                            <a:ea typeface="Calibri" panose="020F0502020204030204" pitchFamily="34" charset="0"/>
-                            <a:cs typeface="Arial" panose="020B0604020202020204" pitchFamily="34" charset="0"/>
-                          </a:rPr>
-                          <m:t>𝑥</m:t>
-                        </m:r>
-                      </m:e>
-                      <m:sub>
-                        <m:r>
-                          <a:rPr lang="en-PK" sz="2800" i="1" kern="100">
-                            <a:effectLst/>
-                            <a:latin typeface="Cambria Math" panose="02040503050406030204" pitchFamily="18" charset="0"/>
-                            <a:ea typeface="Calibri" panose="020F0502020204030204" pitchFamily="34" charset="0"/>
-                            <a:cs typeface="Arial" panose="020B0604020202020204" pitchFamily="34" charset="0"/>
-                          </a:rPr>
-                          <m:t>𝑖</m:t>
-                        </m:r>
-                      </m:sub>
-                    </m:sSub>
-                  </m:oMath>
-                </a14:m>
-                <a:endParaRPr lang="en-US" sz="2800" kern="100" dirty="0">
-                  <a:effectLst/>
-                  <a:ea typeface="Calibri" panose="020F0502020204030204" pitchFamily="34" charset="0"/>
-                  <a:cs typeface="Arial" panose="020B0604020202020204" pitchFamily="34" charset="0"/>
-                </a:endParaRPr>
-              </a:p>
-              <a:p>
-                <a:r>
-                  <a:rPr lang="en-PK" dirty="0"/>
-                  <a:t>To identify </a:t>
-                </a:r>
-                <a:r>
-                  <a:rPr lang="en-GB" dirty="0"/>
-                  <a:t>high-leverage </a:t>
-                </a:r>
-                <a:r>
-                  <a:rPr lang="en-PK" dirty="0"/>
-                  <a:t>points </a:t>
-                </a:r>
-              </a:p>
-              <a:p>
-                <a:r>
-                  <a:rPr lang="en-PK" dirty="0"/>
-                  <a:t>We use leverage statistics (LS)</a:t>
-                </a:r>
-              </a:p>
-              <a:p>
-                <a:r>
-                  <a:rPr lang="en-PK" dirty="0"/>
-                  <a:t>For simple linear regression</a:t>
-                </a:r>
-              </a:p>
-              <a:p>
-                <a:endParaRPr lang="en-PK" dirty="0"/>
-              </a:p>
-              <a:p>
-                <a:pPr marL="457200" lvl="1" indent="0">
-                  <a:buNone/>
-                </a:pPr>
-                <a14:m>
-                  <m:oMathPara xmlns:m="http://schemas.openxmlformats.org/officeDocument/2006/math">
-                    <m:oMathParaPr>
-                      <m:jc m:val="centerGroup"/>
-                    </m:oMathParaPr>
-                    <m:oMath xmlns:m="http://schemas.openxmlformats.org/officeDocument/2006/math">
-                      <m:r>
-                        <a:rPr lang="en-US" i="1" kern="100" smtClean="0">
-                          <a:effectLst/>
-                          <a:ea typeface="Calibri" panose="020F0502020204030204" pitchFamily="34" charset="0"/>
-                          <a:cs typeface="Arial" panose="020B0604020202020204" pitchFamily="34" charset="0"/>
-                        </a:rPr>
-                        <m:t>𝐿𝑆</m:t>
-                      </m:r>
-                      <m:r>
-                        <a:rPr lang="en-US" i="1" kern="100" smtClean="0">
-                          <a:effectLst/>
-                          <a:ea typeface="Calibri" panose="020F0502020204030204" pitchFamily="34" charset="0"/>
-                          <a:cs typeface="Arial" panose="020B0604020202020204" pitchFamily="34" charset="0"/>
-                        </a:rPr>
-                        <m:t>=</m:t>
-                      </m:r>
-                      <m:f>
-                        <m:fPr>
-                          <m:ctrlPr>
-                            <a:rPr lang="en-PK" i="1" kern="100">
-                              <a:effectLst/>
-                              <a:ea typeface="Calibri" panose="020F0502020204030204" pitchFamily="34" charset="0"/>
-                              <a:cs typeface="Arial" panose="020B0604020202020204" pitchFamily="34" charset="0"/>
-                            </a:rPr>
-                          </m:ctrlPr>
-                        </m:fPr>
-                        <m:num>
-                          <m:r>
-                            <a:rPr lang="en-US" i="1" kern="100">
-                              <a:effectLst/>
-                              <a:ea typeface="Calibri" panose="020F0502020204030204" pitchFamily="34" charset="0"/>
-                              <a:cs typeface="Arial" panose="020B0604020202020204" pitchFamily="34" charset="0"/>
-                            </a:rPr>
-                            <m:t>1</m:t>
-                          </m:r>
-                        </m:num>
-                        <m:den>
-                          <m:r>
-                            <a:rPr lang="en-US" i="1" kern="100">
-                              <a:effectLst/>
-                              <a:ea typeface="Calibri" panose="020F0502020204030204" pitchFamily="34" charset="0"/>
-                              <a:cs typeface="Arial" panose="020B0604020202020204" pitchFamily="34" charset="0"/>
-                            </a:rPr>
-                            <m:t>𝑛</m:t>
-                          </m:r>
-                        </m:den>
-                      </m:f>
-                      <m:r>
-                        <a:rPr lang="en-US" i="1" kern="100">
-                          <a:effectLst/>
-                          <a:ea typeface="Calibri" panose="020F0502020204030204" pitchFamily="34" charset="0"/>
-                          <a:cs typeface="Arial" panose="020B0604020202020204" pitchFamily="34" charset="0"/>
-                        </a:rPr>
-                        <m:t>+</m:t>
-                      </m:r>
-                      <m:f>
-                        <m:fPr>
-                          <m:ctrlPr>
-                            <a:rPr lang="en-PK" i="1" kern="100">
-                              <a:effectLst/>
-                              <a:ea typeface="Calibri" panose="020F0502020204030204" pitchFamily="34" charset="0"/>
-                              <a:cs typeface="Arial" panose="020B0604020202020204" pitchFamily="34" charset="0"/>
-                            </a:rPr>
-                          </m:ctrlPr>
-                        </m:fPr>
-                        <m:num>
-                          <m:r>
-                            <a:rPr lang="en-US" i="1" kern="100">
-                              <a:effectLst/>
-                              <a:ea typeface="Calibri" panose="020F0502020204030204" pitchFamily="34" charset="0"/>
-                              <a:cs typeface="Arial" panose="020B0604020202020204" pitchFamily="34" charset="0"/>
-                            </a:rPr>
-                            <m:t>(</m:t>
-                          </m:r>
-                          <m:sSub>
-                            <m:sSubPr>
-                              <m:ctrlPr>
-                                <a:rPr lang="en-PK" i="1" kern="100">
-                                  <a:effectLst/>
-                                  <a:ea typeface="Calibri" panose="020F0502020204030204" pitchFamily="34" charset="0"/>
-                                  <a:cs typeface="Arial" panose="020B0604020202020204" pitchFamily="34" charset="0"/>
-                                </a:rPr>
-                              </m:ctrlPr>
-                            </m:sSubPr>
-                            <m:e>
-                              <m:r>
-                                <a:rPr lang="en-US" i="1" kern="100">
-                                  <a:effectLst/>
-                                  <a:ea typeface="Calibri" panose="020F0502020204030204" pitchFamily="34" charset="0"/>
-                                  <a:cs typeface="Arial" panose="020B0604020202020204" pitchFamily="34" charset="0"/>
-                                </a:rPr>
-                                <m:t>𝑥</m:t>
-                              </m:r>
-                            </m:e>
-                            <m:sub>
-                              <m:r>
-                                <a:rPr lang="en-US" i="1" kern="100">
-                                  <a:effectLst/>
-                                  <a:ea typeface="Calibri" panose="020F0502020204030204" pitchFamily="34" charset="0"/>
-                                  <a:cs typeface="Arial" panose="020B0604020202020204" pitchFamily="34" charset="0"/>
-                                </a:rPr>
-                                <m:t>𝑖</m:t>
-                              </m:r>
-                            </m:sub>
-                          </m:sSub>
-                          <m:r>
-                            <a:rPr lang="en-US" i="1" kern="100">
-                              <a:effectLst/>
-                              <a:ea typeface="Calibri" panose="020F0502020204030204" pitchFamily="34" charset="0"/>
-                              <a:cs typeface="Arial" panose="020B0604020202020204" pitchFamily="34" charset="0"/>
-                            </a:rPr>
-                            <m:t>+</m:t>
-                          </m:r>
-                          <m:sSup>
-                            <m:sSupPr>
-                              <m:ctrlPr>
-                                <a:rPr lang="en-PK" i="1" kern="100">
-                                  <a:effectLst/>
-                                  <a:ea typeface="Calibri" panose="020F0502020204030204" pitchFamily="34" charset="0"/>
-                                  <a:cs typeface="Arial" panose="020B0604020202020204" pitchFamily="34" charset="0"/>
-                                </a:rPr>
-                              </m:ctrlPr>
-                            </m:sSupPr>
-                            <m:e>
-                              <m:acc>
-                                <m:accPr>
-                                  <m:chr m:val="̅"/>
-                                  <m:ctrlPr>
-                                    <a:rPr lang="en-PK" i="1" kern="100">
-                                      <a:latin typeface="Cambria Math" panose="02040503050406030204" pitchFamily="18" charset="0"/>
-                                      <a:ea typeface="Calibri" panose="020F0502020204030204" pitchFamily="34" charset="0"/>
-                                      <a:cs typeface="Arial" panose="020B0604020202020204" pitchFamily="34" charset="0"/>
-                                    </a:rPr>
-                                  </m:ctrlPr>
-                                </m:accPr>
-                                <m:e>
-                                  <m:r>
-                                    <a:rPr lang="en-US" i="1" kern="100">
-                                      <a:latin typeface="Cambria Math" panose="02040503050406030204" pitchFamily="18" charset="0"/>
-                                      <a:ea typeface="Calibri" panose="020F0502020204030204" pitchFamily="34" charset="0"/>
-                                      <a:cs typeface="Arial" panose="020B0604020202020204" pitchFamily="34" charset="0"/>
-                                    </a:rPr>
-                                    <m:t>𝑥</m:t>
-                                  </m:r>
-                                </m:e>
-                              </m:acc>
-                              <m:r>
-                                <a:rPr lang="en-US" i="1" kern="100">
-                                  <a:effectLst/>
-                                  <a:ea typeface="Calibri" panose="020F0502020204030204" pitchFamily="34" charset="0"/>
-                                  <a:cs typeface="Arial" panose="020B0604020202020204" pitchFamily="34" charset="0"/>
-                                </a:rPr>
-                                <m:t>)</m:t>
-                              </m:r>
-                            </m:e>
-                            <m:sup>
-                              <m:r>
-                                <a:rPr lang="en-US" i="1" kern="100">
-                                  <a:effectLst/>
-                                  <a:ea typeface="Calibri" panose="020F0502020204030204" pitchFamily="34" charset="0"/>
-                                  <a:cs typeface="Arial" panose="020B0604020202020204" pitchFamily="34" charset="0"/>
-                                </a:rPr>
-                                <m:t>2</m:t>
-                              </m:r>
-                            </m:sup>
-                          </m:sSup>
-                        </m:num>
-                        <m:den>
-                          <m:nary>
-                            <m:naryPr>
-                              <m:chr m:val="∑"/>
-                              <m:limLoc m:val="undOvr"/>
-                              <m:ctrlPr>
-                                <a:rPr lang="en-PK" i="1" kern="100">
-                                  <a:effectLst/>
-                                  <a:ea typeface="Calibri" panose="020F0502020204030204" pitchFamily="34" charset="0"/>
-                                  <a:cs typeface="Arial" panose="020B0604020202020204" pitchFamily="34" charset="0"/>
-                                </a:rPr>
-                              </m:ctrlPr>
-                            </m:naryPr>
-                            <m:sub>
-                              <m:r>
-                                <a:rPr lang="en-US" i="1" kern="100">
-                                  <a:effectLst/>
-                                  <a:ea typeface="Calibri" panose="020F0502020204030204" pitchFamily="34" charset="0"/>
-                                  <a:cs typeface="Arial" panose="020B0604020202020204" pitchFamily="34" charset="0"/>
-                                </a:rPr>
-                                <m:t>𝑖</m:t>
-                              </m:r>
-                              <m:r>
-                                <a:rPr lang="en-US" i="1" kern="100">
-                                  <a:effectLst/>
-                                  <a:ea typeface="Calibri" panose="020F0502020204030204" pitchFamily="34" charset="0"/>
-                                  <a:cs typeface="Arial" panose="020B0604020202020204" pitchFamily="34" charset="0"/>
-                                </a:rPr>
-                                <m:t>=0</m:t>
-                              </m:r>
-                            </m:sub>
-                            <m:sup>
-                              <m:r>
-                                <a:rPr lang="en-US" i="1" kern="100">
-                                  <a:effectLst/>
-                                  <a:ea typeface="Calibri" panose="020F0502020204030204" pitchFamily="34" charset="0"/>
-                                  <a:cs typeface="Arial" panose="020B0604020202020204" pitchFamily="34" charset="0"/>
-                                </a:rPr>
-                                <m:t>𝑛</m:t>
-                              </m:r>
-                            </m:sup>
-                            <m:e>
-                              <m:r>
-                                <a:rPr lang="en-US" i="1" kern="100">
-                                  <a:effectLst/>
-                                  <a:ea typeface="Calibri" panose="020F0502020204030204" pitchFamily="34" charset="0"/>
-                                  <a:cs typeface="Arial" panose="020B0604020202020204" pitchFamily="34" charset="0"/>
-                                </a:rPr>
-                                <m:t>(</m:t>
-                              </m:r>
-                              <m:sSub>
-                                <m:sSubPr>
-                                  <m:ctrlPr>
-                                    <a:rPr lang="en-PK" i="1" kern="100">
-                                      <a:effectLst/>
-                                      <a:ea typeface="Calibri" panose="020F0502020204030204" pitchFamily="34" charset="0"/>
-                                      <a:cs typeface="Arial" panose="020B0604020202020204" pitchFamily="34" charset="0"/>
-                                    </a:rPr>
-                                  </m:ctrlPr>
-                                </m:sSubPr>
-                                <m:e>
-                                  <m:r>
-                                    <a:rPr lang="en-US" i="1" kern="100">
-                                      <a:effectLst/>
-                                      <a:ea typeface="Calibri" panose="020F0502020204030204" pitchFamily="34" charset="0"/>
-                                      <a:cs typeface="Arial" panose="020B0604020202020204" pitchFamily="34" charset="0"/>
-                                    </a:rPr>
-                                    <m:t>𝑥</m:t>
-                                  </m:r>
-                                </m:e>
-                                <m:sub>
-                                  <m:r>
-                                    <a:rPr lang="en-US" i="1" kern="100">
-                                      <a:effectLst/>
-                                      <a:ea typeface="Calibri" panose="020F0502020204030204" pitchFamily="34" charset="0"/>
-                                      <a:cs typeface="Arial" panose="020B0604020202020204" pitchFamily="34" charset="0"/>
-                                    </a:rPr>
-                                    <m:t>𝑖</m:t>
-                                  </m:r>
-                                </m:sub>
-                              </m:sSub>
-                              <m:r>
-                                <a:rPr lang="en-US" i="1" kern="100">
-                                  <a:effectLst/>
-                                  <a:ea typeface="Calibri" panose="020F0502020204030204" pitchFamily="34" charset="0"/>
-                                  <a:cs typeface="Arial" panose="020B0604020202020204" pitchFamily="34" charset="0"/>
-                                </a:rPr>
-                                <m:t>+</m:t>
-                              </m:r>
-                              <m:acc>
-                                <m:accPr>
-                                  <m:chr m:val="̅"/>
-                                  <m:ctrlPr>
-                                    <a:rPr lang="en-PK" i="1" kern="100">
-                                      <a:effectLst/>
-                                      <a:ea typeface="Calibri" panose="020F0502020204030204" pitchFamily="34" charset="0"/>
-                                      <a:cs typeface="Arial" panose="020B0604020202020204" pitchFamily="34" charset="0"/>
-                                    </a:rPr>
-                                  </m:ctrlPr>
-                                </m:accPr>
-                                <m:e>
-                                  <m:r>
-                                    <a:rPr lang="en-US" i="1" kern="100">
-                                      <a:effectLst/>
-                                      <a:ea typeface="Calibri" panose="020F0502020204030204" pitchFamily="34" charset="0"/>
-                                      <a:cs typeface="Arial" panose="020B0604020202020204" pitchFamily="34" charset="0"/>
-                                    </a:rPr>
-                                    <m:t>𝑥</m:t>
-                                  </m:r>
-                                </m:e>
-                              </m:acc>
-                              <m:sSup>
-                                <m:sSupPr>
-                                  <m:ctrlPr>
-                                    <a:rPr lang="en-PK" i="1" kern="100">
-                                      <a:effectLst/>
-                                      <a:ea typeface="Calibri" panose="020F0502020204030204" pitchFamily="34" charset="0"/>
-                                      <a:cs typeface="Arial" panose="020B0604020202020204" pitchFamily="34" charset="0"/>
-                                    </a:rPr>
-                                  </m:ctrlPr>
-                                </m:sSupPr>
-                                <m:e>
-                                  <m:r>
-                                    <a:rPr lang="en-US" i="1" kern="100">
-                                      <a:effectLst/>
-                                      <a:ea typeface="Calibri" panose="020F0502020204030204" pitchFamily="34" charset="0"/>
-                                      <a:cs typeface="Arial" panose="020B0604020202020204" pitchFamily="34" charset="0"/>
-                                    </a:rPr>
-                                    <m:t>)</m:t>
-                                  </m:r>
-                                </m:e>
-                                <m:sup>
-                                  <m:r>
-                                    <a:rPr lang="en-US" i="1" kern="100">
-                                      <a:effectLst/>
-                                      <a:ea typeface="Calibri" panose="020F0502020204030204" pitchFamily="34" charset="0"/>
-                                      <a:cs typeface="Arial" panose="020B0604020202020204" pitchFamily="34" charset="0"/>
-                                    </a:rPr>
-                                    <m:t>2</m:t>
-                                  </m:r>
-                                </m:sup>
-                              </m:sSup>
-                            </m:e>
-                          </m:nary>
-                        </m:den>
-                      </m:f>
-                    </m:oMath>
-                  </m:oMathPara>
-                </a14:m>
-                <a:endParaRPr lang="en-PK" kern="100" dirty="0">
-                  <a:effectLst/>
-                  <a:ea typeface="Calibri" panose="020F0502020204030204" pitchFamily="34" charset="0"/>
-                  <a:cs typeface="Arial" panose="020B0604020202020204" pitchFamily="34" charset="0"/>
-                </a:endParaRPr>
-              </a:p>
-              <a:p>
-                <a:endParaRPr lang="en-PK" dirty="0"/>
-              </a:p>
-            </p:txBody>
-          </p:sp>
-        </mc:Choice>
-        <mc:Fallback>
-          <p:sp>
-            <p:nvSpPr>
-              <p:cNvPr id="3" name="Content Placeholder 2">
-                <a:extLst>
-                  <a:ext uri="{FF2B5EF4-FFF2-40B4-BE49-F238E27FC236}">
-                    <a16:creationId xmlns:a16="http://schemas.microsoft.com/office/drawing/2014/main" id="{01ED50F4-129C-2878-D345-7499643C97B9}"/>
-                  </a:ext>
-                </a:extLst>
-              </p:cNvPr>
-              <p:cNvSpPr>
-                <a:spLocks noGrp="1" noRot="1" noChangeAspect="1" noMove="1" noResize="1" noEditPoints="1" noAdjustHandles="1" noChangeArrowheads="1" noChangeShapeType="1" noTextEdit="1"/>
-              </p:cNvSpPr>
-              <p:nvPr>
-                <p:ph idx="1"/>
-              </p:nvPr>
-            </p:nvSpPr>
-            <p:spPr>
-              <a:blipFill>
-                <a:blip r:embed="rId2"/>
-                <a:stretch>
-                  <a:fillRect l="-1086" t="-2326"/>
-                </a:stretch>
-              </a:blipFill>
-            </p:spPr>
-            <p:txBody>
-              <a:bodyPr/>
-              <a:lstStyle/>
-              <a:p>
-                <a:r>
-                  <a:rPr lang="en-PK">
-                    <a:noFill/>
-                  </a:rPr>
-                  <a:t> </a:t>
-                </a:r>
-              </a:p>
-            </p:txBody>
-          </p:sp>
-        </mc:Fallback>
-      </mc:AlternateContent>
-    </p:spTree>
-    <p:extLst>
-      <p:ext uri="{BB962C8B-B14F-4D97-AF65-F5344CB8AC3E}">
-        <p14:creationId xmlns:p14="http://schemas.microsoft.com/office/powerpoint/2010/main" val="1759381387"/>
-      </p:ext>
-    </p:extLst>
-  </p:cSld>
-  <p:clrMapOvr>
-    <a:masterClrMapping/>
-  </p:clrMapOvr>
-</p:sld>
-</file>
-
-<file path=ppt/slides/slide14.xml><?xml version="1.0" encoding="utf-8"?>
-<p:sld xmlns:a="http://schemas.openxmlformats.org/drawingml/2006/main" xmlns:r="http://schemas.openxmlformats.org/officeDocument/2006/relationships" xmlns:p="http://schemas.openxmlformats.org/presentationml/2006/main">
-  <p:cSld>
-    <p:spTree>
-      <p:nvGrpSpPr>
-        <p:cNvPr id="1" name=""/>
-        <p:cNvGrpSpPr/>
-        <p:nvPr/>
-      </p:nvGrpSpPr>
-      <p:grpSpPr>
-        <a:xfrm>
-          <a:off x="0" y="0"/>
-          <a:ext cx="0" cy="0"/>
-          <a:chOff x="0" y="0"/>
-          <a:chExt cx="0" cy="0"/>
-        </a:xfrm>
-      </p:grpSpPr>
-      <p:sp>
-        <p:nvSpPr>
-          <p:cNvPr id="2" name="Title 1">
-            <a:extLst>
-              <a:ext uri="{FF2B5EF4-FFF2-40B4-BE49-F238E27FC236}">
-                <a16:creationId xmlns:a16="http://schemas.microsoft.com/office/drawing/2014/main" id="{BBB42B52-7FEB-F75A-FE2F-567F6D9E3F9C}"/>
-              </a:ext>
-            </a:extLst>
-          </p:cNvPr>
-          <p:cNvSpPr>
-            <a:spLocks noGrp="1"/>
-          </p:cNvSpPr>
-          <p:nvPr>
-            <p:ph type="title"/>
-          </p:nvPr>
-        </p:nvSpPr>
-        <p:spPr/>
-        <p:txBody>
-          <a:bodyPr>
-            <a:normAutofit fontScale="90000"/>
-          </a:bodyPr>
-          <a:lstStyle/>
-          <a:p>
-            <a:br>
-              <a:rPr lang="en-PK" dirty="0"/>
-            </a:br>
-            <a:r>
-              <a:rPr lang="en-PK" dirty="0"/>
-              <a:t>High </a:t>
-            </a:r>
-            <a:r>
-              <a:rPr lang="en-GB" dirty="0"/>
-              <a:t>Leverage</a:t>
-            </a:r>
-            <a:r>
-              <a:rPr lang="en-PK" dirty="0"/>
-              <a:t> Points</a:t>
-            </a:r>
-            <a:br>
-              <a:rPr lang="en-PK" dirty="0"/>
-            </a:br>
-            <a:endParaRPr lang="en-PK" dirty="0"/>
-          </a:p>
-        </p:txBody>
-      </p:sp>
-      <mc:AlternateContent xmlns:mc="http://schemas.openxmlformats.org/markup-compatibility/2006">
-        <mc:Choice xmlns:a14="http://schemas.microsoft.com/office/drawing/2010/main" Requires="a14">
-          <p:sp>
-            <p:nvSpPr>
-              <p:cNvPr id="10" name="Content Placeholder 9">
-                <a:extLst>
-                  <a:ext uri="{FF2B5EF4-FFF2-40B4-BE49-F238E27FC236}">
-                    <a16:creationId xmlns:a16="http://schemas.microsoft.com/office/drawing/2014/main" id="{E3944232-82A0-1769-770D-3D694923EFF2}"/>
-                  </a:ext>
-                </a:extLst>
-              </p:cNvPr>
-              <p:cNvSpPr>
-                <a:spLocks noGrp="1"/>
-              </p:cNvSpPr>
-              <p:nvPr>
-                <p:ph idx="1"/>
-              </p:nvPr>
-            </p:nvSpPr>
-            <p:spPr/>
-            <p:txBody>
-              <a:bodyPr/>
-              <a:lstStyle/>
-              <a:p>
-                <a:r>
-                  <a:rPr lang="en-PK" kern="100" dirty="0">
-                    <a:effectLst/>
-                    <a:ea typeface="Calibri" panose="020F0502020204030204" pitchFamily="34" charset="0"/>
-                    <a:cs typeface="Arial" panose="020B0604020202020204" pitchFamily="34" charset="0"/>
-                  </a:rPr>
-                  <a:t>Alway</a:t>
-                </a:r>
-                <a:r>
-                  <a:rPr lang="en-GB" kern="100" dirty="0">
-                    <a:effectLst/>
-                    <a:ea typeface="Calibri" panose="020F0502020204030204" pitchFamily="34" charset="0"/>
-                    <a:cs typeface="Arial" panose="020B0604020202020204" pitchFamily="34" charset="0"/>
-                  </a:rPr>
-                  <a:t>s</a:t>
-                </a:r>
-                <a:r>
-                  <a:rPr lang="en-PK" kern="100" dirty="0">
-                    <a:ea typeface="Calibri" panose="020F0502020204030204" pitchFamily="34" charset="0"/>
-                    <a:cs typeface="Arial" panose="020B0604020202020204" pitchFamily="34" charset="0"/>
-                  </a:rPr>
-                  <a:t> between </a:t>
-                </a:r>
-                <a14:m>
-                  <m:oMath xmlns:m="http://schemas.openxmlformats.org/officeDocument/2006/math">
-                    <m:f>
-                      <m:fPr>
-                        <m:ctrlPr>
-                          <a:rPr lang="en-PK" i="1" kern="100" smtClean="0">
-                            <a:effectLst/>
-                            <a:latin typeface="Cambria Math" panose="02040503050406030204" pitchFamily="18" charset="0"/>
-                            <a:ea typeface="Calibri" panose="020F0502020204030204" pitchFamily="34" charset="0"/>
-                            <a:cs typeface="Arial" panose="020B0604020202020204" pitchFamily="34" charset="0"/>
-                          </a:rPr>
-                        </m:ctrlPr>
-                      </m:fPr>
-                      <m:num>
-                        <m:r>
-                          <a:rPr lang="en-US" i="1" kern="100">
-                            <a:effectLst/>
-                            <a:latin typeface="Cambria Math" panose="02040503050406030204" pitchFamily="18" charset="0"/>
-                            <a:ea typeface="Calibri" panose="020F0502020204030204" pitchFamily="34" charset="0"/>
-                            <a:cs typeface="Arial" panose="020B0604020202020204" pitchFamily="34" charset="0"/>
-                          </a:rPr>
-                          <m:t>1</m:t>
-                        </m:r>
-                      </m:num>
-                      <m:den>
-                        <m:r>
-                          <a:rPr lang="en-US" i="1" kern="100">
-                            <a:effectLst/>
-                            <a:latin typeface="Cambria Math" panose="02040503050406030204" pitchFamily="18" charset="0"/>
-                            <a:ea typeface="Calibri" panose="020F0502020204030204" pitchFamily="34" charset="0"/>
-                            <a:cs typeface="Arial" panose="020B0604020202020204" pitchFamily="34" charset="0"/>
-                          </a:rPr>
-                          <m:t>𝑛</m:t>
-                        </m:r>
-                      </m:den>
-                    </m:f>
-                  </m:oMath>
-                </a14:m>
-                <a:r>
-                  <a:rPr lang="en-PK" dirty="0"/>
-                  <a:t> and 1.</a:t>
-                </a:r>
-              </a:p>
-              <a:p>
-                <a:r>
-                  <a:rPr lang="en-GB" dirty="0"/>
-                  <a:t>Average </a:t>
-                </a:r>
-                <a:r>
-                  <a:rPr lang="en-PK" dirty="0"/>
-                  <a:t>LS always = </a:t>
-                </a:r>
-                <a14:m>
-                  <m:oMath xmlns:m="http://schemas.openxmlformats.org/officeDocument/2006/math">
-                    <m:f>
-                      <m:fPr>
-                        <m:ctrlPr>
-                          <a:rPr lang="en-PK" i="1" kern="100" smtClean="0">
-                            <a:effectLst/>
-                            <a:latin typeface="Cambria Math" panose="02040503050406030204" pitchFamily="18" charset="0"/>
-                            <a:ea typeface="Calibri" panose="020F0502020204030204" pitchFamily="34" charset="0"/>
-                            <a:cs typeface="Arial" panose="020B0604020202020204" pitchFamily="34" charset="0"/>
-                          </a:rPr>
-                        </m:ctrlPr>
-                      </m:fPr>
-                      <m:num>
-                        <m:r>
-                          <a:rPr lang="en-US" b="0" i="1" kern="100" smtClean="0">
-                            <a:effectLst/>
-                            <a:latin typeface="Cambria Math" panose="02040503050406030204" pitchFamily="18" charset="0"/>
-                            <a:ea typeface="Calibri" panose="020F0502020204030204" pitchFamily="34" charset="0"/>
-                            <a:cs typeface="Arial" panose="020B0604020202020204" pitchFamily="34" charset="0"/>
-                          </a:rPr>
-                          <m:t>(</m:t>
-                        </m:r>
-                        <m:r>
-                          <a:rPr lang="en-US" b="0" i="1" kern="100" smtClean="0">
-                            <a:effectLst/>
-                            <a:latin typeface="Cambria Math" panose="02040503050406030204" pitchFamily="18" charset="0"/>
-                            <a:ea typeface="Calibri" panose="020F0502020204030204" pitchFamily="34" charset="0"/>
-                            <a:cs typeface="Arial" panose="020B0604020202020204" pitchFamily="34" charset="0"/>
-                          </a:rPr>
-                          <m:t>𝑝</m:t>
-                        </m:r>
-                        <m:r>
-                          <a:rPr lang="en-US" b="0" i="1" kern="100" smtClean="0">
-                            <a:effectLst/>
-                            <a:latin typeface="Cambria Math" panose="02040503050406030204" pitchFamily="18" charset="0"/>
-                            <a:ea typeface="Calibri" panose="020F0502020204030204" pitchFamily="34" charset="0"/>
-                            <a:cs typeface="Arial" panose="020B0604020202020204" pitchFamily="34" charset="0"/>
-                          </a:rPr>
-                          <m:t>+1)</m:t>
-                        </m:r>
-                      </m:num>
-                      <m:den>
-                        <m:r>
-                          <a:rPr lang="en-US" i="1" kern="100">
-                            <a:effectLst/>
-                            <a:latin typeface="Cambria Math" panose="02040503050406030204" pitchFamily="18" charset="0"/>
-                            <a:ea typeface="Calibri" panose="020F0502020204030204" pitchFamily="34" charset="0"/>
-                            <a:cs typeface="Arial" panose="020B0604020202020204" pitchFamily="34" charset="0"/>
-                          </a:rPr>
-                          <m:t>𝑛</m:t>
-                        </m:r>
-                      </m:den>
-                    </m:f>
-                  </m:oMath>
-                </a14:m>
-                <a:r>
-                  <a:rPr lang="en-PK" dirty="0"/>
-                  <a:t>.</a:t>
-                </a:r>
-              </a:p>
-              <a:p>
-                <a:r>
-                  <a:rPr lang="en-PK" dirty="0"/>
-                  <a:t> If</a:t>
-                </a:r>
-                <a:r>
-                  <a:rPr lang="en-GB" dirty="0"/>
-                  <a:t> exceed the average, then high </a:t>
-                </a:r>
-                <a:r>
-                  <a:rPr lang="en-PK" dirty="0"/>
-                  <a:t>levearge</a:t>
-                </a:r>
-              </a:p>
-              <a:p>
-                <a:endParaRPr lang="en-PK" dirty="0"/>
-              </a:p>
-            </p:txBody>
-          </p:sp>
-        </mc:Choice>
-        <mc:Fallback>
-          <p:sp>
-            <p:nvSpPr>
-              <p:cNvPr id="10" name="Content Placeholder 9">
-                <a:extLst>
-                  <a:ext uri="{FF2B5EF4-FFF2-40B4-BE49-F238E27FC236}">
-                    <a16:creationId xmlns:a16="http://schemas.microsoft.com/office/drawing/2014/main" id="{E3944232-82A0-1769-770D-3D694923EFF2}"/>
-                  </a:ext>
-                </a:extLst>
-              </p:cNvPr>
-              <p:cNvSpPr>
-                <a:spLocks noGrp="1" noRot="1" noChangeAspect="1" noMove="1" noResize="1" noEditPoints="1" noAdjustHandles="1" noChangeArrowheads="1" noChangeShapeType="1" noTextEdit="1"/>
-              </p:cNvSpPr>
-              <p:nvPr>
-                <p:ph idx="1"/>
-              </p:nvPr>
-            </p:nvSpPr>
-            <p:spPr>
-              <a:blipFill>
-                <a:blip r:embed="rId2"/>
-                <a:stretch>
-                  <a:fillRect l="-1086" t="-291"/>
-                </a:stretch>
-              </a:blipFill>
-            </p:spPr>
-            <p:txBody>
-              <a:bodyPr/>
-              <a:lstStyle/>
-              <a:p>
-                <a:r>
-                  <a:rPr lang="en-PK">
-                    <a:noFill/>
-                  </a:rPr>
-                  <a:t> </a:t>
-                </a:r>
-              </a:p>
-            </p:txBody>
-          </p:sp>
-        </mc:Fallback>
-      </mc:AlternateContent>
-    </p:spTree>
-    <p:extLst>
-      <p:ext uri="{BB962C8B-B14F-4D97-AF65-F5344CB8AC3E}">
-        <p14:creationId xmlns:p14="http://schemas.microsoft.com/office/powerpoint/2010/main" val="2998294374"/>
-      </p:ext>
-    </p:extLst>
-  </p:cSld>
-  <p:clrMapOvr>
-    <a:masterClrMapping/>
-  </p:clrMapOvr>
-</p:sld>
-</file>
-
-<file path=ppt/slides/slide15.xml><?xml version="1.0" encoding="utf-8"?>
-<p:sld xmlns:a="http://schemas.openxmlformats.org/drawingml/2006/main" xmlns:r="http://schemas.openxmlformats.org/officeDocument/2006/relationships" xmlns:p="http://schemas.openxmlformats.org/presentationml/2006/main">
-  <p:cSld>
-    <p:spTree>
-      <p:nvGrpSpPr>
-        <p:cNvPr id="1" name=""/>
-        <p:cNvGrpSpPr/>
-        <p:nvPr/>
-      </p:nvGrpSpPr>
-      <p:grpSpPr>
-        <a:xfrm>
-          <a:off x="0" y="0"/>
-          <a:ext cx="0" cy="0"/>
-          <a:chOff x="0" y="0"/>
-          <a:chExt cx="0" cy="0"/>
-        </a:xfrm>
-      </p:grpSpPr>
-      <p:sp>
-        <p:nvSpPr>
-          <p:cNvPr id="2" name="Title 1">
-            <a:extLst>
-              <a:ext uri="{FF2B5EF4-FFF2-40B4-BE49-F238E27FC236}">
-                <a16:creationId xmlns:a16="http://schemas.microsoft.com/office/drawing/2014/main" id="{EF5BC43C-47C5-E59D-E62F-8C16D227AD54}"/>
-              </a:ext>
-            </a:extLst>
-          </p:cNvPr>
-          <p:cNvSpPr>
-            <a:spLocks noGrp="1"/>
-          </p:cNvSpPr>
-          <p:nvPr>
-            <p:ph type="title"/>
-          </p:nvPr>
-        </p:nvSpPr>
-        <p:spPr/>
-        <p:txBody>
-          <a:bodyPr/>
-          <a:lstStyle/>
-          <a:p>
-            <a:r>
-              <a:rPr lang="en-PK" dirty="0"/>
-              <a:t>6. Collinearity</a:t>
-            </a:r>
-          </a:p>
-        </p:txBody>
-      </p:sp>
-      <p:sp>
-        <p:nvSpPr>
-          <p:cNvPr id="3" name="Content Placeholder 2">
-            <a:extLst>
-              <a:ext uri="{FF2B5EF4-FFF2-40B4-BE49-F238E27FC236}">
-                <a16:creationId xmlns:a16="http://schemas.microsoft.com/office/drawing/2014/main" id="{147E5E8A-A084-64BA-87D7-818E800A92F1}"/>
-              </a:ext>
-            </a:extLst>
-          </p:cNvPr>
-          <p:cNvSpPr>
-            <a:spLocks noGrp="1"/>
-          </p:cNvSpPr>
-          <p:nvPr>
-            <p:ph idx="1"/>
-          </p:nvPr>
-        </p:nvSpPr>
-        <p:spPr/>
-        <p:txBody>
-          <a:bodyPr/>
-          <a:lstStyle/>
-          <a:p>
-            <a:r>
-              <a:rPr lang="en-PK" dirty="0"/>
-              <a:t>Two or more predictors are closely related</a:t>
-            </a:r>
-          </a:p>
-          <a:p>
-            <a:pPr lvl="1"/>
-            <a:r>
-              <a:rPr lang="en-PK" dirty="0"/>
-              <a:t>Less reliable statistical test</a:t>
-            </a:r>
-          </a:p>
-          <a:p>
-            <a:pPr lvl="1"/>
-            <a:r>
-              <a:rPr lang="en-US" dirty="0"/>
-              <a:t>Difficult to find individual effects on response</a:t>
-            </a:r>
-            <a:endParaRPr lang="en-PK" dirty="0"/>
-          </a:p>
-          <a:p>
-            <a:r>
-              <a:rPr lang="en-PK" dirty="0"/>
-              <a:t>To check collinearity</a:t>
-            </a:r>
-          </a:p>
-          <a:p>
-            <a:pPr lvl="1"/>
-            <a:r>
-              <a:rPr lang="en-PK" dirty="0"/>
-              <a:t>Correlation </a:t>
-            </a:r>
-            <a:r>
-              <a:rPr lang="en-GB" dirty="0"/>
-              <a:t>matrix</a:t>
-            </a:r>
-            <a:endParaRPr lang="en-PK" dirty="0"/>
-          </a:p>
-          <a:p>
-            <a:pPr lvl="1"/>
-            <a:r>
-              <a:rPr lang="en-PK" dirty="0"/>
-              <a:t>Variance inflation factor</a:t>
-            </a:r>
-          </a:p>
-          <a:p>
-            <a:endParaRPr lang="en-PK" dirty="0"/>
-          </a:p>
-          <a:p>
-            <a:pPr marL="457200" lvl="1" indent="0">
-              <a:buNone/>
-            </a:pPr>
-            <a:endParaRPr lang="en-PK" dirty="0"/>
-          </a:p>
-          <a:p>
-            <a:pPr lvl="1"/>
-            <a:endParaRPr lang="en-PK" dirty="0"/>
-          </a:p>
-        </p:txBody>
-      </p:sp>
-    </p:spTree>
-    <p:extLst>
-      <p:ext uri="{BB962C8B-B14F-4D97-AF65-F5344CB8AC3E}">
-        <p14:creationId xmlns:p14="http://schemas.microsoft.com/office/powerpoint/2010/main" val="236605726"/>
-      </p:ext>
-    </p:extLst>
-  </p:cSld>
-  <p:clrMapOvr>
-    <a:masterClrMapping/>
-  </p:clrMapOvr>
-</p:sld>
-</file>
-
-<file path=ppt/slides/slide16.xml><?xml version="1.0" encoding="utf-8"?>
-<p:sld xmlns:a="http://schemas.openxmlformats.org/drawingml/2006/main" xmlns:r="http://schemas.openxmlformats.org/officeDocument/2006/relationships" xmlns:p="http://schemas.openxmlformats.org/presentationml/2006/main">
-  <p:cSld>
-    <p:spTree>
-      <p:nvGrpSpPr>
-        <p:cNvPr id="1" name=""/>
-        <p:cNvGrpSpPr/>
-        <p:nvPr/>
-      </p:nvGrpSpPr>
-      <p:grpSpPr>
-        <a:xfrm>
-          <a:off x="0" y="0"/>
-          <a:ext cx="0" cy="0"/>
-          <a:chOff x="0" y="0"/>
-          <a:chExt cx="0" cy="0"/>
-        </a:xfrm>
-      </p:grpSpPr>
-      <p:sp>
-        <p:nvSpPr>
-          <p:cNvPr id="2" name="Title 1">
-            <a:extLst>
-              <a:ext uri="{FF2B5EF4-FFF2-40B4-BE49-F238E27FC236}">
-                <a16:creationId xmlns:a16="http://schemas.microsoft.com/office/drawing/2014/main" id="{8A17D4E1-0284-B54D-446C-DEDE5C558CBB}"/>
-              </a:ext>
-            </a:extLst>
-          </p:cNvPr>
-          <p:cNvSpPr>
-            <a:spLocks noGrp="1"/>
-          </p:cNvSpPr>
-          <p:nvPr>
-            <p:ph type="title"/>
-          </p:nvPr>
-        </p:nvSpPr>
-        <p:spPr/>
-        <p:txBody>
-          <a:bodyPr/>
-          <a:lstStyle/>
-          <a:p>
-            <a:r>
-              <a:rPr lang="en-PK" dirty="0"/>
-              <a:t>K-Nearest Neighbors</a:t>
-            </a:r>
-          </a:p>
-        </p:txBody>
-      </p:sp>
-      <p:sp>
-        <p:nvSpPr>
-          <p:cNvPr id="3" name="Content Placeholder 2">
-            <a:extLst>
-              <a:ext uri="{FF2B5EF4-FFF2-40B4-BE49-F238E27FC236}">
-                <a16:creationId xmlns:a16="http://schemas.microsoft.com/office/drawing/2014/main" id="{A88DC11B-BF9D-6A8F-970E-72D5BF3084A0}"/>
-              </a:ext>
-            </a:extLst>
-          </p:cNvPr>
-          <p:cNvSpPr>
-            <a:spLocks noGrp="1"/>
-          </p:cNvSpPr>
-          <p:nvPr>
-            <p:ph idx="1"/>
-          </p:nvPr>
-        </p:nvSpPr>
-        <p:spPr/>
-        <p:txBody>
-          <a:bodyPr/>
-          <a:lstStyle/>
-          <a:p>
-            <a:r>
-              <a:rPr lang="en-PK" dirty="0"/>
-              <a:t>Non parametric approch </a:t>
-            </a:r>
-          </a:p>
-          <a:p>
-            <a:r>
-              <a:rPr lang="en-PK" dirty="0"/>
-              <a:t>Find </a:t>
-            </a:r>
-            <a:r>
-              <a:rPr lang="en-GB" dirty="0"/>
-              <a:t>the </a:t>
-            </a:r>
-            <a:r>
-              <a:rPr lang="en-PK" dirty="0"/>
-              <a:t>value of k</a:t>
-            </a:r>
-          </a:p>
-          <a:p>
-            <a:r>
-              <a:rPr lang="en-PK" dirty="0"/>
-              <a:t>Bias variance tradeoff</a:t>
-            </a:r>
-          </a:p>
-          <a:p>
-            <a:endParaRPr lang="en-PK" dirty="0"/>
-          </a:p>
-          <a:p>
-            <a:endParaRPr lang="en-PK" dirty="0"/>
-          </a:p>
-          <a:p>
-            <a:endParaRPr lang="en-PK" dirty="0"/>
-          </a:p>
-        </p:txBody>
-      </p:sp>
-    </p:spTree>
-    <p:extLst>
-      <p:ext uri="{BB962C8B-B14F-4D97-AF65-F5344CB8AC3E}">
-        <p14:creationId xmlns:p14="http://schemas.microsoft.com/office/powerpoint/2010/main" val="2513380109"/>
-      </p:ext>
-    </p:extLst>
-  </p:cSld>
-  <p:clrMapOvr>
-    <a:masterClrMapping/>
-  </p:clrMapOvr>
-</p:sld>
-</file>
-
-<file path=ppt/slides/slide17.xml><?xml version="1.0" encoding="utf-8"?>
-<p:sld xmlns:a="http://schemas.openxmlformats.org/drawingml/2006/main" xmlns:r="http://schemas.openxmlformats.org/officeDocument/2006/relationships" xmlns:p="http://schemas.openxmlformats.org/presentationml/2006/main">
-  <p:cSld>
-    <p:spTree>
-      <p:nvGrpSpPr>
-        <p:cNvPr id="1" name=""/>
-        <p:cNvGrpSpPr/>
-        <p:nvPr/>
-      </p:nvGrpSpPr>
-      <p:grpSpPr>
-        <a:xfrm>
-          <a:off x="0" y="0"/>
-          <a:ext cx="0" cy="0"/>
-          <a:chOff x="0" y="0"/>
-          <a:chExt cx="0" cy="0"/>
-        </a:xfrm>
-      </p:grpSpPr>
-      <p:sp>
-        <p:nvSpPr>
-          <p:cNvPr id="2" name="Title 1">
-            <a:extLst>
-              <a:ext uri="{FF2B5EF4-FFF2-40B4-BE49-F238E27FC236}">
-                <a16:creationId xmlns:a16="http://schemas.microsoft.com/office/drawing/2014/main" id="{7F037E1B-51A1-AE61-EE3F-35E646DBA67D}"/>
-              </a:ext>
-            </a:extLst>
-          </p:cNvPr>
-          <p:cNvSpPr>
-            <a:spLocks noGrp="1"/>
-          </p:cNvSpPr>
-          <p:nvPr>
-            <p:ph type="title"/>
-          </p:nvPr>
-        </p:nvSpPr>
-        <p:spPr/>
-        <p:txBody>
-          <a:bodyPr/>
-          <a:lstStyle/>
-          <a:p>
-            <a:r>
-              <a:rPr lang="en-PK" dirty="0"/>
-              <a:t>K-Nearest Neighbors</a:t>
-            </a:r>
-          </a:p>
-        </p:txBody>
-      </p:sp>
-      <p:sp>
-        <p:nvSpPr>
-          <p:cNvPr id="3" name="Content Placeholder 2">
-            <a:extLst>
-              <a:ext uri="{FF2B5EF4-FFF2-40B4-BE49-F238E27FC236}">
-                <a16:creationId xmlns:a16="http://schemas.microsoft.com/office/drawing/2014/main" id="{90912F8A-6F52-70FE-5FBD-DEA75A9FAE28}"/>
-              </a:ext>
-            </a:extLst>
-          </p:cNvPr>
-          <p:cNvSpPr>
-            <a:spLocks noGrp="1"/>
-          </p:cNvSpPr>
-          <p:nvPr>
-            <p:ph idx="1"/>
-          </p:nvPr>
-        </p:nvSpPr>
-        <p:spPr/>
-        <p:txBody>
-          <a:bodyPr/>
-          <a:lstStyle/>
-          <a:p>
-            <a:r>
-              <a:rPr lang="en-US" dirty="0"/>
-              <a:t>The parametric approach will outperform if the estimated form is true</a:t>
-            </a:r>
-          </a:p>
-          <a:p>
-            <a:endParaRPr lang="en-PK" dirty="0"/>
-          </a:p>
-        </p:txBody>
-      </p:sp>
-      <p:sp>
-        <p:nvSpPr>
-          <p:cNvPr id="5" name="TextBox 4">
-            <a:extLst>
-              <a:ext uri="{FF2B5EF4-FFF2-40B4-BE49-F238E27FC236}">
-                <a16:creationId xmlns:a16="http://schemas.microsoft.com/office/drawing/2014/main" id="{094EF3EF-2B2F-8C65-7AFF-5F252FDBDCEA}"/>
-              </a:ext>
-            </a:extLst>
-          </p:cNvPr>
-          <p:cNvSpPr txBox="1"/>
-          <p:nvPr/>
-        </p:nvSpPr>
-        <p:spPr>
-          <a:xfrm>
-            <a:off x="2897686" y="5942568"/>
-            <a:ext cx="6409575" cy="369332"/>
-          </a:xfrm>
-          <a:prstGeom prst="rect">
-            <a:avLst/>
-          </a:prstGeom>
-          <a:noFill/>
-        </p:spPr>
-        <p:txBody>
-          <a:bodyPr wrap="none" rtlCol="0">
-            <a:spAutoFit/>
-          </a:bodyPr>
-          <a:lstStyle/>
-          <a:p>
-            <a:r>
-              <a:rPr lang="en-PK" dirty="0"/>
-              <a:t>Display the relation between x and y for linear regression and KNN</a:t>
-            </a:r>
-          </a:p>
-        </p:txBody>
-      </p:sp>
-      <p:pic>
-        <p:nvPicPr>
-          <p:cNvPr id="7" name="Picture 6" descr="A graph of a graph of a graph&#10;&#10;Description automatically generated with medium confidence">
-            <a:extLst>
-              <a:ext uri="{FF2B5EF4-FFF2-40B4-BE49-F238E27FC236}">
-                <a16:creationId xmlns:a16="http://schemas.microsoft.com/office/drawing/2014/main" id="{CBD6620E-3234-328E-6907-5169DC637127}"/>
-              </a:ext>
-            </a:extLst>
-          </p:cNvPr>
-          <p:cNvPicPr>
-            <a:picLocks noChangeAspect="1"/>
-          </p:cNvPicPr>
-          <p:nvPr/>
-        </p:nvPicPr>
-        <p:blipFill>
-          <a:blip r:embed="rId2">
-            <a:extLst>
-              <a:ext uri="{28A0092B-C50C-407E-A947-70E740481C1C}">
-                <a14:useLocalDpi xmlns:a14="http://schemas.microsoft.com/office/drawing/2010/main" val="0"/>
-              </a:ext>
-            </a:extLst>
-          </a:blip>
-          <a:stretch>
-            <a:fillRect/>
-          </a:stretch>
-        </p:blipFill>
-        <p:spPr>
-          <a:xfrm>
-            <a:off x="3021157" y="2810305"/>
-            <a:ext cx="6149686" cy="2997326"/>
-          </a:xfrm>
-          <a:prstGeom prst="rect">
-            <a:avLst/>
-          </a:prstGeom>
-        </p:spPr>
-      </p:pic>
-    </p:spTree>
-    <p:extLst>
-      <p:ext uri="{BB962C8B-B14F-4D97-AF65-F5344CB8AC3E}">
-        <p14:creationId xmlns:p14="http://schemas.microsoft.com/office/powerpoint/2010/main" val="828046914"/>
-      </p:ext>
-    </p:extLst>
-  </p:cSld>
-  <p:clrMapOvr>
-    <a:masterClrMapping/>
-  </p:clrMapOvr>
-</p:sld>
-</file>
-
-<file path=ppt/slides/slide18.xml><?xml version="1.0" encoding="utf-8"?>
-<p:sld xmlns:a="http://schemas.openxmlformats.org/drawingml/2006/main" xmlns:r="http://schemas.openxmlformats.org/officeDocument/2006/relationships" xmlns:p="http://schemas.openxmlformats.org/presentationml/2006/main">
-  <p:cSld>
-    <p:spTree>
-      <p:nvGrpSpPr>
-        <p:cNvPr id="1" name=""/>
-        <p:cNvGrpSpPr/>
-        <p:nvPr/>
-      </p:nvGrpSpPr>
-      <p:grpSpPr>
-        <a:xfrm>
-          <a:off x="0" y="0"/>
-          <a:ext cx="0" cy="0"/>
-          <a:chOff x="0" y="0"/>
-          <a:chExt cx="0" cy="0"/>
-        </a:xfrm>
-      </p:grpSpPr>
-      <p:sp>
-        <p:nvSpPr>
-          <p:cNvPr id="2" name="Title 1">
-            <a:extLst>
-              <a:ext uri="{FF2B5EF4-FFF2-40B4-BE49-F238E27FC236}">
-                <a16:creationId xmlns:a16="http://schemas.microsoft.com/office/drawing/2014/main" id="{BEC43F8C-1C0A-9BE2-86BD-8BA9BA548290}"/>
-              </a:ext>
-            </a:extLst>
-          </p:cNvPr>
-          <p:cNvSpPr>
-            <a:spLocks noGrp="1"/>
-          </p:cNvSpPr>
-          <p:nvPr>
-            <p:ph type="title"/>
-          </p:nvPr>
-        </p:nvSpPr>
-        <p:spPr/>
-        <p:txBody>
-          <a:bodyPr>
-            <a:normAutofit fontScale="90000"/>
-          </a:bodyPr>
-          <a:lstStyle/>
-          <a:p>
-            <a:br>
-              <a:rPr lang="en-PK" dirty="0"/>
-            </a:br>
-            <a:r>
-              <a:rPr lang="en-PK" dirty="0"/>
-              <a:t>K-Nearest Neighbors</a:t>
-            </a:r>
-            <a:br>
-              <a:rPr lang="en-PK" dirty="0"/>
-            </a:br>
-            <a:endParaRPr lang="en-PK" dirty="0"/>
-          </a:p>
-        </p:txBody>
-      </p:sp>
-      <p:sp>
-        <p:nvSpPr>
-          <p:cNvPr id="3" name="Content Placeholder 2">
-            <a:extLst>
-              <a:ext uri="{FF2B5EF4-FFF2-40B4-BE49-F238E27FC236}">
-                <a16:creationId xmlns:a16="http://schemas.microsoft.com/office/drawing/2014/main" id="{3666AF53-8C84-786B-A880-317AB2901602}"/>
-              </a:ext>
-            </a:extLst>
-          </p:cNvPr>
-          <p:cNvSpPr>
-            <a:spLocks noGrp="1"/>
-          </p:cNvSpPr>
-          <p:nvPr>
-            <p:ph idx="1"/>
-          </p:nvPr>
-        </p:nvSpPr>
-        <p:spPr/>
-        <p:txBody>
-          <a:bodyPr/>
-          <a:lstStyle/>
-          <a:p>
-            <a:r>
-              <a:rPr lang="en-PK" dirty="0"/>
-              <a:t>KNN is better for predictors &lt;= 4</a:t>
-            </a:r>
-          </a:p>
-          <a:p>
-            <a:r>
-              <a:rPr lang="en-PK" dirty="0"/>
-              <a:t>Perform worse if greater </a:t>
-            </a:r>
-          </a:p>
-          <a:p>
-            <a:endParaRPr lang="en-PK" dirty="0"/>
-          </a:p>
-        </p:txBody>
-      </p:sp>
-      <p:sp>
-        <p:nvSpPr>
-          <p:cNvPr id="7" name="TextBox 6">
-            <a:extLst>
-              <a:ext uri="{FF2B5EF4-FFF2-40B4-BE49-F238E27FC236}">
-                <a16:creationId xmlns:a16="http://schemas.microsoft.com/office/drawing/2014/main" id="{790A0E0C-52D4-6287-17B3-CADDD7FEA464}"/>
-              </a:ext>
-            </a:extLst>
-          </p:cNvPr>
-          <p:cNvSpPr txBox="1"/>
-          <p:nvPr/>
-        </p:nvSpPr>
-        <p:spPr>
-          <a:xfrm>
-            <a:off x="3222294" y="5857360"/>
-            <a:ext cx="5747407" cy="369332"/>
-          </a:xfrm>
-          <a:prstGeom prst="rect">
-            <a:avLst/>
-          </a:prstGeom>
-          <a:noFill/>
-        </p:spPr>
-        <p:txBody>
-          <a:bodyPr wrap="none" rtlCol="0">
-            <a:spAutoFit/>
-          </a:bodyPr>
-          <a:lstStyle/>
-          <a:p>
-            <a:r>
-              <a:rPr lang="en-PK" dirty="0"/>
-              <a:t>KNN MSE (green line) against linear regression (dotted line)</a:t>
-            </a:r>
-          </a:p>
-        </p:txBody>
-      </p:sp>
-      <p:pic>
-        <p:nvPicPr>
-          <p:cNvPr id="9" name="Picture 8" descr="A graph of a number of data&#10;&#10;Description automatically generated with medium confidence">
-            <a:extLst>
-              <a:ext uri="{FF2B5EF4-FFF2-40B4-BE49-F238E27FC236}">
-                <a16:creationId xmlns:a16="http://schemas.microsoft.com/office/drawing/2014/main" id="{63B201C6-ED0D-BF28-7F2D-BAA754CDA3CB}"/>
-              </a:ext>
-            </a:extLst>
-          </p:cNvPr>
-          <p:cNvPicPr>
-            <a:picLocks noChangeAspect="1"/>
-          </p:cNvPicPr>
-          <p:nvPr/>
-        </p:nvPicPr>
-        <p:blipFill>
-          <a:blip r:embed="rId2">
-            <a:extLst>
-              <a:ext uri="{28A0092B-C50C-407E-A947-70E740481C1C}">
-                <a14:useLocalDpi xmlns:a14="http://schemas.microsoft.com/office/drawing/2010/main" val="0"/>
-              </a:ext>
-            </a:extLst>
-          </a:blip>
-          <a:stretch>
-            <a:fillRect/>
-          </a:stretch>
-        </p:blipFill>
-        <p:spPr>
-          <a:xfrm>
-            <a:off x="2199101" y="3043508"/>
-            <a:ext cx="7793791" cy="2746384"/>
-          </a:xfrm>
-          <a:prstGeom prst="rect">
-            <a:avLst/>
-          </a:prstGeom>
-        </p:spPr>
-      </p:pic>
-    </p:spTree>
-    <p:extLst>
-      <p:ext uri="{BB962C8B-B14F-4D97-AF65-F5344CB8AC3E}">
-        <p14:creationId xmlns:p14="http://schemas.microsoft.com/office/powerpoint/2010/main" val="2132575605"/>
+        <p14:creationId xmlns:p14="http://schemas.microsoft.com/office/powerpoint/2010/main" val="1344982696"/>
       </p:ext>
     </p:extLst>
   </p:cSld>
@@ -9101,7 +7865,7 @@
           <p:cNvPr id="2" name="Title 1">
             <a:extLst>
               <a:ext uri="{FF2B5EF4-FFF2-40B4-BE49-F238E27FC236}">
-                <a16:creationId xmlns:a16="http://schemas.microsoft.com/office/drawing/2014/main" id="{040EFDC9-F4F1-481A-B7D7-703DDB46733A}"/>
+                <a16:creationId xmlns:a16="http://schemas.microsoft.com/office/drawing/2014/main" id="{022EAE94-C6F6-2CC1-512D-6B0C82684BF6}"/>
               </a:ext>
             </a:extLst>
           </p:cNvPr>
@@ -9118,56 +7882,51 @@
           <a:lstStyle/>
           <a:p>
             <a:r>
-              <a:rPr lang="en-US" dirty="0"/>
-              <a:t>Other Considerations for the Model</a:t>
+              <a:rPr lang="en-PK" dirty="0"/>
+              <a:t>Banner</a:t>
             </a:r>
           </a:p>
         </p:txBody>
       </p:sp>
-      <p:sp>
-        <p:nvSpPr>
-          <p:cNvPr id="3" name="Content Placeholder 2">
-            <a:extLst>
-              <a:ext uri="{FF2B5EF4-FFF2-40B4-BE49-F238E27FC236}">
-                <a16:creationId xmlns:a16="http://schemas.microsoft.com/office/drawing/2014/main" id="{79073EA0-3F08-40E0-A7E6-062E636ACDFA}"/>
-              </a:ext>
-            </a:extLst>
-          </p:cNvPr>
-          <p:cNvSpPr>
-            <a:spLocks noGrp="1"/>
-          </p:cNvSpPr>
+      <p:pic>
+        <p:nvPicPr>
+          <p:cNvPr id="8" name="Content Placeholder 4" descr="A person standing in front of a chart&#10;&#10;Description automatically generated">
+            <a:extLst>
+              <a:ext uri="{FF2B5EF4-FFF2-40B4-BE49-F238E27FC236}">
+                <a16:creationId xmlns:a16="http://schemas.microsoft.com/office/drawing/2014/main" id="{77A34186-3AF9-A737-6C50-57C36B22D7C7}"/>
+              </a:ext>
+            </a:extLst>
+          </p:cNvPr>
+          <p:cNvPicPr>
+            <a:picLocks noGrp="1" noChangeAspect="1"/>
+          </p:cNvPicPr>
           <p:nvPr>
             <p:ph idx="1"/>
           </p:nvPr>
-        </p:nvSpPr>
-        <p:spPr/>
-        <p:txBody>
-          <a:bodyPr/>
-          <a:lstStyle/>
-          <a:p>
-            <a:r>
-              <a:rPr lang="en-US" dirty="0"/>
-              <a:t>Qualitative variables</a:t>
-            </a:r>
-          </a:p>
-          <a:p>
-            <a:r>
-              <a:rPr lang="en-US" dirty="0"/>
-              <a:t>Extension of the Linear Model</a:t>
-            </a:r>
-          </a:p>
-          <a:p>
-            <a:r>
-              <a:rPr lang="en-US" dirty="0"/>
-              <a:t>Potential problems</a:t>
-            </a:r>
-          </a:p>
-        </p:txBody>
-      </p:sp>
+        </p:nvPicPr>
+        <p:blipFill>
+          <a:blip r:embed="rId2">
+            <a:extLst>
+              <a:ext uri="{28A0092B-C50C-407E-A947-70E740481C1C}">
+                <a14:useLocalDpi xmlns:a14="http://schemas.microsoft.com/office/drawing/2010/main" val="0"/>
+              </a:ext>
+            </a:extLst>
+          </a:blip>
+          <a:stretch>
+            <a:fillRect/>
+          </a:stretch>
+        </p:blipFill>
+        <p:spPr>
+          <a:xfrm>
+            <a:off x="4369049" y="1577707"/>
+            <a:ext cx="3453901" cy="4915168"/>
+          </a:xfrm>
+        </p:spPr>
+      </p:pic>
     </p:spTree>
     <p:extLst>
       <p:ext uri="{BB962C8B-B14F-4D97-AF65-F5344CB8AC3E}">
-        <p14:creationId xmlns:p14="http://schemas.microsoft.com/office/powerpoint/2010/main" val="1104384049"/>
+        <p14:creationId xmlns:p14="http://schemas.microsoft.com/office/powerpoint/2010/main" val="470116224"/>
       </p:ext>
     </p:extLst>
   </p:cSld>
@@ -9199,7 +7958,7 @@
           <p:cNvPr id="2" name="Title 1">
             <a:extLst>
               <a:ext uri="{FF2B5EF4-FFF2-40B4-BE49-F238E27FC236}">
-                <a16:creationId xmlns:a16="http://schemas.microsoft.com/office/drawing/2014/main" id="{25FD1736-974F-8FF7-9EA6-5A5B45A66123}"/>
+                <a16:creationId xmlns:a16="http://schemas.microsoft.com/office/drawing/2014/main" id="{377F3F28-6B2A-9B15-A6AC-0D368784C70B}"/>
               </a:ext>
             </a:extLst>
           </p:cNvPr>
@@ -9217,17 +7976,17 @@
           <a:p>
             <a:r>
               <a:rPr lang="en-PK" dirty="0"/>
-              <a:t>Qualitative Predictors</a:t>
+              <a:t>Proximity</a:t>
             </a:r>
           </a:p>
         </p:txBody>
       </p:sp>
       <p:sp>
         <p:nvSpPr>
-          <p:cNvPr id="3" name="Content Placeholder 2">
-            <a:extLst>
-              <a:ext uri="{FF2B5EF4-FFF2-40B4-BE49-F238E27FC236}">
-                <a16:creationId xmlns:a16="http://schemas.microsoft.com/office/drawing/2014/main" id="{5495F3E1-A1C7-E06D-5C12-EF6969B046C3}"/>
+          <p:cNvPr id="6" name="Content Placeholder 5">
+            <a:extLst>
+              <a:ext uri="{FF2B5EF4-FFF2-40B4-BE49-F238E27FC236}">
+                <a16:creationId xmlns:a16="http://schemas.microsoft.com/office/drawing/2014/main" id="{13CA7D29-D18F-151E-6898-76EC6BC794C1}"/>
               </a:ext>
             </a:extLst>
           </p:cNvPr>
@@ -9245,1302 +8004,51 @@
           <a:p>
             <a:r>
               <a:rPr lang="en-PK" dirty="0"/>
-              <a:t>Predictors with two levels</a:t>
-            </a:r>
-          </a:p>
-          <a:p>
-            <a:pPr lvl="1"/>
-            <a:r>
-              <a:rPr lang="en-PK" dirty="0"/>
-              <a:t>Gender (male/female), employed (yes/no), etc.</a:t>
-            </a:r>
-          </a:p>
-          <a:p>
-            <a:pPr marL="457200" lvl="1" indent="0">
-              <a:buNone/>
-            </a:pPr>
-            <a:endParaRPr lang="en-PK" dirty="0"/>
-          </a:p>
-          <a:p>
-            <a:r>
-              <a:rPr lang="en-PK" dirty="0"/>
-              <a:t>Predictors with more than two levels</a:t>
-            </a:r>
-          </a:p>
-          <a:p>
-            <a:pPr lvl="1"/>
-            <a:r>
-              <a:rPr lang="en-PK" dirty="0"/>
-              <a:t>Operating system (</a:t>
-            </a:r>
-            <a:r>
-              <a:rPr lang="en-GB" dirty="0"/>
-              <a:t>Windows</a:t>
-            </a:r>
-            <a:r>
-              <a:rPr lang="en-PK" dirty="0"/>
-              <a:t>/Mac/L</a:t>
-            </a:r>
-            <a:r>
-              <a:rPr lang="en-GB" dirty="0" err="1"/>
-              <a:t>inux</a:t>
-            </a:r>
-            <a:r>
-              <a:rPr lang="en-PK" dirty="0"/>
-              <a:t>), Geographic region (east /west/south/north), etc.</a:t>
-            </a:r>
-          </a:p>
-          <a:p>
-            <a:endParaRPr lang="en-PK" dirty="0"/>
+              <a:t>Grouping related elements</a:t>
+            </a:r>
           </a:p>
         </p:txBody>
       </p:sp>
-      <p:graphicFrame>
-        <p:nvGraphicFramePr>
-          <p:cNvPr id="12" name="Table 11">
-            <a:extLst>
-              <a:ext uri="{FF2B5EF4-FFF2-40B4-BE49-F238E27FC236}">
-                <a16:creationId xmlns:a16="http://schemas.microsoft.com/office/drawing/2014/main" id="{E74B942A-5C5E-0CAE-CD3D-0A4F08C12DE5}"/>
-              </a:ext>
-            </a:extLst>
-          </p:cNvPr>
-          <p:cNvGraphicFramePr>
-            <a:graphicFrameLocks noGrp="1"/>
-          </p:cNvGraphicFramePr>
-          <p:nvPr>
-            <p:extLst>
-              <p:ext uri="{D42A27DB-BD31-4B8C-83A1-F6EECF244321}">
-                <p14:modId xmlns:p14="http://schemas.microsoft.com/office/powerpoint/2010/main" val="2606921770"/>
-              </p:ext>
-            </p:extLst>
-          </p:nvPr>
-        </p:nvGraphicFramePr>
-        <p:xfrm>
-          <a:off x="3324252" y="4351625"/>
-          <a:ext cx="5543495" cy="1825338"/>
-        </p:xfrm>
-        <a:graphic>
-          <a:graphicData uri="http://schemas.openxmlformats.org/drawingml/2006/table">
-            <a:tbl>
-              <a:tblPr firstRow="1" bandRow="1">
-                <a:tableStyleId>{5A111915-BE36-4E01-A7E5-04B1672EAD32}</a:tableStyleId>
-              </a:tblPr>
-              <a:tblGrid>
-                <a:gridCol w="841996">
-                  <a:extLst>
-                    <a:ext uri="{9D8B030D-6E8A-4147-A177-3AD203B41FA5}">
-                      <a16:colId xmlns:a16="http://schemas.microsoft.com/office/drawing/2014/main" val="603128276"/>
-                    </a:ext>
-                  </a:extLst>
-                </a:gridCol>
-                <a:gridCol w="1333515">
-                  <a:extLst>
-                    <a:ext uri="{9D8B030D-6E8A-4147-A177-3AD203B41FA5}">
-                      <a16:colId xmlns:a16="http://schemas.microsoft.com/office/drawing/2014/main" val="4151879137"/>
-                    </a:ext>
-                  </a:extLst>
-                </a:gridCol>
-                <a:gridCol w="841996">
-                  <a:extLst>
-                    <a:ext uri="{9D8B030D-6E8A-4147-A177-3AD203B41FA5}">
-                      <a16:colId xmlns:a16="http://schemas.microsoft.com/office/drawing/2014/main" val="3891869594"/>
-                    </a:ext>
-                  </a:extLst>
-                </a:gridCol>
-                <a:gridCol w="841996">
-                  <a:extLst>
-                    <a:ext uri="{9D8B030D-6E8A-4147-A177-3AD203B41FA5}">
-                      <a16:colId xmlns:a16="http://schemas.microsoft.com/office/drawing/2014/main" val="3648485641"/>
-                    </a:ext>
-                  </a:extLst>
-                </a:gridCol>
-                <a:gridCol w="841996">
-                  <a:extLst>
-                    <a:ext uri="{9D8B030D-6E8A-4147-A177-3AD203B41FA5}">
-                      <a16:colId xmlns:a16="http://schemas.microsoft.com/office/drawing/2014/main" val="1536855079"/>
-                    </a:ext>
-                  </a:extLst>
-                </a:gridCol>
-                <a:gridCol w="841996">
-                  <a:extLst>
-                    <a:ext uri="{9D8B030D-6E8A-4147-A177-3AD203B41FA5}">
-                      <a16:colId xmlns:a16="http://schemas.microsoft.com/office/drawing/2014/main" val="1308750845"/>
-                    </a:ext>
-                  </a:extLst>
-                </a:gridCol>
-              </a:tblGrid>
-              <a:tr h="341978">
-                <a:tc>
-                  <a:txBody>
-                    <a:bodyPr/>
-                    <a:lstStyle/>
-                    <a:p>
-                      <a:pPr algn="l" fontAlgn="b">
-                        <a:spcBef>
-                          <a:spcPts val="0"/>
-                        </a:spcBef>
-                        <a:spcAft>
-                          <a:spcPts val="0"/>
-                        </a:spcAft>
-                      </a:pPr>
-                      <a:r>
-                        <a:rPr lang="en-GB" sz="1300" b="1" u="none" strike="noStrike" dirty="0">
-                          <a:solidFill>
-                            <a:schemeClr val="bg1"/>
-                          </a:solidFill>
-                          <a:effectLst/>
-                        </a:rPr>
-                        <a:t>Person ID</a:t>
-                      </a:r>
-                      <a:endParaRPr lang="en-GB" sz="1300" b="0" i="0" u="none" strike="noStrike" dirty="0">
-                        <a:solidFill>
-                          <a:schemeClr val="bg1"/>
-                        </a:solidFill>
-                        <a:effectLst/>
-                        <a:latin typeface="Arial" panose="020B0604020202020204" pitchFamily="34" charset="0"/>
-                      </a:endParaRPr>
-                    </a:p>
-                  </a:txBody>
-                  <a:tcPr marL="67889" marR="67889" marT="33944" marB="33944" anchor="b"/>
-                </a:tc>
-                <a:tc>
-                  <a:txBody>
-                    <a:bodyPr/>
-                    <a:lstStyle/>
-                    <a:p>
-                      <a:pPr algn="l" fontAlgn="b">
-                        <a:spcBef>
-                          <a:spcPts val="0"/>
-                        </a:spcBef>
-                        <a:spcAft>
-                          <a:spcPts val="0"/>
-                        </a:spcAft>
-                      </a:pPr>
-                      <a:r>
-                        <a:rPr lang="en-GB" sz="1300" b="1" u="none" strike="noStrike" dirty="0">
-                          <a:solidFill>
-                            <a:schemeClr val="bg1"/>
-                          </a:solidFill>
-                          <a:effectLst/>
-                        </a:rPr>
-                        <a:t>Region (Original)</a:t>
-                      </a:r>
-                      <a:endParaRPr lang="en-GB" sz="1300" b="0" i="0" u="none" strike="noStrike" dirty="0">
-                        <a:solidFill>
-                          <a:schemeClr val="bg1"/>
-                        </a:solidFill>
-                        <a:effectLst/>
-                        <a:latin typeface="Arial" panose="020B0604020202020204" pitchFamily="34" charset="0"/>
-                      </a:endParaRPr>
-                    </a:p>
-                  </a:txBody>
-                  <a:tcPr marL="67889" marR="67889" marT="33944" marB="33944" anchor="b"/>
-                </a:tc>
-                <a:tc>
-                  <a:txBody>
-                    <a:bodyPr/>
-                    <a:lstStyle/>
-                    <a:p>
-                      <a:pPr algn="l" fontAlgn="b">
-                        <a:spcBef>
-                          <a:spcPts val="0"/>
-                        </a:spcBef>
-                        <a:spcAft>
-                          <a:spcPts val="0"/>
-                        </a:spcAft>
-                      </a:pPr>
-                      <a:r>
-                        <a:rPr lang="en-GB" sz="1300" b="1" u="none" strike="noStrike" dirty="0">
-                          <a:solidFill>
-                            <a:schemeClr val="bg1"/>
-                          </a:solidFill>
-                          <a:effectLst/>
-                        </a:rPr>
-                        <a:t>North</a:t>
-                      </a:r>
-                      <a:endParaRPr lang="en-GB" sz="1300" b="0" i="0" u="none" strike="noStrike" dirty="0">
-                        <a:solidFill>
-                          <a:schemeClr val="bg1"/>
-                        </a:solidFill>
-                        <a:effectLst/>
-                        <a:latin typeface="Arial" panose="020B0604020202020204" pitchFamily="34" charset="0"/>
-                      </a:endParaRPr>
-                    </a:p>
-                  </a:txBody>
-                  <a:tcPr marL="67889" marR="67889" marT="33944" marB="33944" anchor="b"/>
-                </a:tc>
-                <a:tc>
-                  <a:txBody>
-                    <a:bodyPr/>
-                    <a:lstStyle/>
-                    <a:p>
-                      <a:pPr algn="l" fontAlgn="b">
-                        <a:spcBef>
-                          <a:spcPts val="0"/>
-                        </a:spcBef>
-                        <a:spcAft>
-                          <a:spcPts val="0"/>
-                        </a:spcAft>
-                      </a:pPr>
-                      <a:r>
-                        <a:rPr lang="en-GB" sz="1300" b="1" u="none" strike="noStrike">
-                          <a:solidFill>
-                            <a:schemeClr val="bg1"/>
-                          </a:solidFill>
-                          <a:effectLst/>
-                        </a:rPr>
-                        <a:t>South</a:t>
-                      </a:r>
-                      <a:endParaRPr lang="en-GB" sz="1300" b="0" i="0" u="none" strike="noStrike">
-                        <a:solidFill>
-                          <a:schemeClr val="bg1"/>
-                        </a:solidFill>
-                        <a:effectLst/>
-                        <a:latin typeface="Arial" panose="020B0604020202020204" pitchFamily="34" charset="0"/>
-                      </a:endParaRPr>
-                    </a:p>
-                  </a:txBody>
-                  <a:tcPr marL="67889" marR="67889" marT="33944" marB="33944" anchor="b"/>
-                </a:tc>
-                <a:tc>
-                  <a:txBody>
-                    <a:bodyPr/>
-                    <a:lstStyle/>
-                    <a:p>
-                      <a:pPr algn="l" fontAlgn="b">
-                        <a:spcBef>
-                          <a:spcPts val="0"/>
-                        </a:spcBef>
-                        <a:spcAft>
-                          <a:spcPts val="0"/>
-                        </a:spcAft>
-                      </a:pPr>
-                      <a:r>
-                        <a:rPr lang="en-GB" sz="1300" b="1" u="none" strike="noStrike">
-                          <a:solidFill>
-                            <a:schemeClr val="bg1"/>
-                          </a:solidFill>
-                          <a:effectLst/>
-                        </a:rPr>
-                        <a:t>East</a:t>
-                      </a:r>
-                      <a:endParaRPr lang="en-GB" sz="1300" b="0" i="0" u="none" strike="noStrike">
-                        <a:solidFill>
-                          <a:schemeClr val="bg1"/>
-                        </a:solidFill>
-                        <a:effectLst/>
-                        <a:latin typeface="Arial" panose="020B0604020202020204" pitchFamily="34" charset="0"/>
-                      </a:endParaRPr>
-                    </a:p>
-                  </a:txBody>
-                  <a:tcPr marL="67889" marR="67889" marT="33944" marB="33944" anchor="b"/>
-                </a:tc>
-                <a:tc>
-                  <a:txBody>
-                    <a:bodyPr/>
-                    <a:lstStyle/>
-                    <a:p>
-                      <a:pPr algn="l" fontAlgn="b">
-                        <a:spcBef>
-                          <a:spcPts val="0"/>
-                        </a:spcBef>
-                        <a:spcAft>
-                          <a:spcPts val="0"/>
-                        </a:spcAft>
-                      </a:pPr>
-                      <a:r>
-                        <a:rPr lang="en-GB" sz="1300" b="1" u="none" strike="noStrike" dirty="0">
-                          <a:solidFill>
-                            <a:schemeClr val="bg1"/>
-                          </a:solidFill>
-                          <a:effectLst/>
-                        </a:rPr>
-                        <a:t>West</a:t>
-                      </a:r>
-                      <a:endParaRPr lang="en-GB" sz="1300" b="0" i="0" u="none" strike="noStrike" dirty="0">
-                        <a:solidFill>
-                          <a:schemeClr val="bg1"/>
-                        </a:solidFill>
-                        <a:effectLst/>
-                        <a:latin typeface="Arial" panose="020B0604020202020204" pitchFamily="34" charset="0"/>
-                      </a:endParaRPr>
-                    </a:p>
-                  </a:txBody>
-                  <a:tcPr marL="67889" marR="67889" marT="33944" marB="33944" anchor="b"/>
-                </a:tc>
-                <a:extLst>
-                  <a:ext uri="{0D108BD9-81ED-4DB2-BD59-A6C34878D82A}">
-                    <a16:rowId xmlns:a16="http://schemas.microsoft.com/office/drawing/2014/main" val="2013071214"/>
-                  </a:ext>
-                </a:extLst>
-              </a:tr>
-              <a:tr h="370840">
-                <a:tc>
-                  <a:txBody>
-                    <a:bodyPr/>
-                    <a:lstStyle/>
-                    <a:p>
-                      <a:pPr algn="l" fontAlgn="base">
-                        <a:spcBef>
-                          <a:spcPts val="0"/>
-                        </a:spcBef>
-                        <a:spcAft>
-                          <a:spcPts val="0"/>
-                        </a:spcAft>
-                      </a:pPr>
-                      <a:r>
-                        <a:rPr lang="en-PK" sz="1300" b="0" u="none" strike="noStrike">
-                          <a:solidFill>
-                            <a:schemeClr val="bg1">
-                              <a:lumMod val="10000"/>
-                            </a:schemeClr>
-                          </a:solidFill>
-                          <a:effectLst/>
-                        </a:rPr>
-                        <a:t>1</a:t>
-                      </a:r>
-                      <a:endParaRPr lang="en-PK" sz="1300" b="0" i="0" u="none" strike="noStrike">
-                        <a:solidFill>
-                          <a:schemeClr val="bg1">
-                            <a:lumMod val="10000"/>
-                          </a:schemeClr>
-                        </a:solidFill>
-                        <a:effectLst/>
-                        <a:latin typeface="Arial" panose="020B0604020202020204" pitchFamily="34" charset="0"/>
-                      </a:endParaRPr>
-                    </a:p>
-                  </a:txBody>
-                  <a:tcPr marL="67889" marR="67889" marT="33944" marB="33944" anchor="ctr"/>
-                </a:tc>
-                <a:tc>
-                  <a:txBody>
-                    <a:bodyPr/>
-                    <a:lstStyle/>
-                    <a:p>
-                      <a:pPr algn="l" fontAlgn="base">
-                        <a:spcBef>
-                          <a:spcPts val="0"/>
-                        </a:spcBef>
-                        <a:spcAft>
-                          <a:spcPts val="0"/>
-                        </a:spcAft>
-                      </a:pPr>
-                      <a:r>
-                        <a:rPr lang="en-GB" sz="1300" b="0" u="none" strike="noStrike" dirty="0">
-                          <a:solidFill>
-                            <a:schemeClr val="bg1">
-                              <a:lumMod val="10000"/>
-                            </a:schemeClr>
-                          </a:solidFill>
-                          <a:effectLst/>
-                        </a:rPr>
-                        <a:t>North</a:t>
-                      </a:r>
-                      <a:endParaRPr lang="en-GB" sz="1300" b="0" i="0" u="none" strike="noStrike" dirty="0">
-                        <a:solidFill>
-                          <a:schemeClr val="bg1">
-                            <a:lumMod val="10000"/>
-                          </a:schemeClr>
-                        </a:solidFill>
-                        <a:effectLst/>
-                        <a:latin typeface="Arial" panose="020B0604020202020204" pitchFamily="34" charset="0"/>
-                      </a:endParaRPr>
-                    </a:p>
-                  </a:txBody>
-                  <a:tcPr marL="67889" marR="67889" marT="33944" marB="33944" anchor="ctr"/>
-                </a:tc>
-                <a:tc>
-                  <a:txBody>
-                    <a:bodyPr/>
-                    <a:lstStyle/>
-                    <a:p>
-                      <a:pPr algn="l" fontAlgn="base">
-                        <a:spcBef>
-                          <a:spcPts val="0"/>
-                        </a:spcBef>
-                        <a:spcAft>
-                          <a:spcPts val="0"/>
-                        </a:spcAft>
-                      </a:pPr>
-                      <a:r>
-                        <a:rPr lang="en-PK" sz="1300" b="0" u="none" strike="noStrike" dirty="0">
-                          <a:solidFill>
-                            <a:schemeClr val="bg1">
-                              <a:lumMod val="10000"/>
-                            </a:schemeClr>
-                          </a:solidFill>
-                          <a:effectLst/>
-                        </a:rPr>
-                        <a:t>1</a:t>
-                      </a:r>
-                      <a:endParaRPr lang="en-PK" sz="1300" b="0" i="0" u="none" strike="noStrike" dirty="0">
-                        <a:solidFill>
-                          <a:schemeClr val="bg1">
-                            <a:lumMod val="10000"/>
-                          </a:schemeClr>
-                        </a:solidFill>
-                        <a:effectLst/>
-                        <a:latin typeface="Arial" panose="020B0604020202020204" pitchFamily="34" charset="0"/>
-                      </a:endParaRPr>
-                    </a:p>
-                  </a:txBody>
-                  <a:tcPr marL="67889" marR="67889" marT="33944" marB="33944" anchor="ctr"/>
-                </a:tc>
-                <a:tc>
-                  <a:txBody>
-                    <a:bodyPr/>
-                    <a:lstStyle/>
-                    <a:p>
-                      <a:pPr algn="l" fontAlgn="base">
-                        <a:spcBef>
-                          <a:spcPts val="0"/>
-                        </a:spcBef>
-                        <a:spcAft>
-                          <a:spcPts val="0"/>
-                        </a:spcAft>
-                      </a:pPr>
-                      <a:r>
-                        <a:rPr lang="en-PK" sz="1300" b="0" u="none" strike="noStrike" dirty="0">
-                          <a:solidFill>
-                            <a:schemeClr val="bg1">
-                              <a:lumMod val="10000"/>
-                            </a:schemeClr>
-                          </a:solidFill>
-                          <a:effectLst/>
-                        </a:rPr>
-                        <a:t>0</a:t>
-                      </a:r>
-                      <a:endParaRPr lang="en-PK" sz="1300" b="0" i="0" u="none" strike="noStrike" dirty="0">
-                        <a:solidFill>
-                          <a:schemeClr val="bg1">
-                            <a:lumMod val="10000"/>
-                          </a:schemeClr>
-                        </a:solidFill>
-                        <a:effectLst/>
-                        <a:latin typeface="Arial" panose="020B0604020202020204" pitchFamily="34" charset="0"/>
-                      </a:endParaRPr>
-                    </a:p>
-                  </a:txBody>
-                  <a:tcPr marL="67889" marR="67889" marT="33944" marB="33944" anchor="ctr"/>
-                </a:tc>
-                <a:tc>
-                  <a:txBody>
-                    <a:bodyPr/>
-                    <a:lstStyle/>
-                    <a:p>
-                      <a:pPr algn="l" fontAlgn="base">
-                        <a:spcBef>
-                          <a:spcPts val="0"/>
-                        </a:spcBef>
-                        <a:spcAft>
-                          <a:spcPts val="0"/>
-                        </a:spcAft>
-                      </a:pPr>
-                      <a:r>
-                        <a:rPr lang="en-PK" sz="1300" b="0" u="none" strike="noStrike">
-                          <a:solidFill>
-                            <a:schemeClr val="bg1">
-                              <a:lumMod val="10000"/>
-                            </a:schemeClr>
-                          </a:solidFill>
-                          <a:effectLst/>
-                        </a:rPr>
-                        <a:t>0</a:t>
-                      </a:r>
-                      <a:endParaRPr lang="en-PK" sz="1300" b="0" i="0" u="none" strike="noStrike">
-                        <a:solidFill>
-                          <a:schemeClr val="bg1">
-                            <a:lumMod val="10000"/>
-                          </a:schemeClr>
-                        </a:solidFill>
-                        <a:effectLst/>
-                        <a:latin typeface="Arial" panose="020B0604020202020204" pitchFamily="34" charset="0"/>
-                      </a:endParaRPr>
-                    </a:p>
-                  </a:txBody>
-                  <a:tcPr marL="67889" marR="67889" marT="33944" marB="33944" anchor="ctr"/>
-                </a:tc>
-                <a:tc>
-                  <a:txBody>
-                    <a:bodyPr/>
-                    <a:lstStyle/>
-                    <a:p>
-                      <a:pPr algn="l" fontAlgn="base">
-                        <a:spcBef>
-                          <a:spcPts val="0"/>
-                        </a:spcBef>
-                        <a:spcAft>
-                          <a:spcPts val="0"/>
-                        </a:spcAft>
-                      </a:pPr>
-                      <a:r>
-                        <a:rPr lang="en-PK" sz="1300" b="0" u="none" strike="noStrike" dirty="0">
-                          <a:solidFill>
-                            <a:schemeClr val="bg1">
-                              <a:lumMod val="10000"/>
-                            </a:schemeClr>
-                          </a:solidFill>
-                          <a:effectLst/>
-                        </a:rPr>
-                        <a:t>0</a:t>
-                      </a:r>
-                      <a:endParaRPr lang="en-PK" sz="1300" b="0" i="0" u="none" strike="noStrike" dirty="0">
-                        <a:solidFill>
-                          <a:schemeClr val="bg1">
-                            <a:lumMod val="10000"/>
-                          </a:schemeClr>
-                        </a:solidFill>
-                        <a:effectLst/>
-                        <a:latin typeface="Arial" panose="020B0604020202020204" pitchFamily="34" charset="0"/>
-                      </a:endParaRPr>
-                    </a:p>
-                  </a:txBody>
-                  <a:tcPr marL="67889" marR="67889" marT="33944" marB="33944" anchor="ctr"/>
-                </a:tc>
-                <a:extLst>
-                  <a:ext uri="{0D108BD9-81ED-4DB2-BD59-A6C34878D82A}">
-                    <a16:rowId xmlns:a16="http://schemas.microsoft.com/office/drawing/2014/main" val="3212948010"/>
-                  </a:ext>
-                </a:extLst>
-              </a:tr>
-              <a:tr h="370840">
-                <a:tc>
-                  <a:txBody>
-                    <a:bodyPr/>
-                    <a:lstStyle/>
-                    <a:p>
-                      <a:pPr algn="l" fontAlgn="base">
-                        <a:spcBef>
-                          <a:spcPts val="0"/>
-                        </a:spcBef>
-                        <a:spcAft>
-                          <a:spcPts val="0"/>
-                        </a:spcAft>
-                      </a:pPr>
-                      <a:r>
-                        <a:rPr lang="en-PK" sz="1300" b="0" u="none" strike="noStrike">
-                          <a:solidFill>
-                            <a:schemeClr val="bg1">
-                              <a:lumMod val="10000"/>
-                            </a:schemeClr>
-                          </a:solidFill>
-                          <a:effectLst/>
-                        </a:rPr>
-                        <a:t>2</a:t>
-                      </a:r>
-                      <a:endParaRPr lang="en-PK" sz="1300" b="0" i="0" u="none" strike="noStrike">
-                        <a:solidFill>
-                          <a:schemeClr val="bg1">
-                            <a:lumMod val="10000"/>
-                          </a:schemeClr>
-                        </a:solidFill>
-                        <a:effectLst/>
-                        <a:latin typeface="Arial" panose="020B0604020202020204" pitchFamily="34" charset="0"/>
-                      </a:endParaRPr>
-                    </a:p>
-                  </a:txBody>
-                  <a:tcPr marL="67889" marR="67889" marT="33944" marB="33944" anchor="ctr"/>
-                </a:tc>
-                <a:tc>
-                  <a:txBody>
-                    <a:bodyPr/>
-                    <a:lstStyle/>
-                    <a:p>
-                      <a:pPr algn="l" fontAlgn="base">
-                        <a:spcBef>
-                          <a:spcPts val="0"/>
-                        </a:spcBef>
-                        <a:spcAft>
-                          <a:spcPts val="0"/>
-                        </a:spcAft>
-                      </a:pPr>
-                      <a:r>
-                        <a:rPr lang="en-GB" sz="1300" b="0" u="none" strike="noStrike">
-                          <a:solidFill>
-                            <a:schemeClr val="bg1">
-                              <a:lumMod val="10000"/>
-                            </a:schemeClr>
-                          </a:solidFill>
-                          <a:effectLst/>
-                        </a:rPr>
-                        <a:t>South</a:t>
-                      </a:r>
-                      <a:endParaRPr lang="en-GB" sz="1300" b="0" i="0" u="none" strike="noStrike">
-                        <a:solidFill>
-                          <a:schemeClr val="bg1">
-                            <a:lumMod val="10000"/>
-                          </a:schemeClr>
-                        </a:solidFill>
-                        <a:effectLst/>
-                        <a:latin typeface="Arial" panose="020B0604020202020204" pitchFamily="34" charset="0"/>
-                      </a:endParaRPr>
-                    </a:p>
-                  </a:txBody>
-                  <a:tcPr marL="67889" marR="67889" marT="33944" marB="33944" anchor="ctr"/>
-                </a:tc>
-                <a:tc>
-                  <a:txBody>
-                    <a:bodyPr/>
-                    <a:lstStyle/>
-                    <a:p>
-                      <a:pPr algn="l" fontAlgn="base">
-                        <a:spcBef>
-                          <a:spcPts val="0"/>
-                        </a:spcBef>
-                        <a:spcAft>
-                          <a:spcPts val="0"/>
-                        </a:spcAft>
-                      </a:pPr>
-                      <a:r>
-                        <a:rPr lang="en-PK" sz="1300" b="0" u="none" strike="noStrike">
-                          <a:solidFill>
-                            <a:schemeClr val="bg1">
-                              <a:lumMod val="10000"/>
-                            </a:schemeClr>
-                          </a:solidFill>
-                          <a:effectLst/>
-                        </a:rPr>
-                        <a:t>0</a:t>
-                      </a:r>
-                      <a:endParaRPr lang="en-PK" sz="1300" b="0" i="0" u="none" strike="noStrike">
-                        <a:solidFill>
-                          <a:schemeClr val="bg1">
-                            <a:lumMod val="10000"/>
-                          </a:schemeClr>
-                        </a:solidFill>
-                        <a:effectLst/>
-                        <a:latin typeface="Arial" panose="020B0604020202020204" pitchFamily="34" charset="0"/>
-                      </a:endParaRPr>
-                    </a:p>
-                  </a:txBody>
-                  <a:tcPr marL="67889" marR="67889" marT="33944" marB="33944" anchor="ctr"/>
-                </a:tc>
-                <a:tc>
-                  <a:txBody>
-                    <a:bodyPr/>
-                    <a:lstStyle/>
-                    <a:p>
-                      <a:pPr algn="l" fontAlgn="base">
-                        <a:spcBef>
-                          <a:spcPts val="0"/>
-                        </a:spcBef>
-                        <a:spcAft>
-                          <a:spcPts val="0"/>
-                        </a:spcAft>
-                      </a:pPr>
-                      <a:r>
-                        <a:rPr lang="en-PK" sz="1300" b="0" u="none" strike="noStrike" dirty="0">
-                          <a:solidFill>
-                            <a:schemeClr val="bg1">
-                              <a:lumMod val="10000"/>
-                            </a:schemeClr>
-                          </a:solidFill>
-                          <a:effectLst/>
-                        </a:rPr>
-                        <a:t>1</a:t>
-                      </a:r>
-                      <a:endParaRPr lang="en-PK" sz="1300" b="0" i="0" u="none" strike="noStrike" dirty="0">
-                        <a:solidFill>
-                          <a:schemeClr val="bg1">
-                            <a:lumMod val="10000"/>
-                          </a:schemeClr>
-                        </a:solidFill>
-                        <a:effectLst/>
-                        <a:latin typeface="Arial" panose="020B0604020202020204" pitchFamily="34" charset="0"/>
-                      </a:endParaRPr>
-                    </a:p>
-                  </a:txBody>
-                  <a:tcPr marL="67889" marR="67889" marT="33944" marB="33944" anchor="ctr"/>
-                </a:tc>
-                <a:tc>
-                  <a:txBody>
-                    <a:bodyPr/>
-                    <a:lstStyle/>
-                    <a:p>
-                      <a:pPr algn="l" fontAlgn="base">
-                        <a:spcBef>
-                          <a:spcPts val="0"/>
-                        </a:spcBef>
-                        <a:spcAft>
-                          <a:spcPts val="0"/>
-                        </a:spcAft>
-                      </a:pPr>
-                      <a:r>
-                        <a:rPr lang="en-PK" sz="1300" b="0" u="none" strike="noStrike">
-                          <a:solidFill>
-                            <a:schemeClr val="bg1">
-                              <a:lumMod val="10000"/>
-                            </a:schemeClr>
-                          </a:solidFill>
-                          <a:effectLst/>
-                        </a:rPr>
-                        <a:t>0</a:t>
-                      </a:r>
-                      <a:endParaRPr lang="en-PK" sz="1300" b="0" i="0" u="none" strike="noStrike">
-                        <a:solidFill>
-                          <a:schemeClr val="bg1">
-                            <a:lumMod val="10000"/>
-                          </a:schemeClr>
-                        </a:solidFill>
-                        <a:effectLst/>
-                        <a:latin typeface="Arial" panose="020B0604020202020204" pitchFamily="34" charset="0"/>
-                      </a:endParaRPr>
-                    </a:p>
-                  </a:txBody>
-                  <a:tcPr marL="67889" marR="67889" marT="33944" marB="33944" anchor="ctr"/>
-                </a:tc>
-                <a:tc>
-                  <a:txBody>
-                    <a:bodyPr/>
-                    <a:lstStyle/>
-                    <a:p>
-                      <a:pPr algn="l" fontAlgn="base">
-                        <a:spcBef>
-                          <a:spcPts val="0"/>
-                        </a:spcBef>
-                        <a:spcAft>
-                          <a:spcPts val="0"/>
-                        </a:spcAft>
-                      </a:pPr>
-                      <a:r>
-                        <a:rPr lang="en-PK" sz="1300" b="0" u="none" strike="noStrike">
-                          <a:solidFill>
-                            <a:schemeClr val="bg1">
-                              <a:lumMod val="10000"/>
-                            </a:schemeClr>
-                          </a:solidFill>
-                          <a:effectLst/>
-                        </a:rPr>
-                        <a:t>0</a:t>
-                      </a:r>
-                      <a:endParaRPr lang="en-PK" sz="1300" b="0" i="0" u="none" strike="noStrike">
-                        <a:solidFill>
-                          <a:schemeClr val="bg1">
-                            <a:lumMod val="10000"/>
-                          </a:schemeClr>
-                        </a:solidFill>
-                        <a:effectLst/>
-                        <a:latin typeface="Arial" panose="020B0604020202020204" pitchFamily="34" charset="0"/>
-                      </a:endParaRPr>
-                    </a:p>
-                  </a:txBody>
-                  <a:tcPr marL="67889" marR="67889" marT="33944" marB="33944" anchor="ctr"/>
-                </a:tc>
-                <a:extLst>
-                  <a:ext uri="{0D108BD9-81ED-4DB2-BD59-A6C34878D82A}">
-                    <a16:rowId xmlns:a16="http://schemas.microsoft.com/office/drawing/2014/main" val="160839639"/>
-                  </a:ext>
-                </a:extLst>
-              </a:tr>
-              <a:tr h="370840">
-                <a:tc>
-                  <a:txBody>
-                    <a:bodyPr/>
-                    <a:lstStyle/>
-                    <a:p>
-                      <a:pPr algn="l" fontAlgn="base">
-                        <a:spcBef>
-                          <a:spcPts val="0"/>
-                        </a:spcBef>
-                        <a:spcAft>
-                          <a:spcPts val="0"/>
-                        </a:spcAft>
-                      </a:pPr>
-                      <a:r>
-                        <a:rPr lang="en-PK" sz="1300" b="0" u="none" strike="noStrike">
-                          <a:solidFill>
-                            <a:schemeClr val="bg1">
-                              <a:lumMod val="10000"/>
-                            </a:schemeClr>
-                          </a:solidFill>
-                          <a:effectLst/>
-                        </a:rPr>
-                        <a:t>3</a:t>
-                      </a:r>
-                      <a:endParaRPr lang="en-PK" sz="1300" b="0" i="0" u="none" strike="noStrike">
-                        <a:solidFill>
-                          <a:schemeClr val="bg1">
-                            <a:lumMod val="10000"/>
-                          </a:schemeClr>
-                        </a:solidFill>
-                        <a:effectLst/>
-                        <a:latin typeface="Arial" panose="020B0604020202020204" pitchFamily="34" charset="0"/>
-                      </a:endParaRPr>
-                    </a:p>
-                  </a:txBody>
-                  <a:tcPr marL="67889" marR="67889" marT="33944" marB="33944" anchor="ctr"/>
-                </a:tc>
-                <a:tc>
-                  <a:txBody>
-                    <a:bodyPr/>
-                    <a:lstStyle/>
-                    <a:p>
-                      <a:pPr algn="l" fontAlgn="base">
-                        <a:spcBef>
-                          <a:spcPts val="0"/>
-                        </a:spcBef>
-                        <a:spcAft>
-                          <a:spcPts val="0"/>
-                        </a:spcAft>
-                      </a:pPr>
-                      <a:r>
-                        <a:rPr lang="en-GB" sz="1300" b="0" u="none" strike="noStrike" dirty="0">
-                          <a:solidFill>
-                            <a:schemeClr val="bg1">
-                              <a:lumMod val="10000"/>
-                            </a:schemeClr>
-                          </a:solidFill>
-                          <a:effectLst/>
-                        </a:rPr>
-                        <a:t>East</a:t>
-                      </a:r>
-                      <a:endParaRPr lang="en-GB" sz="1300" b="0" i="0" u="none" strike="noStrike" dirty="0">
-                        <a:solidFill>
-                          <a:schemeClr val="bg1">
-                            <a:lumMod val="10000"/>
-                          </a:schemeClr>
-                        </a:solidFill>
-                        <a:effectLst/>
-                        <a:latin typeface="Arial" panose="020B0604020202020204" pitchFamily="34" charset="0"/>
-                      </a:endParaRPr>
-                    </a:p>
-                  </a:txBody>
-                  <a:tcPr marL="67889" marR="67889" marT="33944" marB="33944" anchor="ctr"/>
-                </a:tc>
-                <a:tc>
-                  <a:txBody>
-                    <a:bodyPr/>
-                    <a:lstStyle/>
-                    <a:p>
-                      <a:pPr algn="l" fontAlgn="base">
-                        <a:spcBef>
-                          <a:spcPts val="0"/>
-                        </a:spcBef>
-                        <a:spcAft>
-                          <a:spcPts val="0"/>
-                        </a:spcAft>
-                      </a:pPr>
-                      <a:r>
-                        <a:rPr lang="en-PK" sz="1300" b="0" u="none" strike="noStrike">
-                          <a:solidFill>
-                            <a:schemeClr val="bg1">
-                              <a:lumMod val="10000"/>
-                            </a:schemeClr>
-                          </a:solidFill>
-                          <a:effectLst/>
-                        </a:rPr>
-                        <a:t>0</a:t>
-                      </a:r>
-                      <a:endParaRPr lang="en-PK" sz="1300" b="0" i="0" u="none" strike="noStrike">
-                        <a:solidFill>
-                          <a:schemeClr val="bg1">
-                            <a:lumMod val="10000"/>
-                          </a:schemeClr>
-                        </a:solidFill>
-                        <a:effectLst/>
-                        <a:latin typeface="Arial" panose="020B0604020202020204" pitchFamily="34" charset="0"/>
-                      </a:endParaRPr>
-                    </a:p>
-                  </a:txBody>
-                  <a:tcPr marL="67889" marR="67889" marT="33944" marB="33944" anchor="ctr"/>
-                </a:tc>
-                <a:tc>
-                  <a:txBody>
-                    <a:bodyPr/>
-                    <a:lstStyle/>
-                    <a:p>
-                      <a:pPr algn="l" fontAlgn="base">
-                        <a:spcBef>
-                          <a:spcPts val="0"/>
-                        </a:spcBef>
-                        <a:spcAft>
-                          <a:spcPts val="0"/>
-                        </a:spcAft>
-                      </a:pPr>
-                      <a:r>
-                        <a:rPr lang="en-PK" sz="1300" b="0" u="none" strike="noStrike">
-                          <a:solidFill>
-                            <a:schemeClr val="bg1">
-                              <a:lumMod val="10000"/>
-                            </a:schemeClr>
-                          </a:solidFill>
-                          <a:effectLst/>
-                        </a:rPr>
-                        <a:t>0</a:t>
-                      </a:r>
-                      <a:endParaRPr lang="en-PK" sz="1300" b="0" i="0" u="none" strike="noStrike">
-                        <a:solidFill>
-                          <a:schemeClr val="bg1">
-                            <a:lumMod val="10000"/>
-                          </a:schemeClr>
-                        </a:solidFill>
-                        <a:effectLst/>
-                        <a:latin typeface="Arial" panose="020B0604020202020204" pitchFamily="34" charset="0"/>
-                      </a:endParaRPr>
-                    </a:p>
-                  </a:txBody>
-                  <a:tcPr marL="67889" marR="67889" marT="33944" marB="33944" anchor="ctr"/>
-                </a:tc>
-                <a:tc>
-                  <a:txBody>
-                    <a:bodyPr/>
-                    <a:lstStyle/>
-                    <a:p>
-                      <a:pPr algn="l" fontAlgn="base">
-                        <a:spcBef>
-                          <a:spcPts val="0"/>
-                        </a:spcBef>
-                        <a:spcAft>
-                          <a:spcPts val="0"/>
-                        </a:spcAft>
-                      </a:pPr>
-                      <a:r>
-                        <a:rPr lang="en-PK" sz="1300" b="0" u="none" strike="noStrike">
-                          <a:solidFill>
-                            <a:schemeClr val="bg1">
-                              <a:lumMod val="10000"/>
-                            </a:schemeClr>
-                          </a:solidFill>
-                          <a:effectLst/>
-                        </a:rPr>
-                        <a:t>1</a:t>
-                      </a:r>
-                      <a:endParaRPr lang="en-PK" sz="1300" b="0" i="0" u="none" strike="noStrike">
-                        <a:solidFill>
-                          <a:schemeClr val="bg1">
-                            <a:lumMod val="10000"/>
-                          </a:schemeClr>
-                        </a:solidFill>
-                        <a:effectLst/>
-                        <a:latin typeface="Arial" panose="020B0604020202020204" pitchFamily="34" charset="0"/>
-                      </a:endParaRPr>
-                    </a:p>
-                  </a:txBody>
-                  <a:tcPr marL="67889" marR="67889" marT="33944" marB="33944" anchor="ctr"/>
-                </a:tc>
-                <a:tc>
-                  <a:txBody>
-                    <a:bodyPr/>
-                    <a:lstStyle/>
-                    <a:p>
-                      <a:pPr algn="l" fontAlgn="base">
-                        <a:spcBef>
-                          <a:spcPts val="0"/>
-                        </a:spcBef>
-                        <a:spcAft>
-                          <a:spcPts val="0"/>
-                        </a:spcAft>
-                      </a:pPr>
-                      <a:r>
-                        <a:rPr lang="en-PK" sz="1300" b="0" u="none" strike="noStrike" dirty="0">
-                          <a:solidFill>
-                            <a:schemeClr val="bg1">
-                              <a:lumMod val="10000"/>
-                            </a:schemeClr>
-                          </a:solidFill>
-                          <a:effectLst/>
-                        </a:rPr>
-                        <a:t>0</a:t>
-                      </a:r>
-                      <a:endParaRPr lang="en-PK" sz="1300" b="0" i="0" u="none" strike="noStrike" dirty="0">
-                        <a:solidFill>
-                          <a:schemeClr val="bg1">
-                            <a:lumMod val="10000"/>
-                          </a:schemeClr>
-                        </a:solidFill>
-                        <a:effectLst/>
-                        <a:latin typeface="Arial" panose="020B0604020202020204" pitchFamily="34" charset="0"/>
-                      </a:endParaRPr>
-                    </a:p>
-                  </a:txBody>
-                  <a:tcPr marL="67889" marR="67889" marT="33944" marB="33944" anchor="ctr"/>
-                </a:tc>
-                <a:extLst>
-                  <a:ext uri="{0D108BD9-81ED-4DB2-BD59-A6C34878D82A}">
-                    <a16:rowId xmlns:a16="http://schemas.microsoft.com/office/drawing/2014/main" val="1361678857"/>
-                  </a:ext>
-                </a:extLst>
-              </a:tr>
-              <a:tr h="370840">
-                <a:tc>
-                  <a:txBody>
-                    <a:bodyPr/>
-                    <a:lstStyle/>
-                    <a:p>
-                      <a:pPr algn="l" fontAlgn="base">
-                        <a:spcBef>
-                          <a:spcPts val="0"/>
-                        </a:spcBef>
-                        <a:spcAft>
-                          <a:spcPts val="0"/>
-                        </a:spcAft>
-                      </a:pPr>
-                      <a:r>
-                        <a:rPr lang="en-PK" sz="1300" b="0" u="none" strike="noStrike">
-                          <a:solidFill>
-                            <a:schemeClr val="bg1">
-                              <a:lumMod val="10000"/>
-                            </a:schemeClr>
-                          </a:solidFill>
-                          <a:effectLst/>
-                        </a:rPr>
-                        <a:t>4</a:t>
-                      </a:r>
-                      <a:endParaRPr lang="en-PK" sz="1300" b="0" i="0" u="none" strike="noStrike">
-                        <a:solidFill>
-                          <a:schemeClr val="bg1">
-                            <a:lumMod val="10000"/>
-                          </a:schemeClr>
-                        </a:solidFill>
-                        <a:effectLst/>
-                        <a:latin typeface="Arial" panose="020B0604020202020204" pitchFamily="34" charset="0"/>
-                      </a:endParaRPr>
-                    </a:p>
-                  </a:txBody>
-                  <a:tcPr marL="67889" marR="67889" marT="33944" marB="33944" anchor="ctr"/>
-                </a:tc>
-                <a:tc>
-                  <a:txBody>
-                    <a:bodyPr/>
-                    <a:lstStyle/>
-                    <a:p>
-                      <a:pPr algn="l" fontAlgn="base">
-                        <a:spcBef>
-                          <a:spcPts val="0"/>
-                        </a:spcBef>
-                        <a:spcAft>
-                          <a:spcPts val="0"/>
-                        </a:spcAft>
-                      </a:pPr>
-                      <a:r>
-                        <a:rPr lang="en-GB" sz="1300" b="0" u="none" strike="noStrike">
-                          <a:solidFill>
-                            <a:schemeClr val="bg1">
-                              <a:lumMod val="10000"/>
-                            </a:schemeClr>
-                          </a:solidFill>
-                          <a:effectLst/>
-                        </a:rPr>
-                        <a:t>West</a:t>
-                      </a:r>
-                      <a:endParaRPr lang="en-GB" sz="1300" b="0" i="0" u="none" strike="noStrike">
-                        <a:solidFill>
-                          <a:schemeClr val="bg1">
-                            <a:lumMod val="10000"/>
-                          </a:schemeClr>
-                        </a:solidFill>
-                        <a:effectLst/>
-                        <a:latin typeface="Arial" panose="020B0604020202020204" pitchFamily="34" charset="0"/>
-                      </a:endParaRPr>
-                    </a:p>
-                  </a:txBody>
-                  <a:tcPr marL="67889" marR="67889" marT="33944" marB="33944" anchor="ctr"/>
-                </a:tc>
-                <a:tc>
-                  <a:txBody>
-                    <a:bodyPr/>
-                    <a:lstStyle/>
-                    <a:p>
-                      <a:pPr algn="l" fontAlgn="base">
-                        <a:spcBef>
-                          <a:spcPts val="0"/>
-                        </a:spcBef>
-                        <a:spcAft>
-                          <a:spcPts val="0"/>
-                        </a:spcAft>
-                      </a:pPr>
-                      <a:r>
-                        <a:rPr lang="en-PK" sz="1300" b="0" u="none" strike="noStrike">
-                          <a:solidFill>
-                            <a:schemeClr val="bg1">
-                              <a:lumMod val="10000"/>
-                            </a:schemeClr>
-                          </a:solidFill>
-                          <a:effectLst/>
-                        </a:rPr>
-                        <a:t>0</a:t>
-                      </a:r>
-                      <a:endParaRPr lang="en-PK" sz="1300" b="0" i="0" u="none" strike="noStrike">
-                        <a:solidFill>
-                          <a:schemeClr val="bg1">
-                            <a:lumMod val="10000"/>
-                          </a:schemeClr>
-                        </a:solidFill>
-                        <a:effectLst/>
-                        <a:latin typeface="Arial" panose="020B0604020202020204" pitchFamily="34" charset="0"/>
-                      </a:endParaRPr>
-                    </a:p>
-                  </a:txBody>
-                  <a:tcPr marL="67889" marR="67889" marT="33944" marB="33944" anchor="ctr"/>
-                </a:tc>
-                <a:tc>
-                  <a:txBody>
-                    <a:bodyPr/>
-                    <a:lstStyle/>
-                    <a:p>
-                      <a:pPr algn="l" fontAlgn="base">
-                        <a:spcBef>
-                          <a:spcPts val="0"/>
-                        </a:spcBef>
-                        <a:spcAft>
-                          <a:spcPts val="0"/>
-                        </a:spcAft>
-                      </a:pPr>
-                      <a:r>
-                        <a:rPr lang="en-PK" sz="1300" b="0" u="none" strike="noStrike">
-                          <a:solidFill>
-                            <a:schemeClr val="bg1">
-                              <a:lumMod val="10000"/>
-                            </a:schemeClr>
-                          </a:solidFill>
-                          <a:effectLst/>
-                        </a:rPr>
-                        <a:t>0</a:t>
-                      </a:r>
-                      <a:endParaRPr lang="en-PK" sz="1300" b="0" i="0" u="none" strike="noStrike">
-                        <a:solidFill>
-                          <a:schemeClr val="bg1">
-                            <a:lumMod val="10000"/>
-                          </a:schemeClr>
-                        </a:solidFill>
-                        <a:effectLst/>
-                        <a:latin typeface="Arial" panose="020B0604020202020204" pitchFamily="34" charset="0"/>
-                      </a:endParaRPr>
-                    </a:p>
-                  </a:txBody>
-                  <a:tcPr marL="67889" marR="67889" marT="33944" marB="33944" anchor="ctr"/>
-                </a:tc>
-                <a:tc>
-                  <a:txBody>
-                    <a:bodyPr/>
-                    <a:lstStyle/>
-                    <a:p>
-                      <a:pPr algn="l" fontAlgn="base">
-                        <a:spcBef>
-                          <a:spcPts val="0"/>
-                        </a:spcBef>
-                        <a:spcAft>
-                          <a:spcPts val="0"/>
-                        </a:spcAft>
-                      </a:pPr>
-                      <a:r>
-                        <a:rPr lang="en-PK" sz="1300" b="0" u="none" strike="noStrike">
-                          <a:solidFill>
-                            <a:schemeClr val="bg1">
-                              <a:lumMod val="10000"/>
-                            </a:schemeClr>
-                          </a:solidFill>
-                          <a:effectLst/>
-                        </a:rPr>
-                        <a:t>0</a:t>
-                      </a:r>
-                      <a:endParaRPr lang="en-PK" sz="1300" b="0" i="0" u="none" strike="noStrike">
-                        <a:solidFill>
-                          <a:schemeClr val="bg1">
-                            <a:lumMod val="10000"/>
-                          </a:schemeClr>
-                        </a:solidFill>
-                        <a:effectLst/>
-                        <a:latin typeface="Arial" panose="020B0604020202020204" pitchFamily="34" charset="0"/>
-                      </a:endParaRPr>
-                    </a:p>
-                  </a:txBody>
-                  <a:tcPr marL="67889" marR="67889" marT="33944" marB="33944" anchor="ctr"/>
-                </a:tc>
-                <a:tc>
-                  <a:txBody>
-                    <a:bodyPr/>
-                    <a:lstStyle/>
-                    <a:p>
-                      <a:pPr algn="l" fontAlgn="base">
-                        <a:spcBef>
-                          <a:spcPts val="0"/>
-                        </a:spcBef>
-                        <a:spcAft>
-                          <a:spcPts val="0"/>
-                        </a:spcAft>
-                      </a:pPr>
-                      <a:r>
-                        <a:rPr lang="en-PK" sz="1300" b="0" u="none" strike="noStrike" dirty="0">
-                          <a:solidFill>
-                            <a:schemeClr val="bg1">
-                              <a:lumMod val="10000"/>
-                            </a:schemeClr>
-                          </a:solidFill>
-                          <a:effectLst/>
-                        </a:rPr>
-                        <a:t>1</a:t>
-                      </a:r>
-                      <a:endParaRPr lang="en-PK" sz="1300" b="0" i="0" u="none" strike="noStrike" dirty="0">
-                        <a:solidFill>
-                          <a:schemeClr val="bg1">
-                            <a:lumMod val="10000"/>
-                          </a:schemeClr>
-                        </a:solidFill>
-                        <a:effectLst/>
-                        <a:latin typeface="Arial" panose="020B0604020202020204" pitchFamily="34" charset="0"/>
-                      </a:endParaRPr>
-                    </a:p>
-                  </a:txBody>
-                  <a:tcPr marL="67889" marR="67889" marT="33944" marB="33944" anchor="ctr"/>
-                </a:tc>
-                <a:extLst>
-                  <a:ext uri="{0D108BD9-81ED-4DB2-BD59-A6C34878D82A}">
-                    <a16:rowId xmlns:a16="http://schemas.microsoft.com/office/drawing/2014/main" val="4128088812"/>
-                  </a:ext>
-                </a:extLst>
-              </a:tr>
-            </a:tbl>
-          </a:graphicData>
-        </a:graphic>
-      </p:graphicFrame>
-      <p:sp>
-        <p:nvSpPr>
-          <p:cNvPr id="13" name="TextBox 12">
-            <a:extLst>
-              <a:ext uri="{FF2B5EF4-FFF2-40B4-BE49-F238E27FC236}">
-                <a16:creationId xmlns:a16="http://schemas.microsoft.com/office/drawing/2014/main" id="{8FA7B036-7B01-4540-981F-9B06FB008190}"/>
-              </a:ext>
-            </a:extLst>
-          </p:cNvPr>
-          <p:cNvSpPr txBox="1"/>
+      <p:pic>
+        <p:nvPicPr>
+          <p:cNvPr id="7" name="Content Placeholder 4" descr="A person standing in front of a chart&#10;&#10;Description automatically generated">
+            <a:extLst>
+              <a:ext uri="{FF2B5EF4-FFF2-40B4-BE49-F238E27FC236}">
+                <a16:creationId xmlns:a16="http://schemas.microsoft.com/office/drawing/2014/main" id="{07EA7BA8-C527-B710-F7EA-387C4683F351}"/>
+              </a:ext>
+            </a:extLst>
+          </p:cNvPr>
+          <p:cNvPicPr>
+            <a:picLocks noChangeAspect="1"/>
+          </p:cNvPicPr>
           <p:nvPr/>
-        </p:nvSpPr>
+        </p:nvPicPr>
+        <p:blipFill>
+          <a:blip r:embed="rId2">
+            <a:extLst>
+              <a:ext uri="{28A0092B-C50C-407E-A947-70E740481C1C}">
+                <a14:useLocalDpi xmlns:a14="http://schemas.microsoft.com/office/drawing/2010/main" val="0"/>
+              </a:ext>
+            </a:extLst>
+          </a:blip>
+          <a:stretch>
+            <a:fillRect/>
+          </a:stretch>
+        </p:blipFill>
         <p:spPr>
           <a:xfrm>
-            <a:off x="3225149" y="6311900"/>
-            <a:ext cx="5741700" cy="369332"/>
+            <a:off x="6700753" y="1825625"/>
+            <a:ext cx="3057696" cy="4351338"/>
           </a:xfrm>
           <a:prstGeom prst="rect">
             <a:avLst/>
           </a:prstGeom>
-          <a:noFill/>
         </p:spPr>
-        <p:txBody>
-          <a:bodyPr wrap="none" rtlCol="0">
-            <a:spAutoFit/>
-          </a:bodyPr>
-          <a:lstStyle/>
-          <a:p>
-            <a:r>
-              <a:rPr lang="en-PK" dirty="0"/>
-              <a:t>Table </a:t>
-            </a:r>
-            <a:r>
-              <a:rPr lang="en-GB" dirty="0"/>
-              <a:t>presents</a:t>
-            </a:r>
-            <a:r>
-              <a:rPr lang="en-PK" dirty="0"/>
-              <a:t> information for the person from each region</a:t>
-            </a:r>
-          </a:p>
-        </p:txBody>
-      </p:sp>
+      </p:pic>
     </p:spTree>
     <p:extLst>
       <p:ext uri="{BB962C8B-B14F-4D97-AF65-F5344CB8AC3E}">
-        <p14:creationId xmlns:p14="http://schemas.microsoft.com/office/powerpoint/2010/main" val="1439264878"/>
+        <p14:creationId xmlns:p14="http://schemas.microsoft.com/office/powerpoint/2010/main" val="2777459706"/>
       </p:ext>
     </p:extLst>
   </p:cSld>
@@ -10555,7 +8063,13 @@
   <p:cSld>
     <p:spTree>
       <p:nvGrpSpPr>
-        <p:cNvPr id="1" name=""/>
+        <p:cNvPr id="1" name="">
+          <a:extLst>
+            <a:ext uri="{FF2B5EF4-FFF2-40B4-BE49-F238E27FC236}">
+              <a16:creationId xmlns:a16="http://schemas.microsoft.com/office/drawing/2014/main" id="{D1F979E5-9EC7-CF53-11B0-46154519ADAE}"/>
+            </a:ext>
+          </a:extLst>
+        </p:cNvPr>
         <p:cNvGrpSpPr/>
         <p:nvPr/>
       </p:nvGrpSpPr>
@@ -10572,7 +8086,7 @@
           <p:cNvPr id="2" name="Title 1">
             <a:extLst>
               <a:ext uri="{FF2B5EF4-FFF2-40B4-BE49-F238E27FC236}">
-                <a16:creationId xmlns:a16="http://schemas.microsoft.com/office/drawing/2014/main" id="{5069966B-97B6-9417-F241-EFF931F8BDB4}"/>
+                <a16:creationId xmlns:a16="http://schemas.microsoft.com/office/drawing/2014/main" id="{038C03F0-D5F1-17B3-A455-73ED0CE21111}"/>
               </a:ext>
             </a:extLst>
           </p:cNvPr>
@@ -10590,678 +8104,79 @@
           <a:p>
             <a:r>
               <a:rPr lang="en-PK" dirty="0"/>
-              <a:t>Extensions of Linear Model</a:t>
+              <a:t>Alignment</a:t>
             </a:r>
           </a:p>
         </p:txBody>
       </p:sp>
-      <mc:AlternateContent xmlns:mc="http://schemas.openxmlformats.org/markup-compatibility/2006">
-        <mc:Choice xmlns:a14="http://schemas.microsoft.com/office/drawing/2010/main" Requires="a14">
-          <p:sp>
-            <p:nvSpPr>
-              <p:cNvPr id="3" name="Content Placeholder 2">
-                <a:extLst>
-                  <a:ext uri="{FF2B5EF4-FFF2-40B4-BE49-F238E27FC236}">
-                    <a16:creationId xmlns:a16="http://schemas.microsoft.com/office/drawing/2014/main" id="{94BA37BA-C23F-A802-4819-275DC8047BFC}"/>
-                  </a:ext>
-                </a:extLst>
-              </p:cNvPr>
-              <p:cNvSpPr>
-                <a:spLocks noGrp="1"/>
-              </p:cNvSpPr>
-              <p:nvPr>
-                <p:ph idx="1"/>
-              </p:nvPr>
-            </p:nvSpPr>
-            <p:spPr/>
-            <p:txBody>
-              <a:bodyPr/>
-              <a:lstStyle/>
-              <a:p>
-                <a:r>
-                  <a:rPr lang="en-GB" dirty="0"/>
-                  <a:t>Additive</a:t>
-                </a:r>
-                <a:r>
-                  <a:rPr lang="en-PK" dirty="0"/>
-                  <a:t> vs linear assumption</a:t>
-                </a:r>
-              </a:p>
-              <a:p>
-                <a:r>
-                  <a:rPr lang="en-PK" dirty="0"/>
-                  <a:t>For </a:t>
-                </a:r>
-                <a:r>
-                  <a:rPr lang="en-GB" dirty="0"/>
-                  <a:t>example</a:t>
-                </a:r>
-              </a:p>
-              <a:p>
-                <a:pPr lvl="1"/>
-                <a:r>
-                  <a:rPr lang="en-PK" dirty="0"/>
-                  <a:t>Effect of TV and radio </a:t>
-                </a:r>
-                <a:r>
-                  <a:rPr lang="en-GB" dirty="0"/>
-                  <a:t>advertisement</a:t>
-                </a:r>
-                <a:r>
-                  <a:rPr lang="en-PK" dirty="0"/>
-                  <a:t> on sales</a:t>
-                </a:r>
-              </a:p>
-              <a:p>
-                <a:pPr marL="457200" lvl="1" indent="0">
-                  <a:buNone/>
-                </a:pPr>
-                <a:endParaRPr lang="en-PK" kern="100" dirty="0">
-                  <a:ea typeface="Calibri" panose="020F0502020204030204" pitchFamily="34" charset="0"/>
-                  <a:cs typeface="Arial" panose="020B0604020202020204" pitchFamily="34" charset="0"/>
-                </a:endParaRPr>
-              </a:p>
-              <a:p>
-                <a:pPr marL="457200" lvl="1" indent="0">
-                  <a:buNone/>
-                </a:pPr>
-                <a14:m>
-                  <m:oMathPara xmlns:m="http://schemas.openxmlformats.org/officeDocument/2006/math">
-                    <m:oMathParaPr>
-                      <m:jc m:val="centerGroup"/>
-                    </m:oMathParaPr>
-                    <m:oMath xmlns:m="http://schemas.openxmlformats.org/officeDocument/2006/math">
-                      <m:r>
-                        <a:rPr lang="en-PK" sz="2400" i="1" kern="100" smtClean="0">
-                          <a:effectLst/>
-                          <a:ea typeface="Calibri" panose="020F0502020204030204" pitchFamily="34" charset="0"/>
-                          <a:cs typeface="Arial" panose="020B0604020202020204" pitchFamily="34" charset="0"/>
-                        </a:rPr>
-                        <m:t>𝑌</m:t>
-                      </m:r>
-                      <m:r>
-                        <a:rPr lang="en-PK" sz="2400" i="1" kern="100" smtClean="0">
-                          <a:effectLst/>
-                          <a:ea typeface="Calibri" panose="020F0502020204030204" pitchFamily="34" charset="0"/>
-                          <a:cs typeface="Arial" panose="020B0604020202020204" pitchFamily="34" charset="0"/>
-                        </a:rPr>
-                        <m:t>=</m:t>
-                      </m:r>
-                      <m:sSub>
-                        <m:sSubPr>
-                          <m:ctrlPr>
-                            <a:rPr lang="en-PK" sz="2400" i="1" kern="100">
-                              <a:effectLst/>
-                              <a:ea typeface="Calibri" panose="020F0502020204030204" pitchFamily="34" charset="0"/>
-                              <a:cs typeface="Arial" panose="020B0604020202020204" pitchFamily="34" charset="0"/>
-                            </a:rPr>
-                          </m:ctrlPr>
-                        </m:sSubPr>
-                        <m:e>
-                          <m:r>
-                            <a:rPr lang="en-PK" sz="2400" i="1" kern="100">
-                              <a:effectLst/>
-                              <a:ea typeface="Calibri" panose="020F0502020204030204" pitchFamily="34" charset="0"/>
-                              <a:cs typeface="Arial" panose="020B0604020202020204" pitchFamily="34" charset="0"/>
-                            </a:rPr>
-                            <m:t>𝛽</m:t>
-                          </m:r>
-                        </m:e>
-                        <m:sub>
-                          <m:r>
-                            <a:rPr lang="en-PK" sz="2400" i="1" kern="100">
-                              <a:effectLst/>
-                              <a:ea typeface="Calibri" panose="020F0502020204030204" pitchFamily="34" charset="0"/>
-                              <a:cs typeface="Arial" panose="020B0604020202020204" pitchFamily="34" charset="0"/>
-                            </a:rPr>
-                            <m:t>0</m:t>
-                          </m:r>
-                        </m:sub>
-                      </m:sSub>
-                      <m:r>
-                        <a:rPr lang="en-PK" sz="2400" i="1" kern="100">
-                          <a:effectLst/>
-                          <a:ea typeface="Calibri" panose="020F0502020204030204" pitchFamily="34" charset="0"/>
-                          <a:cs typeface="Arial" panose="020B0604020202020204" pitchFamily="34" charset="0"/>
-                        </a:rPr>
-                        <m:t>+</m:t>
-                      </m:r>
-                      <m:sSub>
-                        <m:sSubPr>
-                          <m:ctrlPr>
-                            <a:rPr lang="en-PK" sz="2400" i="1" kern="100">
-                              <a:effectLst/>
-                              <a:ea typeface="Calibri" panose="020F0502020204030204" pitchFamily="34" charset="0"/>
-                              <a:cs typeface="Arial" panose="020B0604020202020204" pitchFamily="34" charset="0"/>
-                            </a:rPr>
-                          </m:ctrlPr>
-                        </m:sSubPr>
-                        <m:e>
-                          <m:r>
-                            <a:rPr lang="en-PK" sz="2400" i="1" kern="100">
-                              <a:effectLst/>
-                              <a:ea typeface="Calibri" panose="020F0502020204030204" pitchFamily="34" charset="0"/>
-                              <a:cs typeface="Arial" panose="020B0604020202020204" pitchFamily="34" charset="0"/>
-                            </a:rPr>
-                            <m:t>𝛽</m:t>
-                          </m:r>
-                        </m:e>
-                        <m:sub>
-                          <m:r>
-                            <a:rPr lang="en-PK" sz="2400" i="1" kern="100">
-                              <a:effectLst/>
-                              <a:ea typeface="Calibri" panose="020F0502020204030204" pitchFamily="34" charset="0"/>
-                              <a:cs typeface="Arial" panose="020B0604020202020204" pitchFamily="34" charset="0"/>
-                            </a:rPr>
-                            <m:t>1</m:t>
-                          </m:r>
-                        </m:sub>
-                      </m:sSub>
-                      <m:sSub>
-                        <m:sSubPr>
-                          <m:ctrlPr>
-                            <a:rPr lang="en-PK" sz="2400" i="1" kern="100">
-                              <a:effectLst/>
-                              <a:ea typeface="Calibri" panose="020F0502020204030204" pitchFamily="34" charset="0"/>
-                              <a:cs typeface="Arial" panose="020B0604020202020204" pitchFamily="34" charset="0"/>
-                            </a:rPr>
-                          </m:ctrlPr>
-                        </m:sSubPr>
-                        <m:e>
-                          <m:r>
-                            <a:rPr lang="en-PK" sz="2400" i="1" kern="100">
-                              <a:effectLst/>
-                              <a:ea typeface="Calibri" panose="020F0502020204030204" pitchFamily="34" charset="0"/>
-                              <a:cs typeface="Arial" panose="020B0604020202020204" pitchFamily="34" charset="0"/>
-                            </a:rPr>
-                            <m:t>𝑋</m:t>
-                          </m:r>
-                        </m:e>
-                        <m:sub>
-                          <m:r>
-                            <a:rPr lang="en-PK" sz="2400" i="1" kern="100">
-                              <a:effectLst/>
-                              <a:ea typeface="Calibri" panose="020F0502020204030204" pitchFamily="34" charset="0"/>
-                              <a:cs typeface="Arial" panose="020B0604020202020204" pitchFamily="34" charset="0"/>
-                            </a:rPr>
-                            <m:t>1</m:t>
-                          </m:r>
-                        </m:sub>
-                      </m:sSub>
-                      <m:r>
-                        <a:rPr lang="en-PK" sz="2400" i="1" kern="100" smtClean="0">
-                          <a:effectLst/>
-                          <a:ea typeface="Calibri" panose="020F0502020204030204" pitchFamily="34" charset="0"/>
-                          <a:cs typeface="Arial" panose="020B0604020202020204" pitchFamily="34" charset="0"/>
-                        </a:rPr>
-                        <m:t>+</m:t>
-                      </m:r>
-                      <m:sSub>
-                        <m:sSubPr>
-                          <m:ctrlPr>
-                            <a:rPr lang="en-PK" sz="2400" i="1" kern="100">
-                              <a:effectLst/>
-                              <a:ea typeface="Calibri" panose="020F0502020204030204" pitchFamily="34" charset="0"/>
-                              <a:cs typeface="Arial" panose="020B0604020202020204" pitchFamily="34" charset="0"/>
-                            </a:rPr>
-                          </m:ctrlPr>
-                        </m:sSubPr>
-                        <m:e>
-                          <m:r>
-                            <a:rPr lang="en-PK" sz="2400" i="1" kern="100">
-                              <a:effectLst/>
-                              <a:ea typeface="Calibri" panose="020F0502020204030204" pitchFamily="34" charset="0"/>
-                              <a:cs typeface="Arial" panose="020B0604020202020204" pitchFamily="34" charset="0"/>
-                            </a:rPr>
-                            <m:t>𝛽</m:t>
-                          </m:r>
-                        </m:e>
-                        <m:sub>
-                          <m:r>
-                            <a:rPr lang="en-PK" sz="2400" i="1" kern="100">
-                              <a:effectLst/>
-                              <a:ea typeface="Calibri" panose="020F0502020204030204" pitchFamily="34" charset="0"/>
-                              <a:cs typeface="Arial" panose="020B0604020202020204" pitchFamily="34" charset="0"/>
-                            </a:rPr>
-                            <m:t>2</m:t>
-                          </m:r>
-                        </m:sub>
-                      </m:sSub>
-                      <m:sSub>
-                        <m:sSubPr>
-                          <m:ctrlPr>
-                            <a:rPr lang="en-PK" sz="2400" i="1" kern="100">
-                              <a:effectLst/>
-                              <a:ea typeface="Calibri" panose="020F0502020204030204" pitchFamily="34" charset="0"/>
-                              <a:cs typeface="Arial" panose="020B0604020202020204" pitchFamily="34" charset="0"/>
-                            </a:rPr>
-                          </m:ctrlPr>
-                        </m:sSubPr>
-                        <m:e>
-                          <m:r>
-                            <a:rPr lang="en-PK" sz="2400" i="1" kern="100">
-                              <a:effectLst/>
-                              <a:ea typeface="Calibri" panose="020F0502020204030204" pitchFamily="34" charset="0"/>
-                              <a:cs typeface="Arial" panose="020B0604020202020204" pitchFamily="34" charset="0"/>
-                            </a:rPr>
-                            <m:t>𝑋</m:t>
-                          </m:r>
-                        </m:e>
-                        <m:sub>
-                          <m:r>
-                            <a:rPr lang="en-PK" sz="2400" i="1" kern="100">
-                              <a:effectLst/>
-                              <a:ea typeface="Calibri" panose="020F0502020204030204" pitchFamily="34" charset="0"/>
-                              <a:cs typeface="Arial" panose="020B0604020202020204" pitchFamily="34" charset="0"/>
-                            </a:rPr>
-                            <m:t>2</m:t>
-                          </m:r>
-                        </m:sub>
-                      </m:sSub>
-                      <m:r>
-                        <a:rPr lang="en-US" sz="2400" b="0" i="1" kern="100" smtClean="0">
-                          <a:effectLst/>
-                          <a:latin typeface="Cambria Math" panose="02040503050406030204" pitchFamily="18" charset="0"/>
-                          <a:ea typeface="Calibri" panose="020F0502020204030204" pitchFamily="34" charset="0"/>
-                          <a:cs typeface="Arial" panose="020B0604020202020204" pitchFamily="34" charset="0"/>
-                        </a:rPr>
-                        <m:t>+</m:t>
-                      </m:r>
-                      <m:r>
-                        <a:rPr lang="en-PK" i="1"/>
-                        <m:t>𝜖</m:t>
-                      </m:r>
-                    </m:oMath>
-                  </m:oMathPara>
-                </a14:m>
-                <a:endParaRPr lang="en-GB" sz="2400" dirty="0"/>
-              </a:p>
-              <a:p>
-                <a:r>
-                  <a:rPr lang="en-GB" dirty="0"/>
-                  <a:t>Interaction effect</a:t>
-                </a:r>
-              </a:p>
-              <a:p>
-                <a:pPr marL="457200" lvl="1" indent="0">
-                  <a:buNone/>
-                </a:pPr>
-                <a14:m>
-                  <m:oMathPara xmlns:m="http://schemas.openxmlformats.org/officeDocument/2006/math">
-                    <m:oMathParaPr>
-                      <m:jc m:val="centerGroup"/>
-                    </m:oMathParaPr>
-                    <m:oMath xmlns:m="http://schemas.openxmlformats.org/officeDocument/2006/math">
-                      <m:r>
-                        <a:rPr lang="en-PK" i="1" kern="100" smtClean="0">
-                          <a:effectLst/>
-                          <a:latin typeface="Cambria Math" panose="02040503050406030204" pitchFamily="18" charset="0"/>
-                          <a:ea typeface="Calibri" panose="020F0502020204030204" pitchFamily="34" charset="0"/>
-                          <a:cs typeface="Arial" panose="020B0604020202020204" pitchFamily="34" charset="0"/>
-                        </a:rPr>
-                        <m:t>𝑌</m:t>
-                      </m:r>
-                      <m:r>
-                        <a:rPr lang="en-PK" i="1" kern="100" smtClean="0">
-                          <a:effectLst/>
-                          <a:latin typeface="Cambria Math" panose="02040503050406030204" pitchFamily="18" charset="0"/>
-                          <a:ea typeface="Calibri" panose="020F0502020204030204" pitchFamily="34" charset="0"/>
-                          <a:cs typeface="Arial" panose="020B0604020202020204" pitchFamily="34" charset="0"/>
-                        </a:rPr>
-                        <m:t>=</m:t>
-                      </m:r>
-                      <m:sSub>
-                        <m:sSubPr>
-                          <m:ctrlPr>
-                            <a:rPr lang="en-PK" i="1" kern="100">
-                              <a:effectLst/>
-                              <a:latin typeface="Cambria Math" panose="02040503050406030204" pitchFamily="18" charset="0"/>
-                              <a:ea typeface="Calibri" panose="020F0502020204030204" pitchFamily="34" charset="0"/>
-                              <a:cs typeface="Arial" panose="020B0604020202020204" pitchFamily="34" charset="0"/>
-                            </a:rPr>
-                          </m:ctrlPr>
-                        </m:sSubPr>
-                        <m:e>
-                          <m:r>
-                            <a:rPr lang="en-PK" i="1" kern="100">
-                              <a:effectLst/>
-                              <a:latin typeface="Cambria Math" panose="02040503050406030204" pitchFamily="18" charset="0"/>
-                              <a:ea typeface="Calibri" panose="020F0502020204030204" pitchFamily="34" charset="0"/>
-                              <a:cs typeface="Arial" panose="020B0604020202020204" pitchFamily="34" charset="0"/>
-                            </a:rPr>
-                            <m:t>𝛽</m:t>
-                          </m:r>
-                        </m:e>
-                        <m:sub>
-                          <m:r>
-                            <a:rPr lang="en-PK" i="1" kern="100">
-                              <a:effectLst/>
-                              <a:latin typeface="Cambria Math" panose="02040503050406030204" pitchFamily="18" charset="0"/>
-                              <a:ea typeface="Calibri" panose="020F0502020204030204" pitchFamily="34" charset="0"/>
-                              <a:cs typeface="Arial" panose="020B0604020202020204" pitchFamily="34" charset="0"/>
-                            </a:rPr>
-                            <m:t>0</m:t>
-                          </m:r>
-                        </m:sub>
-                      </m:sSub>
-                      <m:r>
-                        <a:rPr lang="en-PK" i="1" kern="100">
-                          <a:effectLst/>
-                          <a:latin typeface="Cambria Math" panose="02040503050406030204" pitchFamily="18" charset="0"/>
-                          <a:ea typeface="Calibri" panose="020F0502020204030204" pitchFamily="34" charset="0"/>
-                          <a:cs typeface="Arial" panose="020B0604020202020204" pitchFamily="34" charset="0"/>
-                        </a:rPr>
-                        <m:t>+</m:t>
-                      </m:r>
-                      <m:d>
-                        <m:dPr>
-                          <m:ctrlPr>
-                            <a:rPr lang="en-US" b="0" i="1" kern="100" smtClean="0">
-                              <a:effectLst/>
-                              <a:latin typeface="Cambria Math" panose="02040503050406030204" pitchFamily="18" charset="0"/>
-                              <a:ea typeface="Calibri" panose="020F0502020204030204" pitchFamily="34" charset="0"/>
-                              <a:cs typeface="Arial" panose="020B0604020202020204" pitchFamily="34" charset="0"/>
-                            </a:rPr>
-                          </m:ctrlPr>
-                        </m:dPr>
-                        <m:e>
-                          <m:sSub>
-                            <m:sSubPr>
-                              <m:ctrlPr>
-                                <a:rPr lang="en-PK" i="1" kern="100">
-                                  <a:latin typeface="Cambria Math" panose="02040503050406030204" pitchFamily="18" charset="0"/>
-                                  <a:ea typeface="Calibri" panose="020F0502020204030204" pitchFamily="34" charset="0"/>
-                                  <a:cs typeface="Arial" panose="020B0604020202020204" pitchFamily="34" charset="0"/>
-                                </a:rPr>
-                              </m:ctrlPr>
-                            </m:sSubPr>
-                            <m:e>
-                              <m:r>
-                                <a:rPr lang="en-PK" i="1" kern="100">
-                                  <a:latin typeface="Cambria Math" panose="02040503050406030204" pitchFamily="18" charset="0"/>
-                                  <a:ea typeface="Calibri" panose="020F0502020204030204" pitchFamily="34" charset="0"/>
-                                  <a:cs typeface="Arial" panose="020B0604020202020204" pitchFamily="34" charset="0"/>
-                                </a:rPr>
-                                <m:t>𝛽</m:t>
-                              </m:r>
-                            </m:e>
-                            <m:sub>
-                              <m:r>
-                                <a:rPr lang="en-PK" i="1" kern="100">
-                                  <a:latin typeface="Cambria Math" panose="02040503050406030204" pitchFamily="18" charset="0"/>
-                                  <a:ea typeface="Calibri" panose="020F0502020204030204" pitchFamily="34" charset="0"/>
-                                  <a:cs typeface="Arial" panose="020B0604020202020204" pitchFamily="34" charset="0"/>
-                                </a:rPr>
-                                <m:t>1</m:t>
-                              </m:r>
-                            </m:sub>
-                          </m:sSub>
-                          <m:r>
-                            <a:rPr lang="en-US" b="0" i="1" kern="100" smtClean="0">
-                              <a:latin typeface="Cambria Math" panose="02040503050406030204" pitchFamily="18" charset="0"/>
-                              <a:ea typeface="Calibri" panose="020F0502020204030204" pitchFamily="34" charset="0"/>
-                              <a:cs typeface="Arial" panose="020B0604020202020204" pitchFamily="34" charset="0"/>
-                            </a:rPr>
-                            <m:t>+</m:t>
-                          </m:r>
-                          <m:sSub>
-                            <m:sSubPr>
-                              <m:ctrlPr>
-                                <a:rPr lang="en-PK" i="1" kern="100">
-                                  <a:latin typeface="Cambria Math" panose="02040503050406030204" pitchFamily="18" charset="0"/>
-                                  <a:ea typeface="Calibri" panose="020F0502020204030204" pitchFamily="34" charset="0"/>
-                                  <a:cs typeface="Arial" panose="020B0604020202020204" pitchFamily="34" charset="0"/>
-                                </a:rPr>
-                              </m:ctrlPr>
-                            </m:sSubPr>
-                            <m:e>
-                              <m:r>
-                                <a:rPr lang="en-PK" i="1" kern="100">
-                                  <a:latin typeface="Cambria Math" panose="02040503050406030204" pitchFamily="18" charset="0"/>
-                                  <a:ea typeface="Calibri" panose="020F0502020204030204" pitchFamily="34" charset="0"/>
-                                  <a:cs typeface="Arial" panose="020B0604020202020204" pitchFamily="34" charset="0"/>
-                                </a:rPr>
-                                <m:t>𝛽</m:t>
-                              </m:r>
-                            </m:e>
-                            <m:sub>
-                              <m:r>
-                                <a:rPr lang="en-US" b="0" i="1" kern="100" smtClean="0">
-                                  <a:latin typeface="Cambria Math" panose="02040503050406030204" pitchFamily="18" charset="0"/>
-                                  <a:ea typeface="Calibri" panose="020F0502020204030204" pitchFamily="34" charset="0"/>
-                                  <a:cs typeface="Arial" panose="020B0604020202020204" pitchFamily="34" charset="0"/>
-                                </a:rPr>
-                                <m:t>3</m:t>
-                              </m:r>
-                            </m:sub>
-                          </m:sSub>
-                          <m:sSub>
-                            <m:sSubPr>
-                              <m:ctrlPr>
-                                <a:rPr lang="en-PK" i="1" kern="100">
-                                  <a:latin typeface="Cambria Math" panose="02040503050406030204" pitchFamily="18" charset="0"/>
-                                  <a:ea typeface="Calibri" panose="020F0502020204030204" pitchFamily="34" charset="0"/>
-                                  <a:cs typeface="Arial" panose="020B0604020202020204" pitchFamily="34" charset="0"/>
-                                </a:rPr>
-                              </m:ctrlPr>
-                            </m:sSubPr>
-                            <m:e>
-                              <m:r>
-                                <a:rPr lang="en-PK" i="1" kern="100">
-                                  <a:latin typeface="Cambria Math" panose="02040503050406030204" pitchFamily="18" charset="0"/>
-                                  <a:ea typeface="Calibri" panose="020F0502020204030204" pitchFamily="34" charset="0"/>
-                                  <a:cs typeface="Arial" panose="020B0604020202020204" pitchFamily="34" charset="0"/>
-                                </a:rPr>
-                                <m:t>𝑋</m:t>
-                              </m:r>
-                            </m:e>
-                            <m:sub>
-                              <m:r>
-                                <a:rPr lang="en-US" b="0" i="1" kern="100" smtClean="0">
-                                  <a:latin typeface="Cambria Math" panose="02040503050406030204" pitchFamily="18" charset="0"/>
-                                  <a:ea typeface="Calibri" panose="020F0502020204030204" pitchFamily="34" charset="0"/>
-                                  <a:cs typeface="Arial" panose="020B0604020202020204" pitchFamily="34" charset="0"/>
-                                </a:rPr>
-                                <m:t>2</m:t>
-                              </m:r>
-                            </m:sub>
-                          </m:sSub>
-                        </m:e>
-                      </m:d>
-                      <m:sSub>
-                        <m:sSubPr>
-                          <m:ctrlPr>
-                            <a:rPr lang="en-PK" i="1" kern="100">
-                              <a:effectLst/>
-                              <a:latin typeface="Cambria Math" panose="02040503050406030204" pitchFamily="18" charset="0"/>
-                              <a:ea typeface="Calibri" panose="020F0502020204030204" pitchFamily="34" charset="0"/>
-                              <a:cs typeface="Arial" panose="020B0604020202020204" pitchFamily="34" charset="0"/>
-                            </a:rPr>
-                          </m:ctrlPr>
-                        </m:sSubPr>
-                        <m:e>
-                          <m:r>
-                            <a:rPr lang="en-PK" i="1" kern="100">
-                              <a:effectLst/>
-                              <a:latin typeface="Cambria Math" panose="02040503050406030204" pitchFamily="18" charset="0"/>
-                              <a:ea typeface="Calibri" panose="020F0502020204030204" pitchFamily="34" charset="0"/>
-                              <a:cs typeface="Arial" panose="020B0604020202020204" pitchFamily="34" charset="0"/>
-                            </a:rPr>
-                            <m:t>𝑋</m:t>
-                          </m:r>
-                        </m:e>
-                        <m:sub>
-                          <m:r>
-                            <a:rPr lang="en-PK" i="1" kern="100">
-                              <a:effectLst/>
-                              <a:latin typeface="Cambria Math" panose="02040503050406030204" pitchFamily="18" charset="0"/>
-                              <a:ea typeface="Calibri" panose="020F0502020204030204" pitchFamily="34" charset="0"/>
-                              <a:cs typeface="Arial" panose="020B0604020202020204" pitchFamily="34" charset="0"/>
-                            </a:rPr>
-                            <m:t>1</m:t>
-                          </m:r>
-                        </m:sub>
-                      </m:sSub>
-                      <m:r>
-                        <a:rPr lang="en-PK" i="1" kern="100" smtClean="0">
-                          <a:effectLst/>
-                          <a:latin typeface="Cambria Math" panose="02040503050406030204" pitchFamily="18" charset="0"/>
-                          <a:ea typeface="Calibri" panose="020F0502020204030204" pitchFamily="34" charset="0"/>
-                          <a:cs typeface="Arial" panose="020B0604020202020204" pitchFamily="34" charset="0"/>
-                        </a:rPr>
-                        <m:t>+</m:t>
-                      </m:r>
-                      <m:sSub>
-                        <m:sSubPr>
-                          <m:ctrlPr>
-                            <a:rPr lang="en-PK" i="1" kern="100">
-                              <a:effectLst/>
-                              <a:latin typeface="Cambria Math" panose="02040503050406030204" pitchFamily="18" charset="0"/>
-                              <a:ea typeface="Calibri" panose="020F0502020204030204" pitchFamily="34" charset="0"/>
-                              <a:cs typeface="Arial" panose="020B0604020202020204" pitchFamily="34" charset="0"/>
-                            </a:rPr>
-                          </m:ctrlPr>
-                        </m:sSubPr>
-                        <m:e>
-                          <m:r>
-                            <a:rPr lang="en-PK" i="1" kern="100">
-                              <a:effectLst/>
-                              <a:latin typeface="Cambria Math" panose="02040503050406030204" pitchFamily="18" charset="0"/>
-                              <a:ea typeface="Calibri" panose="020F0502020204030204" pitchFamily="34" charset="0"/>
-                              <a:cs typeface="Arial" panose="020B0604020202020204" pitchFamily="34" charset="0"/>
-                            </a:rPr>
-                            <m:t>𝛽</m:t>
-                          </m:r>
-                        </m:e>
-                        <m:sub>
-                          <m:r>
-                            <a:rPr lang="en-PK" i="1" kern="100">
-                              <a:effectLst/>
-                              <a:latin typeface="Cambria Math" panose="02040503050406030204" pitchFamily="18" charset="0"/>
-                              <a:ea typeface="Calibri" panose="020F0502020204030204" pitchFamily="34" charset="0"/>
-                              <a:cs typeface="Arial" panose="020B0604020202020204" pitchFamily="34" charset="0"/>
-                            </a:rPr>
-                            <m:t>2</m:t>
-                          </m:r>
-                        </m:sub>
-                      </m:sSub>
-                      <m:sSub>
-                        <m:sSubPr>
-                          <m:ctrlPr>
-                            <a:rPr lang="en-PK" i="1" kern="100">
-                              <a:effectLst/>
-                              <a:latin typeface="Cambria Math" panose="02040503050406030204" pitchFamily="18" charset="0"/>
-                              <a:ea typeface="Calibri" panose="020F0502020204030204" pitchFamily="34" charset="0"/>
-                              <a:cs typeface="Arial" panose="020B0604020202020204" pitchFamily="34" charset="0"/>
-                            </a:rPr>
-                          </m:ctrlPr>
-                        </m:sSubPr>
-                        <m:e>
-                          <m:r>
-                            <a:rPr lang="en-PK" i="1" kern="100">
-                              <a:effectLst/>
-                              <a:latin typeface="Cambria Math" panose="02040503050406030204" pitchFamily="18" charset="0"/>
-                              <a:ea typeface="Calibri" panose="020F0502020204030204" pitchFamily="34" charset="0"/>
-                              <a:cs typeface="Arial" panose="020B0604020202020204" pitchFamily="34" charset="0"/>
-                            </a:rPr>
-                            <m:t>𝑋</m:t>
-                          </m:r>
-                        </m:e>
-                        <m:sub>
-                          <m:r>
-                            <a:rPr lang="en-PK" i="1" kern="100">
-                              <a:effectLst/>
-                              <a:latin typeface="Cambria Math" panose="02040503050406030204" pitchFamily="18" charset="0"/>
-                              <a:ea typeface="Calibri" panose="020F0502020204030204" pitchFamily="34" charset="0"/>
-                              <a:cs typeface="Arial" panose="020B0604020202020204" pitchFamily="34" charset="0"/>
-                            </a:rPr>
-                            <m:t>2</m:t>
-                          </m:r>
-                          <m:r>
-                            <a:rPr lang="en-US" b="0" i="1" kern="100" smtClean="0">
-                              <a:effectLst/>
-                              <a:latin typeface="Cambria Math" panose="02040503050406030204" pitchFamily="18" charset="0"/>
-                              <a:ea typeface="Calibri" panose="020F0502020204030204" pitchFamily="34" charset="0"/>
-                              <a:cs typeface="Arial" panose="020B0604020202020204" pitchFamily="34" charset="0"/>
-                            </a:rPr>
-                            <m:t> </m:t>
-                          </m:r>
-                        </m:sub>
-                      </m:sSub>
-                      <m:r>
-                        <a:rPr lang="en-US" b="0" i="1" kern="100" smtClean="0">
-                          <a:effectLst/>
-                          <a:latin typeface="Cambria Math" panose="02040503050406030204" pitchFamily="18" charset="0"/>
-                          <a:ea typeface="Calibri" panose="020F0502020204030204" pitchFamily="34" charset="0"/>
-                          <a:cs typeface="Arial" panose="020B0604020202020204" pitchFamily="34" charset="0"/>
-                        </a:rPr>
-                        <m:t>+</m:t>
-                      </m:r>
-                      <m:r>
-                        <a:rPr lang="en-PK" i="1"/>
-                        <m:t>𝜖</m:t>
-                      </m:r>
-                    </m:oMath>
-                  </m:oMathPara>
-                </a14:m>
-                <a:endParaRPr lang="en-GB" dirty="0"/>
-              </a:p>
-              <a:p>
-                <a:endParaRPr lang="en-PK" dirty="0"/>
-              </a:p>
-              <a:p>
-                <a:pPr marL="457200" lvl="1" indent="0">
-                  <a:buNone/>
-                </a:pPr>
-                <a:endParaRPr lang="en-PK" dirty="0"/>
-              </a:p>
-            </p:txBody>
-          </p:sp>
-        </mc:Choice>
-        <mc:Fallback>
-          <p:sp>
-            <p:nvSpPr>
-              <p:cNvPr id="3" name="Content Placeholder 2">
-                <a:extLst>
-                  <a:ext uri="{FF2B5EF4-FFF2-40B4-BE49-F238E27FC236}">
-                    <a16:creationId xmlns:a16="http://schemas.microsoft.com/office/drawing/2014/main" id="{94BA37BA-C23F-A802-4819-275DC8047BFC}"/>
-                  </a:ext>
-                </a:extLst>
-              </p:cNvPr>
-              <p:cNvSpPr>
-                <a:spLocks noGrp="1" noRot="1" noChangeAspect="1" noMove="1" noResize="1" noEditPoints="1" noAdjustHandles="1" noChangeArrowheads="1" noChangeShapeType="1" noTextEdit="1"/>
-              </p:cNvSpPr>
-              <p:nvPr>
-                <p:ph idx="1"/>
-              </p:nvPr>
-            </p:nvSpPr>
-            <p:spPr>
-              <a:blipFill>
-                <a:blip r:embed="rId2"/>
-                <a:stretch>
-                  <a:fillRect l="-1086" t="-2326"/>
-                </a:stretch>
-              </a:blipFill>
-            </p:spPr>
-            <p:txBody>
-              <a:bodyPr/>
-              <a:lstStyle/>
-              <a:p>
-                <a:r>
-                  <a:rPr lang="en-PK">
-                    <a:noFill/>
-                  </a:rPr>
-                  <a:t> </a:t>
-                </a:r>
-              </a:p>
-            </p:txBody>
-          </p:sp>
-        </mc:Fallback>
-      </mc:AlternateContent>
+      <p:sp>
+        <p:nvSpPr>
+          <p:cNvPr id="6" name="Content Placeholder 5">
+            <a:extLst>
+              <a:ext uri="{FF2B5EF4-FFF2-40B4-BE49-F238E27FC236}">
+                <a16:creationId xmlns:a16="http://schemas.microsoft.com/office/drawing/2014/main" id="{CDD39E4C-5974-DB8E-BFE7-55E826ADCB8A}"/>
+              </a:ext>
+            </a:extLst>
+          </p:cNvPr>
+          <p:cNvSpPr>
+            <a:spLocks noGrp="1"/>
+          </p:cNvSpPr>
+          <p:nvPr>
+            <p:ph idx="1"/>
+          </p:nvPr>
+        </p:nvSpPr>
+        <p:spPr/>
+        <p:txBody>
+          <a:bodyPr/>
+          <a:lstStyle/>
+          <a:p>
+            <a:r>
+              <a:rPr lang="en-PK" dirty="0"/>
+              <a:t>Arranging elements</a:t>
+            </a:r>
+          </a:p>
+        </p:txBody>
+      </p:sp>
+      <p:pic>
+        <p:nvPicPr>
+          <p:cNvPr id="7" name="Content Placeholder 4" descr="A person standing in front of a chart&#10;&#10;Description automatically generated">
+            <a:extLst>
+              <a:ext uri="{FF2B5EF4-FFF2-40B4-BE49-F238E27FC236}">
+                <a16:creationId xmlns:a16="http://schemas.microsoft.com/office/drawing/2014/main" id="{64245407-08B7-FAD1-B2E6-15612C11EC8B}"/>
+              </a:ext>
+            </a:extLst>
+          </p:cNvPr>
+          <p:cNvPicPr>
+            <a:picLocks noChangeAspect="1"/>
+          </p:cNvPicPr>
+          <p:nvPr/>
+        </p:nvPicPr>
+        <p:blipFill>
+          <a:blip r:embed="rId2">
+            <a:extLst>
+              <a:ext uri="{28A0092B-C50C-407E-A947-70E740481C1C}">
+                <a14:useLocalDpi xmlns:a14="http://schemas.microsoft.com/office/drawing/2010/main" val="0"/>
+              </a:ext>
+            </a:extLst>
+          </a:blip>
+          <a:stretch>
+            <a:fillRect/>
+          </a:stretch>
+        </p:blipFill>
+        <p:spPr>
+          <a:xfrm>
+            <a:off x="6700753" y="1825625"/>
+            <a:ext cx="3057696" cy="4351338"/>
+          </a:xfrm>
+          <a:prstGeom prst="rect">
+            <a:avLst/>
+          </a:prstGeom>
+        </p:spPr>
+      </p:pic>
     </p:spTree>
     <p:extLst>
       <p:ext uri="{BB962C8B-B14F-4D97-AF65-F5344CB8AC3E}">
-        <p14:creationId xmlns:p14="http://schemas.microsoft.com/office/powerpoint/2010/main" val="4111544938"/>
+        <p14:creationId xmlns:p14="http://schemas.microsoft.com/office/powerpoint/2010/main" val="2150894430"/>
       </p:ext>
     </p:extLst>
   </p:cSld>
@@ -11276,7 +8191,13 @@
   <p:cSld>
     <p:spTree>
       <p:nvGrpSpPr>
-        <p:cNvPr id="1" name=""/>
+        <p:cNvPr id="1" name="">
+          <a:extLst>
+            <a:ext uri="{FF2B5EF4-FFF2-40B4-BE49-F238E27FC236}">
+              <a16:creationId xmlns:a16="http://schemas.microsoft.com/office/drawing/2014/main" id="{F7611C10-6A89-9C3D-19E8-D9517B8FB6CB}"/>
+            </a:ext>
+          </a:extLst>
+        </p:cNvPr>
         <p:cNvGrpSpPr/>
         <p:nvPr/>
       </p:nvGrpSpPr>
@@ -11293,7 +8214,7 @@
           <p:cNvPr id="2" name="Title 1">
             <a:extLst>
               <a:ext uri="{FF2B5EF4-FFF2-40B4-BE49-F238E27FC236}">
-                <a16:creationId xmlns:a16="http://schemas.microsoft.com/office/drawing/2014/main" id="{6AC57C90-602B-4AF7-FD28-F10202BCF062}"/>
+                <a16:creationId xmlns:a16="http://schemas.microsoft.com/office/drawing/2014/main" id="{F12C49A2-5777-A210-0010-0F27B493C5A4}"/>
               </a:ext>
             </a:extLst>
           </p:cNvPr>
@@ -11311,418 +8232,79 @@
           <a:p>
             <a:r>
               <a:rPr lang="en-PK" dirty="0"/>
-              <a:t>Extensions of Linear Model</a:t>
+              <a:t>Contrast</a:t>
             </a:r>
           </a:p>
         </p:txBody>
       </p:sp>
-      <mc:AlternateContent xmlns:mc="http://schemas.openxmlformats.org/markup-compatibility/2006">
-        <mc:Choice xmlns:a14="http://schemas.microsoft.com/office/drawing/2010/main" Requires="a14">
-          <p:sp>
-            <p:nvSpPr>
-              <p:cNvPr id="3" name="Content Placeholder 2">
-                <a:extLst>
-                  <a:ext uri="{FF2B5EF4-FFF2-40B4-BE49-F238E27FC236}">
-                    <a16:creationId xmlns:a16="http://schemas.microsoft.com/office/drawing/2014/main" id="{3B1123B7-4ECA-EE63-E85F-4FA1391430A7}"/>
-                  </a:ext>
-                </a:extLst>
-              </p:cNvPr>
-              <p:cNvSpPr>
-                <a:spLocks noGrp="1"/>
-              </p:cNvSpPr>
-              <p:nvPr>
-                <p:ph idx="1"/>
-              </p:nvPr>
-            </p:nvSpPr>
-            <p:spPr/>
-            <p:txBody>
-              <a:bodyPr/>
-              <a:lstStyle/>
-              <a:p>
-                <a:r>
-                  <a:rPr lang="en-PK" dirty="0"/>
-                  <a:t>For qualitative variable</a:t>
-                </a:r>
-              </a:p>
-              <a:p>
-                <a:pPr lvl="1"/>
-                <a:r>
-                  <a:rPr lang="en-PK" dirty="0"/>
-                  <a:t>For example</a:t>
-                </a:r>
-              </a:p>
-              <a:p>
-                <a:pPr lvl="1"/>
-                <a:r>
-                  <a:rPr lang="en-PK" dirty="0"/>
-                  <a:t>Effect of income on credit card balance, if </a:t>
-                </a:r>
-                <a:r>
-                  <a:rPr lang="en-GB" dirty="0"/>
-                  <a:t>a </a:t>
-                </a:r>
-                <a:r>
-                  <a:rPr lang="en-PK" dirty="0"/>
-                  <a:t>person is </a:t>
-                </a:r>
-                <a:r>
-                  <a:rPr lang="en-GB" dirty="0"/>
-                  <a:t>a </a:t>
-                </a:r>
-                <a:r>
-                  <a:rPr lang="en-PK" dirty="0"/>
-                  <a:t>student or non-student</a:t>
-                </a:r>
-              </a:p>
-              <a:p>
-                <a:pPr lvl="1"/>
-                <a:endParaRPr lang="en-PK" dirty="0"/>
-              </a:p>
-              <a:p>
-                <a:pPr marL="0" indent="0">
-                  <a:buNone/>
-                </a:pPr>
-                <a14:m>
-                  <m:oMathPara xmlns:m="http://schemas.openxmlformats.org/officeDocument/2006/math">
-                    <m:oMathParaPr>
-                      <m:jc m:val="centerGroup"/>
-                    </m:oMathParaPr>
-                    <m:oMath xmlns:m="http://schemas.openxmlformats.org/officeDocument/2006/math">
-                      <m:r>
-                        <a:rPr lang="en-PK" sz="2400" i="1" kern="100" smtClean="0">
-                          <a:effectLst/>
-                          <a:ea typeface="Calibri" panose="020F0502020204030204" pitchFamily="34" charset="0"/>
-                          <a:cs typeface="Arial" panose="020B0604020202020204" pitchFamily="34" charset="0"/>
-                        </a:rPr>
-                        <m:t>𝑌</m:t>
-                      </m:r>
-                      <m:r>
-                        <a:rPr lang="en-PK" sz="2400" i="1" kern="100" smtClean="0">
-                          <a:effectLst/>
-                          <a:ea typeface="Calibri" panose="020F0502020204030204" pitchFamily="34" charset="0"/>
-                          <a:cs typeface="Arial" panose="020B0604020202020204" pitchFamily="34" charset="0"/>
-                        </a:rPr>
-                        <m:t>=</m:t>
-                      </m:r>
-                      <m:sSub>
-                        <m:sSubPr>
-                          <m:ctrlPr>
-                            <a:rPr lang="en-PK" sz="2400" i="1" kern="100">
-                              <a:effectLst/>
-                              <a:ea typeface="Calibri" panose="020F0502020204030204" pitchFamily="34" charset="0"/>
-                              <a:cs typeface="Arial" panose="020B0604020202020204" pitchFamily="34" charset="0"/>
-                            </a:rPr>
-                          </m:ctrlPr>
-                        </m:sSubPr>
-                        <m:e>
-                          <m:r>
-                            <a:rPr lang="en-US" sz="2400" b="0" i="1" kern="100" smtClean="0">
-                              <a:effectLst/>
-                              <a:ea typeface="Calibri" panose="020F0502020204030204" pitchFamily="34" charset="0"/>
-                              <a:cs typeface="Arial" panose="020B0604020202020204" pitchFamily="34" charset="0"/>
-                            </a:rPr>
-                            <m:t>(</m:t>
-                          </m:r>
-                          <m:r>
-                            <a:rPr lang="en-PK" sz="2400" i="1" kern="100">
-                              <a:effectLst/>
-                              <a:ea typeface="Calibri" panose="020F0502020204030204" pitchFamily="34" charset="0"/>
-                              <a:cs typeface="Arial" panose="020B0604020202020204" pitchFamily="34" charset="0"/>
-                            </a:rPr>
-                            <m:t>𝛽</m:t>
-                          </m:r>
-                        </m:e>
-                        <m:sub>
-                          <m:r>
-                            <a:rPr lang="en-PK" sz="2400" i="1" kern="100">
-                              <a:effectLst/>
-                              <a:ea typeface="Calibri" panose="020F0502020204030204" pitchFamily="34" charset="0"/>
-                              <a:cs typeface="Arial" panose="020B0604020202020204" pitchFamily="34" charset="0"/>
-                            </a:rPr>
-                            <m:t>0</m:t>
-                          </m:r>
-                          <m:r>
-                            <a:rPr lang="en-US" sz="2400" b="0" i="1" kern="100" smtClean="0">
-                              <a:effectLst/>
-                              <a:ea typeface="Calibri" panose="020F0502020204030204" pitchFamily="34" charset="0"/>
-                              <a:cs typeface="Arial" panose="020B0604020202020204" pitchFamily="34" charset="0"/>
-                            </a:rPr>
-                            <m:t> </m:t>
-                          </m:r>
-                        </m:sub>
-                      </m:sSub>
-                      <m:r>
-                        <a:rPr lang="en-PK" sz="2400" i="1" kern="100">
-                          <a:effectLst/>
-                          <a:ea typeface="Calibri" panose="020F0502020204030204" pitchFamily="34" charset="0"/>
-                          <a:cs typeface="Arial" panose="020B0604020202020204" pitchFamily="34" charset="0"/>
-                        </a:rPr>
-                        <m:t>+</m:t>
-                      </m:r>
-                      <m:sSub>
-                        <m:sSubPr>
-                          <m:ctrlPr>
-                            <a:rPr lang="en-PK" sz="2400" i="1" kern="100">
-                              <a:ea typeface="Calibri" panose="020F0502020204030204" pitchFamily="34" charset="0"/>
-                              <a:cs typeface="Arial" panose="020B0604020202020204" pitchFamily="34" charset="0"/>
-                            </a:rPr>
-                          </m:ctrlPr>
-                        </m:sSubPr>
-                        <m:e>
-                          <m:r>
-                            <a:rPr lang="en-PK" sz="2400" i="1" kern="100">
-                              <a:ea typeface="Calibri" panose="020F0502020204030204" pitchFamily="34" charset="0"/>
-                              <a:cs typeface="Arial" panose="020B0604020202020204" pitchFamily="34" charset="0"/>
-                            </a:rPr>
-                            <m:t>𝛽</m:t>
-                          </m:r>
-                        </m:e>
-                        <m:sub>
-                          <m:r>
-                            <a:rPr lang="en-PK" sz="2400" i="1" kern="100">
-                              <a:ea typeface="Calibri" panose="020F0502020204030204" pitchFamily="34" charset="0"/>
-                              <a:cs typeface="Arial" panose="020B0604020202020204" pitchFamily="34" charset="0"/>
-                            </a:rPr>
-                            <m:t>2</m:t>
-                          </m:r>
-                        </m:sub>
-                      </m:sSub>
-                      <m:sSub>
-                        <m:sSubPr>
-                          <m:ctrlPr>
-                            <a:rPr lang="en-PK" sz="2400" i="1" kern="100">
-                              <a:ea typeface="Calibri" panose="020F0502020204030204" pitchFamily="34" charset="0"/>
-                              <a:cs typeface="Arial" panose="020B0604020202020204" pitchFamily="34" charset="0"/>
-                            </a:rPr>
-                          </m:ctrlPr>
-                        </m:sSubPr>
-                        <m:e>
-                          <m:r>
-                            <a:rPr lang="en-PK" sz="2400" i="1" kern="100">
-                              <a:ea typeface="Calibri" panose="020F0502020204030204" pitchFamily="34" charset="0"/>
-                              <a:cs typeface="Arial" panose="020B0604020202020204" pitchFamily="34" charset="0"/>
-                            </a:rPr>
-                            <m:t>𝑋</m:t>
-                          </m:r>
-                        </m:e>
-                        <m:sub>
-                          <m:r>
-                            <a:rPr lang="en-US" sz="2400" b="0" i="1" kern="100" smtClean="0">
-                              <a:ea typeface="Calibri" panose="020F0502020204030204" pitchFamily="34" charset="0"/>
-                              <a:cs typeface="Arial" panose="020B0604020202020204" pitchFamily="34" charset="0"/>
-                            </a:rPr>
-                            <m:t>2</m:t>
-                          </m:r>
-                        </m:sub>
-                      </m:sSub>
-                      <m:r>
-                        <a:rPr lang="en-US" sz="2400" b="0" i="1" kern="100" smtClean="0">
-                          <a:ea typeface="Calibri" panose="020F0502020204030204" pitchFamily="34" charset="0"/>
-                          <a:cs typeface="Arial" panose="020B0604020202020204" pitchFamily="34" charset="0"/>
-                        </a:rPr>
-                        <m:t>)+</m:t>
-                      </m:r>
-                      <m:d>
-                        <m:dPr>
-                          <m:ctrlPr>
-                            <a:rPr lang="en-US" sz="2400" b="0" i="1" kern="100" smtClean="0">
-                              <a:effectLst/>
-                              <a:ea typeface="Calibri" panose="020F0502020204030204" pitchFamily="34" charset="0"/>
-                              <a:cs typeface="Arial" panose="020B0604020202020204" pitchFamily="34" charset="0"/>
-                            </a:rPr>
-                          </m:ctrlPr>
-                        </m:dPr>
-                        <m:e>
-                          <m:sSub>
-                            <m:sSubPr>
-                              <m:ctrlPr>
-                                <a:rPr lang="en-PK" sz="2400" i="1" kern="100">
-                                  <a:ea typeface="Calibri" panose="020F0502020204030204" pitchFamily="34" charset="0"/>
-                                  <a:cs typeface="Arial" panose="020B0604020202020204" pitchFamily="34" charset="0"/>
-                                </a:rPr>
-                              </m:ctrlPr>
-                            </m:sSubPr>
-                            <m:e>
-                              <m:r>
-                                <a:rPr lang="en-PK" sz="2400" i="1" kern="100">
-                                  <a:ea typeface="Calibri" panose="020F0502020204030204" pitchFamily="34" charset="0"/>
-                                  <a:cs typeface="Arial" panose="020B0604020202020204" pitchFamily="34" charset="0"/>
-                                </a:rPr>
-                                <m:t>𝛽</m:t>
-                              </m:r>
-                            </m:e>
-                            <m:sub>
-                              <m:r>
-                                <a:rPr lang="en-PK" sz="2400" i="1" kern="100">
-                                  <a:ea typeface="Calibri" panose="020F0502020204030204" pitchFamily="34" charset="0"/>
-                                  <a:cs typeface="Arial" panose="020B0604020202020204" pitchFamily="34" charset="0"/>
-                                </a:rPr>
-                                <m:t>1</m:t>
-                              </m:r>
-                            </m:sub>
-                          </m:sSub>
-                          <m:r>
-                            <a:rPr lang="en-US" sz="2400" b="0" i="1" kern="100" smtClean="0">
-                              <a:ea typeface="Calibri" panose="020F0502020204030204" pitchFamily="34" charset="0"/>
-                              <a:cs typeface="Arial" panose="020B0604020202020204" pitchFamily="34" charset="0"/>
-                            </a:rPr>
-                            <m:t>+</m:t>
-                          </m:r>
-                          <m:sSub>
-                            <m:sSubPr>
-                              <m:ctrlPr>
-                                <a:rPr lang="en-PK" sz="2400" i="1" kern="100">
-                                  <a:ea typeface="Calibri" panose="020F0502020204030204" pitchFamily="34" charset="0"/>
-                                  <a:cs typeface="Arial" panose="020B0604020202020204" pitchFamily="34" charset="0"/>
-                                </a:rPr>
-                              </m:ctrlPr>
-                            </m:sSubPr>
-                            <m:e>
-                              <m:r>
-                                <a:rPr lang="en-PK" sz="2400" i="1" kern="100">
-                                  <a:ea typeface="Calibri" panose="020F0502020204030204" pitchFamily="34" charset="0"/>
-                                  <a:cs typeface="Arial" panose="020B0604020202020204" pitchFamily="34" charset="0"/>
-                                </a:rPr>
-                                <m:t>𝛽</m:t>
-                              </m:r>
-                            </m:e>
-                            <m:sub>
-                              <m:r>
-                                <a:rPr lang="en-US" sz="2400" b="0" i="1" kern="100" smtClean="0">
-                                  <a:ea typeface="Calibri" panose="020F0502020204030204" pitchFamily="34" charset="0"/>
-                                  <a:cs typeface="Arial" panose="020B0604020202020204" pitchFamily="34" charset="0"/>
-                                </a:rPr>
-                                <m:t>3</m:t>
-                              </m:r>
-                            </m:sub>
-                          </m:sSub>
-                          <m:sSub>
-                            <m:sSubPr>
-                              <m:ctrlPr>
-                                <a:rPr lang="en-PK" sz="2400" i="1" kern="100" smtClean="0">
-                                  <a:ea typeface="Calibri" panose="020F0502020204030204" pitchFamily="34" charset="0"/>
-                                  <a:cs typeface="Arial" panose="020B0604020202020204" pitchFamily="34" charset="0"/>
-                                </a:rPr>
-                              </m:ctrlPr>
-                            </m:sSubPr>
-                            <m:e>
-                              <m:r>
-                                <a:rPr lang="en-PK" sz="2400" i="1" kern="100">
-                                  <a:ea typeface="Calibri" panose="020F0502020204030204" pitchFamily="34" charset="0"/>
-                                  <a:cs typeface="Arial" panose="020B0604020202020204" pitchFamily="34" charset="0"/>
-                                </a:rPr>
-                                <m:t>𝑋</m:t>
-                              </m:r>
-                            </m:e>
-                            <m:sub>
-                              <m:r>
-                                <a:rPr lang="en-US" sz="2400" b="0" i="1" kern="100" smtClean="0">
-                                  <a:ea typeface="Calibri" panose="020F0502020204030204" pitchFamily="34" charset="0"/>
-                                  <a:cs typeface="Arial" panose="020B0604020202020204" pitchFamily="34" charset="0"/>
-                                </a:rPr>
-                                <m:t>2</m:t>
-                              </m:r>
-                            </m:sub>
-                          </m:sSub>
-                        </m:e>
-                      </m:d>
-                      <m:sSub>
-                        <m:sSubPr>
-                          <m:ctrlPr>
-                            <a:rPr lang="en-PK" sz="2400" i="1" kern="100">
-                              <a:ea typeface="Calibri" panose="020F0502020204030204" pitchFamily="34" charset="0"/>
-                              <a:cs typeface="Arial" panose="020B0604020202020204" pitchFamily="34" charset="0"/>
-                            </a:rPr>
-                          </m:ctrlPr>
-                        </m:sSubPr>
-                        <m:e>
-                          <m:r>
-                            <a:rPr lang="en-PK" sz="2400" i="1" kern="100">
-                              <a:ea typeface="Calibri" panose="020F0502020204030204" pitchFamily="34" charset="0"/>
-                              <a:cs typeface="Arial" panose="020B0604020202020204" pitchFamily="34" charset="0"/>
-                            </a:rPr>
-                            <m:t>𝑋</m:t>
-                          </m:r>
-                        </m:e>
-                        <m:sub>
-                          <m:r>
-                            <a:rPr lang="en-PK" sz="2400" i="1" kern="100">
-                              <a:ea typeface="Calibri" panose="020F0502020204030204" pitchFamily="34" charset="0"/>
-                              <a:cs typeface="Arial" panose="020B0604020202020204" pitchFamily="34" charset="0"/>
-                            </a:rPr>
-                            <m:t>1</m:t>
-                          </m:r>
-                        </m:sub>
-                      </m:sSub>
-                      <m:r>
-                        <a:rPr lang="en-US" sz="2400" b="0" i="1" kern="100" smtClean="0">
-                          <a:ea typeface="Calibri" panose="020F0502020204030204" pitchFamily="34" charset="0"/>
-                          <a:cs typeface="Arial" panose="020B0604020202020204" pitchFamily="34" charset="0"/>
-                        </a:rPr>
-                        <m:t>+</m:t>
-                      </m:r>
-                      <m:r>
-                        <a:rPr lang="en-PK" sz="2400" i="1"/>
-                        <m:t>𝜖</m:t>
-                      </m:r>
-                    </m:oMath>
-                  </m:oMathPara>
-                </a14:m>
-                <a:endParaRPr lang="en-GB" sz="2400" dirty="0"/>
-              </a:p>
-              <a:p>
-                <a:endParaRPr lang="en-PK" dirty="0"/>
-              </a:p>
-              <a:p>
-                <a:endParaRPr lang="en-PK" dirty="0"/>
-              </a:p>
-            </p:txBody>
-          </p:sp>
-        </mc:Choice>
-        <mc:Fallback>
-          <p:sp>
-            <p:nvSpPr>
-              <p:cNvPr id="3" name="Content Placeholder 2">
-                <a:extLst>
-                  <a:ext uri="{FF2B5EF4-FFF2-40B4-BE49-F238E27FC236}">
-                    <a16:creationId xmlns:a16="http://schemas.microsoft.com/office/drawing/2014/main" id="{3B1123B7-4ECA-EE63-E85F-4FA1391430A7}"/>
-                  </a:ext>
-                </a:extLst>
-              </p:cNvPr>
-              <p:cNvSpPr>
-                <a:spLocks noGrp="1" noRot="1" noChangeAspect="1" noMove="1" noResize="1" noEditPoints="1" noAdjustHandles="1" noChangeArrowheads="1" noChangeShapeType="1" noTextEdit="1"/>
-              </p:cNvSpPr>
-              <p:nvPr>
-                <p:ph idx="1"/>
-              </p:nvPr>
-            </p:nvSpPr>
-            <p:spPr>
-              <a:blipFill>
-                <a:blip r:embed="rId2"/>
-                <a:stretch>
-                  <a:fillRect l="-1086" t="-2326"/>
-                </a:stretch>
-              </a:blipFill>
-            </p:spPr>
-            <p:txBody>
-              <a:bodyPr/>
-              <a:lstStyle/>
-              <a:p>
-                <a:r>
-                  <a:rPr lang="en-PK">
-                    <a:noFill/>
-                  </a:rPr>
-                  <a:t> </a:t>
-                </a:r>
-              </a:p>
-            </p:txBody>
-          </p:sp>
-        </mc:Fallback>
-      </mc:AlternateContent>
+      <p:sp>
+        <p:nvSpPr>
+          <p:cNvPr id="6" name="Content Placeholder 5">
+            <a:extLst>
+              <a:ext uri="{FF2B5EF4-FFF2-40B4-BE49-F238E27FC236}">
+                <a16:creationId xmlns:a16="http://schemas.microsoft.com/office/drawing/2014/main" id="{C1B7AD84-C4E9-D1E3-3B19-654A2F6E7E59}"/>
+              </a:ext>
+            </a:extLst>
+          </p:cNvPr>
+          <p:cNvSpPr>
+            <a:spLocks noGrp="1"/>
+          </p:cNvSpPr>
+          <p:nvPr>
+            <p:ph idx="1"/>
+          </p:nvPr>
+        </p:nvSpPr>
+        <p:spPr/>
+        <p:txBody>
+          <a:bodyPr/>
+          <a:lstStyle/>
+          <a:p>
+            <a:r>
+              <a:rPr lang="en-PK" dirty="0"/>
+              <a:t>Different colors to stand out</a:t>
+            </a:r>
+          </a:p>
+        </p:txBody>
+      </p:sp>
+      <p:pic>
+        <p:nvPicPr>
+          <p:cNvPr id="7" name="Content Placeholder 4" descr="A person standing in front of a chart&#10;&#10;Description automatically generated">
+            <a:extLst>
+              <a:ext uri="{FF2B5EF4-FFF2-40B4-BE49-F238E27FC236}">
+                <a16:creationId xmlns:a16="http://schemas.microsoft.com/office/drawing/2014/main" id="{3E8BFE75-3C1B-1307-BBCA-84D5F1457EAB}"/>
+              </a:ext>
+            </a:extLst>
+          </p:cNvPr>
+          <p:cNvPicPr>
+            <a:picLocks noChangeAspect="1"/>
+          </p:cNvPicPr>
+          <p:nvPr/>
+        </p:nvPicPr>
+        <p:blipFill>
+          <a:blip r:embed="rId2">
+            <a:extLst>
+              <a:ext uri="{28A0092B-C50C-407E-A947-70E740481C1C}">
+                <a14:useLocalDpi xmlns:a14="http://schemas.microsoft.com/office/drawing/2010/main" val="0"/>
+              </a:ext>
+            </a:extLst>
+          </a:blip>
+          <a:stretch>
+            <a:fillRect/>
+          </a:stretch>
+        </p:blipFill>
+        <p:spPr>
+          <a:xfrm>
+            <a:off x="6700753" y="1825625"/>
+            <a:ext cx="3057696" cy="4351338"/>
+          </a:xfrm>
+          <a:prstGeom prst="rect">
+            <a:avLst/>
+          </a:prstGeom>
+        </p:spPr>
+      </p:pic>
     </p:spTree>
     <p:extLst>
       <p:ext uri="{BB962C8B-B14F-4D97-AF65-F5344CB8AC3E}">
-        <p14:creationId xmlns:p14="http://schemas.microsoft.com/office/powerpoint/2010/main" val="1064254034"/>
+        <p14:creationId xmlns:p14="http://schemas.microsoft.com/office/powerpoint/2010/main" val="2113844221"/>
       </p:ext>
     </p:extLst>
   </p:cSld>
@@ -11737,7 +8319,13 @@
   <p:cSld>
     <p:spTree>
       <p:nvGrpSpPr>
-        <p:cNvPr id="1" name=""/>
+        <p:cNvPr id="1" name="">
+          <a:extLst>
+            <a:ext uri="{FF2B5EF4-FFF2-40B4-BE49-F238E27FC236}">
+              <a16:creationId xmlns:a16="http://schemas.microsoft.com/office/drawing/2014/main" id="{4C379825-688E-FE7A-3B53-36DE50019F0A}"/>
+            </a:ext>
+          </a:extLst>
+        </p:cNvPr>
         <p:cNvGrpSpPr/>
         <p:nvPr/>
       </p:nvGrpSpPr>
@@ -11754,7 +8342,7 @@
           <p:cNvPr id="2" name="Title 1">
             <a:extLst>
               <a:ext uri="{FF2B5EF4-FFF2-40B4-BE49-F238E27FC236}">
-                <a16:creationId xmlns:a16="http://schemas.microsoft.com/office/drawing/2014/main" id="{08FAA396-1092-7E07-F00D-DFBAFEB5D6A2}"/>
+                <a16:creationId xmlns:a16="http://schemas.microsoft.com/office/drawing/2014/main" id="{41A32E19-7A8D-09E0-85C3-A9CDEE2B6903}"/>
               </a:ext>
             </a:extLst>
           </p:cNvPr>
@@ -11772,17 +8360,17 @@
           <a:p>
             <a:r>
               <a:rPr lang="en-PK" dirty="0"/>
-              <a:t>Non-Linear Relationship</a:t>
+              <a:t>Hierarchy</a:t>
             </a:r>
           </a:p>
         </p:txBody>
       </p:sp>
       <p:sp>
         <p:nvSpPr>
-          <p:cNvPr id="8" name="Content Placeholder 7">
-            <a:extLst>
-              <a:ext uri="{FF2B5EF4-FFF2-40B4-BE49-F238E27FC236}">
-                <a16:creationId xmlns:a16="http://schemas.microsoft.com/office/drawing/2014/main" id="{81175AB0-5C45-5F2F-6AB9-0CCDD5EF1F9A}"/>
+          <p:cNvPr id="6" name="Content Placeholder 5">
+            <a:extLst>
+              <a:ext uri="{FF2B5EF4-FFF2-40B4-BE49-F238E27FC236}">
+                <a16:creationId xmlns:a16="http://schemas.microsoft.com/office/drawing/2014/main" id="{48CEE9C7-CBDC-ECE3-E9F1-72464434B387}"/>
               </a:ext>
             </a:extLst>
           </p:cNvPr>
@@ -11800,17 +8388,17 @@
           <a:p>
             <a:r>
               <a:rPr lang="en-PK" dirty="0"/>
-              <a:t>Polynomial Regression for modeling non-linear</a:t>
+              <a:t>Organizing element Importance</a:t>
             </a:r>
           </a:p>
         </p:txBody>
       </p:sp>
       <p:pic>
         <p:nvPicPr>
-          <p:cNvPr id="11" name="Picture 10" descr="A graph of different colored lines&#10;&#10;Description automatically generated">
-            <a:extLst>
-              <a:ext uri="{FF2B5EF4-FFF2-40B4-BE49-F238E27FC236}">
-                <a16:creationId xmlns:a16="http://schemas.microsoft.com/office/drawing/2014/main" id="{B23943FD-CD9F-2C0A-9BF7-F50126FB4722}"/>
+          <p:cNvPr id="7" name="Content Placeholder 4" descr="A person standing in front of a chart&#10;&#10;Description automatically generated">
+            <a:extLst>
+              <a:ext uri="{FF2B5EF4-FFF2-40B4-BE49-F238E27FC236}">
+                <a16:creationId xmlns:a16="http://schemas.microsoft.com/office/drawing/2014/main" id="{89F2577F-AA1B-187A-D3B7-D6068D586FFA}"/>
               </a:ext>
             </a:extLst>
           </p:cNvPr>
@@ -11833,53 +8421,18 @@
         </p:blipFill>
         <p:spPr>
           <a:xfrm>
-            <a:off x="3770532" y="2641187"/>
-            <a:ext cx="4650936" cy="3172493"/>
+            <a:off x="6700753" y="1825625"/>
+            <a:ext cx="3057696" cy="4351338"/>
           </a:xfrm>
           <a:prstGeom prst="rect">
             <a:avLst/>
           </a:prstGeom>
         </p:spPr>
       </p:pic>
-      <p:sp>
-        <p:nvSpPr>
-          <p:cNvPr id="12" name="TextBox 11">
-            <a:extLst>
-              <a:ext uri="{FF2B5EF4-FFF2-40B4-BE49-F238E27FC236}">
-                <a16:creationId xmlns:a16="http://schemas.microsoft.com/office/drawing/2014/main" id="{6B5B3E6D-E14F-7E67-4762-9250664DBFEB}"/>
-              </a:ext>
-            </a:extLst>
-          </p:cNvPr>
-          <p:cNvSpPr txBox="1"/>
-          <p:nvPr/>
-        </p:nvSpPr>
-        <p:spPr>
-          <a:xfrm>
-            <a:off x="4258277" y="5810656"/>
-            <a:ext cx="4163191" cy="369332"/>
-          </a:xfrm>
-          <a:prstGeom prst="rect">
-            <a:avLst/>
-          </a:prstGeom>
-          <a:noFill/>
-        </p:spPr>
-        <p:txBody>
-          <a:bodyPr wrap="none" rtlCol="0">
-            <a:spAutoFit/>
-          </a:bodyPr>
-          <a:lstStyle/>
-          <a:p>
-            <a:r>
-              <a:rPr lang="en-PK" dirty="0"/>
-              <a:t>Different types of model fit for the dataset</a:t>
-            </a:r>
-          </a:p>
-        </p:txBody>
-      </p:sp>
     </p:spTree>
     <p:extLst>
       <p:ext uri="{BB962C8B-B14F-4D97-AF65-F5344CB8AC3E}">
-        <p14:creationId xmlns:p14="http://schemas.microsoft.com/office/powerpoint/2010/main" val="2684720203"/>
+        <p14:creationId xmlns:p14="http://schemas.microsoft.com/office/powerpoint/2010/main" val="2862273913"/>
       </p:ext>
     </p:extLst>
   </p:cSld>
@@ -11894,7 +8447,13 @@
   <p:cSld>
     <p:spTree>
       <p:nvGrpSpPr>
-        <p:cNvPr id="1" name=""/>
+        <p:cNvPr id="1" name="">
+          <a:extLst>
+            <a:ext uri="{FF2B5EF4-FFF2-40B4-BE49-F238E27FC236}">
+              <a16:creationId xmlns:a16="http://schemas.microsoft.com/office/drawing/2014/main" id="{09FD0850-E51E-B6A1-3534-EEED17EF86B3}"/>
+            </a:ext>
+          </a:extLst>
+        </p:cNvPr>
         <p:cNvGrpSpPr/>
         <p:nvPr/>
       </p:nvGrpSpPr>
@@ -11911,7 +8470,7 @@
           <p:cNvPr id="2" name="Title 1">
             <a:extLst>
               <a:ext uri="{FF2B5EF4-FFF2-40B4-BE49-F238E27FC236}">
-                <a16:creationId xmlns:a16="http://schemas.microsoft.com/office/drawing/2014/main" id="{4DC42023-3CF4-2D83-F151-63AA56312750}"/>
+                <a16:creationId xmlns:a16="http://schemas.microsoft.com/office/drawing/2014/main" id="{056BD3B8-9244-BC5A-A86D-D34BBF0E0782}"/>
               </a:ext>
             </a:extLst>
           </p:cNvPr>
@@ -11929,17 +8488,17 @@
           <a:p>
             <a:r>
               <a:rPr lang="en-PK" dirty="0"/>
-              <a:t>Potential Problems</a:t>
+              <a:t>Color</a:t>
             </a:r>
           </a:p>
         </p:txBody>
       </p:sp>
       <p:sp>
         <p:nvSpPr>
-          <p:cNvPr id="3" name="Content Placeholder 2">
-            <a:extLst>
-              <a:ext uri="{FF2B5EF4-FFF2-40B4-BE49-F238E27FC236}">
-                <a16:creationId xmlns:a16="http://schemas.microsoft.com/office/drawing/2014/main" id="{A242F510-1794-1408-4DA3-8F22A06F875E}"/>
+          <p:cNvPr id="6" name="Content Placeholder 5">
+            <a:extLst>
+              <a:ext uri="{FF2B5EF4-FFF2-40B4-BE49-F238E27FC236}">
+                <a16:creationId xmlns:a16="http://schemas.microsoft.com/office/drawing/2014/main" id="{507249C9-0C78-BB2E-D8C3-92F52071B3B8}"/>
               </a:ext>
             </a:extLst>
           </p:cNvPr>
@@ -11957,97 +8516,51 @@
           <a:p>
             <a:r>
               <a:rPr lang="en-PK" dirty="0"/>
-              <a:t>When fitting the model many problems can </a:t>
-            </a:r>
-            <a:r>
-              <a:rPr lang="en-GB" dirty="0"/>
-              <a:t>occur</a:t>
-            </a:r>
-          </a:p>
-          <a:p>
-            <a:pPr marL="914400" lvl="1" indent="-457200">
-              <a:buFont typeface="+mj-lt"/>
-              <a:buAutoNum type="arabicPeriod"/>
-            </a:pPr>
-            <a:r>
-              <a:rPr lang="en-GB" dirty="0">
-                <a:effectLst/>
-              </a:rPr>
-              <a:t>Non-linearity of the response predictor relationships</a:t>
-            </a:r>
-          </a:p>
-          <a:p>
-            <a:pPr marL="914400" lvl="1" indent="-457200">
-              <a:buFont typeface="+mj-lt"/>
-              <a:buAutoNum type="arabicPeriod"/>
-            </a:pPr>
-            <a:r>
-              <a:rPr lang="en-GB" dirty="0">
-                <a:effectLst/>
-              </a:rPr>
-              <a:t>Correlation of error terms</a:t>
-            </a:r>
-          </a:p>
-          <a:p>
-            <a:pPr marL="914400" lvl="1" indent="-457200">
-              <a:buFont typeface="+mj-lt"/>
-              <a:buAutoNum type="arabicPeriod"/>
-            </a:pPr>
-            <a:r>
-              <a:rPr lang="en-GB" dirty="0">
-                <a:effectLst/>
-              </a:rPr>
-              <a:t>Non-constant variance of error terms.</a:t>
-            </a:r>
-          </a:p>
-          <a:p>
-            <a:pPr marL="914400" lvl="1" indent="-457200">
-              <a:buFont typeface="+mj-lt"/>
-              <a:buAutoNum type="arabicPeriod"/>
-            </a:pPr>
-            <a:r>
-              <a:rPr lang="en-GB" dirty="0">
-                <a:effectLst/>
-              </a:rPr>
-              <a:t>Outliers</a:t>
-            </a:r>
-            <a:endParaRPr lang="en-GB" dirty="0"/>
-          </a:p>
-          <a:p>
-            <a:pPr marL="914400" lvl="1" indent="-457200">
-              <a:buFont typeface="+mj-lt"/>
-              <a:buAutoNum type="arabicPeriod"/>
-            </a:pPr>
-            <a:r>
-              <a:rPr lang="en-GB" dirty="0">
-                <a:effectLst/>
-              </a:rPr>
-              <a:t>High-leverage points</a:t>
-            </a:r>
-            <a:endParaRPr lang="en-GB" dirty="0"/>
-          </a:p>
-          <a:p>
-            <a:pPr marL="914400" lvl="1" indent="-457200">
-              <a:buFont typeface="+mj-lt"/>
-              <a:buAutoNum type="arabicPeriod"/>
-            </a:pPr>
-            <a:r>
-              <a:rPr lang="en-GB" dirty="0">
-                <a:effectLst/>
-              </a:rPr>
-              <a:t>Collinearity</a:t>
-            </a:r>
-            <a:endParaRPr lang="en-GB" dirty="0"/>
-          </a:p>
-          <a:p>
-            <a:endParaRPr lang="en-PK" dirty="0"/>
+              <a:t>Evoke emotions</a:t>
+            </a:r>
           </a:p>
         </p:txBody>
       </p:sp>
+      <p:pic>
+        <p:nvPicPr>
+          <p:cNvPr id="7" name="Content Placeholder 4" descr="A person standing in front of a chart&#10;&#10;Description automatically generated">
+            <a:extLst>
+              <a:ext uri="{FF2B5EF4-FFF2-40B4-BE49-F238E27FC236}">
+                <a16:creationId xmlns:a16="http://schemas.microsoft.com/office/drawing/2014/main" id="{CDB94046-DAC3-615A-3FB2-1F4D1E1AC34B}"/>
+              </a:ext>
+            </a:extLst>
+          </p:cNvPr>
+          <p:cNvPicPr>
+            <a:picLocks noChangeAspect="1"/>
+          </p:cNvPicPr>
+          <p:nvPr/>
+        </p:nvPicPr>
+        <p:blipFill>
+          <a:blip r:embed="rId2">
+            <a:extLst>
+              <a:ext uri="{28A0092B-C50C-407E-A947-70E740481C1C}">
+                <a14:useLocalDpi xmlns:a14="http://schemas.microsoft.com/office/drawing/2010/main" val="0"/>
+              </a:ext>
+            </a:extLst>
+          </a:blip>
+          <a:stretch>
+            <a:fillRect/>
+          </a:stretch>
+        </p:blipFill>
+        <p:spPr>
+          <a:xfrm>
+            <a:off x="6700753" y="1825625"/>
+            <a:ext cx="3057696" cy="4351338"/>
+          </a:xfrm>
+          <a:prstGeom prst="rect">
+            <a:avLst/>
+          </a:prstGeom>
+        </p:spPr>
+      </p:pic>
     </p:spTree>
     <p:extLst>
       <p:ext uri="{BB962C8B-B14F-4D97-AF65-F5344CB8AC3E}">
-        <p14:creationId xmlns:p14="http://schemas.microsoft.com/office/powerpoint/2010/main" val="3687733716"/>
+        <p14:creationId xmlns:p14="http://schemas.microsoft.com/office/powerpoint/2010/main" val="2858580774"/>
       </p:ext>
     </p:extLst>
   </p:cSld>
@@ -12062,7 +8575,13 @@
   <p:cSld>
     <p:spTree>
       <p:nvGrpSpPr>
-        <p:cNvPr id="1" name=""/>
+        <p:cNvPr id="1" name="">
+          <a:extLst>
+            <a:ext uri="{FF2B5EF4-FFF2-40B4-BE49-F238E27FC236}">
+              <a16:creationId xmlns:a16="http://schemas.microsoft.com/office/drawing/2014/main" id="{F433C578-28F9-C404-F157-D2B0BD1FB0A9}"/>
+            </a:ext>
+          </a:extLst>
+        </p:cNvPr>
         <p:cNvGrpSpPr/>
         <p:nvPr/>
       </p:nvGrpSpPr>
@@ -12079,7 +8598,7 @@
           <p:cNvPr id="2" name="Title 1">
             <a:extLst>
               <a:ext uri="{FF2B5EF4-FFF2-40B4-BE49-F238E27FC236}">
-                <a16:creationId xmlns:a16="http://schemas.microsoft.com/office/drawing/2014/main" id="{15856CB9-228F-BB2B-BF44-923AE26EA215}"/>
+                <a16:creationId xmlns:a16="http://schemas.microsoft.com/office/drawing/2014/main" id="{8593C5ED-D1B6-2AE9-C527-715C4076F42E}"/>
               </a:ext>
             </a:extLst>
           </p:cNvPr>
@@ -12097,438 +8616,51 @@
           <a:p>
             <a:r>
               <a:rPr lang="en-PK" dirty="0"/>
-              <a:t>1. Non-Linearity </a:t>
+              <a:t>Typography</a:t>
             </a:r>
           </a:p>
         </p:txBody>
       </p:sp>
-      <mc:AlternateContent xmlns:mc="http://schemas.openxmlformats.org/markup-compatibility/2006">
-        <mc:Choice xmlns:a14="http://schemas.microsoft.com/office/drawing/2010/main" Requires="a14">
-          <p:sp>
-            <p:nvSpPr>
-              <p:cNvPr id="8" name="Content Placeholder 7">
-                <a:extLst>
-                  <a:ext uri="{FF2B5EF4-FFF2-40B4-BE49-F238E27FC236}">
-                    <a16:creationId xmlns:a16="http://schemas.microsoft.com/office/drawing/2014/main" id="{CF66AECF-9936-0941-8C75-192AD1E1064D}"/>
-                  </a:ext>
-                </a:extLst>
-              </p:cNvPr>
-              <p:cNvSpPr>
-                <a:spLocks noGrp="1"/>
-              </p:cNvSpPr>
-              <p:nvPr>
-                <p:ph idx="1"/>
-              </p:nvPr>
-            </p:nvSpPr>
-            <p:spPr/>
-            <p:txBody>
-              <a:bodyPr/>
-              <a:lstStyle/>
-              <a:p>
-                <a:r>
-                  <a:rPr lang="en-GB" dirty="0"/>
-                  <a:t>The residual</a:t>
-                </a:r>
-                <a:r>
-                  <a:rPr lang="en-PK" dirty="0"/>
-                  <a:t> Plot, for linear model its </a:t>
-                </a:r>
-                <a14:m>
-                  <m:oMath xmlns:m="http://schemas.openxmlformats.org/officeDocument/2006/math">
-                    <m:sSub>
-                      <m:sSubPr>
-                        <m:ctrlPr>
-                          <a:rPr lang="en-PK" i="1" kern="100" smtClean="0">
-                            <a:latin typeface="Cambria Math" panose="02040503050406030204" pitchFamily="18" charset="0"/>
-                            <a:ea typeface="Calibri" panose="020F0502020204030204" pitchFamily="34" charset="0"/>
-                            <a:cs typeface="Arial" panose="020B0604020202020204" pitchFamily="34" charset="0"/>
-                          </a:rPr>
-                        </m:ctrlPr>
-                      </m:sSubPr>
-                      <m:e>
-                        <m:r>
-                          <a:rPr lang="en-PK" i="1" kern="100">
-                            <a:latin typeface="Cambria Math" panose="02040503050406030204" pitchFamily="18" charset="0"/>
-                            <a:ea typeface="Calibri" panose="020F0502020204030204" pitchFamily="34" charset="0"/>
-                            <a:cs typeface="Arial" panose="020B0604020202020204" pitchFamily="34" charset="0"/>
-                          </a:rPr>
-                          <m:t>𝑒</m:t>
-                        </m:r>
-                      </m:e>
-                      <m:sub>
-                        <m:r>
-                          <a:rPr lang="en-PK" i="1" kern="100">
-                            <a:latin typeface="Cambria Math" panose="02040503050406030204" pitchFamily="18" charset="0"/>
-                            <a:ea typeface="Calibri" panose="020F0502020204030204" pitchFamily="34" charset="0"/>
-                            <a:cs typeface="Arial" panose="020B0604020202020204" pitchFamily="34" charset="0"/>
-                          </a:rPr>
-                          <m:t>𝑖</m:t>
-                        </m:r>
-                      </m:sub>
-                    </m:sSub>
-                  </m:oMath>
-                </a14:m>
-                <a:r>
-                  <a:rPr lang="en-PK" dirty="0"/>
-                  <a:t> versus </a:t>
-                </a:r>
-                <a14:m>
-                  <m:oMath xmlns:m="http://schemas.openxmlformats.org/officeDocument/2006/math">
-                    <m:sSub>
-                      <m:sSubPr>
-                        <m:ctrlPr>
-                          <a:rPr lang="en-PK" i="1" kern="100">
-                            <a:latin typeface="Cambria Math" panose="02040503050406030204" pitchFamily="18" charset="0"/>
-                            <a:ea typeface="Calibri" panose="020F0502020204030204" pitchFamily="34" charset="0"/>
-                            <a:cs typeface="Arial" panose="020B0604020202020204" pitchFamily="34" charset="0"/>
-                          </a:rPr>
-                        </m:ctrlPr>
-                      </m:sSubPr>
-                      <m:e>
-                        <m:r>
-                          <a:rPr lang="en-US" b="0" i="1" kern="100" smtClean="0">
-                            <a:latin typeface="Cambria Math" panose="02040503050406030204" pitchFamily="18" charset="0"/>
-                            <a:ea typeface="Calibri" panose="020F0502020204030204" pitchFamily="34" charset="0"/>
-                            <a:cs typeface="Arial" panose="020B0604020202020204" pitchFamily="34" charset="0"/>
-                          </a:rPr>
-                          <m:t>𝑥</m:t>
-                        </m:r>
-                      </m:e>
-                      <m:sub>
-                        <m:r>
-                          <a:rPr lang="en-PK" i="1" kern="100">
-                            <a:latin typeface="Cambria Math" panose="02040503050406030204" pitchFamily="18" charset="0"/>
-                            <a:ea typeface="Calibri" panose="020F0502020204030204" pitchFamily="34" charset="0"/>
-                            <a:cs typeface="Arial" panose="020B0604020202020204" pitchFamily="34" charset="0"/>
-                          </a:rPr>
-                          <m:t>𝑖</m:t>
-                        </m:r>
-                      </m:sub>
-                    </m:sSub>
-                  </m:oMath>
-                </a14:m>
-                <a:r>
-                  <a:rPr lang="en-PK" dirty="0"/>
-                  <a:t> </a:t>
-                </a:r>
-              </a:p>
-              <a:p>
-                <a:r>
-                  <a:rPr lang="en-PK" dirty="0"/>
-                  <a:t>For non-linear </a:t>
-                </a:r>
-                <a14:m>
-                  <m:oMath xmlns:m="http://schemas.openxmlformats.org/officeDocument/2006/math">
-                    <m:sSub>
-                      <m:sSubPr>
-                        <m:ctrlPr>
-                          <a:rPr lang="en-PK" i="1" kern="100" smtClean="0">
-                            <a:latin typeface="Cambria Math" panose="02040503050406030204" pitchFamily="18" charset="0"/>
-                            <a:ea typeface="Calibri" panose="020F0502020204030204" pitchFamily="34" charset="0"/>
-                            <a:cs typeface="Arial" panose="020B0604020202020204" pitchFamily="34" charset="0"/>
-                          </a:rPr>
-                        </m:ctrlPr>
-                      </m:sSubPr>
-                      <m:e>
-                        <m:r>
-                          <a:rPr lang="en-US" b="0" i="1" kern="100" smtClean="0">
-                            <a:latin typeface="Cambria Math" panose="02040503050406030204" pitchFamily="18" charset="0"/>
-                            <a:ea typeface="Calibri" panose="020F0502020204030204" pitchFamily="34" charset="0"/>
-                            <a:cs typeface="Arial" panose="020B0604020202020204" pitchFamily="34" charset="0"/>
-                          </a:rPr>
-                          <m:t>𝑒</m:t>
-                        </m:r>
-                      </m:e>
-                      <m:sub>
-                        <m:r>
-                          <a:rPr lang="en-PK" i="1" kern="100">
-                            <a:latin typeface="Cambria Math" panose="02040503050406030204" pitchFamily="18" charset="0"/>
-                            <a:ea typeface="Calibri" panose="020F0502020204030204" pitchFamily="34" charset="0"/>
-                            <a:cs typeface="Arial" panose="020B0604020202020204" pitchFamily="34" charset="0"/>
-                          </a:rPr>
-                          <m:t>𝑖</m:t>
-                        </m:r>
-                      </m:sub>
-                    </m:sSub>
-                  </m:oMath>
-                </a14:m>
-                <a:r>
-                  <a:rPr lang="en-PK" dirty="0"/>
-                  <a:t> versus</a:t>
-                </a:r>
-                <a14:m>
-                  <m:oMath xmlns:m="http://schemas.openxmlformats.org/officeDocument/2006/math">
-                    <m:r>
-                      <a:rPr lang="en-US" b="0" i="0" kern="100" smtClean="0">
-                        <a:latin typeface="Cambria Math" panose="02040503050406030204" pitchFamily="18" charset="0"/>
-                        <a:ea typeface="Calibri" panose="020F0502020204030204" pitchFamily="34" charset="0"/>
-                        <a:cs typeface="Arial" panose="020B0604020202020204" pitchFamily="34" charset="0"/>
-                      </a:rPr>
-                      <m:t> </m:t>
-                    </m:r>
-                    <m:sSub>
-                      <m:sSubPr>
-                        <m:ctrlPr>
-                          <a:rPr lang="en-PK" i="1" kern="100">
-                            <a:latin typeface="Cambria Math" panose="02040503050406030204" pitchFamily="18" charset="0"/>
-                            <a:ea typeface="Calibri" panose="020F0502020204030204" pitchFamily="34" charset="0"/>
-                            <a:cs typeface="Arial" panose="020B0604020202020204" pitchFamily="34" charset="0"/>
-                          </a:rPr>
-                        </m:ctrlPr>
-                      </m:sSubPr>
-                      <m:e>
-                        <m:acc>
-                          <m:accPr>
-                            <m:chr m:val="̂"/>
-                            <m:ctrlPr>
-                              <a:rPr lang="en-PK" i="1" kern="100">
-                                <a:latin typeface="Cambria Math" panose="02040503050406030204" pitchFamily="18" charset="0"/>
-                                <a:ea typeface="Calibri" panose="020F0502020204030204" pitchFamily="34" charset="0"/>
-                                <a:cs typeface="Arial" panose="020B0604020202020204" pitchFamily="34" charset="0"/>
-                              </a:rPr>
-                            </m:ctrlPr>
-                          </m:accPr>
-                          <m:e>
-                            <m:r>
-                              <a:rPr lang="en-PK" i="1" kern="100">
-                                <a:latin typeface="Cambria Math" panose="02040503050406030204" pitchFamily="18" charset="0"/>
-                                <a:ea typeface="Calibri" panose="020F0502020204030204" pitchFamily="34" charset="0"/>
-                                <a:cs typeface="Arial" panose="020B0604020202020204" pitchFamily="34" charset="0"/>
-                              </a:rPr>
-                              <m:t>𝑦</m:t>
-                            </m:r>
-                          </m:e>
-                        </m:acc>
-                      </m:e>
-                      <m:sub>
-                        <m:r>
-                          <a:rPr lang="en-PK" i="1" kern="100">
-                            <a:latin typeface="Cambria Math" panose="02040503050406030204" pitchFamily="18" charset="0"/>
-                            <a:ea typeface="Calibri" panose="020F0502020204030204" pitchFamily="34" charset="0"/>
-                            <a:cs typeface="Arial" panose="020B0604020202020204" pitchFamily="34" charset="0"/>
-                          </a:rPr>
-                          <m:t>𝑖</m:t>
-                        </m:r>
-                      </m:sub>
-                    </m:sSub>
-                  </m:oMath>
-                </a14:m>
-                <a:endParaRPr lang="en-PK" dirty="0"/>
-              </a:p>
-              <a:p>
-                <a:pPr marL="0" indent="0">
-                  <a:buNone/>
-                </a:pPr>
-                <a14:m>
-                  <m:oMathPara xmlns:m="http://schemas.openxmlformats.org/officeDocument/2006/math">
-                    <m:oMathParaPr>
-                      <m:jc m:val="centerGroup"/>
-                    </m:oMathParaPr>
-                    <m:oMath xmlns:m="http://schemas.openxmlformats.org/officeDocument/2006/math">
-                      <m:sSub>
-                        <m:sSubPr>
-                          <m:ctrlPr>
-                            <a:rPr lang="en-PK" sz="2400" i="1" kern="100" smtClean="0">
-                              <a:effectLst/>
-                              <a:ea typeface="Calibri" panose="020F0502020204030204" pitchFamily="34" charset="0"/>
-                              <a:cs typeface="Arial" panose="020B0604020202020204" pitchFamily="34" charset="0"/>
-                            </a:rPr>
-                          </m:ctrlPr>
-                        </m:sSubPr>
-                        <m:e>
-                          <m:r>
-                            <a:rPr lang="en-PK" sz="2400" i="1" kern="100">
-                              <a:effectLst/>
-                              <a:ea typeface="Calibri" panose="020F0502020204030204" pitchFamily="34" charset="0"/>
-                              <a:cs typeface="Arial" panose="020B0604020202020204" pitchFamily="34" charset="0"/>
-                            </a:rPr>
-                            <m:t>𝑒</m:t>
-                          </m:r>
-                        </m:e>
-                        <m:sub>
-                          <m:r>
-                            <a:rPr lang="en-PK" sz="2400" i="1" kern="100">
-                              <a:effectLst/>
-                              <a:ea typeface="Calibri" panose="020F0502020204030204" pitchFamily="34" charset="0"/>
-                              <a:cs typeface="Arial" panose="020B0604020202020204" pitchFamily="34" charset="0"/>
-                            </a:rPr>
-                            <m:t>𝑖</m:t>
-                          </m:r>
-                        </m:sub>
-                      </m:sSub>
-                      <m:r>
-                        <a:rPr lang="en-PK" sz="2400" i="1" kern="100">
-                          <a:effectLst/>
-                          <a:ea typeface="Calibri" panose="020F0502020204030204" pitchFamily="34" charset="0"/>
-                          <a:cs typeface="Arial" panose="020B0604020202020204" pitchFamily="34" charset="0"/>
-                        </a:rPr>
-                        <m:t>=</m:t>
-                      </m:r>
-                      <m:sSub>
-                        <m:sSubPr>
-                          <m:ctrlPr>
-                            <a:rPr lang="en-PK" sz="2400" i="1" kern="100">
-                              <a:effectLst/>
-                              <a:ea typeface="Calibri" panose="020F0502020204030204" pitchFamily="34" charset="0"/>
-                              <a:cs typeface="Arial" panose="020B0604020202020204" pitchFamily="34" charset="0"/>
-                            </a:rPr>
-                          </m:ctrlPr>
-                        </m:sSubPr>
-                        <m:e>
-                          <m:r>
-                            <a:rPr lang="en-PK" sz="2400" i="1" kern="100">
-                              <a:effectLst/>
-                              <a:ea typeface="Calibri" panose="020F0502020204030204" pitchFamily="34" charset="0"/>
-                              <a:cs typeface="Arial" panose="020B0604020202020204" pitchFamily="34" charset="0"/>
-                            </a:rPr>
-                            <m:t>𝑦</m:t>
-                          </m:r>
-                        </m:e>
-                        <m:sub>
-                          <m:r>
-                            <a:rPr lang="en-PK" sz="2400" i="1" kern="100">
-                              <a:effectLst/>
-                              <a:ea typeface="Calibri" panose="020F0502020204030204" pitchFamily="34" charset="0"/>
-                              <a:cs typeface="Arial" panose="020B0604020202020204" pitchFamily="34" charset="0"/>
-                            </a:rPr>
-                            <m:t>𝑖</m:t>
-                          </m:r>
-                        </m:sub>
-                      </m:sSub>
-                      <m:r>
-                        <a:rPr lang="en-PK" sz="2400" i="1" kern="100">
-                          <a:effectLst/>
-                          <a:ea typeface="Calibri" panose="020F0502020204030204" pitchFamily="34" charset="0"/>
-                          <a:cs typeface="Arial" panose="020B0604020202020204" pitchFamily="34" charset="0"/>
-                        </a:rPr>
-                        <m:t>−</m:t>
-                      </m:r>
-                      <m:sSub>
-                        <m:sSubPr>
-                          <m:ctrlPr>
-                            <a:rPr lang="en-PK" sz="2400" i="1" kern="100">
-                              <a:effectLst/>
-                              <a:ea typeface="Calibri" panose="020F0502020204030204" pitchFamily="34" charset="0"/>
-                              <a:cs typeface="Arial" panose="020B0604020202020204" pitchFamily="34" charset="0"/>
-                            </a:rPr>
-                          </m:ctrlPr>
-                        </m:sSubPr>
-                        <m:e>
-                          <m:acc>
-                            <m:accPr>
-                              <m:chr m:val="̂"/>
-                              <m:ctrlPr>
-                                <a:rPr lang="en-PK" sz="2400" i="1" kern="100">
-                                  <a:effectLst/>
-                                  <a:ea typeface="Calibri" panose="020F0502020204030204" pitchFamily="34" charset="0"/>
-                                  <a:cs typeface="Arial" panose="020B0604020202020204" pitchFamily="34" charset="0"/>
-                                </a:rPr>
-                              </m:ctrlPr>
-                            </m:accPr>
-                            <m:e>
-                              <m:r>
-                                <a:rPr lang="en-PK" sz="2400" i="1" kern="100">
-                                  <a:effectLst/>
-                                  <a:ea typeface="Calibri" panose="020F0502020204030204" pitchFamily="34" charset="0"/>
-                                  <a:cs typeface="Arial" panose="020B0604020202020204" pitchFamily="34" charset="0"/>
-                                </a:rPr>
-                                <m:t>𝑦</m:t>
-                              </m:r>
-                            </m:e>
-                          </m:acc>
-                        </m:e>
-                        <m:sub>
-                          <m:r>
-                            <a:rPr lang="en-PK" sz="2400" i="1" kern="100">
-                              <a:effectLst/>
-                              <a:ea typeface="Calibri" panose="020F0502020204030204" pitchFamily="34" charset="0"/>
-                              <a:cs typeface="Arial" panose="020B0604020202020204" pitchFamily="34" charset="0"/>
-                            </a:rPr>
-                            <m:t>𝑖</m:t>
-                          </m:r>
-                        </m:sub>
-                      </m:sSub>
-                    </m:oMath>
-                  </m:oMathPara>
-                </a14:m>
-                <a:endParaRPr lang="en-PK" sz="2400" kern="100" dirty="0">
-                  <a:effectLst/>
-                  <a:ea typeface="Calibri" panose="020F0502020204030204" pitchFamily="34" charset="0"/>
-                  <a:cs typeface="Arial" panose="020B0604020202020204" pitchFamily="34" charset="0"/>
-                </a:endParaRPr>
-              </a:p>
-              <a:p>
-                <a:pPr marL="0" indent="0">
-                  <a:buNone/>
-                </a:pPr>
-                <a:endParaRPr lang="en-PK" sz="2400" kern="100" dirty="0">
-                  <a:effectLst/>
-                  <a:ea typeface="Calibri" panose="020F0502020204030204" pitchFamily="34" charset="0"/>
-                  <a:cs typeface="Arial" panose="020B0604020202020204" pitchFamily="34" charset="0"/>
-                </a:endParaRPr>
-              </a:p>
-              <a:p>
-                <a:pPr marL="0" indent="0">
-                  <a:buNone/>
-                </a:pPr>
-                <a:endParaRPr lang="en-PK" sz="2400" kern="100" dirty="0">
-                  <a:effectLst/>
-                  <a:ea typeface="Calibri" panose="020F0502020204030204" pitchFamily="34" charset="0"/>
-                  <a:cs typeface="Arial" panose="020B0604020202020204" pitchFamily="34" charset="0"/>
-                </a:endParaRPr>
-              </a:p>
-              <a:p>
-                <a:endParaRPr lang="en-PK" dirty="0"/>
-              </a:p>
-            </p:txBody>
-          </p:sp>
-        </mc:Choice>
-        <mc:Fallback>
-          <p:sp>
-            <p:nvSpPr>
-              <p:cNvPr id="8" name="Content Placeholder 7">
-                <a:extLst>
-                  <a:ext uri="{FF2B5EF4-FFF2-40B4-BE49-F238E27FC236}">
-                    <a16:creationId xmlns:a16="http://schemas.microsoft.com/office/drawing/2014/main" id="{CF66AECF-9936-0941-8C75-192AD1E1064D}"/>
-                  </a:ext>
-                </a:extLst>
-              </p:cNvPr>
-              <p:cNvSpPr>
-                <a:spLocks noGrp="1" noRot="1" noChangeAspect="1" noMove="1" noResize="1" noEditPoints="1" noAdjustHandles="1" noChangeArrowheads="1" noChangeShapeType="1" noTextEdit="1"/>
-              </p:cNvSpPr>
-              <p:nvPr>
-                <p:ph idx="1"/>
-              </p:nvPr>
-            </p:nvSpPr>
-            <p:spPr>
-              <a:blipFill>
-                <a:blip r:embed="rId2"/>
-                <a:stretch>
-                  <a:fillRect l="-1086" t="-2326"/>
-                </a:stretch>
-              </a:blipFill>
-            </p:spPr>
-            <p:txBody>
-              <a:bodyPr/>
-              <a:lstStyle/>
-              <a:p>
-                <a:r>
-                  <a:rPr lang="en-PK">
-                    <a:noFill/>
-                  </a:rPr>
-                  <a:t> </a:t>
-                </a:r>
-              </a:p>
-            </p:txBody>
-          </p:sp>
-        </mc:Fallback>
-      </mc:AlternateContent>
+      <p:sp>
+        <p:nvSpPr>
+          <p:cNvPr id="6" name="Content Placeholder 5">
+            <a:extLst>
+              <a:ext uri="{FF2B5EF4-FFF2-40B4-BE49-F238E27FC236}">
+                <a16:creationId xmlns:a16="http://schemas.microsoft.com/office/drawing/2014/main" id="{3C2D7B9C-CBC5-DE00-3817-5A69EE8C8DD8}"/>
+              </a:ext>
+            </a:extLst>
+          </p:cNvPr>
+          <p:cNvSpPr>
+            <a:spLocks noGrp="1"/>
+          </p:cNvSpPr>
+          <p:nvPr>
+            <p:ph idx="1"/>
+          </p:nvPr>
+        </p:nvSpPr>
+        <p:spPr/>
+        <p:txBody>
+          <a:bodyPr/>
+          <a:lstStyle/>
+          <a:p>
+            <a:r>
+              <a:rPr lang="en-PK" dirty="0"/>
+              <a:t>Text is readable</a:t>
+            </a:r>
+          </a:p>
+          <a:p>
+            <a:r>
+              <a:rPr lang="en-PK" dirty="0"/>
+              <a:t>Pleasing</a:t>
+            </a:r>
+          </a:p>
+        </p:txBody>
+      </p:sp>
       <p:pic>
         <p:nvPicPr>
-          <p:cNvPr id="13" name="Picture 12" descr="A comparison of a plot&#10;&#10;Description automatically generated with medium confidence">
-            <a:extLst>
-              <a:ext uri="{FF2B5EF4-FFF2-40B4-BE49-F238E27FC236}">
-                <a16:creationId xmlns:a16="http://schemas.microsoft.com/office/drawing/2014/main" id="{2A4435DD-1698-673D-B134-9E632E439DD3}"/>
+          <p:cNvPr id="7" name="Content Placeholder 4" descr="A person standing in front of a chart&#10;&#10;Description automatically generated">
+            <a:extLst>
+              <a:ext uri="{FF2B5EF4-FFF2-40B4-BE49-F238E27FC236}">
+                <a16:creationId xmlns:a16="http://schemas.microsoft.com/office/drawing/2014/main" id="{29C73E44-6A54-1C2E-000A-1FED46A300AD}"/>
               </a:ext>
             </a:extLst>
           </p:cNvPr>
@@ -12538,7 +8670,7 @@
           <p:nvPr/>
         </p:nvPicPr>
         <p:blipFill>
-          <a:blip r:embed="rId3">
+          <a:blip r:embed="rId2">
             <a:extLst>
               <a:ext uri="{28A0092B-C50C-407E-A947-70E740481C1C}">
                 <a14:useLocalDpi xmlns:a14="http://schemas.microsoft.com/office/drawing/2010/main" val="0"/>
@@ -12551,53 +8683,18 @@
         </p:blipFill>
         <p:spPr>
           <a:xfrm>
-            <a:off x="3332455" y="3325813"/>
-            <a:ext cx="5527090" cy="2851150"/>
+            <a:off x="6700753" y="1825625"/>
+            <a:ext cx="3057696" cy="4351338"/>
           </a:xfrm>
           <a:prstGeom prst="rect">
             <a:avLst/>
           </a:prstGeom>
         </p:spPr>
       </p:pic>
-      <p:sp>
-        <p:nvSpPr>
-          <p:cNvPr id="14" name="TextBox 13">
-            <a:extLst>
-              <a:ext uri="{FF2B5EF4-FFF2-40B4-BE49-F238E27FC236}">
-                <a16:creationId xmlns:a16="http://schemas.microsoft.com/office/drawing/2014/main" id="{7A790B7F-FD36-375C-80E1-DEA1A8491393}"/>
-              </a:ext>
-            </a:extLst>
-          </p:cNvPr>
-          <p:cNvSpPr txBox="1"/>
-          <p:nvPr/>
-        </p:nvSpPr>
-        <p:spPr>
-          <a:xfrm>
-            <a:off x="3720638" y="6127234"/>
-            <a:ext cx="4750724" cy="369332"/>
-          </a:xfrm>
-          <a:prstGeom prst="rect">
-            <a:avLst/>
-          </a:prstGeom>
-          <a:noFill/>
-        </p:spPr>
-        <p:txBody>
-          <a:bodyPr wrap="none" rtlCol="0">
-            <a:spAutoFit/>
-          </a:bodyPr>
-          <a:lstStyle/>
-          <a:p>
-            <a:r>
-              <a:rPr lang="en-PK" dirty="0"/>
-              <a:t>Residual plot for the linear and non-linear model</a:t>
-            </a:r>
-          </a:p>
-        </p:txBody>
-      </p:sp>
     </p:spTree>
     <p:extLst>
       <p:ext uri="{BB962C8B-B14F-4D97-AF65-F5344CB8AC3E}">
-        <p14:creationId xmlns:p14="http://schemas.microsoft.com/office/powerpoint/2010/main" val="3417913727"/>
+        <p14:creationId xmlns:p14="http://schemas.microsoft.com/office/powerpoint/2010/main" val="3141221572"/>
       </p:ext>
     </p:extLst>
   </p:cSld>
@@ -12612,7 +8709,13 @@
   <p:cSld>
     <p:spTree>
       <p:nvGrpSpPr>
-        <p:cNvPr id="1" name=""/>
+        <p:cNvPr id="1" name="">
+          <a:extLst>
+            <a:ext uri="{FF2B5EF4-FFF2-40B4-BE49-F238E27FC236}">
+              <a16:creationId xmlns:a16="http://schemas.microsoft.com/office/drawing/2014/main" id="{33D5E1CF-811F-BD03-3FA2-44664FCCE2BE}"/>
+            </a:ext>
+          </a:extLst>
+        </p:cNvPr>
         <p:cNvGrpSpPr/>
         <p:nvPr/>
       </p:nvGrpSpPr>
@@ -12629,7 +8732,7 @@
           <p:cNvPr id="2" name="Title 1">
             <a:extLst>
               <a:ext uri="{FF2B5EF4-FFF2-40B4-BE49-F238E27FC236}">
-                <a16:creationId xmlns:a16="http://schemas.microsoft.com/office/drawing/2014/main" id="{FE8309D4-C708-4FFC-31FB-03BBBAC852AD}"/>
+                <a16:creationId xmlns:a16="http://schemas.microsoft.com/office/drawing/2014/main" id="{BC006E2D-A03E-3C97-87C7-1A3EBCF63370}"/>
               </a:ext>
             </a:extLst>
           </p:cNvPr>
@@ -12642,196 +8745,92 @@
         </p:nvSpPr>
         <p:spPr/>
         <p:txBody>
-          <a:bodyPr>
-            <a:normAutofit fontScale="90000"/>
-          </a:bodyPr>
+          <a:bodyPr/>
           <a:lstStyle/>
           <a:p>
-            <a:br>
+            <a:r>
               <a:rPr lang="en-PK" dirty="0"/>
-            </a:br>
-            <a:r>
-              <a:rPr lang="en-PK" dirty="0"/>
-              <a:t>Non-Linearity</a:t>
-            </a:r>
-            <a:br>
-              <a:rPr lang="en-PK" dirty="0"/>
-            </a:br>
-            <a:endParaRPr lang="en-PK" dirty="0"/>
+              <a:t>Simplicity</a:t>
+            </a:r>
           </a:p>
         </p:txBody>
       </p:sp>
-      <mc:AlternateContent xmlns:mc="http://schemas.openxmlformats.org/markup-compatibility/2006">
-        <mc:Choice xmlns:a14="http://schemas.microsoft.com/office/drawing/2010/main" Requires="a14">
-          <p:sp>
-            <p:nvSpPr>
-              <p:cNvPr id="3" name="Content Placeholder 2">
-                <a:extLst>
-                  <a:ext uri="{FF2B5EF4-FFF2-40B4-BE49-F238E27FC236}">
-                    <a16:creationId xmlns:a16="http://schemas.microsoft.com/office/drawing/2014/main" id="{AFB48F15-9A71-7F80-FB7B-20074D0640F0}"/>
-                  </a:ext>
-                </a:extLst>
-              </p:cNvPr>
-              <p:cNvSpPr>
-                <a:spLocks noGrp="1"/>
-              </p:cNvSpPr>
-              <p:nvPr>
-                <p:ph idx="1"/>
-              </p:nvPr>
-            </p:nvSpPr>
-            <p:spPr/>
-            <p:txBody>
-              <a:bodyPr/>
-              <a:lstStyle/>
-              <a:p>
-                <a:r>
-                  <a:rPr lang="en-PK" dirty="0"/>
-                  <a:t>If there is non-linearity we can use</a:t>
-                </a:r>
-              </a:p>
-              <a:p>
-                <a:pPr lvl="1"/>
-                <a:r>
-                  <a:rPr lang="en-GB" dirty="0"/>
-                  <a:t>Log </a:t>
-                </a:r>
-                <a:r>
-                  <a:rPr lang="en-GB" dirty="0">
-                    <a:effectLst/>
-                  </a:rPr>
-                  <a:t>X</a:t>
-                </a:r>
-              </a:p>
-              <a:p>
-                <a:pPr lvl="1"/>
-                <a14:m>
-                  <m:oMath xmlns:m="http://schemas.openxmlformats.org/officeDocument/2006/math">
-                    <m:rad>
-                      <m:radPr>
-                        <m:degHide m:val="on"/>
-                        <m:ctrlPr>
-                          <a:rPr lang="en-PK" i="1" kern="100" smtClean="0">
-                            <a:effectLst/>
-                            <a:ea typeface="Calibri" panose="020F0502020204030204" pitchFamily="34" charset="0"/>
-                            <a:cs typeface="Arial" panose="020B0604020202020204" pitchFamily="34" charset="0"/>
-                          </a:rPr>
-                        </m:ctrlPr>
-                      </m:radPr>
-                      <m:deg/>
-                      <m:e>
-                        <m:r>
-                          <a:rPr lang="en-US" i="1" kern="100">
-                            <a:effectLst/>
-                            <a:ea typeface="Calibri" panose="020F0502020204030204" pitchFamily="34" charset="0"/>
-                            <a:cs typeface="Arial" panose="020B0604020202020204" pitchFamily="34" charset="0"/>
-                          </a:rPr>
-                          <m:t>𝑥</m:t>
-                        </m:r>
-                      </m:e>
-                    </m:rad>
-                  </m:oMath>
-                </a14:m>
-                <a:endParaRPr lang="en-PK" kern="100" dirty="0">
-                  <a:effectLst/>
-                  <a:ea typeface="Calibri" panose="020F0502020204030204" pitchFamily="34" charset="0"/>
-                  <a:cs typeface="Arial" panose="020B0604020202020204" pitchFamily="34" charset="0"/>
-                </a:endParaRPr>
-              </a:p>
-              <a:p>
-                <a:pPr lvl="1"/>
-                <a14:m>
-                  <m:oMath xmlns:m="http://schemas.openxmlformats.org/officeDocument/2006/math">
-                    <m:sSup>
-                      <m:sSupPr>
-                        <m:ctrlPr>
-                          <a:rPr lang="en-PK" i="1" kern="100" smtClean="0">
-                            <a:effectLst/>
-                            <a:ea typeface="Calibri" panose="020F0502020204030204" pitchFamily="34" charset="0"/>
-                            <a:cs typeface="Arial" panose="020B0604020202020204" pitchFamily="34" charset="0"/>
-                          </a:rPr>
-                        </m:ctrlPr>
-                      </m:sSupPr>
-                      <m:e>
-                        <m:r>
-                          <a:rPr lang="en-US" i="1" kern="100">
-                            <a:effectLst/>
-                            <a:ea typeface="Calibri" panose="020F0502020204030204" pitchFamily="34" charset="0"/>
-                            <a:cs typeface="Arial" panose="020B0604020202020204" pitchFamily="34" charset="0"/>
-                          </a:rPr>
-                          <m:t>𝑥</m:t>
-                        </m:r>
-                      </m:e>
-                      <m:sup>
-                        <m:r>
-                          <a:rPr lang="en-US" i="1" kern="100">
-                            <a:effectLst/>
-                            <a:ea typeface="Calibri" panose="020F0502020204030204" pitchFamily="34" charset="0"/>
-                            <a:cs typeface="Arial" panose="020B0604020202020204" pitchFamily="34" charset="0"/>
-                          </a:rPr>
-                          <m:t>2</m:t>
-                        </m:r>
-                      </m:sup>
-                    </m:sSup>
-                  </m:oMath>
-                </a14:m>
-                <a:r>
-                  <a:rPr lang="en-PK" kern="100" dirty="0">
-                    <a:cs typeface="Arial" panose="020B0604020202020204" pitchFamily="34" charset="0"/>
-                  </a:rPr>
-                  <a:t> etc. </a:t>
-                </a:r>
-                <a:endParaRPr lang="en-GB" dirty="0"/>
-              </a:p>
-              <a:p>
-                <a:endParaRPr lang="en-PK" dirty="0"/>
-              </a:p>
-            </p:txBody>
-          </p:sp>
-        </mc:Choice>
-        <mc:Fallback>
-          <p:sp>
-            <p:nvSpPr>
-              <p:cNvPr id="3" name="Content Placeholder 2">
-                <a:extLst>
-                  <a:ext uri="{FF2B5EF4-FFF2-40B4-BE49-F238E27FC236}">
-                    <a16:creationId xmlns:a16="http://schemas.microsoft.com/office/drawing/2014/main" id="{AFB48F15-9A71-7F80-FB7B-20074D0640F0}"/>
-                  </a:ext>
-                </a:extLst>
-              </p:cNvPr>
-              <p:cNvSpPr>
-                <a:spLocks noGrp="1" noRot="1" noChangeAspect="1" noMove="1" noResize="1" noEditPoints="1" noAdjustHandles="1" noChangeArrowheads="1" noChangeShapeType="1" noTextEdit="1"/>
-              </p:cNvSpPr>
-              <p:nvPr>
-                <p:ph idx="1"/>
-              </p:nvPr>
-            </p:nvSpPr>
-            <p:spPr>
-              <a:blipFill>
-                <a:blip r:embed="rId2"/>
-                <a:stretch>
-                  <a:fillRect l="-1086" t="-2326"/>
-                </a:stretch>
-              </a:blipFill>
-            </p:spPr>
-            <p:txBody>
-              <a:bodyPr/>
-              <a:lstStyle/>
-              <a:p>
-                <a:r>
-                  <a:rPr lang="en-PK">
-                    <a:noFill/>
-                  </a:rPr>
-                  <a:t> </a:t>
-                </a:r>
-              </a:p>
-            </p:txBody>
-          </p:sp>
-        </mc:Fallback>
-      </mc:AlternateContent>
+      <p:sp>
+        <p:nvSpPr>
+          <p:cNvPr id="6" name="Content Placeholder 5">
+            <a:extLst>
+              <a:ext uri="{FF2B5EF4-FFF2-40B4-BE49-F238E27FC236}">
+                <a16:creationId xmlns:a16="http://schemas.microsoft.com/office/drawing/2014/main" id="{F8C98BEC-076A-8E0E-F0AE-7BD06D010F80}"/>
+              </a:ext>
+            </a:extLst>
+          </p:cNvPr>
+          <p:cNvSpPr>
+            <a:spLocks noGrp="1"/>
+          </p:cNvSpPr>
+          <p:nvPr>
+            <p:ph idx="1"/>
+          </p:nvPr>
+        </p:nvSpPr>
+        <p:spPr/>
+        <p:txBody>
+          <a:bodyPr/>
+          <a:lstStyle/>
+          <a:p>
+            <a:r>
+              <a:rPr lang="en-PK" dirty="0"/>
+              <a:t>Nec</a:t>
+            </a:r>
+            <a:r>
+              <a:rPr lang="en-GB" dirty="0"/>
+              <a:t>e</a:t>
+            </a:r>
+            <a:r>
+              <a:rPr lang="en-PK" dirty="0"/>
+              <a:t>ssary elements</a:t>
+            </a:r>
+          </a:p>
+        </p:txBody>
+      </p:sp>
+      <p:pic>
+        <p:nvPicPr>
+          <p:cNvPr id="7" name="Content Placeholder 4" descr="A person standing in front of a chart&#10;&#10;Description automatically generated">
+            <a:extLst>
+              <a:ext uri="{FF2B5EF4-FFF2-40B4-BE49-F238E27FC236}">
+                <a16:creationId xmlns:a16="http://schemas.microsoft.com/office/drawing/2014/main" id="{0FDCB0D4-D660-6477-4C08-AC95AD599D77}"/>
+              </a:ext>
+            </a:extLst>
+          </p:cNvPr>
+          <p:cNvPicPr>
+            <a:picLocks noChangeAspect="1"/>
+          </p:cNvPicPr>
+          <p:nvPr/>
+        </p:nvPicPr>
+        <p:blipFill>
+          <a:blip r:embed="rId2">
+            <a:extLst>
+              <a:ext uri="{28A0092B-C50C-407E-A947-70E740481C1C}">
+                <a14:useLocalDpi xmlns:a14="http://schemas.microsoft.com/office/drawing/2010/main" val="0"/>
+              </a:ext>
+            </a:extLst>
+          </a:blip>
+          <a:stretch>
+            <a:fillRect/>
+          </a:stretch>
+        </p:blipFill>
+        <p:spPr>
+          <a:xfrm>
+            <a:off x="6700753" y="1825625"/>
+            <a:ext cx="3057696" cy="4351338"/>
+          </a:xfrm>
+          <a:prstGeom prst="rect">
+            <a:avLst/>
+          </a:prstGeom>
+        </p:spPr>
+      </p:pic>
     </p:spTree>
     <p:extLst>
       <p:ext uri="{BB962C8B-B14F-4D97-AF65-F5344CB8AC3E}">
-        <p14:creationId xmlns:p14="http://schemas.microsoft.com/office/powerpoint/2010/main" val="825518265"/>
+        <p14:creationId xmlns:p14="http://schemas.microsoft.com/office/powerpoint/2010/main" val="2300616177"/>
       </p:ext>
     </p:extLst>
   </p:cSld>
@@ -13136,27 +9135,302 @@
 </a:theme>
 </file>
 
-<file path=customXml/item1.xml><?xml version="1.0" encoding="utf-8"?>
-<?mso-contentType ?>
-<FormTemplates xmlns="http://schemas.microsoft.com/sharepoint/v3/contenttype/forms">
-  <Display>DocumentLibraryForm</Display>
-  <Edit>DocumentLibraryForm</Edit>
-  <New>DocumentLibraryForm</New>
-</FormTemplates>
+<file path=ppt/theme/theme2.xml><?xml version="1.0" encoding="utf-8"?>
+<a:theme xmlns:a="http://schemas.openxmlformats.org/drawingml/2006/main" name="Office Theme">
+  <a:themeElements>
+    <a:clrScheme name="Office">
+      <a:dk1>
+        <a:sysClr val="windowText" lastClr="000000"/>
+      </a:dk1>
+      <a:lt1>
+        <a:sysClr val="window" lastClr="FFFFFF"/>
+      </a:lt1>
+      <a:dk2>
+        <a:srgbClr val="44546A"/>
+      </a:dk2>
+      <a:lt2>
+        <a:srgbClr val="E7E6E6"/>
+      </a:lt2>
+      <a:accent1>
+        <a:srgbClr val="4472C4"/>
+      </a:accent1>
+      <a:accent2>
+        <a:srgbClr val="ED7D31"/>
+      </a:accent2>
+      <a:accent3>
+        <a:srgbClr val="A5A5A5"/>
+      </a:accent3>
+      <a:accent4>
+        <a:srgbClr val="FFC000"/>
+      </a:accent4>
+      <a:accent5>
+        <a:srgbClr val="5B9BD5"/>
+      </a:accent5>
+      <a:accent6>
+        <a:srgbClr val="70AD47"/>
+      </a:accent6>
+      <a:hlink>
+        <a:srgbClr val="0563C1"/>
+      </a:hlink>
+      <a:folHlink>
+        <a:srgbClr val="954F72"/>
+      </a:folHlink>
+    </a:clrScheme>
+    <a:fontScheme name="Office">
+      <a:majorFont>
+        <a:latin typeface="Calibri Light" panose="020F0302020204030204"/>
+        <a:ea typeface=""/>
+        <a:cs typeface=""/>
+        <a:font script="Jpan" typeface="游ゴシック Light"/>
+        <a:font script="Hang" typeface="맑은 고딕"/>
+        <a:font script="Hans" typeface="等线 Light"/>
+        <a:font script="Hant" typeface="新細明體"/>
+        <a:font script="Arab" typeface="Times New Roman"/>
+        <a:font script="Hebr" typeface="Times New Roman"/>
+        <a:font script="Thai" typeface="Angsana New"/>
+        <a:font script="Ethi" typeface="Nyala"/>
+        <a:font script="Beng" typeface="Vrinda"/>
+        <a:font script="Gujr" typeface="Shruti"/>
+        <a:font script="Khmr" typeface="MoolBoran"/>
+        <a:font script="Knda" typeface="Tunga"/>
+        <a:font script="Guru" typeface="Raavi"/>
+        <a:font script="Cans" typeface="Euphemia"/>
+        <a:font script="Cher" typeface="Plantagenet Cherokee"/>
+        <a:font script="Yiii" typeface="Microsoft Yi Baiti"/>
+        <a:font script="Tibt" typeface="Microsoft Himalaya"/>
+        <a:font script="Thaa" typeface="MV Boli"/>
+        <a:font script="Deva" typeface="Mangal"/>
+        <a:font script="Telu" typeface="Gautami"/>
+        <a:font script="Taml" typeface="Latha"/>
+        <a:font script="Syrc" typeface="Estrangelo Edessa"/>
+        <a:font script="Orya" typeface="Kalinga"/>
+        <a:font script="Mlym" typeface="Kartika"/>
+        <a:font script="Laoo" typeface="DokChampa"/>
+        <a:font script="Sinh" typeface="Iskoola Pota"/>
+        <a:font script="Mong" typeface="Mongolian Baiti"/>
+        <a:font script="Viet" typeface="Times New Roman"/>
+        <a:font script="Uigh" typeface="Microsoft Uighur"/>
+        <a:font script="Geor" typeface="Sylfaen"/>
+        <a:font script="Armn" typeface="Arial"/>
+        <a:font script="Bugi" typeface="Leelawadee UI"/>
+        <a:font script="Bopo" typeface="Microsoft JhengHei"/>
+        <a:font script="Java" typeface="Javanese Text"/>
+        <a:font script="Lisu" typeface="Segoe UI"/>
+        <a:font script="Mymr" typeface="Myanmar Text"/>
+        <a:font script="Nkoo" typeface="Ebrima"/>
+        <a:font script="Olck" typeface="Nirmala UI"/>
+        <a:font script="Osma" typeface="Ebrima"/>
+        <a:font script="Phag" typeface="Phagspa"/>
+        <a:font script="Syrn" typeface="Estrangelo Edessa"/>
+        <a:font script="Syrj" typeface="Estrangelo Edessa"/>
+        <a:font script="Syre" typeface="Estrangelo Edessa"/>
+        <a:font script="Sora" typeface="Nirmala UI"/>
+        <a:font script="Tale" typeface="Microsoft Tai Le"/>
+        <a:font script="Talu" typeface="Microsoft New Tai Lue"/>
+        <a:font script="Tfng" typeface="Ebrima"/>
+      </a:majorFont>
+      <a:minorFont>
+        <a:latin typeface="Calibri" panose="020F0502020204030204"/>
+        <a:ea typeface=""/>
+        <a:cs typeface=""/>
+        <a:font script="Jpan" typeface="游ゴシック"/>
+        <a:font script="Hang" typeface="맑은 고딕"/>
+        <a:font script="Hans" typeface="等线"/>
+        <a:font script="Hant" typeface="新細明體"/>
+        <a:font script="Arab" typeface="Arial"/>
+        <a:font script="Hebr" typeface="Arial"/>
+        <a:font script="Thai" typeface="Cordia New"/>
+        <a:font script="Ethi" typeface="Nyala"/>
+        <a:font script="Beng" typeface="Vrinda"/>
+        <a:font script="Gujr" typeface="Shruti"/>
+        <a:font script="Khmr" typeface="DaunPenh"/>
+        <a:font script="Knda" typeface="Tunga"/>
+        <a:font script="Guru" typeface="Raavi"/>
+        <a:font script="Cans" typeface="Euphemia"/>
+        <a:font script="Cher" typeface="Plantagenet Cherokee"/>
+        <a:font script="Yiii" typeface="Microsoft Yi Baiti"/>
+        <a:font script="Tibt" typeface="Microsoft Himalaya"/>
+        <a:font script="Thaa" typeface="MV Boli"/>
+        <a:font script="Deva" typeface="Mangal"/>
+        <a:font script="Telu" typeface="Gautami"/>
+        <a:font script="Taml" typeface="Latha"/>
+        <a:font script="Syrc" typeface="Estrangelo Edessa"/>
+        <a:font script="Orya" typeface="Kalinga"/>
+        <a:font script="Mlym" typeface="Kartika"/>
+        <a:font script="Laoo" typeface="DokChampa"/>
+        <a:font script="Sinh" typeface="Iskoola Pota"/>
+        <a:font script="Mong" typeface="Mongolian Baiti"/>
+        <a:font script="Viet" typeface="Arial"/>
+        <a:font script="Uigh" typeface="Microsoft Uighur"/>
+        <a:font script="Geor" typeface="Sylfaen"/>
+        <a:font script="Armn" typeface="Arial"/>
+        <a:font script="Bugi" typeface="Leelawadee UI"/>
+        <a:font script="Bopo" typeface="Microsoft JhengHei"/>
+        <a:font script="Java" typeface="Javanese Text"/>
+        <a:font script="Lisu" typeface="Segoe UI"/>
+        <a:font script="Mymr" typeface="Myanmar Text"/>
+        <a:font script="Nkoo" typeface="Ebrima"/>
+        <a:font script="Olck" typeface="Nirmala UI"/>
+        <a:font script="Osma" typeface="Ebrima"/>
+        <a:font script="Phag" typeface="Phagspa"/>
+        <a:font script="Syrn" typeface="Estrangelo Edessa"/>
+        <a:font script="Syrj" typeface="Estrangelo Edessa"/>
+        <a:font script="Syre" typeface="Estrangelo Edessa"/>
+        <a:font script="Sora" typeface="Nirmala UI"/>
+        <a:font script="Tale" typeface="Microsoft Tai Le"/>
+        <a:font script="Talu" typeface="Microsoft New Tai Lue"/>
+        <a:font script="Tfng" typeface="Ebrima"/>
+      </a:minorFont>
+    </a:fontScheme>
+    <a:fmtScheme name="Office">
+      <a:fillStyleLst>
+        <a:solidFill>
+          <a:schemeClr val="phClr"/>
+        </a:solidFill>
+        <a:gradFill rotWithShape="1">
+          <a:gsLst>
+            <a:gs pos="0">
+              <a:schemeClr val="phClr">
+                <a:lumMod val="110000"/>
+                <a:satMod val="105000"/>
+                <a:tint val="67000"/>
+              </a:schemeClr>
+            </a:gs>
+            <a:gs pos="50000">
+              <a:schemeClr val="phClr">
+                <a:lumMod val="105000"/>
+                <a:satMod val="103000"/>
+                <a:tint val="73000"/>
+              </a:schemeClr>
+            </a:gs>
+            <a:gs pos="100000">
+              <a:schemeClr val="phClr">
+                <a:lumMod val="105000"/>
+                <a:satMod val="109000"/>
+                <a:tint val="81000"/>
+              </a:schemeClr>
+            </a:gs>
+          </a:gsLst>
+          <a:lin ang="5400000" scaled="0"/>
+        </a:gradFill>
+        <a:gradFill rotWithShape="1">
+          <a:gsLst>
+            <a:gs pos="0">
+              <a:schemeClr val="phClr">
+                <a:satMod val="103000"/>
+                <a:lumMod val="102000"/>
+                <a:tint val="94000"/>
+              </a:schemeClr>
+            </a:gs>
+            <a:gs pos="50000">
+              <a:schemeClr val="phClr">
+                <a:satMod val="110000"/>
+                <a:lumMod val="100000"/>
+                <a:shade val="100000"/>
+              </a:schemeClr>
+            </a:gs>
+            <a:gs pos="100000">
+              <a:schemeClr val="phClr">
+                <a:lumMod val="99000"/>
+                <a:satMod val="120000"/>
+                <a:shade val="78000"/>
+              </a:schemeClr>
+            </a:gs>
+          </a:gsLst>
+          <a:lin ang="5400000" scaled="0"/>
+        </a:gradFill>
+      </a:fillStyleLst>
+      <a:lnStyleLst>
+        <a:ln w="6350" cap="flat" cmpd="sng" algn="ctr">
+          <a:solidFill>
+            <a:schemeClr val="phClr"/>
+          </a:solidFill>
+          <a:prstDash val="solid"/>
+          <a:miter lim="800000"/>
+        </a:ln>
+        <a:ln w="12700" cap="flat" cmpd="sng" algn="ctr">
+          <a:solidFill>
+            <a:schemeClr val="phClr"/>
+          </a:solidFill>
+          <a:prstDash val="solid"/>
+          <a:miter lim="800000"/>
+        </a:ln>
+        <a:ln w="19050" cap="flat" cmpd="sng" algn="ctr">
+          <a:solidFill>
+            <a:schemeClr val="phClr"/>
+          </a:solidFill>
+          <a:prstDash val="solid"/>
+          <a:miter lim="800000"/>
+        </a:ln>
+      </a:lnStyleLst>
+      <a:effectStyleLst>
+        <a:effectStyle>
+          <a:effectLst/>
+        </a:effectStyle>
+        <a:effectStyle>
+          <a:effectLst/>
+        </a:effectStyle>
+        <a:effectStyle>
+          <a:effectLst>
+            <a:outerShdw blurRad="57150" dist="19050" dir="5400000" algn="ctr" rotWithShape="0">
+              <a:srgbClr val="000000">
+                <a:alpha val="63000"/>
+              </a:srgbClr>
+            </a:outerShdw>
+          </a:effectLst>
+        </a:effectStyle>
+      </a:effectStyleLst>
+      <a:bgFillStyleLst>
+        <a:solidFill>
+          <a:schemeClr val="phClr"/>
+        </a:solidFill>
+        <a:solidFill>
+          <a:schemeClr val="phClr">
+            <a:tint val="95000"/>
+            <a:satMod val="170000"/>
+          </a:schemeClr>
+        </a:solidFill>
+        <a:gradFill rotWithShape="1">
+          <a:gsLst>
+            <a:gs pos="0">
+              <a:schemeClr val="phClr">
+                <a:tint val="93000"/>
+                <a:satMod val="150000"/>
+                <a:shade val="98000"/>
+                <a:lumMod val="102000"/>
+              </a:schemeClr>
+            </a:gs>
+            <a:gs pos="50000">
+              <a:schemeClr val="phClr">
+                <a:tint val="98000"/>
+                <a:satMod val="130000"/>
+                <a:shade val="90000"/>
+                <a:lumMod val="103000"/>
+              </a:schemeClr>
+            </a:gs>
+            <a:gs pos="100000">
+              <a:schemeClr val="phClr">
+                <a:shade val="63000"/>
+                <a:satMod val="120000"/>
+              </a:schemeClr>
+            </a:gs>
+          </a:gsLst>
+          <a:lin ang="5400000" scaled="0"/>
+        </a:gradFill>
+      </a:bgFillStyleLst>
+    </a:fmtScheme>
+  </a:themeElements>
+  <a:objectDefaults/>
+  <a:extraClrSchemeLst/>
+  <a:extLst>
+    <a:ext uri="{05A4C25C-085E-4340-85A3-A5531E510DB2}">
+      <thm15:themeFamily xmlns:thm15="http://schemas.microsoft.com/office/thememl/2012/main" name="Office Theme" id="{62F939B6-93AF-4DB8-9C6B-D6C7DFDC589F}" vid="{4A3C46E8-61CC-4603-A589-7422A47A8E4A}"/>
+    </a:ext>
+  </a:extLst>
+</a:theme>
 </file>
 
-<file path=customXml/item2.xml><?xml version="1.0" encoding="utf-8"?>
-<p:properties xmlns:p="http://schemas.microsoft.com/office/2006/metadata/properties" xmlns:xsi="http://www.w3.org/2001/XMLSchema-instance" xmlns:pc="http://schemas.microsoft.com/office/infopath/2007/PartnerControls">
-  <documentManagement>
-    <lcf76f155ced4ddcb4097134ff3c332f xmlns="38503f7b-7af8-46b3-8c66-f338818e2883">
-      <Terms xmlns="http://schemas.microsoft.com/office/infopath/2007/PartnerControls"/>
-    </lcf76f155ced4ddcb4097134ff3c332f>
-    <TaxCatchAll xmlns="e91758c7-56fe-470f-af14-e09fb7bafea2" xsi:nil="true"/>
-  </documentManagement>
-</p:properties>
-</file>
-
-<file path=customXml/item3.xml><?xml version="1.0" encoding="utf-8"?>
+<file path=customXml/item1.xml><?xml version="1.0" encoding="utf-8"?>
 <ct:contentTypeSchema xmlns:ct="http://schemas.microsoft.com/office/2006/metadata/contentType" xmlns:ma="http://schemas.microsoft.com/office/2006/metadata/properties/metaAttributes" ct:_="" ma:_="" ma:contentTypeName="Document" ma:contentTypeID="0x010100DA16DB35958ED944B23160E219717C6E" ma:contentTypeVersion="11" ma:contentTypeDescription="Create a new document." ma:contentTypeScope="" ma:versionID="8f6c0a640c2578133a257228ecda70dc">
   <xsd:schema xmlns:xsd="http://www.w3.org/2001/XMLSchema" xmlns:xs="http://www.w3.org/2001/XMLSchema" xmlns:p="http://schemas.microsoft.com/office/2006/metadata/properties" xmlns:ns2="38503f7b-7af8-46b3-8c66-f338818e2883" xmlns:ns3="e91758c7-56fe-470f-af14-e09fb7bafea2" targetNamespace="http://schemas.microsoft.com/office/2006/metadata/properties" ma:root="true" ma:fieldsID="d7994ade51add7289f90ef7b3fe0a742" ns2:_="" ns3:_="">
     <xsd:import namespace="38503f7b-7af8-46b3-8c66-f338818e2883"/>
@@ -13367,7 +9641,46 @@
 </ct:contentTypeSchema>
 </file>
 
+<file path=customXml/item2.xml><?xml version="1.0" encoding="utf-8"?>
+<?mso-contentType ?>
+<FormTemplates xmlns="http://schemas.microsoft.com/sharepoint/v3/contenttype/forms">
+  <Display>DocumentLibraryForm</Display>
+  <Edit>DocumentLibraryForm</Edit>
+  <New>DocumentLibraryForm</New>
+</FormTemplates>
+</file>
+
+<file path=customXml/item3.xml><?xml version="1.0" encoding="utf-8"?>
+<p:properties xmlns:p="http://schemas.microsoft.com/office/2006/metadata/properties" xmlns:xsi="http://www.w3.org/2001/XMLSchema-instance" xmlns:pc="http://schemas.microsoft.com/office/infopath/2007/PartnerControls">
+  <documentManagement>
+    <lcf76f155ced4ddcb4097134ff3c332f xmlns="38503f7b-7af8-46b3-8c66-f338818e2883">
+      <Terms xmlns="http://schemas.microsoft.com/office/infopath/2007/PartnerControls"/>
+    </lcf76f155ced4ddcb4097134ff3c332f>
+    <TaxCatchAll xmlns="e91758c7-56fe-470f-af14-e09fb7bafea2" xsi:nil="true"/>
+  </documentManagement>
+</p:properties>
+</file>
+
 <file path=customXml/itemProps1.xml><?xml version="1.0" encoding="utf-8"?>
+<ds:datastoreItem xmlns:ds="http://schemas.openxmlformats.org/officeDocument/2006/customXml" ds:itemID="{1A183F95-7D52-42C4-A695-7747AD5716B9}">
+  <ds:schemaRefs>
+    <ds:schemaRef ds:uri="http://schemas.microsoft.com/office/2006/metadata/contentType"/>
+    <ds:schemaRef ds:uri="http://schemas.microsoft.com/office/2006/metadata/properties/metaAttributes"/>
+    <ds:schemaRef ds:uri="http://www.w3.org/2001/XMLSchema"/>
+    <ds:schemaRef ds:uri="http://schemas.microsoft.com/office/2006/metadata/properties"/>
+    <ds:schemaRef ds:uri="38503f7b-7af8-46b3-8c66-f338818e2883"/>
+    <ds:schemaRef ds:uri="e91758c7-56fe-470f-af14-e09fb7bafea2"/>
+    <ds:schemaRef ds:uri="http://schemas.microsoft.com/office/2006/documentManagement/types"/>
+    <ds:schemaRef ds:uri="http://schemas.microsoft.com/office/infopath/2007/PartnerControls"/>
+    <ds:schemaRef ds:uri="http://schemas.openxmlformats.org/package/2006/metadata/core-properties"/>
+    <ds:schemaRef ds:uri="http://purl.org/dc/elements/1.1/"/>
+    <ds:schemaRef ds:uri="http://purl.org/dc/terms/"/>
+    <ds:schemaRef ds:uri="http://schemas.microsoft.com/internal/obd"/>
+  </ds:schemaRefs>
+</ds:datastoreItem>
+</file>
+
+<file path=customXml/itemProps2.xml><?xml version="1.0" encoding="utf-8"?>
 <ds:datastoreItem xmlns:ds="http://schemas.openxmlformats.org/officeDocument/2006/customXml" ds:itemID="{3AB3F3BA-7B93-48CB-BC4E-5117D4546B0E}">
   <ds:schemaRefs>
     <ds:schemaRef ds:uri="http://schemas.microsoft.com/sharepoint/v3/contenttype/forms"/>
@@ -13375,7 +9688,7 @@
 </ds:datastoreItem>
 </file>
 
-<file path=customXml/itemProps2.xml><?xml version="1.0" encoding="utf-8"?>
+<file path=customXml/itemProps3.xml><?xml version="1.0" encoding="utf-8"?>
 <ds:datastoreItem xmlns:ds="http://schemas.openxmlformats.org/officeDocument/2006/customXml" ds:itemID="{7E1C13AD-8664-4EC1-965C-BB757C2E73BD}">
   <ds:schemaRefs>
     <ds:schemaRef ds:uri="http://schemas.microsoft.com/office/2006/metadata/properties"/>
@@ -13392,23 +9705,4 @@
     <ds:schemaRef ds:uri="e91758c7-56fe-470f-af14-e09fb7bafea2"/>
   </ds:schemaRefs>
 </ds:datastoreItem>
-</file>
-
-<file path=customXml/itemProps3.xml><?xml version="1.0" encoding="utf-8"?>
-<ds:datastoreItem xmlns:ds="http://schemas.openxmlformats.org/officeDocument/2006/customXml" ds:itemID="{1A183F95-7D52-42C4-A695-7747AD5716B9}">
-  <ds:schemaRefs>
-    <ds:schemaRef ds:uri="http://schemas.microsoft.com/office/2006/metadata/contentType"/>
-    <ds:schemaRef ds:uri="http://schemas.microsoft.com/office/2006/metadata/properties/metaAttributes"/>
-    <ds:schemaRef ds:uri="http://www.w3.org/2001/XMLSchema"/>
-    <ds:schemaRef ds:uri="http://schemas.microsoft.com/office/2006/metadata/properties"/>
-    <ds:schemaRef ds:uri="38503f7b-7af8-46b3-8c66-f338818e2883"/>
-    <ds:schemaRef ds:uri="e91758c7-56fe-470f-af14-e09fb7bafea2"/>
-    <ds:schemaRef ds:uri="http://schemas.microsoft.com/office/2006/documentManagement/types"/>
-    <ds:schemaRef ds:uri="http://schemas.microsoft.com/office/infopath/2007/PartnerControls"/>
-    <ds:schemaRef ds:uri="http://schemas.openxmlformats.org/package/2006/metadata/core-properties"/>
-    <ds:schemaRef ds:uri="http://purl.org/dc/elements/1.1/"/>
-    <ds:schemaRef ds:uri="http://purl.org/dc/terms/"/>
-    <ds:schemaRef ds:uri="http://schemas.microsoft.com/internal/obd"/>
-  </ds:schemaRefs>
-</ds:datastoreItem>
 </file>
--- a/Learning/Statistics/ISL/Presentation_v1.2.pptx
+++ b/Learning/Statistics/ISL/Presentation_v1.2.pptx
@@ -5,21 +5,28 @@
     <p:sldMasterId id="2147483648" r:id="rId4"/>
   </p:sldMasterIdLst>
   <p:notesMasterIdLst>
-    <p:notesMasterId r:id="rId17"/>
+    <p:notesMasterId r:id="rId24"/>
   </p:notesMasterIdLst>
   <p:sldIdLst>
     <p:sldId id="279" r:id="rId5"/>
-    <p:sldId id="280" r:id="rId6"/>
-    <p:sldId id="281" r:id="rId7"/>
-    <p:sldId id="283" r:id="rId8"/>
-    <p:sldId id="284" r:id="rId9"/>
-    <p:sldId id="285" r:id="rId10"/>
-    <p:sldId id="286" r:id="rId11"/>
-    <p:sldId id="287" r:id="rId12"/>
-    <p:sldId id="288" r:id="rId13"/>
-    <p:sldId id="289" r:id="rId14"/>
-    <p:sldId id="290" r:id="rId15"/>
-    <p:sldId id="291" r:id="rId16"/>
+    <p:sldId id="292" r:id="rId6"/>
+    <p:sldId id="293" r:id="rId7"/>
+    <p:sldId id="295" r:id="rId8"/>
+    <p:sldId id="294" r:id="rId9"/>
+    <p:sldId id="296" r:id="rId10"/>
+    <p:sldId id="303" r:id="rId11"/>
+    <p:sldId id="299" r:id="rId12"/>
+    <p:sldId id="301" r:id="rId13"/>
+    <p:sldId id="300" r:id="rId14"/>
+    <p:sldId id="304" r:id="rId15"/>
+    <p:sldId id="306" r:id="rId16"/>
+    <p:sldId id="297" r:id="rId17"/>
+    <p:sldId id="298" r:id="rId18"/>
+    <p:sldId id="308" r:id="rId19"/>
+    <p:sldId id="307" r:id="rId20"/>
+    <p:sldId id="309" r:id="rId21"/>
+    <p:sldId id="310" r:id="rId22"/>
+    <p:sldId id="291" r:id="rId23"/>
   </p:sldIdLst>
   <p:sldSz cx="12192000" cy="6858000"/>
   <p:notesSz cx="6858000" cy="9144000"/>
@@ -208,7 +215,7 @@
           <a:p>
             <a:fld id="{E9B7533F-7C88-B946-8349-1AD92AF5EDA2}" type="datetimeFigureOut">
               <a:rPr lang="en-PK" smtClean="0"/>
-              <a:t>16/02/2024</a:t>
+              <a:t>07/03/2024</a:t>
             </a:fld>
             <a:endParaRPr lang="en-PK"/>
           </a:p>
@@ -474,6 +481,379 @@
     </a:lvl9pPr>
   </p:notesStyle>
 </p:notesMaster>
+</file>
+
+<file path=ppt/notesSlides/notesSlide1.xml><?xml version="1.0" encoding="utf-8"?>
+<p:notes xmlns:a="http://schemas.openxmlformats.org/drawingml/2006/main" xmlns:r="http://schemas.openxmlformats.org/officeDocument/2006/relationships" xmlns:p="http://schemas.openxmlformats.org/presentationml/2006/main">
+  <p:cSld>
+    <p:spTree>
+      <p:nvGrpSpPr>
+        <p:cNvPr id="1" name=""/>
+        <p:cNvGrpSpPr/>
+        <p:nvPr/>
+      </p:nvGrpSpPr>
+      <p:grpSpPr>
+        <a:xfrm>
+          <a:off x="0" y="0"/>
+          <a:ext cx="0" cy="0"/>
+          <a:chOff x="0" y="0"/>
+          <a:chExt cx="0" cy="0"/>
+        </a:xfrm>
+      </p:grpSpPr>
+      <p:sp>
+        <p:nvSpPr>
+          <p:cNvPr id="2" name="Slide Image Placeholder 1"/>
+          <p:cNvSpPr>
+            <a:spLocks noGrp="1" noRot="1" noChangeAspect="1"/>
+          </p:cNvSpPr>
+          <p:nvPr>
+            <p:ph type="sldImg"/>
+          </p:nvPr>
+        </p:nvSpPr>
+        <p:spPr/>
+      </p:sp>
+      <p:sp>
+        <p:nvSpPr>
+          <p:cNvPr id="3" name="Notes Placeholder 2"/>
+          <p:cNvSpPr>
+            <a:spLocks noGrp="1"/>
+          </p:cNvSpPr>
+          <p:nvPr>
+            <p:ph type="body" idx="1"/>
+          </p:nvPr>
+        </p:nvSpPr>
+        <p:spPr/>
+        <p:txBody>
+          <a:bodyPr/>
+          <a:lstStyle/>
+          <a:p>
+            <a:r>
+              <a:rPr lang="en-GB" b="0" i="0" dirty="0">
+                <a:solidFill>
+                  <a:srgbClr val="ECECEC"/>
+                </a:solidFill>
+                <a:effectLst/>
+                <a:latin typeface="Söhne"/>
+              </a:rPr>
+              <a:t>Thera Bank seeks to enhance its marketing strategies to convert its current savings and checking account holders into personal loan clients. This initiative follows a successful campaign that achieved a conversion rate of over 9%, encouraging the bank to target customers more effectively and increase conversions within a limited budget.</a:t>
+            </a:r>
+          </a:p>
+          <a:p>
+            <a:endParaRPr lang="en-GB" b="0" i="0" dirty="0">
+              <a:solidFill>
+                <a:srgbClr val="ECECEC"/>
+              </a:solidFill>
+              <a:effectLst/>
+              <a:latin typeface="Söhne"/>
+            </a:endParaRPr>
+          </a:p>
+          <a:p>
+            <a:r>
+              <a:rPr lang="en-GB" b="0" i="0" dirty="0">
+                <a:solidFill>
+                  <a:srgbClr val="ECECEC"/>
+                </a:solidFill>
+                <a:effectLst/>
+                <a:latin typeface="Söhne"/>
+              </a:rPr>
+              <a:t>They want to increase profitability and customer engagement without significantly raising operational costs.</a:t>
+            </a:r>
+            <a:endParaRPr lang="en-PK" dirty="0"/>
+          </a:p>
+        </p:txBody>
+      </p:sp>
+      <p:sp>
+        <p:nvSpPr>
+          <p:cNvPr id="4" name="Slide Number Placeholder 3"/>
+          <p:cNvSpPr>
+            <a:spLocks noGrp="1"/>
+          </p:cNvSpPr>
+          <p:nvPr>
+            <p:ph type="sldNum" sz="quarter" idx="5"/>
+          </p:nvPr>
+        </p:nvSpPr>
+        <p:spPr/>
+        <p:txBody>
+          <a:bodyPr/>
+          <a:lstStyle/>
+          <a:p>
+            <a:fld id="{8596AD34-81B7-6243-9563-2466EB8AA444}" type="slidenum">
+              <a:rPr lang="en-PK" smtClean="0"/>
+              <a:t>2</a:t>
+            </a:fld>
+            <a:endParaRPr lang="en-PK"/>
+          </a:p>
+        </p:txBody>
+      </p:sp>
+    </p:spTree>
+    <p:extLst>
+      <p:ext uri="{BB962C8B-B14F-4D97-AF65-F5344CB8AC3E}">
+        <p14:creationId xmlns:p14="http://schemas.microsoft.com/office/powerpoint/2010/main" val="1697289950"/>
+      </p:ext>
+    </p:extLst>
+  </p:cSld>
+  <p:clrMapOvr>
+    <a:masterClrMapping/>
+  </p:clrMapOvr>
+</p:notes>
+</file>
+
+<file path=ppt/notesSlides/notesSlide2.xml><?xml version="1.0" encoding="utf-8"?>
+<p:notes xmlns:a="http://schemas.openxmlformats.org/drawingml/2006/main" xmlns:r="http://schemas.openxmlformats.org/officeDocument/2006/relationships" xmlns:p="http://schemas.openxmlformats.org/presentationml/2006/main">
+  <p:cSld>
+    <p:spTree>
+      <p:nvGrpSpPr>
+        <p:cNvPr id="1" name=""/>
+        <p:cNvGrpSpPr/>
+        <p:nvPr/>
+      </p:nvGrpSpPr>
+      <p:grpSpPr>
+        <a:xfrm>
+          <a:off x="0" y="0"/>
+          <a:ext cx="0" cy="0"/>
+          <a:chOff x="0" y="0"/>
+          <a:chExt cx="0" cy="0"/>
+        </a:xfrm>
+      </p:grpSpPr>
+      <p:sp>
+        <p:nvSpPr>
+          <p:cNvPr id="2" name="Slide Image Placeholder 1"/>
+          <p:cNvSpPr>
+            <a:spLocks noGrp="1" noRot="1" noChangeAspect="1"/>
+          </p:cNvSpPr>
+          <p:nvPr>
+            <p:ph type="sldImg"/>
+          </p:nvPr>
+        </p:nvSpPr>
+        <p:spPr/>
+      </p:sp>
+      <p:sp>
+        <p:nvSpPr>
+          <p:cNvPr id="3" name="Notes Placeholder 2"/>
+          <p:cNvSpPr>
+            <a:spLocks noGrp="1"/>
+          </p:cNvSpPr>
+          <p:nvPr>
+            <p:ph type="body" idx="1"/>
+          </p:nvPr>
+        </p:nvSpPr>
+        <p:spPr/>
+        <p:txBody>
+          <a:bodyPr/>
+          <a:lstStyle/>
+          <a:p>
+            <a:pPr marL="0" marR="0" lvl="0" indent="0" algn="l" defTabSz="914400" rtl="0" eaLnBrk="1" fontAlgn="auto" latinLnBrk="0" hangingPunct="1">
+              <a:lnSpc>
+                <a:spcPct val="100000"/>
+              </a:lnSpc>
+              <a:spcBef>
+                <a:spcPts val="0"/>
+              </a:spcBef>
+              <a:spcAft>
+                <a:spcPts val="0"/>
+              </a:spcAft>
+              <a:buClrTx/>
+              <a:buSzTx/>
+              <a:buFontTx/>
+              <a:buNone/>
+              <a:tabLst/>
+              <a:defRPr/>
+            </a:pPr>
+            <a:r>
+              <a:rPr lang="en-GB" b="0" i="0" dirty="0">
+                <a:solidFill>
+                  <a:srgbClr val="3C4043"/>
+                </a:solidFill>
+                <a:effectLst/>
+                <a:latin typeface="Inter"/>
+              </a:rPr>
+              <a:t>This has encouraged the retail marketing department to devise campaigns with better target marketing to increase the success ratio with minimal budget.</a:t>
+            </a:r>
+            <a:endParaRPr lang="en-PK" dirty="0"/>
+          </a:p>
+          <a:p>
+            <a:endParaRPr lang="en-PK" dirty="0"/>
+          </a:p>
+          <a:p>
+            <a:endParaRPr lang="en-PK" dirty="0"/>
+          </a:p>
+        </p:txBody>
+      </p:sp>
+      <p:sp>
+        <p:nvSpPr>
+          <p:cNvPr id="4" name="Slide Number Placeholder 3"/>
+          <p:cNvSpPr>
+            <a:spLocks noGrp="1"/>
+          </p:cNvSpPr>
+          <p:nvPr>
+            <p:ph type="sldNum" sz="quarter" idx="5"/>
+          </p:nvPr>
+        </p:nvSpPr>
+        <p:spPr/>
+        <p:txBody>
+          <a:bodyPr/>
+          <a:lstStyle/>
+          <a:p>
+            <a:fld id="{8596AD34-81B7-6243-9563-2466EB8AA444}" type="slidenum">
+              <a:rPr lang="en-PK" smtClean="0"/>
+              <a:t>3</a:t>
+            </a:fld>
+            <a:endParaRPr lang="en-PK"/>
+          </a:p>
+        </p:txBody>
+      </p:sp>
+    </p:spTree>
+    <p:extLst>
+      <p:ext uri="{BB962C8B-B14F-4D97-AF65-F5344CB8AC3E}">
+        <p14:creationId xmlns:p14="http://schemas.microsoft.com/office/powerpoint/2010/main" val="637445248"/>
+      </p:ext>
+    </p:extLst>
+  </p:cSld>
+  <p:clrMapOvr>
+    <a:masterClrMapping/>
+  </p:clrMapOvr>
+</p:notes>
+</file>
+
+<file path=ppt/notesSlides/notesSlide3.xml><?xml version="1.0" encoding="utf-8"?>
+<p:notes xmlns:a="http://schemas.openxmlformats.org/drawingml/2006/main" xmlns:r="http://schemas.openxmlformats.org/officeDocument/2006/relationships" xmlns:p="http://schemas.openxmlformats.org/presentationml/2006/main">
+  <p:cSld>
+    <p:spTree>
+      <p:nvGrpSpPr>
+        <p:cNvPr id="1" name="">
+          <a:extLst>
+            <a:ext uri="{FF2B5EF4-FFF2-40B4-BE49-F238E27FC236}">
+              <a16:creationId xmlns:a16="http://schemas.microsoft.com/office/drawing/2014/main" id="{EBDE1E3A-D654-FFCE-67D6-18A2159845CB}"/>
+            </a:ext>
+          </a:extLst>
+        </p:cNvPr>
+        <p:cNvGrpSpPr/>
+        <p:nvPr/>
+      </p:nvGrpSpPr>
+      <p:grpSpPr>
+        <a:xfrm>
+          <a:off x="0" y="0"/>
+          <a:ext cx="0" cy="0"/>
+          <a:chOff x="0" y="0"/>
+          <a:chExt cx="0" cy="0"/>
+        </a:xfrm>
+      </p:grpSpPr>
+      <p:sp>
+        <p:nvSpPr>
+          <p:cNvPr id="2" name="Slide Image Placeholder 1">
+            <a:extLst>
+              <a:ext uri="{FF2B5EF4-FFF2-40B4-BE49-F238E27FC236}">
+                <a16:creationId xmlns:a16="http://schemas.microsoft.com/office/drawing/2014/main" id="{8A85A6A5-5D04-ABD3-9C17-ABA8E4719479}"/>
+              </a:ext>
+            </a:extLst>
+          </p:cNvPr>
+          <p:cNvSpPr>
+            <a:spLocks noGrp="1" noRot="1" noChangeAspect="1"/>
+          </p:cNvSpPr>
+          <p:nvPr>
+            <p:ph type="sldImg"/>
+          </p:nvPr>
+        </p:nvSpPr>
+        <p:spPr/>
+      </p:sp>
+      <p:sp>
+        <p:nvSpPr>
+          <p:cNvPr id="3" name="Notes Placeholder 2">
+            <a:extLst>
+              <a:ext uri="{FF2B5EF4-FFF2-40B4-BE49-F238E27FC236}">
+                <a16:creationId xmlns:a16="http://schemas.microsoft.com/office/drawing/2014/main" id="{06333ECA-08E2-DF44-3BAD-444CB5D8A94A}"/>
+              </a:ext>
+            </a:extLst>
+          </p:cNvPr>
+          <p:cNvSpPr>
+            <a:spLocks noGrp="1"/>
+          </p:cNvSpPr>
+          <p:nvPr>
+            <p:ph type="body" idx="1"/>
+          </p:nvPr>
+        </p:nvSpPr>
+        <p:spPr/>
+        <p:txBody>
+          <a:bodyPr/>
+          <a:lstStyle/>
+          <a:p>
+            <a:pPr marL="0" marR="0" lvl="0" indent="0" algn="l" defTabSz="914400" rtl="0" eaLnBrk="1" fontAlgn="auto" latinLnBrk="0" hangingPunct="1">
+              <a:lnSpc>
+                <a:spcPct val="100000"/>
+              </a:lnSpc>
+              <a:spcBef>
+                <a:spcPts val="0"/>
+              </a:spcBef>
+              <a:spcAft>
+                <a:spcPts val="0"/>
+              </a:spcAft>
+              <a:buClrTx/>
+              <a:buSzTx/>
+              <a:buFontTx/>
+              <a:buNone/>
+              <a:tabLst/>
+              <a:defRPr/>
+            </a:pPr>
+            <a:r>
+              <a:rPr lang="en-GB" b="0" i="0" dirty="0">
+                <a:solidFill>
+                  <a:srgbClr val="3C4043"/>
+                </a:solidFill>
+                <a:effectLst/>
+                <a:latin typeface="Inter"/>
+              </a:rPr>
+              <a:t>This has encouraged the retail marketing department to devise campaigns with better target marketing to increase the success ratio with minimal budget.</a:t>
+            </a:r>
+            <a:endParaRPr lang="en-PK" dirty="0"/>
+          </a:p>
+          <a:p>
+            <a:endParaRPr lang="en-PK" dirty="0"/>
+          </a:p>
+          <a:p>
+            <a:endParaRPr lang="en-PK" dirty="0"/>
+          </a:p>
+        </p:txBody>
+      </p:sp>
+      <p:sp>
+        <p:nvSpPr>
+          <p:cNvPr id="4" name="Slide Number Placeholder 3">
+            <a:extLst>
+              <a:ext uri="{FF2B5EF4-FFF2-40B4-BE49-F238E27FC236}">
+                <a16:creationId xmlns:a16="http://schemas.microsoft.com/office/drawing/2014/main" id="{D8EDDF1A-677A-AF61-5FB9-761E7F8C90C8}"/>
+              </a:ext>
+            </a:extLst>
+          </p:cNvPr>
+          <p:cNvSpPr>
+            <a:spLocks noGrp="1"/>
+          </p:cNvSpPr>
+          <p:nvPr>
+            <p:ph type="sldNum" sz="quarter" idx="5"/>
+          </p:nvPr>
+        </p:nvSpPr>
+        <p:spPr/>
+        <p:txBody>
+          <a:bodyPr/>
+          <a:lstStyle/>
+          <a:p>
+            <a:fld id="{8596AD34-81B7-6243-9563-2466EB8AA444}" type="slidenum">
+              <a:rPr lang="en-PK" smtClean="0"/>
+              <a:t>4</a:t>
+            </a:fld>
+            <a:endParaRPr lang="en-PK"/>
+          </a:p>
+        </p:txBody>
+      </p:sp>
+    </p:spTree>
+    <p:extLst>
+      <p:ext uri="{BB962C8B-B14F-4D97-AF65-F5344CB8AC3E}">
+        <p14:creationId xmlns:p14="http://schemas.microsoft.com/office/powerpoint/2010/main" val="61202087"/>
+      </p:ext>
+    </p:extLst>
+  </p:cSld>
+  <p:clrMapOvr>
+    <a:masterClrMapping/>
+  </p:clrMapOvr>
+</p:notes>
 </file>
 
 <file path=ppt/slideLayouts/slideLayout1.xml><?xml version="1.0" encoding="utf-8"?>
@@ -7509,7 +7889,7 @@
           <a:p>
             <a:r>
               <a:rPr lang="en-PK" dirty="0"/>
-              <a:t>CBT Recruitment Banner</a:t>
+              <a:t>Personal Loan</a:t>
             </a:r>
           </a:p>
         </p:txBody>
@@ -7563,7 +7943,7 @@
         <p:cNvPr id="1" name="">
           <a:extLst>
             <a:ext uri="{FF2B5EF4-FFF2-40B4-BE49-F238E27FC236}">
-              <a16:creationId xmlns:a16="http://schemas.microsoft.com/office/drawing/2014/main" id="{6323B98C-B5A6-4895-19A8-847D13883E12}"/>
+              <a16:creationId xmlns:a16="http://schemas.microsoft.com/office/drawing/2014/main" id="{255785D9-B204-8A8E-BBA7-08ADA9FECA07}"/>
             </a:ext>
           </a:extLst>
         </p:cNvPr>
@@ -7583,7 +7963,7 @@
           <p:cNvPr id="2" name="Title 1">
             <a:extLst>
               <a:ext uri="{FF2B5EF4-FFF2-40B4-BE49-F238E27FC236}">
-                <a16:creationId xmlns:a16="http://schemas.microsoft.com/office/drawing/2014/main" id="{FE90C6B8-3BAC-A1FF-8CC3-8A2A57B43335}"/>
+                <a16:creationId xmlns:a16="http://schemas.microsoft.com/office/drawing/2014/main" id="{761BB1CD-8747-5C8D-12BB-B60479A8B302}"/>
               </a:ext>
             </a:extLst>
           </p:cNvPr>
@@ -7601,53 +7981,26 @@
           <a:p>
             <a:r>
               <a:rPr lang="en-PK" dirty="0"/>
-              <a:t>Function</a:t>
+              <a:t>4. Income</a:t>
             </a:r>
           </a:p>
         </p:txBody>
       </p:sp>
-      <p:sp>
-        <p:nvSpPr>
-          <p:cNvPr id="6" name="Content Placeholder 5">
-            <a:extLst>
-              <a:ext uri="{FF2B5EF4-FFF2-40B4-BE49-F238E27FC236}">
-                <a16:creationId xmlns:a16="http://schemas.microsoft.com/office/drawing/2014/main" id="{3E9A7409-2194-C6F9-877A-1D48206ED8CE}"/>
-              </a:ext>
-            </a:extLst>
-          </p:cNvPr>
-          <p:cNvSpPr>
-            <a:spLocks noGrp="1"/>
-          </p:cNvSpPr>
+      <p:pic>
+        <p:nvPicPr>
+          <p:cNvPr id="5" name="Content Placeholder 4" descr="A graph with different colored squares&#10;&#10;Description automatically generated">
+            <a:extLst>
+              <a:ext uri="{FF2B5EF4-FFF2-40B4-BE49-F238E27FC236}">
+                <a16:creationId xmlns:a16="http://schemas.microsoft.com/office/drawing/2014/main" id="{00EB6FF5-934D-D70F-02E4-56BA1358EC70}"/>
+              </a:ext>
+            </a:extLst>
+          </p:cNvPr>
+          <p:cNvPicPr>
+            <a:picLocks noGrp="1" noChangeAspect="1"/>
+          </p:cNvPicPr>
           <p:nvPr>
             <p:ph idx="1"/>
           </p:nvPr>
-        </p:nvSpPr>
-        <p:spPr/>
-        <p:txBody>
-          <a:bodyPr/>
-          <a:lstStyle/>
-          <a:p>
-            <a:r>
-              <a:rPr lang="en-US" dirty="0"/>
-              <a:t>Easy to understand</a:t>
-            </a:r>
-            <a:endParaRPr lang="en-PK" dirty="0"/>
-          </a:p>
-        </p:txBody>
-      </p:sp>
-      <p:pic>
-        <p:nvPicPr>
-          <p:cNvPr id="7" name="Content Placeholder 4" descr="A person standing in front of a chart&#10;&#10;Description automatically generated">
-            <a:extLst>
-              <a:ext uri="{FF2B5EF4-FFF2-40B4-BE49-F238E27FC236}">
-                <a16:creationId xmlns:a16="http://schemas.microsoft.com/office/drawing/2014/main" id="{D963737E-3DA9-A960-6C73-9CE033D28DB5}"/>
-              </a:ext>
-            </a:extLst>
-          </p:cNvPr>
-          <p:cNvPicPr>
-            <a:picLocks noChangeAspect="1"/>
-          </p:cNvPicPr>
-          <p:nvPr/>
         </p:nvPicPr>
         <p:blipFill>
           <a:blip r:embed="rId2">
@@ -7663,18 +8016,50 @@
         </p:blipFill>
         <p:spPr>
           <a:xfrm>
-            <a:off x="6700753" y="1825625"/>
-            <a:ext cx="3057696" cy="4351338"/>
+            <a:off x="3746834" y="1915150"/>
+            <a:ext cx="4698332" cy="4002283"/>
+          </a:xfrm>
+        </p:spPr>
+      </p:pic>
+      <p:sp>
+        <p:nvSpPr>
+          <p:cNvPr id="6" name="TextBox 5">
+            <a:extLst>
+              <a:ext uri="{FF2B5EF4-FFF2-40B4-BE49-F238E27FC236}">
+                <a16:creationId xmlns:a16="http://schemas.microsoft.com/office/drawing/2014/main" id="{A73BB110-E81B-94F5-3190-4F29309ECFB4}"/>
+              </a:ext>
+            </a:extLst>
+          </p:cNvPr>
+          <p:cNvSpPr txBox="1"/>
+          <p:nvPr/>
+        </p:nvSpPr>
+        <p:spPr>
+          <a:xfrm>
+            <a:off x="4636168" y="5915329"/>
+            <a:ext cx="3472113" cy="369332"/>
           </a:xfrm>
           <a:prstGeom prst="rect">
             <a:avLst/>
           </a:prstGeom>
+          <a:noFill/>
         </p:spPr>
-      </p:pic>
+        <p:txBody>
+          <a:bodyPr wrap="square" rtlCol="0">
+            <a:spAutoFit/>
+          </a:bodyPr>
+          <a:lstStyle/>
+          <a:p>
+            <a:r>
+              <a:rPr lang="en-PK" dirty="0"/>
+              <a:t>Fig 3: Income and personal loan</a:t>
+            </a:r>
+          </a:p>
+        </p:txBody>
+      </p:sp>
     </p:spTree>
     <p:extLst>
       <p:ext uri="{BB962C8B-B14F-4D97-AF65-F5344CB8AC3E}">
-        <p14:creationId xmlns:p14="http://schemas.microsoft.com/office/powerpoint/2010/main" val="3218986906"/>
+        <p14:creationId xmlns:p14="http://schemas.microsoft.com/office/powerpoint/2010/main" val="1029204190"/>
       </p:ext>
     </p:extLst>
   </p:cSld>
@@ -7692,7 +8077,7 @@
         <p:cNvPr id="1" name="">
           <a:extLst>
             <a:ext uri="{FF2B5EF4-FFF2-40B4-BE49-F238E27FC236}">
-              <a16:creationId xmlns:a16="http://schemas.microsoft.com/office/drawing/2014/main" id="{62E77600-5496-511C-B0BF-4A65B177FDE7}"/>
+              <a16:creationId xmlns:a16="http://schemas.microsoft.com/office/drawing/2014/main" id="{9A93DC20-E4AE-83D0-2E06-564CE21FA55B}"/>
             </a:ext>
           </a:extLst>
         </p:cNvPr>
@@ -7712,7 +8097,7 @@
           <p:cNvPr id="2" name="Title 1">
             <a:extLst>
               <a:ext uri="{FF2B5EF4-FFF2-40B4-BE49-F238E27FC236}">
-                <a16:creationId xmlns:a16="http://schemas.microsoft.com/office/drawing/2014/main" id="{6B0490C1-BA72-E4B0-52D8-8105079E8D08}"/>
+                <a16:creationId xmlns:a16="http://schemas.microsoft.com/office/drawing/2014/main" id="{B2FDCD64-E56E-D2CF-4F34-DB83EAE15A59}"/>
               </a:ext>
             </a:extLst>
           </p:cNvPr>
@@ -7730,53 +8115,26 @@
           <a:p>
             <a:r>
               <a:rPr lang="en-PK" dirty="0"/>
-              <a:t>Space</a:t>
+              <a:t>5. Education </a:t>
             </a:r>
           </a:p>
         </p:txBody>
       </p:sp>
-      <p:sp>
-        <p:nvSpPr>
-          <p:cNvPr id="6" name="Content Placeholder 5">
-            <a:extLst>
-              <a:ext uri="{FF2B5EF4-FFF2-40B4-BE49-F238E27FC236}">
-                <a16:creationId xmlns:a16="http://schemas.microsoft.com/office/drawing/2014/main" id="{F8A81C95-E9D3-D68B-C527-857D18B9B9C9}"/>
-              </a:ext>
-            </a:extLst>
-          </p:cNvPr>
-          <p:cNvSpPr>
-            <a:spLocks noGrp="1"/>
-          </p:cNvSpPr>
+      <p:pic>
+        <p:nvPicPr>
+          <p:cNvPr id="5" name="Content Placeholder 4">
+            <a:extLst>
+              <a:ext uri="{FF2B5EF4-FFF2-40B4-BE49-F238E27FC236}">
+                <a16:creationId xmlns:a16="http://schemas.microsoft.com/office/drawing/2014/main" id="{36DBD9E3-E8AF-C402-2FAC-B112CE8BDB2C}"/>
+              </a:ext>
+            </a:extLst>
+          </p:cNvPr>
+          <p:cNvPicPr>
+            <a:picLocks noGrp="1" noChangeAspect="1"/>
+          </p:cNvPicPr>
           <p:nvPr>
             <p:ph idx="1"/>
           </p:nvPr>
-        </p:nvSpPr>
-        <p:spPr/>
-        <p:txBody>
-          <a:bodyPr/>
-          <a:lstStyle/>
-          <a:p>
-            <a:r>
-              <a:rPr lang="en-US" dirty="0"/>
-              <a:t>Balance and readability</a:t>
-            </a:r>
-            <a:endParaRPr lang="en-PK" dirty="0"/>
-          </a:p>
-        </p:txBody>
-      </p:sp>
-      <p:pic>
-        <p:nvPicPr>
-          <p:cNvPr id="7" name="Content Placeholder 4" descr="A person standing in front of a chart&#10;&#10;Description automatically generated">
-            <a:extLst>
-              <a:ext uri="{FF2B5EF4-FFF2-40B4-BE49-F238E27FC236}">
-                <a16:creationId xmlns:a16="http://schemas.microsoft.com/office/drawing/2014/main" id="{8DF39DC8-6B44-2FC0-F799-FCE86A0B4174}"/>
-              </a:ext>
-            </a:extLst>
-          </p:cNvPr>
-          <p:cNvPicPr>
-            <a:picLocks noChangeAspect="1"/>
-          </p:cNvPicPr>
-          <p:nvPr/>
         </p:nvPicPr>
         <p:blipFill>
           <a:blip r:embed="rId2">
@@ -7792,18 +8150,50 @@
         </p:blipFill>
         <p:spPr>
           <a:xfrm>
-            <a:off x="6700753" y="1825625"/>
-            <a:ext cx="3057696" cy="4351338"/>
+            <a:off x="3532403" y="1690688"/>
+            <a:ext cx="5480120" cy="4143505"/>
+          </a:xfrm>
+        </p:spPr>
+      </p:pic>
+      <p:sp>
+        <p:nvSpPr>
+          <p:cNvPr id="6" name="TextBox 5">
+            <a:extLst>
+              <a:ext uri="{FF2B5EF4-FFF2-40B4-BE49-F238E27FC236}">
+                <a16:creationId xmlns:a16="http://schemas.microsoft.com/office/drawing/2014/main" id="{87F5E789-76C2-0458-8CB6-ECACC4E5FD09}"/>
+              </a:ext>
+            </a:extLst>
+          </p:cNvPr>
+          <p:cNvSpPr txBox="1"/>
+          <p:nvPr/>
+        </p:nvSpPr>
+        <p:spPr>
+          <a:xfrm>
+            <a:off x="4807326" y="5834193"/>
+            <a:ext cx="3472113" cy="369332"/>
           </a:xfrm>
           <a:prstGeom prst="rect">
             <a:avLst/>
           </a:prstGeom>
+          <a:noFill/>
         </p:spPr>
-      </p:pic>
+        <p:txBody>
+          <a:bodyPr wrap="square" rtlCol="0">
+            <a:spAutoFit/>
+          </a:bodyPr>
+          <a:lstStyle/>
+          <a:p>
+            <a:r>
+              <a:rPr lang="en-PK" dirty="0"/>
+              <a:t>Fig 4: Education and personal loan</a:t>
+            </a:r>
+          </a:p>
+        </p:txBody>
+      </p:sp>
     </p:spTree>
     <p:extLst>
       <p:ext uri="{BB962C8B-B14F-4D97-AF65-F5344CB8AC3E}">
-        <p14:creationId xmlns:p14="http://schemas.microsoft.com/office/powerpoint/2010/main" val="747509550"/>
+        <p14:creationId xmlns:p14="http://schemas.microsoft.com/office/powerpoint/2010/main" val="1431542914"/>
       </p:ext>
     </p:extLst>
   </p:cSld>
@@ -7814,6 +8204,869 @@
 </file>
 
 <file path=ppt/slides/slide12.xml><?xml version="1.0" encoding="utf-8"?>
+<p:sld xmlns:a="http://schemas.openxmlformats.org/drawingml/2006/main" xmlns:r="http://schemas.openxmlformats.org/officeDocument/2006/relationships" xmlns:p="http://schemas.openxmlformats.org/presentationml/2006/main">
+  <p:cSld>
+    <p:spTree>
+      <p:nvGrpSpPr>
+        <p:cNvPr id="1" name="">
+          <a:extLst>
+            <a:ext uri="{FF2B5EF4-FFF2-40B4-BE49-F238E27FC236}">
+              <a16:creationId xmlns:a16="http://schemas.microsoft.com/office/drawing/2014/main" id="{2A0ADD08-CCC5-3A51-49F1-BAF9C1E56A71}"/>
+            </a:ext>
+          </a:extLst>
+        </p:cNvPr>
+        <p:cNvGrpSpPr/>
+        <p:nvPr/>
+      </p:nvGrpSpPr>
+      <p:grpSpPr>
+        <a:xfrm>
+          <a:off x="0" y="0"/>
+          <a:ext cx="0" cy="0"/>
+          <a:chOff x="0" y="0"/>
+          <a:chExt cx="0" cy="0"/>
+        </a:xfrm>
+      </p:grpSpPr>
+      <p:sp>
+        <p:nvSpPr>
+          <p:cNvPr id="2" name="Title 1">
+            <a:extLst>
+              <a:ext uri="{FF2B5EF4-FFF2-40B4-BE49-F238E27FC236}">
+                <a16:creationId xmlns:a16="http://schemas.microsoft.com/office/drawing/2014/main" id="{928181EC-1CDF-56C1-821E-28831B93D9F0}"/>
+              </a:ext>
+            </a:extLst>
+          </p:cNvPr>
+          <p:cNvSpPr>
+            <a:spLocks noGrp="1"/>
+          </p:cNvSpPr>
+          <p:nvPr>
+            <p:ph type="title"/>
+          </p:nvPr>
+        </p:nvSpPr>
+        <p:spPr/>
+        <p:txBody>
+          <a:bodyPr/>
+          <a:lstStyle/>
+          <a:p>
+            <a:r>
+              <a:rPr lang="en-PK" dirty="0"/>
+              <a:t>6. Mortgage</a:t>
+            </a:r>
+          </a:p>
+        </p:txBody>
+      </p:sp>
+      <p:sp>
+        <p:nvSpPr>
+          <p:cNvPr id="6" name="TextBox 5">
+            <a:extLst>
+              <a:ext uri="{FF2B5EF4-FFF2-40B4-BE49-F238E27FC236}">
+                <a16:creationId xmlns:a16="http://schemas.microsoft.com/office/drawing/2014/main" id="{F9B4DB5B-EED7-41EB-B83C-00E5639894BF}"/>
+              </a:ext>
+            </a:extLst>
+          </p:cNvPr>
+          <p:cNvSpPr txBox="1"/>
+          <p:nvPr/>
+        </p:nvSpPr>
+        <p:spPr>
+          <a:xfrm>
+            <a:off x="4636168" y="5915329"/>
+            <a:ext cx="3472113" cy="369332"/>
+          </a:xfrm>
+          <a:prstGeom prst="rect">
+            <a:avLst/>
+          </a:prstGeom>
+          <a:noFill/>
+        </p:spPr>
+        <p:txBody>
+          <a:bodyPr wrap="square" rtlCol="0">
+            <a:spAutoFit/>
+          </a:bodyPr>
+          <a:lstStyle/>
+          <a:p>
+            <a:r>
+              <a:rPr lang="en-PK" dirty="0"/>
+              <a:t>Fig 5: Mortgage and personal loan</a:t>
+            </a:r>
+          </a:p>
+        </p:txBody>
+      </p:sp>
+      <p:pic>
+        <p:nvPicPr>
+          <p:cNvPr id="8" name="Content Placeholder 7" descr="A graph of a distribution of mortgages&#10;&#10;Description automatically generated">
+            <a:extLst>
+              <a:ext uri="{FF2B5EF4-FFF2-40B4-BE49-F238E27FC236}">
+                <a16:creationId xmlns:a16="http://schemas.microsoft.com/office/drawing/2014/main" id="{0EB9552B-9CC5-77D4-156C-0C41FDC39239}"/>
+              </a:ext>
+            </a:extLst>
+          </p:cNvPr>
+          <p:cNvPicPr>
+            <a:picLocks noGrp="1" noChangeAspect="1"/>
+          </p:cNvPicPr>
+          <p:nvPr>
+            <p:ph idx="1"/>
+          </p:nvPr>
+        </p:nvPicPr>
+        <p:blipFill>
+          <a:blip r:embed="rId2">
+            <a:extLst>
+              <a:ext uri="{28A0092B-C50C-407E-A947-70E740481C1C}">
+                <a14:useLocalDpi xmlns:a14="http://schemas.microsoft.com/office/drawing/2010/main" val="0"/>
+              </a:ext>
+            </a:extLst>
+          </a:blip>
+          <a:stretch>
+            <a:fillRect/>
+          </a:stretch>
+        </p:blipFill>
+        <p:spPr>
+          <a:xfrm>
+            <a:off x="3379874" y="1964474"/>
+            <a:ext cx="4747957" cy="3950855"/>
+          </a:xfrm>
+        </p:spPr>
+      </p:pic>
+    </p:spTree>
+    <p:extLst>
+      <p:ext uri="{BB962C8B-B14F-4D97-AF65-F5344CB8AC3E}">
+        <p14:creationId xmlns:p14="http://schemas.microsoft.com/office/powerpoint/2010/main" val="3587387071"/>
+      </p:ext>
+    </p:extLst>
+  </p:cSld>
+  <p:clrMapOvr>
+    <a:masterClrMapping/>
+  </p:clrMapOvr>
+</p:sld>
+</file>
+
+<file path=ppt/slides/slide13.xml><?xml version="1.0" encoding="utf-8"?>
+<p:sld xmlns:a="http://schemas.openxmlformats.org/drawingml/2006/main" xmlns:r="http://schemas.openxmlformats.org/officeDocument/2006/relationships" xmlns:p="http://schemas.openxmlformats.org/presentationml/2006/main">
+  <p:cSld>
+    <p:spTree>
+      <p:nvGrpSpPr>
+        <p:cNvPr id="1" name=""/>
+        <p:cNvGrpSpPr/>
+        <p:nvPr/>
+      </p:nvGrpSpPr>
+      <p:grpSpPr>
+        <a:xfrm>
+          <a:off x="0" y="0"/>
+          <a:ext cx="0" cy="0"/>
+          <a:chOff x="0" y="0"/>
+          <a:chExt cx="0" cy="0"/>
+        </a:xfrm>
+      </p:grpSpPr>
+      <p:sp>
+        <p:nvSpPr>
+          <p:cNvPr id="2" name="Title 1">
+            <a:extLst>
+              <a:ext uri="{FF2B5EF4-FFF2-40B4-BE49-F238E27FC236}">
+                <a16:creationId xmlns:a16="http://schemas.microsoft.com/office/drawing/2014/main" id="{318A329B-9973-FDAE-519C-066E3998523B}"/>
+              </a:ext>
+            </a:extLst>
+          </p:cNvPr>
+          <p:cNvSpPr>
+            <a:spLocks noGrp="1"/>
+          </p:cNvSpPr>
+          <p:nvPr>
+            <p:ph type="title"/>
+          </p:nvPr>
+        </p:nvSpPr>
+        <p:spPr/>
+        <p:txBody>
+          <a:bodyPr/>
+          <a:lstStyle/>
+          <a:p>
+            <a:r>
+              <a:rPr lang="en-PK" dirty="0"/>
+              <a:t>Feature Selection</a:t>
+            </a:r>
+          </a:p>
+        </p:txBody>
+      </p:sp>
+      <p:sp>
+        <p:nvSpPr>
+          <p:cNvPr id="3" name="Content Placeholder 2">
+            <a:extLst>
+              <a:ext uri="{FF2B5EF4-FFF2-40B4-BE49-F238E27FC236}">
+                <a16:creationId xmlns:a16="http://schemas.microsoft.com/office/drawing/2014/main" id="{61A6172C-A6BC-40F8-4920-AABBFB033DC4}"/>
+              </a:ext>
+            </a:extLst>
+          </p:cNvPr>
+          <p:cNvSpPr>
+            <a:spLocks noGrp="1"/>
+          </p:cNvSpPr>
+          <p:nvPr>
+            <p:ph idx="1"/>
+          </p:nvPr>
+        </p:nvSpPr>
+        <p:spPr/>
+        <p:txBody>
+          <a:bodyPr/>
+          <a:lstStyle/>
+          <a:p>
+            <a:r>
+              <a:rPr lang="en-PK" dirty="0"/>
+              <a:t>EDA</a:t>
+            </a:r>
+          </a:p>
+          <a:p>
+            <a:r>
+              <a:rPr lang="en-PK" dirty="0"/>
+              <a:t>Feature importance</a:t>
+            </a:r>
+          </a:p>
+        </p:txBody>
+      </p:sp>
+    </p:spTree>
+    <p:extLst>
+      <p:ext uri="{BB962C8B-B14F-4D97-AF65-F5344CB8AC3E}">
+        <p14:creationId xmlns:p14="http://schemas.microsoft.com/office/powerpoint/2010/main" val="2583180622"/>
+      </p:ext>
+    </p:extLst>
+  </p:cSld>
+  <p:clrMapOvr>
+    <a:masterClrMapping/>
+  </p:clrMapOvr>
+</p:sld>
+</file>
+
+<file path=ppt/slides/slide14.xml><?xml version="1.0" encoding="utf-8"?>
+<p:sld xmlns:a="http://schemas.openxmlformats.org/drawingml/2006/main" xmlns:r="http://schemas.openxmlformats.org/officeDocument/2006/relationships" xmlns:p="http://schemas.openxmlformats.org/presentationml/2006/main">
+  <p:cSld>
+    <p:spTree>
+      <p:nvGrpSpPr>
+        <p:cNvPr id="1" name=""/>
+        <p:cNvGrpSpPr/>
+        <p:nvPr/>
+      </p:nvGrpSpPr>
+      <p:grpSpPr>
+        <a:xfrm>
+          <a:off x="0" y="0"/>
+          <a:ext cx="0" cy="0"/>
+          <a:chOff x="0" y="0"/>
+          <a:chExt cx="0" cy="0"/>
+        </a:xfrm>
+      </p:grpSpPr>
+      <p:sp>
+        <p:nvSpPr>
+          <p:cNvPr id="2" name="Title 1">
+            <a:extLst>
+              <a:ext uri="{FF2B5EF4-FFF2-40B4-BE49-F238E27FC236}">
+                <a16:creationId xmlns:a16="http://schemas.microsoft.com/office/drawing/2014/main" id="{E4CAF5F7-05D1-FEF5-D9F8-0FD3D8633F90}"/>
+              </a:ext>
+            </a:extLst>
+          </p:cNvPr>
+          <p:cNvSpPr>
+            <a:spLocks noGrp="1"/>
+          </p:cNvSpPr>
+          <p:nvPr>
+            <p:ph type="title"/>
+          </p:nvPr>
+        </p:nvSpPr>
+        <p:spPr/>
+        <p:txBody>
+          <a:bodyPr/>
+          <a:lstStyle/>
+          <a:p>
+            <a:r>
+              <a:rPr lang="en-PK" dirty="0"/>
+              <a:t>Model Fitting</a:t>
+            </a:r>
+          </a:p>
+        </p:txBody>
+      </p:sp>
+      <p:sp>
+        <p:nvSpPr>
+          <p:cNvPr id="3" name="Content Placeholder 2">
+            <a:extLst>
+              <a:ext uri="{FF2B5EF4-FFF2-40B4-BE49-F238E27FC236}">
+                <a16:creationId xmlns:a16="http://schemas.microsoft.com/office/drawing/2014/main" id="{F3ACA568-9B83-DCFD-58AD-92AD3439B61C}"/>
+              </a:ext>
+            </a:extLst>
+          </p:cNvPr>
+          <p:cNvSpPr>
+            <a:spLocks noGrp="1"/>
+          </p:cNvSpPr>
+          <p:nvPr>
+            <p:ph idx="1"/>
+          </p:nvPr>
+        </p:nvSpPr>
+        <p:spPr/>
+        <p:txBody>
+          <a:bodyPr/>
+          <a:lstStyle/>
+          <a:p>
+            <a:r>
+              <a:rPr lang="en-PK" dirty="0"/>
+              <a:t>Logistic Regression</a:t>
+            </a:r>
+          </a:p>
+          <a:p>
+            <a:r>
+              <a:rPr lang="en-PK" dirty="0"/>
+              <a:t>Decision Tree</a:t>
+            </a:r>
+          </a:p>
+          <a:p>
+            <a:pPr lvl="1"/>
+            <a:endParaRPr lang="en-PK" dirty="0"/>
+          </a:p>
+        </p:txBody>
+      </p:sp>
+    </p:spTree>
+    <p:extLst>
+      <p:ext uri="{BB962C8B-B14F-4D97-AF65-F5344CB8AC3E}">
+        <p14:creationId xmlns:p14="http://schemas.microsoft.com/office/powerpoint/2010/main" val="617505677"/>
+      </p:ext>
+    </p:extLst>
+  </p:cSld>
+  <p:clrMapOvr>
+    <a:masterClrMapping/>
+  </p:clrMapOvr>
+</p:sld>
+</file>
+
+<file path=ppt/slides/slide15.xml><?xml version="1.0" encoding="utf-8"?>
+<p:sld xmlns:a="http://schemas.openxmlformats.org/drawingml/2006/main" xmlns:r="http://schemas.openxmlformats.org/officeDocument/2006/relationships" xmlns:p="http://schemas.openxmlformats.org/presentationml/2006/main">
+  <p:cSld>
+    <p:spTree>
+      <p:nvGrpSpPr>
+        <p:cNvPr id="1" name="">
+          <a:extLst>
+            <a:ext uri="{FF2B5EF4-FFF2-40B4-BE49-F238E27FC236}">
+              <a16:creationId xmlns:a16="http://schemas.microsoft.com/office/drawing/2014/main" id="{8364E6CD-CC89-24E9-7A13-2E1663C84BDF}"/>
+            </a:ext>
+          </a:extLst>
+        </p:cNvPr>
+        <p:cNvGrpSpPr/>
+        <p:nvPr/>
+      </p:nvGrpSpPr>
+      <p:grpSpPr>
+        <a:xfrm>
+          <a:off x="0" y="0"/>
+          <a:ext cx="0" cy="0"/>
+          <a:chOff x="0" y="0"/>
+          <a:chExt cx="0" cy="0"/>
+        </a:xfrm>
+      </p:grpSpPr>
+      <p:sp>
+        <p:nvSpPr>
+          <p:cNvPr id="2" name="Title 1">
+            <a:extLst>
+              <a:ext uri="{FF2B5EF4-FFF2-40B4-BE49-F238E27FC236}">
+                <a16:creationId xmlns:a16="http://schemas.microsoft.com/office/drawing/2014/main" id="{25D33E09-B5E1-0194-5AC1-B41F8A5A7722}"/>
+              </a:ext>
+            </a:extLst>
+          </p:cNvPr>
+          <p:cNvSpPr>
+            <a:spLocks noGrp="1"/>
+          </p:cNvSpPr>
+          <p:nvPr>
+            <p:ph type="title"/>
+          </p:nvPr>
+        </p:nvSpPr>
+        <p:spPr/>
+        <p:txBody>
+          <a:bodyPr/>
+          <a:lstStyle/>
+          <a:p>
+            <a:r>
+              <a:rPr lang="en-PK" dirty="0"/>
+              <a:t>Logistic Regression</a:t>
+            </a:r>
+          </a:p>
+        </p:txBody>
+      </p:sp>
+      <p:sp>
+        <p:nvSpPr>
+          <p:cNvPr id="3" name="Content Placeholder 2">
+            <a:extLst>
+              <a:ext uri="{FF2B5EF4-FFF2-40B4-BE49-F238E27FC236}">
+                <a16:creationId xmlns:a16="http://schemas.microsoft.com/office/drawing/2014/main" id="{804A58B0-27AA-885F-3BF0-19325FDCD8BB}"/>
+              </a:ext>
+            </a:extLst>
+          </p:cNvPr>
+          <p:cNvSpPr>
+            <a:spLocks noGrp="1"/>
+          </p:cNvSpPr>
+          <p:nvPr>
+            <p:ph idx="1"/>
+          </p:nvPr>
+        </p:nvSpPr>
+        <p:spPr/>
+        <p:txBody>
+          <a:bodyPr/>
+          <a:lstStyle/>
+          <a:p>
+            <a:r>
+              <a:rPr lang="en-PK" dirty="0"/>
+              <a:t>Percision 0.8</a:t>
+            </a:r>
+          </a:p>
+          <a:p>
+            <a:r>
+              <a:rPr lang="en-PK" dirty="0"/>
+              <a:t>Recall 0.6</a:t>
+            </a:r>
+          </a:p>
+          <a:p>
+            <a:r>
+              <a:rPr lang="en-PK" dirty="0"/>
+              <a:t>Scalling the data</a:t>
+            </a:r>
+          </a:p>
+          <a:p>
+            <a:pPr lvl="1"/>
+            <a:endParaRPr lang="en-PK" dirty="0"/>
+          </a:p>
+        </p:txBody>
+      </p:sp>
+      <p:pic>
+        <p:nvPicPr>
+          <p:cNvPr id="5" name="Picture 4" descr="A graph with blue bars&#10;&#10;Description automatically generated">
+            <a:extLst>
+              <a:ext uri="{FF2B5EF4-FFF2-40B4-BE49-F238E27FC236}">
+                <a16:creationId xmlns:a16="http://schemas.microsoft.com/office/drawing/2014/main" id="{CAD57E10-67BC-9F6D-4FD2-D6427AC69714}"/>
+              </a:ext>
+            </a:extLst>
+          </p:cNvPr>
+          <p:cNvPicPr>
+            <a:picLocks noChangeAspect="1"/>
+          </p:cNvPicPr>
+          <p:nvPr/>
+        </p:nvPicPr>
+        <p:blipFill>
+          <a:blip r:embed="rId2">
+            <a:extLst>
+              <a:ext uri="{28A0092B-C50C-407E-A947-70E740481C1C}">
+                <a14:useLocalDpi xmlns:a14="http://schemas.microsoft.com/office/drawing/2010/main" val="0"/>
+              </a:ext>
+            </a:extLst>
+          </a:blip>
+          <a:stretch>
+            <a:fillRect/>
+          </a:stretch>
+        </p:blipFill>
+        <p:spPr>
+          <a:xfrm>
+            <a:off x="5614503" y="2692818"/>
+            <a:ext cx="5049486" cy="3484145"/>
+          </a:xfrm>
+          <a:prstGeom prst="rect">
+            <a:avLst/>
+          </a:prstGeom>
+        </p:spPr>
+      </p:pic>
+      <p:sp>
+        <p:nvSpPr>
+          <p:cNvPr id="6" name="TextBox 5">
+            <a:extLst>
+              <a:ext uri="{FF2B5EF4-FFF2-40B4-BE49-F238E27FC236}">
+                <a16:creationId xmlns:a16="http://schemas.microsoft.com/office/drawing/2014/main" id="{2ECD7941-9BB9-960F-343B-7E574754ED2E}"/>
+              </a:ext>
+            </a:extLst>
+          </p:cNvPr>
+          <p:cNvSpPr txBox="1"/>
+          <p:nvPr/>
+        </p:nvSpPr>
+        <p:spPr>
+          <a:xfrm>
+            <a:off x="6801852" y="6176963"/>
+            <a:ext cx="3472113" cy="369332"/>
+          </a:xfrm>
+          <a:prstGeom prst="rect">
+            <a:avLst/>
+          </a:prstGeom>
+          <a:noFill/>
+        </p:spPr>
+        <p:txBody>
+          <a:bodyPr wrap="square" rtlCol="0">
+            <a:spAutoFit/>
+          </a:bodyPr>
+          <a:lstStyle/>
+          <a:p>
+            <a:r>
+              <a:rPr lang="en-PK" dirty="0"/>
+              <a:t>Fig 6: Scalled feature importance</a:t>
+            </a:r>
+          </a:p>
+        </p:txBody>
+      </p:sp>
+    </p:spTree>
+    <p:extLst>
+      <p:ext uri="{BB962C8B-B14F-4D97-AF65-F5344CB8AC3E}">
+        <p14:creationId xmlns:p14="http://schemas.microsoft.com/office/powerpoint/2010/main" val="363118894"/>
+      </p:ext>
+    </p:extLst>
+  </p:cSld>
+  <p:clrMapOvr>
+    <a:masterClrMapping/>
+  </p:clrMapOvr>
+</p:sld>
+</file>
+
+<file path=ppt/slides/slide16.xml><?xml version="1.0" encoding="utf-8"?>
+<p:sld xmlns:a="http://schemas.openxmlformats.org/drawingml/2006/main" xmlns:r="http://schemas.openxmlformats.org/officeDocument/2006/relationships" xmlns:p="http://schemas.openxmlformats.org/presentationml/2006/main">
+  <p:cSld>
+    <p:spTree>
+      <p:nvGrpSpPr>
+        <p:cNvPr id="1" name="">
+          <a:extLst>
+            <a:ext uri="{FF2B5EF4-FFF2-40B4-BE49-F238E27FC236}">
+              <a16:creationId xmlns:a16="http://schemas.microsoft.com/office/drawing/2014/main" id="{55764A5A-A97E-AE9F-3876-8860928A0055}"/>
+            </a:ext>
+          </a:extLst>
+        </p:cNvPr>
+        <p:cNvGrpSpPr/>
+        <p:nvPr/>
+      </p:nvGrpSpPr>
+      <p:grpSpPr>
+        <a:xfrm>
+          <a:off x="0" y="0"/>
+          <a:ext cx="0" cy="0"/>
+          <a:chOff x="0" y="0"/>
+          <a:chExt cx="0" cy="0"/>
+        </a:xfrm>
+      </p:grpSpPr>
+      <p:sp>
+        <p:nvSpPr>
+          <p:cNvPr id="2" name="Title 1">
+            <a:extLst>
+              <a:ext uri="{FF2B5EF4-FFF2-40B4-BE49-F238E27FC236}">
+                <a16:creationId xmlns:a16="http://schemas.microsoft.com/office/drawing/2014/main" id="{4F8AC340-5FA4-9514-123B-E2C3AF7D2D8C}"/>
+              </a:ext>
+            </a:extLst>
+          </p:cNvPr>
+          <p:cNvSpPr>
+            <a:spLocks noGrp="1"/>
+          </p:cNvSpPr>
+          <p:nvPr>
+            <p:ph type="title"/>
+          </p:nvPr>
+        </p:nvSpPr>
+        <p:spPr/>
+        <p:txBody>
+          <a:bodyPr/>
+          <a:lstStyle/>
+          <a:p>
+            <a:r>
+              <a:rPr lang="en-PK" dirty="0"/>
+              <a:t>Decis</a:t>
+            </a:r>
+            <a:r>
+              <a:rPr lang="en-GB" dirty="0" err="1"/>
+              <a:t>i</a:t>
+            </a:r>
+            <a:r>
+              <a:rPr lang="en-PK" dirty="0"/>
+              <a:t>on Tree</a:t>
+            </a:r>
+          </a:p>
+        </p:txBody>
+      </p:sp>
+      <p:pic>
+        <p:nvPicPr>
+          <p:cNvPr id="9" name="Content Placeholder 8" descr="A screenshot of a computer program&#10;&#10;Description automatically generated">
+            <a:extLst>
+              <a:ext uri="{FF2B5EF4-FFF2-40B4-BE49-F238E27FC236}">
+                <a16:creationId xmlns:a16="http://schemas.microsoft.com/office/drawing/2014/main" id="{C61275F7-8026-3119-2CC6-6738A942D8BA}"/>
+              </a:ext>
+            </a:extLst>
+          </p:cNvPr>
+          <p:cNvPicPr>
+            <a:picLocks noGrp="1" noChangeAspect="1"/>
+          </p:cNvPicPr>
+          <p:nvPr>
+            <p:ph idx="1"/>
+          </p:nvPr>
+        </p:nvPicPr>
+        <p:blipFill>
+          <a:blip r:embed="rId2">
+            <a:extLst>
+              <a:ext uri="{28A0092B-C50C-407E-A947-70E740481C1C}">
+                <a14:useLocalDpi xmlns:a14="http://schemas.microsoft.com/office/drawing/2010/main" val="0"/>
+              </a:ext>
+            </a:extLst>
+          </a:blip>
+          <a:stretch>
+            <a:fillRect/>
+          </a:stretch>
+        </p:blipFill>
+        <p:spPr>
+          <a:xfrm>
+            <a:off x="4053973" y="1690688"/>
+            <a:ext cx="4084053" cy="4268170"/>
+          </a:xfrm>
+        </p:spPr>
+      </p:pic>
+      <p:sp>
+        <p:nvSpPr>
+          <p:cNvPr id="10" name="TextBox 9">
+            <a:extLst>
+              <a:ext uri="{FF2B5EF4-FFF2-40B4-BE49-F238E27FC236}">
+                <a16:creationId xmlns:a16="http://schemas.microsoft.com/office/drawing/2014/main" id="{63B85118-D128-1CB6-E0C8-0A2AC9347CD2}"/>
+              </a:ext>
+            </a:extLst>
+          </p:cNvPr>
+          <p:cNvSpPr txBox="1"/>
+          <p:nvPr/>
+        </p:nvSpPr>
+        <p:spPr>
+          <a:xfrm>
+            <a:off x="4558297" y="6123543"/>
+            <a:ext cx="3472113" cy="369332"/>
+          </a:xfrm>
+          <a:prstGeom prst="rect">
+            <a:avLst/>
+          </a:prstGeom>
+          <a:noFill/>
+        </p:spPr>
+        <p:txBody>
+          <a:bodyPr wrap="square" rtlCol="0">
+            <a:spAutoFit/>
+          </a:bodyPr>
+          <a:lstStyle/>
+          <a:p>
+            <a:r>
+              <a:rPr lang="en-PK" dirty="0"/>
+              <a:t>Fig 7: Percision and recall of DT</a:t>
+            </a:r>
+          </a:p>
+        </p:txBody>
+      </p:sp>
+    </p:spTree>
+    <p:extLst>
+      <p:ext uri="{BB962C8B-B14F-4D97-AF65-F5344CB8AC3E}">
+        <p14:creationId xmlns:p14="http://schemas.microsoft.com/office/powerpoint/2010/main" val="868837735"/>
+      </p:ext>
+    </p:extLst>
+  </p:cSld>
+  <p:clrMapOvr>
+    <a:masterClrMapping/>
+  </p:clrMapOvr>
+</p:sld>
+</file>
+
+<file path=ppt/slides/slide17.xml><?xml version="1.0" encoding="utf-8"?>
+<p:sld xmlns:a="http://schemas.openxmlformats.org/drawingml/2006/main" xmlns:r="http://schemas.openxmlformats.org/officeDocument/2006/relationships" xmlns:p="http://schemas.openxmlformats.org/presentationml/2006/main">
+  <p:cSld>
+    <p:spTree>
+      <p:nvGrpSpPr>
+        <p:cNvPr id="1" name=""/>
+        <p:cNvGrpSpPr/>
+        <p:nvPr/>
+      </p:nvGrpSpPr>
+      <p:grpSpPr>
+        <a:xfrm>
+          <a:off x="0" y="0"/>
+          <a:ext cx="0" cy="0"/>
+          <a:chOff x="0" y="0"/>
+          <a:chExt cx="0" cy="0"/>
+        </a:xfrm>
+      </p:grpSpPr>
+      <p:sp>
+        <p:nvSpPr>
+          <p:cNvPr id="2" name="Title 1">
+            <a:extLst>
+              <a:ext uri="{FF2B5EF4-FFF2-40B4-BE49-F238E27FC236}">
+                <a16:creationId xmlns:a16="http://schemas.microsoft.com/office/drawing/2014/main" id="{C528549F-2977-1CC3-734B-03781486132E}"/>
+              </a:ext>
+            </a:extLst>
+          </p:cNvPr>
+          <p:cNvSpPr>
+            <a:spLocks noGrp="1"/>
+          </p:cNvSpPr>
+          <p:nvPr>
+            <p:ph type="title"/>
+          </p:nvPr>
+        </p:nvSpPr>
+        <p:spPr/>
+        <p:txBody>
+          <a:bodyPr/>
+          <a:lstStyle/>
+          <a:p>
+            <a:r>
+              <a:rPr lang="en-PK" dirty="0"/>
+              <a:t>Resampling and Cross-Validation</a:t>
+            </a:r>
+          </a:p>
+        </p:txBody>
+      </p:sp>
+      <p:sp>
+        <p:nvSpPr>
+          <p:cNvPr id="3" name="Content Placeholder 2">
+            <a:extLst>
+              <a:ext uri="{FF2B5EF4-FFF2-40B4-BE49-F238E27FC236}">
+                <a16:creationId xmlns:a16="http://schemas.microsoft.com/office/drawing/2014/main" id="{E14BCA82-9AD4-CECD-4A8F-716985EFADAF}"/>
+              </a:ext>
+            </a:extLst>
+          </p:cNvPr>
+          <p:cNvSpPr>
+            <a:spLocks noGrp="1"/>
+          </p:cNvSpPr>
+          <p:nvPr>
+            <p:ph idx="1"/>
+          </p:nvPr>
+        </p:nvSpPr>
+        <p:spPr/>
+        <p:txBody>
+          <a:bodyPr/>
+          <a:lstStyle/>
+          <a:p>
+            <a:r>
+              <a:rPr lang="en-PK" dirty="0"/>
+              <a:t>SMOTE oversampling</a:t>
+            </a:r>
+          </a:p>
+          <a:p>
+            <a:r>
+              <a:rPr lang="en-PK" dirty="0"/>
+              <a:t>Stratified cross-validation</a:t>
+            </a:r>
+          </a:p>
+        </p:txBody>
+      </p:sp>
+    </p:spTree>
+    <p:extLst>
+      <p:ext uri="{BB962C8B-B14F-4D97-AF65-F5344CB8AC3E}">
+        <p14:creationId xmlns:p14="http://schemas.microsoft.com/office/powerpoint/2010/main" val="3879663775"/>
+      </p:ext>
+    </p:extLst>
+  </p:cSld>
+  <p:clrMapOvr>
+    <a:masterClrMapping/>
+  </p:clrMapOvr>
+</p:sld>
+</file>
+
+<file path=ppt/slides/slide18.xml><?xml version="1.0" encoding="utf-8"?>
+<p:sld xmlns:a="http://schemas.openxmlformats.org/drawingml/2006/main" xmlns:r="http://schemas.openxmlformats.org/officeDocument/2006/relationships" xmlns:p="http://schemas.openxmlformats.org/presentationml/2006/main">
+  <p:cSld>
+    <p:spTree>
+      <p:nvGrpSpPr>
+        <p:cNvPr id="1" name=""/>
+        <p:cNvGrpSpPr/>
+        <p:nvPr/>
+      </p:nvGrpSpPr>
+      <p:grpSpPr>
+        <a:xfrm>
+          <a:off x="0" y="0"/>
+          <a:ext cx="0" cy="0"/>
+          <a:chOff x="0" y="0"/>
+          <a:chExt cx="0" cy="0"/>
+        </a:xfrm>
+      </p:grpSpPr>
+      <p:sp>
+        <p:nvSpPr>
+          <p:cNvPr id="2" name="Title 1">
+            <a:extLst>
+              <a:ext uri="{FF2B5EF4-FFF2-40B4-BE49-F238E27FC236}">
+                <a16:creationId xmlns:a16="http://schemas.microsoft.com/office/drawing/2014/main" id="{F5667B78-7122-10C7-F3A3-AD4A70AD7232}"/>
+              </a:ext>
+            </a:extLst>
+          </p:cNvPr>
+          <p:cNvSpPr>
+            <a:spLocks noGrp="1"/>
+          </p:cNvSpPr>
+          <p:nvPr>
+            <p:ph type="title"/>
+          </p:nvPr>
+        </p:nvSpPr>
+        <p:spPr/>
+        <p:txBody>
+          <a:bodyPr/>
+          <a:lstStyle/>
+          <a:p>
+            <a:r>
+              <a:rPr lang="en-PK" dirty="0"/>
+              <a:t>Random Forest</a:t>
+            </a:r>
+          </a:p>
+        </p:txBody>
+      </p:sp>
+      <p:pic>
+        <p:nvPicPr>
+          <p:cNvPr id="5" name="Content Placeholder 4" descr="A screenshot of a computer program&#10;&#10;Description automatically generated">
+            <a:extLst>
+              <a:ext uri="{FF2B5EF4-FFF2-40B4-BE49-F238E27FC236}">
+                <a16:creationId xmlns:a16="http://schemas.microsoft.com/office/drawing/2014/main" id="{AAF24DC9-4EDF-6816-8538-E0B77FAD4A7D}"/>
+              </a:ext>
+            </a:extLst>
+          </p:cNvPr>
+          <p:cNvPicPr>
+            <a:picLocks noGrp="1" noChangeAspect="1"/>
+          </p:cNvPicPr>
+          <p:nvPr>
+            <p:ph idx="1"/>
+          </p:nvPr>
+        </p:nvPicPr>
+        <p:blipFill>
+          <a:blip r:embed="rId2">
+            <a:extLst>
+              <a:ext uri="{28A0092B-C50C-407E-A947-70E740481C1C}">
+                <a14:useLocalDpi xmlns:a14="http://schemas.microsoft.com/office/drawing/2010/main" val="0"/>
+              </a:ext>
+            </a:extLst>
+          </a:blip>
+          <a:stretch>
+            <a:fillRect/>
+          </a:stretch>
+        </p:blipFill>
+        <p:spPr>
+          <a:xfrm>
+            <a:off x="4252327" y="1690688"/>
+            <a:ext cx="3687345" cy="4450804"/>
+          </a:xfrm>
+        </p:spPr>
+      </p:pic>
+      <p:sp>
+        <p:nvSpPr>
+          <p:cNvPr id="6" name="TextBox 5">
+            <a:extLst>
+              <a:ext uri="{FF2B5EF4-FFF2-40B4-BE49-F238E27FC236}">
+                <a16:creationId xmlns:a16="http://schemas.microsoft.com/office/drawing/2014/main" id="{795AD93C-6240-C049-4495-117CC7DD742A}"/>
+              </a:ext>
+            </a:extLst>
+          </p:cNvPr>
+          <p:cNvSpPr txBox="1"/>
+          <p:nvPr/>
+        </p:nvSpPr>
+        <p:spPr>
+          <a:xfrm>
+            <a:off x="4558297" y="6123543"/>
+            <a:ext cx="3472113" cy="369332"/>
+          </a:xfrm>
+          <a:prstGeom prst="rect">
+            <a:avLst/>
+          </a:prstGeom>
+          <a:noFill/>
+        </p:spPr>
+        <p:txBody>
+          <a:bodyPr wrap="square" rtlCol="0">
+            <a:spAutoFit/>
+          </a:bodyPr>
+          <a:lstStyle/>
+          <a:p>
+            <a:r>
+              <a:rPr lang="en-PK" dirty="0"/>
+              <a:t>Fig 8: Percision and recall of RF</a:t>
+            </a:r>
+          </a:p>
+        </p:txBody>
+      </p:sp>
+    </p:spTree>
+    <p:extLst>
+      <p:ext uri="{BB962C8B-B14F-4D97-AF65-F5344CB8AC3E}">
+        <p14:creationId xmlns:p14="http://schemas.microsoft.com/office/powerpoint/2010/main" val="2069811160"/>
+      </p:ext>
+    </p:extLst>
+  </p:cSld>
+  <p:clrMapOvr>
+    <a:masterClrMapping/>
+  </p:clrMapOvr>
+</p:sld>
+</file>
+
+<file path=ppt/slides/slide19.xml><?xml version="1.0" encoding="utf-8"?>
 <p:sld xmlns:a="http://schemas.openxmlformats.org/drawingml/2006/main" xmlns:r="http://schemas.openxmlformats.org/officeDocument/2006/relationships" xmlns:p="http://schemas.openxmlformats.org/presentationml/2006/main">
   <p:cSld>
     <p:spTree>
@@ -7865,7 +9118,7 @@
           <p:cNvPr id="2" name="Title 1">
             <a:extLst>
               <a:ext uri="{FF2B5EF4-FFF2-40B4-BE49-F238E27FC236}">
-                <a16:creationId xmlns:a16="http://schemas.microsoft.com/office/drawing/2014/main" id="{022EAE94-C6F6-2CC1-512D-6B0C82684BF6}"/>
+                <a16:creationId xmlns:a16="http://schemas.microsoft.com/office/drawing/2014/main" id="{CFB592E5-8C0B-3C90-44E3-7D60541D6218}"/>
               </a:ext>
             </a:extLst>
           </p:cNvPr>
@@ -7883,50 +9136,67 @@
           <a:p>
             <a:r>
               <a:rPr lang="en-PK" dirty="0"/>
-              <a:t>Banner</a:t>
+              <a:t>Problem Statement</a:t>
             </a:r>
           </a:p>
         </p:txBody>
       </p:sp>
-      <p:pic>
-        <p:nvPicPr>
-          <p:cNvPr id="8" name="Content Placeholder 4" descr="A person standing in front of a chart&#10;&#10;Description automatically generated">
-            <a:extLst>
-              <a:ext uri="{FF2B5EF4-FFF2-40B4-BE49-F238E27FC236}">
-                <a16:creationId xmlns:a16="http://schemas.microsoft.com/office/drawing/2014/main" id="{77A34186-3AF9-A737-6C50-57C36B22D7C7}"/>
-              </a:ext>
-            </a:extLst>
-          </p:cNvPr>
-          <p:cNvPicPr>
-            <a:picLocks noGrp="1" noChangeAspect="1"/>
-          </p:cNvPicPr>
+      <p:sp>
+        <p:nvSpPr>
+          <p:cNvPr id="3" name="Content Placeholder 2">
+            <a:extLst>
+              <a:ext uri="{FF2B5EF4-FFF2-40B4-BE49-F238E27FC236}">
+                <a16:creationId xmlns:a16="http://schemas.microsoft.com/office/drawing/2014/main" id="{420B4B94-F94B-A1D2-0376-C37D62C079D1}"/>
+              </a:ext>
+            </a:extLst>
+          </p:cNvPr>
+          <p:cNvSpPr>
+            <a:spLocks noGrp="1"/>
+          </p:cNvSpPr>
           <p:nvPr>
             <p:ph idx="1"/>
           </p:nvPr>
-        </p:nvPicPr>
-        <p:blipFill>
-          <a:blip r:embed="rId2">
-            <a:extLst>
-              <a:ext uri="{28A0092B-C50C-407E-A947-70E740481C1C}">
-                <a14:useLocalDpi xmlns:a14="http://schemas.microsoft.com/office/drawing/2010/main" val="0"/>
-              </a:ext>
-            </a:extLst>
-          </a:blip>
-          <a:stretch>
-            <a:fillRect/>
-          </a:stretch>
-        </p:blipFill>
-        <p:spPr>
-          <a:xfrm>
-            <a:off x="4369049" y="1577707"/>
-            <a:ext cx="3453901" cy="4915168"/>
-          </a:xfrm>
-        </p:spPr>
-      </p:pic>
+        </p:nvSpPr>
+        <p:spPr/>
+        <p:txBody>
+          <a:bodyPr/>
+          <a:lstStyle/>
+          <a:p>
+            <a:r>
+              <a:rPr lang="en-PK" dirty="0"/>
+              <a:t>Thera Bank marketing strategy</a:t>
+            </a:r>
+          </a:p>
+          <a:p>
+            <a:r>
+              <a:rPr lang="en-PK" dirty="0"/>
+              <a:t>Target customer </a:t>
+            </a:r>
+          </a:p>
+          <a:p>
+            <a:r>
+              <a:rPr lang="en-PK" dirty="0"/>
+              <a:t>Reduce marketing budget</a:t>
+            </a:r>
+          </a:p>
+          <a:p>
+            <a:endParaRPr lang="en-PK" dirty="0"/>
+          </a:p>
+          <a:p>
+            <a:endParaRPr lang="en-PK" dirty="0"/>
+          </a:p>
+          <a:p>
+            <a:endParaRPr lang="en-PK" dirty="0"/>
+          </a:p>
+          <a:p>
+            <a:endParaRPr lang="en-PK" dirty="0"/>
+          </a:p>
+        </p:txBody>
+      </p:sp>
     </p:spTree>
     <p:extLst>
       <p:ext uri="{BB962C8B-B14F-4D97-AF65-F5344CB8AC3E}">
-        <p14:creationId xmlns:p14="http://schemas.microsoft.com/office/powerpoint/2010/main" val="470116224"/>
+        <p14:creationId xmlns:p14="http://schemas.microsoft.com/office/powerpoint/2010/main" val="1392575616"/>
       </p:ext>
     </p:extLst>
   </p:cSld>
@@ -7958,7 +9228,7 @@
           <p:cNvPr id="2" name="Title 1">
             <a:extLst>
               <a:ext uri="{FF2B5EF4-FFF2-40B4-BE49-F238E27FC236}">
-                <a16:creationId xmlns:a16="http://schemas.microsoft.com/office/drawing/2014/main" id="{377F3F28-6B2A-9B15-A6AC-0D368784C70B}"/>
+                <a16:creationId xmlns:a16="http://schemas.microsoft.com/office/drawing/2014/main" id="{4C05C688-4BC9-3DB0-3BC3-668DFD03F87F}"/>
               </a:ext>
             </a:extLst>
           </p:cNvPr>
@@ -7976,79 +9246,415 @@
           <a:p>
             <a:r>
               <a:rPr lang="en-PK" dirty="0"/>
-              <a:t>Proximity</a:t>
+              <a:t>Dataset</a:t>
             </a:r>
           </a:p>
         </p:txBody>
       </p:sp>
-      <p:sp>
-        <p:nvSpPr>
-          <p:cNvPr id="6" name="Content Placeholder 5">
-            <a:extLst>
-              <a:ext uri="{FF2B5EF4-FFF2-40B4-BE49-F238E27FC236}">
-                <a16:creationId xmlns:a16="http://schemas.microsoft.com/office/drawing/2014/main" id="{13CA7D29-D18F-151E-6898-76EC6BC794C1}"/>
-              </a:ext>
-            </a:extLst>
-          </p:cNvPr>
-          <p:cNvSpPr>
-            <a:spLocks noGrp="1"/>
-          </p:cNvSpPr>
+      <p:graphicFrame>
+        <p:nvGraphicFramePr>
+          <p:cNvPr id="5" name="Content Placeholder 4">
+            <a:extLst>
+              <a:ext uri="{FF2B5EF4-FFF2-40B4-BE49-F238E27FC236}">
+                <a16:creationId xmlns:a16="http://schemas.microsoft.com/office/drawing/2014/main" id="{300E7CE5-E74C-F62E-0DA3-FFE88B03035E}"/>
+              </a:ext>
+            </a:extLst>
+          </p:cNvPr>
+          <p:cNvGraphicFramePr>
+            <a:graphicFrameLocks noGrp="1"/>
+          </p:cNvGraphicFramePr>
           <p:nvPr>
             <p:ph idx="1"/>
+            <p:extLst>
+              <p:ext uri="{D42A27DB-BD31-4B8C-83A1-F6EECF244321}">
+                <p14:modId xmlns:p14="http://schemas.microsoft.com/office/powerpoint/2010/main" val="3186043428"/>
+              </p:ext>
+            </p:extLst>
           </p:nvPr>
-        </p:nvSpPr>
-        <p:spPr/>
-        <p:txBody>
-          <a:bodyPr/>
-          <a:lstStyle/>
-          <a:p>
-            <a:r>
-              <a:rPr lang="en-PK" dirty="0"/>
-              <a:t>Grouping related elements</a:t>
-            </a:r>
-          </a:p>
-        </p:txBody>
-      </p:sp>
-      <p:pic>
-        <p:nvPicPr>
-          <p:cNvPr id="7" name="Content Placeholder 4" descr="A person standing in front of a chart&#10;&#10;Description automatically generated">
-            <a:extLst>
-              <a:ext uri="{FF2B5EF4-FFF2-40B4-BE49-F238E27FC236}">
-                <a16:creationId xmlns:a16="http://schemas.microsoft.com/office/drawing/2014/main" id="{07EA7BA8-C527-B710-F7EA-387C4683F351}"/>
-              </a:ext>
-            </a:extLst>
-          </p:cNvPr>
-          <p:cNvPicPr>
-            <a:picLocks noChangeAspect="1"/>
-          </p:cNvPicPr>
-          <p:nvPr/>
-        </p:nvPicPr>
-        <p:blipFill>
-          <a:blip r:embed="rId2">
-            <a:extLst>
-              <a:ext uri="{28A0092B-C50C-407E-A947-70E740481C1C}">
-                <a14:useLocalDpi xmlns:a14="http://schemas.microsoft.com/office/drawing/2010/main" val="0"/>
-              </a:ext>
-            </a:extLst>
-          </a:blip>
-          <a:stretch>
-            <a:fillRect/>
-          </a:stretch>
-        </p:blipFill>
-        <p:spPr>
-          <a:xfrm>
-            <a:off x="6700753" y="1825625"/>
-            <a:ext cx="3057696" cy="4351338"/>
-          </a:xfrm>
-          <a:prstGeom prst="rect">
-            <a:avLst/>
-          </a:prstGeom>
-        </p:spPr>
-      </p:pic>
+        </p:nvGraphicFramePr>
+        <p:xfrm>
+          <a:off x="838200" y="1903931"/>
+          <a:ext cx="10515600" cy="4246880"/>
+        </p:xfrm>
+        <a:graphic>
+          <a:graphicData uri="http://schemas.openxmlformats.org/drawingml/2006/table">
+            <a:tbl>
+              <a:tblPr firstRow="1" bandRow="1">
+                <a:tableStyleId>{5C22544A-7EE6-4342-B048-85BDC9FD1C3A}</a:tableStyleId>
+              </a:tblPr>
+              <a:tblGrid>
+                <a:gridCol w="5257800">
+                  <a:extLst>
+                    <a:ext uri="{9D8B030D-6E8A-4147-A177-3AD203B41FA5}">
+                      <a16:colId xmlns:a16="http://schemas.microsoft.com/office/drawing/2014/main" val="905246978"/>
+                    </a:ext>
+                  </a:extLst>
+                </a:gridCol>
+                <a:gridCol w="5257800">
+                  <a:extLst>
+                    <a:ext uri="{9D8B030D-6E8A-4147-A177-3AD203B41FA5}">
+                      <a16:colId xmlns:a16="http://schemas.microsoft.com/office/drawing/2014/main" val="531180723"/>
+                    </a:ext>
+                  </a:extLst>
+                </a:gridCol>
+              </a:tblGrid>
+              <a:tr h="370840">
+                <a:tc>
+                  <a:txBody>
+                    <a:bodyPr/>
+                    <a:lstStyle/>
+                    <a:p>
+                      <a:pPr algn="ctr"/>
+                      <a:r>
+                        <a:rPr lang="en-PK" dirty="0"/>
+                        <a:t>Features </a:t>
+                      </a:r>
+                    </a:p>
+                  </a:txBody>
+                  <a:tcPr/>
+                </a:tc>
+                <a:tc>
+                  <a:txBody>
+                    <a:bodyPr/>
+                    <a:lstStyle/>
+                    <a:p>
+                      <a:pPr algn="ctr"/>
+                      <a:r>
+                        <a:rPr lang="en-PK" dirty="0"/>
+                        <a:t>Description</a:t>
+                      </a:r>
+                    </a:p>
+                  </a:txBody>
+                  <a:tcPr/>
+                </a:tc>
+                <a:extLst>
+                  <a:ext uri="{0D108BD9-81ED-4DB2-BD59-A6C34878D82A}">
+                    <a16:rowId xmlns:a16="http://schemas.microsoft.com/office/drawing/2014/main" val="1177703533"/>
+                  </a:ext>
+                </a:extLst>
+              </a:tr>
+              <a:tr h="370840">
+                <a:tc>
+                  <a:txBody>
+                    <a:bodyPr/>
+                    <a:lstStyle/>
+                    <a:p>
+                      <a:r>
+                        <a:rPr lang="en-PK" dirty="0"/>
+                        <a:t>Age</a:t>
+                      </a:r>
+                    </a:p>
+                  </a:txBody>
+                  <a:tcPr/>
+                </a:tc>
+                <a:tc>
+                  <a:txBody>
+                    <a:bodyPr/>
+                    <a:lstStyle/>
+                    <a:p>
+                      <a:r>
+                        <a:rPr lang="en-GB" sz="1800" b="0" i="0" kern="1200" dirty="0">
+                          <a:solidFill>
+                            <a:schemeClr val="dk1"/>
+                          </a:solidFill>
+                          <a:effectLst/>
+                          <a:latin typeface="+mn-lt"/>
+                          <a:ea typeface="+mn-ea"/>
+                          <a:cs typeface="+mn-cs"/>
+                        </a:rPr>
+                        <a:t>Customer's age</a:t>
+                      </a:r>
+                      <a:endParaRPr lang="en-PK" dirty="0"/>
+                    </a:p>
+                  </a:txBody>
+                  <a:tcPr/>
+                </a:tc>
+                <a:extLst>
+                  <a:ext uri="{0D108BD9-81ED-4DB2-BD59-A6C34878D82A}">
+                    <a16:rowId xmlns:a16="http://schemas.microsoft.com/office/drawing/2014/main" val="1966646429"/>
+                  </a:ext>
+                </a:extLst>
+              </a:tr>
+              <a:tr h="370840">
+                <a:tc>
+                  <a:txBody>
+                    <a:bodyPr/>
+                    <a:lstStyle/>
+                    <a:p>
+                      <a:r>
+                        <a:rPr lang="en-PK" dirty="0"/>
+                        <a:t>Experience</a:t>
+                      </a:r>
+                    </a:p>
+                  </a:txBody>
+                  <a:tcPr/>
+                </a:tc>
+                <a:tc>
+                  <a:txBody>
+                    <a:bodyPr/>
+                    <a:lstStyle/>
+                    <a:p>
+                      <a:r>
+                        <a:rPr lang="en-GB" dirty="0"/>
+                        <a:t>Years of professional experience</a:t>
+                      </a:r>
+                      <a:endParaRPr lang="en-PK" dirty="0"/>
+                    </a:p>
+                  </a:txBody>
+                  <a:tcPr/>
+                </a:tc>
+                <a:extLst>
+                  <a:ext uri="{0D108BD9-81ED-4DB2-BD59-A6C34878D82A}">
+                    <a16:rowId xmlns:a16="http://schemas.microsoft.com/office/drawing/2014/main" val="1371741142"/>
+                  </a:ext>
+                </a:extLst>
+              </a:tr>
+              <a:tr h="370840">
+                <a:tc>
+                  <a:txBody>
+                    <a:bodyPr/>
+                    <a:lstStyle/>
+                    <a:p>
+                      <a:r>
+                        <a:rPr lang="en-PK" dirty="0"/>
+                        <a:t>Income</a:t>
+                      </a:r>
+                    </a:p>
+                  </a:txBody>
+                  <a:tcPr/>
+                </a:tc>
+                <a:tc>
+                  <a:txBody>
+                    <a:bodyPr/>
+                    <a:lstStyle/>
+                    <a:p>
+                      <a:r>
+                        <a:rPr lang="en-GB" dirty="0"/>
+                        <a:t>Annual income of the customer</a:t>
+                      </a:r>
+                      <a:endParaRPr lang="en-PK" dirty="0"/>
+                    </a:p>
+                  </a:txBody>
+                  <a:tcPr/>
+                </a:tc>
+                <a:extLst>
+                  <a:ext uri="{0D108BD9-81ED-4DB2-BD59-A6C34878D82A}">
+                    <a16:rowId xmlns:a16="http://schemas.microsoft.com/office/drawing/2014/main" val="3677807213"/>
+                  </a:ext>
+                </a:extLst>
+              </a:tr>
+              <a:tr h="370840">
+                <a:tc>
+                  <a:txBody>
+                    <a:bodyPr/>
+                    <a:lstStyle/>
+                    <a:p>
+                      <a:r>
+                        <a:rPr lang="en-PK" dirty="0"/>
+                        <a:t>Zip Code</a:t>
+                      </a:r>
+                    </a:p>
+                  </a:txBody>
+                  <a:tcPr/>
+                </a:tc>
+                <a:tc>
+                  <a:txBody>
+                    <a:bodyPr/>
+                    <a:lstStyle/>
+                    <a:p>
+                      <a:r>
+                        <a:rPr lang="en-GB" dirty="0"/>
+                        <a:t>Home Address ZIP code.</a:t>
+                      </a:r>
+                      <a:endParaRPr lang="en-PK" dirty="0"/>
+                    </a:p>
+                  </a:txBody>
+                  <a:tcPr/>
+                </a:tc>
+                <a:extLst>
+                  <a:ext uri="{0D108BD9-81ED-4DB2-BD59-A6C34878D82A}">
+                    <a16:rowId xmlns:a16="http://schemas.microsoft.com/office/drawing/2014/main" val="3083608834"/>
+                  </a:ext>
+                </a:extLst>
+              </a:tr>
+              <a:tr h="370840">
+                <a:tc>
+                  <a:txBody>
+                    <a:bodyPr/>
+                    <a:lstStyle/>
+                    <a:p>
+                      <a:r>
+                        <a:rPr lang="en-PK" dirty="0"/>
+                        <a:t>Family</a:t>
+                      </a:r>
+                    </a:p>
+                  </a:txBody>
+                  <a:tcPr/>
+                </a:tc>
+                <a:tc>
+                  <a:txBody>
+                    <a:bodyPr/>
+                    <a:lstStyle/>
+                    <a:p>
+                      <a:r>
+                        <a:rPr lang="en-GB" dirty="0"/>
+                        <a:t>Family size of the customer</a:t>
+                      </a:r>
+                      <a:endParaRPr lang="en-PK" dirty="0"/>
+                    </a:p>
+                  </a:txBody>
+                  <a:tcPr/>
+                </a:tc>
+                <a:extLst>
+                  <a:ext uri="{0D108BD9-81ED-4DB2-BD59-A6C34878D82A}">
+                    <a16:rowId xmlns:a16="http://schemas.microsoft.com/office/drawing/2014/main" val="605065013"/>
+                  </a:ext>
+                </a:extLst>
+              </a:tr>
+              <a:tr h="370840">
+                <a:tc>
+                  <a:txBody>
+                    <a:bodyPr/>
+                    <a:lstStyle/>
+                    <a:p>
+                      <a:r>
+                        <a:rPr lang="en-PK" dirty="0"/>
+                        <a:t>CCAvg</a:t>
+                      </a:r>
+                    </a:p>
+                  </a:txBody>
+                  <a:tcPr/>
+                </a:tc>
+                <a:tc>
+                  <a:txBody>
+                    <a:bodyPr/>
+                    <a:lstStyle/>
+                    <a:p>
+                      <a:r>
+                        <a:rPr lang="en-GB" dirty="0"/>
+                        <a:t>Mean spending on credit cards per month</a:t>
+                      </a:r>
+                      <a:endParaRPr lang="en-PK" dirty="0"/>
+                    </a:p>
+                  </a:txBody>
+                  <a:tcPr/>
+                </a:tc>
+                <a:extLst>
+                  <a:ext uri="{0D108BD9-81ED-4DB2-BD59-A6C34878D82A}">
+                    <a16:rowId xmlns:a16="http://schemas.microsoft.com/office/drawing/2014/main" val="3663115065"/>
+                  </a:ext>
+                </a:extLst>
+              </a:tr>
+              <a:tr h="370840">
+                <a:tc>
+                  <a:txBody>
+                    <a:bodyPr/>
+                    <a:lstStyle/>
+                    <a:p>
+                      <a:r>
+                        <a:rPr lang="en-PK" dirty="0"/>
+                        <a:t>Education </a:t>
+                      </a:r>
+                    </a:p>
+                  </a:txBody>
+                  <a:tcPr/>
+                </a:tc>
+                <a:tc>
+                  <a:txBody>
+                    <a:bodyPr/>
+                    <a:lstStyle/>
+                    <a:p>
+                      <a:r>
+                        <a:rPr lang="en-GB" dirty="0"/>
+                        <a:t>Education Level. 1 Undergraduate /2 Graduate /3 (Advanced/Professional)</a:t>
+                      </a:r>
+                      <a:endParaRPr lang="en-PK" dirty="0"/>
+                    </a:p>
+                  </a:txBody>
+                  <a:tcPr/>
+                </a:tc>
+                <a:extLst>
+                  <a:ext uri="{0D108BD9-81ED-4DB2-BD59-A6C34878D82A}">
+                    <a16:rowId xmlns:a16="http://schemas.microsoft.com/office/drawing/2014/main" val="3368697468"/>
+                  </a:ext>
+                </a:extLst>
+              </a:tr>
+              <a:tr h="370840">
+                <a:tc>
+                  <a:txBody>
+                    <a:bodyPr/>
+                    <a:lstStyle/>
+                    <a:p>
+                      <a:r>
+                        <a:rPr lang="en-PK" dirty="0"/>
+                        <a:t>Mortgage</a:t>
+                      </a:r>
+                    </a:p>
+                  </a:txBody>
+                  <a:tcPr/>
+                </a:tc>
+                <a:tc>
+                  <a:txBody>
+                    <a:bodyPr/>
+                    <a:lstStyle/>
+                    <a:p>
+                      <a:r>
+                        <a:rPr lang="en-GB" dirty="0"/>
+                        <a:t>Value of house mortgage if any</a:t>
+                      </a:r>
+                      <a:endParaRPr lang="en-PK" dirty="0"/>
+                    </a:p>
+                  </a:txBody>
+                  <a:tcPr/>
+                </a:tc>
+                <a:extLst>
+                  <a:ext uri="{0D108BD9-81ED-4DB2-BD59-A6C34878D82A}">
+                    <a16:rowId xmlns:a16="http://schemas.microsoft.com/office/drawing/2014/main" val="1379215767"/>
+                  </a:ext>
+                </a:extLst>
+              </a:tr>
+              <a:tr h="370840">
+                <a:tc>
+                  <a:txBody>
+                    <a:bodyPr/>
+                    <a:lstStyle/>
+                    <a:p>
+                      <a:r>
+                        <a:rPr lang="en-PK" dirty="0"/>
+                        <a:t>Personal Loan</a:t>
+                      </a:r>
+                    </a:p>
+                  </a:txBody>
+                  <a:tcPr/>
+                </a:tc>
+                <a:tc>
+                  <a:txBody>
+                    <a:bodyPr/>
+                    <a:lstStyle/>
+                    <a:p>
+                      <a:r>
+                        <a:rPr lang="en-GB" dirty="0"/>
+                        <a:t>Did this customer accept the personal loan offered in the last campaign?</a:t>
+                      </a:r>
+                      <a:endParaRPr lang="en-PK" dirty="0"/>
+                    </a:p>
+                  </a:txBody>
+                  <a:tcPr/>
+                </a:tc>
+                <a:extLst>
+                  <a:ext uri="{0D108BD9-81ED-4DB2-BD59-A6C34878D82A}">
+                    <a16:rowId xmlns:a16="http://schemas.microsoft.com/office/drawing/2014/main" val="3858097018"/>
+                  </a:ext>
+                </a:extLst>
+              </a:tr>
+            </a:tbl>
+          </a:graphicData>
+        </a:graphic>
+      </p:graphicFrame>
     </p:spTree>
     <p:extLst>
       <p:ext uri="{BB962C8B-B14F-4D97-AF65-F5344CB8AC3E}">
-        <p14:creationId xmlns:p14="http://schemas.microsoft.com/office/powerpoint/2010/main" val="2777459706"/>
+        <p14:creationId xmlns:p14="http://schemas.microsoft.com/office/powerpoint/2010/main" val="2512842820"/>
       </p:ext>
     </p:extLst>
   </p:cSld>
@@ -8066,7 +9672,7 @@
         <p:cNvPr id="1" name="">
           <a:extLst>
             <a:ext uri="{FF2B5EF4-FFF2-40B4-BE49-F238E27FC236}">
-              <a16:creationId xmlns:a16="http://schemas.microsoft.com/office/drawing/2014/main" id="{D1F979E5-9EC7-CF53-11B0-46154519ADAE}"/>
+              <a16:creationId xmlns:a16="http://schemas.microsoft.com/office/drawing/2014/main" id="{119B44A0-FC84-7645-6142-6A7064F46DDE}"/>
             </a:ext>
           </a:extLst>
         </p:cNvPr>
@@ -8086,7 +9692,7 @@
           <p:cNvPr id="2" name="Title 1">
             <a:extLst>
               <a:ext uri="{FF2B5EF4-FFF2-40B4-BE49-F238E27FC236}">
-                <a16:creationId xmlns:a16="http://schemas.microsoft.com/office/drawing/2014/main" id="{038C03F0-D5F1-17B3-A455-73ED0CE21111}"/>
+                <a16:creationId xmlns:a16="http://schemas.microsoft.com/office/drawing/2014/main" id="{22AD5304-C146-C483-BE65-3811577B43B4}"/>
               </a:ext>
             </a:extLst>
           </p:cNvPr>
@@ -8104,79 +9710,245 @@
           <a:p>
             <a:r>
               <a:rPr lang="en-PK" dirty="0"/>
-              <a:t>Alignment</a:t>
+              <a:t>Dataset (Cont..)</a:t>
             </a:r>
           </a:p>
         </p:txBody>
       </p:sp>
-      <p:sp>
-        <p:nvSpPr>
-          <p:cNvPr id="6" name="Content Placeholder 5">
-            <a:extLst>
-              <a:ext uri="{FF2B5EF4-FFF2-40B4-BE49-F238E27FC236}">
-                <a16:creationId xmlns:a16="http://schemas.microsoft.com/office/drawing/2014/main" id="{CDD39E4C-5974-DB8E-BFE7-55E826ADCB8A}"/>
-              </a:ext>
-            </a:extLst>
-          </p:cNvPr>
-          <p:cNvSpPr>
-            <a:spLocks noGrp="1"/>
-          </p:cNvSpPr>
+      <p:graphicFrame>
+        <p:nvGraphicFramePr>
+          <p:cNvPr id="5" name="Content Placeholder 4">
+            <a:extLst>
+              <a:ext uri="{FF2B5EF4-FFF2-40B4-BE49-F238E27FC236}">
+                <a16:creationId xmlns:a16="http://schemas.microsoft.com/office/drawing/2014/main" id="{FA24AFEB-6D14-9DC3-FEFB-11C08B5EA64D}"/>
+              </a:ext>
+            </a:extLst>
+          </p:cNvPr>
+          <p:cNvGraphicFramePr>
+            <a:graphicFrameLocks noGrp="1"/>
+          </p:cNvGraphicFramePr>
           <p:nvPr>
             <p:ph idx="1"/>
+            <p:extLst>
+              <p:ext uri="{D42A27DB-BD31-4B8C-83A1-F6EECF244321}">
+                <p14:modId xmlns:p14="http://schemas.microsoft.com/office/powerpoint/2010/main" val="312519626"/>
+              </p:ext>
+            </p:extLst>
           </p:nvPr>
-        </p:nvSpPr>
-        <p:spPr/>
-        <p:txBody>
-          <a:bodyPr/>
-          <a:lstStyle/>
-          <a:p>
-            <a:r>
-              <a:rPr lang="en-PK" dirty="0"/>
-              <a:t>Arranging elements</a:t>
-            </a:r>
-          </a:p>
-        </p:txBody>
-      </p:sp>
-      <p:pic>
-        <p:nvPicPr>
-          <p:cNvPr id="7" name="Content Placeholder 4" descr="A person standing in front of a chart&#10;&#10;Description automatically generated">
-            <a:extLst>
-              <a:ext uri="{FF2B5EF4-FFF2-40B4-BE49-F238E27FC236}">
-                <a16:creationId xmlns:a16="http://schemas.microsoft.com/office/drawing/2014/main" id="{64245407-08B7-FAD1-B2E6-15612C11EC8B}"/>
-              </a:ext>
-            </a:extLst>
-          </p:cNvPr>
-          <p:cNvPicPr>
-            <a:picLocks noChangeAspect="1"/>
-          </p:cNvPicPr>
-          <p:nvPr/>
-        </p:nvPicPr>
-        <p:blipFill>
-          <a:blip r:embed="rId2">
-            <a:extLst>
-              <a:ext uri="{28A0092B-C50C-407E-A947-70E740481C1C}">
-                <a14:useLocalDpi xmlns:a14="http://schemas.microsoft.com/office/drawing/2010/main" val="0"/>
-              </a:ext>
-            </a:extLst>
-          </a:blip>
-          <a:stretch>
-            <a:fillRect/>
-          </a:stretch>
-        </p:blipFill>
-        <p:spPr>
-          <a:xfrm>
-            <a:off x="6700753" y="1825625"/>
-            <a:ext cx="3057696" cy="4351338"/>
-          </a:xfrm>
-          <a:prstGeom prst="rect">
-            <a:avLst/>
-          </a:prstGeom>
-        </p:spPr>
-      </p:pic>
+        </p:nvGraphicFramePr>
+        <p:xfrm>
+          <a:off x="838200" y="1903931"/>
+          <a:ext cx="10515600" cy="2392680"/>
+        </p:xfrm>
+        <a:graphic>
+          <a:graphicData uri="http://schemas.openxmlformats.org/drawingml/2006/table">
+            <a:tbl>
+              <a:tblPr firstRow="1" bandRow="1">
+                <a:tableStyleId>{5C22544A-7EE6-4342-B048-85BDC9FD1C3A}</a:tableStyleId>
+              </a:tblPr>
+              <a:tblGrid>
+                <a:gridCol w="5257800">
+                  <a:extLst>
+                    <a:ext uri="{9D8B030D-6E8A-4147-A177-3AD203B41FA5}">
+                      <a16:colId xmlns:a16="http://schemas.microsoft.com/office/drawing/2014/main" val="905246978"/>
+                    </a:ext>
+                  </a:extLst>
+                </a:gridCol>
+                <a:gridCol w="5257800">
+                  <a:extLst>
+                    <a:ext uri="{9D8B030D-6E8A-4147-A177-3AD203B41FA5}">
+                      <a16:colId xmlns:a16="http://schemas.microsoft.com/office/drawing/2014/main" val="531180723"/>
+                    </a:ext>
+                  </a:extLst>
+                </a:gridCol>
+              </a:tblGrid>
+              <a:tr h="370840">
+                <a:tc>
+                  <a:txBody>
+                    <a:bodyPr/>
+                    <a:lstStyle/>
+                    <a:p>
+                      <a:pPr algn="ctr"/>
+                      <a:r>
+                        <a:rPr lang="en-PK" dirty="0"/>
+                        <a:t>Features </a:t>
+                      </a:r>
+                    </a:p>
+                  </a:txBody>
+                  <a:tcPr/>
+                </a:tc>
+                <a:tc>
+                  <a:txBody>
+                    <a:bodyPr/>
+                    <a:lstStyle/>
+                    <a:p>
+                      <a:pPr algn="ctr"/>
+                      <a:r>
+                        <a:rPr lang="en-PK" dirty="0"/>
+                        <a:t>Description</a:t>
+                      </a:r>
+                    </a:p>
+                  </a:txBody>
+                  <a:tcPr/>
+                </a:tc>
+                <a:extLst>
+                  <a:ext uri="{0D108BD9-81ED-4DB2-BD59-A6C34878D82A}">
+                    <a16:rowId xmlns:a16="http://schemas.microsoft.com/office/drawing/2014/main" val="1177703533"/>
+                  </a:ext>
+                </a:extLst>
+              </a:tr>
+              <a:tr h="370840">
+                <a:tc>
+                  <a:txBody>
+                    <a:bodyPr/>
+                    <a:lstStyle/>
+                    <a:p>
+                      <a:r>
+                        <a:rPr lang="en-PK" dirty="0"/>
+                        <a:t>Security Accounts</a:t>
+                      </a:r>
+                    </a:p>
+                  </a:txBody>
+                  <a:tcPr/>
+                </a:tc>
+                <a:tc>
+                  <a:txBody>
+                    <a:bodyPr/>
+                    <a:lstStyle/>
+                    <a:p>
+                      <a:r>
+                        <a:rPr lang="en-GB" sz="1800" b="0" i="0" kern="1200" dirty="0">
+                          <a:solidFill>
+                            <a:schemeClr val="dk1"/>
+                          </a:solidFill>
+                          <a:effectLst/>
+                          <a:latin typeface="+mn-lt"/>
+                          <a:ea typeface="+mn-ea"/>
+                          <a:cs typeface="+mn-cs"/>
+                        </a:rPr>
+                        <a:t>Does the customer have a securities account with the bank?</a:t>
+                      </a:r>
+                      <a:endParaRPr lang="en-PK" dirty="0"/>
+                    </a:p>
+                  </a:txBody>
+                  <a:tcPr/>
+                </a:tc>
+                <a:extLst>
+                  <a:ext uri="{0D108BD9-81ED-4DB2-BD59-A6C34878D82A}">
+                    <a16:rowId xmlns:a16="http://schemas.microsoft.com/office/drawing/2014/main" val="1966646429"/>
+                  </a:ext>
+                </a:extLst>
+              </a:tr>
+              <a:tr h="370840">
+                <a:tc>
+                  <a:txBody>
+                    <a:bodyPr/>
+                    <a:lstStyle/>
+                    <a:p>
+                      <a:r>
+                        <a:rPr lang="en-PK" dirty="0"/>
+                        <a:t>CD Account</a:t>
+                      </a:r>
+                    </a:p>
+                  </a:txBody>
+                  <a:tcPr/>
+                </a:tc>
+                <a:tc>
+                  <a:txBody>
+                    <a:bodyPr/>
+                    <a:lstStyle/>
+                    <a:p>
+                      <a:r>
+                        <a:rPr lang="en-GB" dirty="0"/>
+                        <a:t>Does the customer have a certificate of deposit (CD) account with the bank?</a:t>
+                      </a:r>
+                      <a:endParaRPr lang="en-PK" dirty="0"/>
+                    </a:p>
+                  </a:txBody>
+                  <a:tcPr/>
+                </a:tc>
+                <a:extLst>
+                  <a:ext uri="{0D108BD9-81ED-4DB2-BD59-A6C34878D82A}">
+                    <a16:rowId xmlns:a16="http://schemas.microsoft.com/office/drawing/2014/main" val="1371741142"/>
+                  </a:ext>
+                </a:extLst>
+              </a:tr>
+              <a:tr h="370840">
+                <a:tc>
+                  <a:txBody>
+                    <a:bodyPr/>
+                    <a:lstStyle/>
+                    <a:p>
+                      <a:r>
+                        <a:rPr lang="en-PK" dirty="0"/>
+                        <a:t>Online</a:t>
+                      </a:r>
+                    </a:p>
+                  </a:txBody>
+                  <a:tcPr/>
+                </a:tc>
+                <a:tc>
+                  <a:txBody>
+                    <a:bodyPr/>
+                    <a:lstStyle/>
+                    <a:p>
+                      <a:r>
+                        <a:rPr lang="en-GB" dirty="0"/>
+                        <a:t>Does the customer use internet banking facilities?</a:t>
+                      </a:r>
+                      <a:endParaRPr lang="en-PK" dirty="0"/>
+                    </a:p>
+                  </a:txBody>
+                  <a:tcPr/>
+                </a:tc>
+                <a:extLst>
+                  <a:ext uri="{0D108BD9-81ED-4DB2-BD59-A6C34878D82A}">
+                    <a16:rowId xmlns:a16="http://schemas.microsoft.com/office/drawing/2014/main" val="3677807213"/>
+                  </a:ext>
+                </a:extLst>
+              </a:tr>
+              <a:tr h="370840">
+                <a:tc>
+                  <a:txBody>
+                    <a:bodyPr/>
+                    <a:lstStyle/>
+                    <a:p>
+                      <a:r>
+                        <a:rPr lang="en-PK" dirty="0"/>
+                        <a:t>Credit Card</a:t>
+                      </a:r>
+                    </a:p>
+                  </a:txBody>
+                  <a:tcPr/>
+                </a:tc>
+                <a:tc>
+                  <a:txBody>
+                    <a:bodyPr/>
+                    <a:lstStyle/>
+                    <a:p>
+                      <a:r>
+                        <a:rPr lang="en-GB" dirty="0"/>
+                        <a:t>Does the customer use a credit card?</a:t>
+                      </a:r>
+                      <a:endParaRPr lang="en-PK" dirty="0"/>
+                    </a:p>
+                  </a:txBody>
+                  <a:tcPr/>
+                </a:tc>
+                <a:extLst>
+                  <a:ext uri="{0D108BD9-81ED-4DB2-BD59-A6C34878D82A}">
+                    <a16:rowId xmlns:a16="http://schemas.microsoft.com/office/drawing/2014/main" val="3083608834"/>
+                  </a:ext>
+                </a:extLst>
+              </a:tr>
+            </a:tbl>
+          </a:graphicData>
+        </a:graphic>
+      </p:graphicFrame>
     </p:spTree>
     <p:extLst>
       <p:ext uri="{BB962C8B-B14F-4D97-AF65-F5344CB8AC3E}">
-        <p14:creationId xmlns:p14="http://schemas.microsoft.com/office/powerpoint/2010/main" val="2150894430"/>
+        <p14:creationId xmlns:p14="http://schemas.microsoft.com/office/powerpoint/2010/main" val="2827845556"/>
       </p:ext>
     </p:extLst>
   </p:cSld>
@@ -8191,13 +9963,7 @@
   <p:cSld>
     <p:spTree>
       <p:nvGrpSpPr>
-        <p:cNvPr id="1" name="">
-          <a:extLst>
-            <a:ext uri="{FF2B5EF4-FFF2-40B4-BE49-F238E27FC236}">
-              <a16:creationId xmlns:a16="http://schemas.microsoft.com/office/drawing/2014/main" id="{F7611C10-6A89-9C3D-19E8-D9517B8FB6CB}"/>
-            </a:ext>
-          </a:extLst>
-        </p:cNvPr>
+        <p:cNvPr id="1" name=""/>
         <p:cNvGrpSpPr/>
         <p:nvPr/>
       </p:nvGrpSpPr>
@@ -8214,7 +9980,7 @@
           <p:cNvPr id="2" name="Title 1">
             <a:extLst>
               <a:ext uri="{FF2B5EF4-FFF2-40B4-BE49-F238E27FC236}">
-                <a16:creationId xmlns:a16="http://schemas.microsoft.com/office/drawing/2014/main" id="{F12C49A2-5777-A210-0010-0F27B493C5A4}"/>
+                <a16:creationId xmlns:a16="http://schemas.microsoft.com/office/drawing/2014/main" id="{4F6B0514-E998-8D86-0D66-351280D2D977}"/>
               </a:ext>
             </a:extLst>
           </p:cNvPr>
@@ -8232,17 +9998,17 @@
           <a:p>
             <a:r>
               <a:rPr lang="en-PK" dirty="0"/>
-              <a:t>Contrast</a:t>
+              <a:t>Dataset (Cont..)</a:t>
             </a:r>
           </a:p>
         </p:txBody>
       </p:sp>
       <p:sp>
         <p:nvSpPr>
-          <p:cNvPr id="6" name="Content Placeholder 5">
-            <a:extLst>
-              <a:ext uri="{FF2B5EF4-FFF2-40B4-BE49-F238E27FC236}">
-                <a16:creationId xmlns:a16="http://schemas.microsoft.com/office/drawing/2014/main" id="{C1B7AD84-C4E9-D1E3-3B19-654A2F6E7E59}"/>
+          <p:cNvPr id="3" name="Content Placeholder 2">
+            <a:extLst>
+              <a:ext uri="{FF2B5EF4-FFF2-40B4-BE49-F238E27FC236}">
+                <a16:creationId xmlns:a16="http://schemas.microsoft.com/office/drawing/2014/main" id="{144276D8-4CE0-7FDC-2491-FC23C584450C}"/>
               </a:ext>
             </a:extLst>
           </p:cNvPr>
@@ -8259,52 +10025,31 @@
           <a:lstStyle/>
           <a:p>
             <a:r>
-              <a:rPr lang="en-PK" dirty="0"/>
-              <a:t>Different colors to stand out</a:t>
-            </a:r>
+              <a:rPr lang="en-US" dirty="0"/>
+              <a:t>Missing values nor duplicates</a:t>
+            </a:r>
+          </a:p>
+          <a:p>
+            <a:r>
+              <a:rPr lang="en-US" dirty="0"/>
+              <a:t>Outliers</a:t>
+            </a:r>
+          </a:p>
+          <a:p>
+            <a:r>
+              <a:rPr lang="en-US" dirty="0"/>
+              <a:t>Inconsistency </a:t>
+            </a:r>
+          </a:p>
+          <a:p>
+            <a:endParaRPr lang="en-PK" dirty="0"/>
           </a:p>
         </p:txBody>
       </p:sp>
-      <p:pic>
-        <p:nvPicPr>
-          <p:cNvPr id="7" name="Content Placeholder 4" descr="A person standing in front of a chart&#10;&#10;Description automatically generated">
-            <a:extLst>
-              <a:ext uri="{FF2B5EF4-FFF2-40B4-BE49-F238E27FC236}">
-                <a16:creationId xmlns:a16="http://schemas.microsoft.com/office/drawing/2014/main" id="{3E8BFE75-3C1B-1307-BBCA-84D5F1457EAB}"/>
-              </a:ext>
-            </a:extLst>
-          </p:cNvPr>
-          <p:cNvPicPr>
-            <a:picLocks noChangeAspect="1"/>
-          </p:cNvPicPr>
-          <p:nvPr/>
-        </p:nvPicPr>
-        <p:blipFill>
-          <a:blip r:embed="rId2">
-            <a:extLst>
-              <a:ext uri="{28A0092B-C50C-407E-A947-70E740481C1C}">
-                <a14:useLocalDpi xmlns:a14="http://schemas.microsoft.com/office/drawing/2010/main" val="0"/>
-              </a:ext>
-            </a:extLst>
-          </a:blip>
-          <a:stretch>
-            <a:fillRect/>
-          </a:stretch>
-        </p:blipFill>
-        <p:spPr>
-          <a:xfrm>
-            <a:off x="6700753" y="1825625"/>
-            <a:ext cx="3057696" cy="4351338"/>
-          </a:xfrm>
-          <a:prstGeom prst="rect">
-            <a:avLst/>
-          </a:prstGeom>
-        </p:spPr>
-      </p:pic>
     </p:spTree>
     <p:extLst>
       <p:ext uri="{BB962C8B-B14F-4D97-AF65-F5344CB8AC3E}">
-        <p14:creationId xmlns:p14="http://schemas.microsoft.com/office/powerpoint/2010/main" val="2113844221"/>
+        <p14:creationId xmlns:p14="http://schemas.microsoft.com/office/powerpoint/2010/main" val="3693946039"/>
       </p:ext>
     </p:extLst>
   </p:cSld>
@@ -8319,13 +10064,7 @@
   <p:cSld>
     <p:spTree>
       <p:nvGrpSpPr>
-        <p:cNvPr id="1" name="">
-          <a:extLst>
-            <a:ext uri="{FF2B5EF4-FFF2-40B4-BE49-F238E27FC236}">
-              <a16:creationId xmlns:a16="http://schemas.microsoft.com/office/drawing/2014/main" id="{4C379825-688E-FE7A-3B53-36DE50019F0A}"/>
-            </a:ext>
-          </a:extLst>
-        </p:cNvPr>
+        <p:cNvPr id="1" name=""/>
         <p:cNvGrpSpPr/>
         <p:nvPr/>
       </p:nvGrpSpPr>
@@ -8342,7 +10081,7 @@
           <p:cNvPr id="2" name="Title 1">
             <a:extLst>
               <a:ext uri="{FF2B5EF4-FFF2-40B4-BE49-F238E27FC236}">
-                <a16:creationId xmlns:a16="http://schemas.microsoft.com/office/drawing/2014/main" id="{41A32E19-7A8D-09E0-85C3-A9CDEE2B6903}"/>
+                <a16:creationId xmlns:a16="http://schemas.microsoft.com/office/drawing/2014/main" id="{9B24403A-B98B-5217-DA09-4859C71132DF}"/>
               </a:ext>
             </a:extLst>
           </p:cNvPr>
@@ -8360,17 +10099,17 @@
           <a:p>
             <a:r>
               <a:rPr lang="en-PK" dirty="0"/>
-              <a:t>Hierarchy</a:t>
+              <a:t>Exploratory Data Analysis (EDA)</a:t>
             </a:r>
           </a:p>
         </p:txBody>
       </p:sp>
       <p:sp>
         <p:nvSpPr>
-          <p:cNvPr id="6" name="Content Placeholder 5">
-            <a:extLst>
-              <a:ext uri="{FF2B5EF4-FFF2-40B4-BE49-F238E27FC236}">
-                <a16:creationId xmlns:a16="http://schemas.microsoft.com/office/drawing/2014/main" id="{48CEE9C7-CBDC-ECE3-E9F1-72464434B387}"/>
+          <p:cNvPr id="3" name="Content Placeholder 2">
+            <a:extLst>
+              <a:ext uri="{FF2B5EF4-FFF2-40B4-BE49-F238E27FC236}">
+                <a16:creationId xmlns:a16="http://schemas.microsoft.com/office/drawing/2014/main" id="{C77E2126-C66E-93B1-71B8-95FEEBBD6BB6}"/>
               </a:ext>
             </a:extLst>
           </p:cNvPr>
@@ -8386,53 +10125,79 @@
           <a:bodyPr/>
           <a:lstStyle/>
           <a:p>
+            <a:pPr marL="514350" indent="-514350">
+              <a:buFont typeface="+mj-lt"/>
+              <a:buAutoNum type="arabicPeriod"/>
+            </a:pPr>
             <a:r>
               <a:rPr lang="en-PK" dirty="0"/>
-              <a:t>Organizing element Importance</a:t>
+              <a:t>Age and experience </a:t>
+            </a:r>
+          </a:p>
+          <a:p>
+            <a:pPr marL="514350" indent="-514350">
+              <a:buFont typeface="+mj-lt"/>
+              <a:buAutoNum type="arabicPeriod"/>
+            </a:pPr>
+            <a:r>
+              <a:rPr lang="en-PK" dirty="0"/>
+              <a:t>Income and C</a:t>
+            </a:r>
+            <a:r>
+              <a:rPr lang="en-GB" dirty="0"/>
+              <a:t>C</a:t>
+            </a:r>
+            <a:r>
+              <a:rPr lang="en-PK" dirty="0"/>
+              <a:t>avg</a:t>
+            </a:r>
+          </a:p>
+          <a:p>
+            <a:pPr marL="514350" indent="-514350">
+              <a:buFont typeface="+mj-lt"/>
+              <a:buAutoNum type="arabicPeriod"/>
+            </a:pPr>
+            <a:r>
+              <a:rPr lang="en-PK" dirty="0"/>
+              <a:t>CD Accounts </a:t>
+            </a:r>
+          </a:p>
+          <a:p>
+            <a:pPr marL="514350" indent="-514350">
+              <a:buFont typeface="+mj-lt"/>
+              <a:buAutoNum type="arabicPeriod"/>
+            </a:pPr>
+            <a:r>
+              <a:rPr lang="en-PK" dirty="0"/>
+              <a:t>Income</a:t>
+            </a:r>
+          </a:p>
+          <a:p>
+            <a:pPr marL="514350" indent="-514350">
+              <a:buFont typeface="+mj-lt"/>
+              <a:buAutoNum type="arabicPeriod"/>
+            </a:pPr>
+            <a:r>
+              <a:rPr lang="en-PK" dirty="0"/>
+              <a:t>Education</a:t>
+            </a:r>
+          </a:p>
+          <a:p>
+            <a:pPr marL="514350" indent="-514350">
+              <a:buFont typeface="+mj-lt"/>
+              <a:buAutoNum type="arabicPeriod"/>
+            </a:pPr>
+            <a:r>
+              <a:rPr lang="en-PK" dirty="0"/>
+              <a:t>Mortgage</a:t>
             </a:r>
           </a:p>
         </p:txBody>
       </p:sp>
-      <p:pic>
-        <p:nvPicPr>
-          <p:cNvPr id="7" name="Content Placeholder 4" descr="A person standing in front of a chart&#10;&#10;Description automatically generated">
-            <a:extLst>
-              <a:ext uri="{FF2B5EF4-FFF2-40B4-BE49-F238E27FC236}">
-                <a16:creationId xmlns:a16="http://schemas.microsoft.com/office/drawing/2014/main" id="{89F2577F-AA1B-187A-D3B7-D6068D586FFA}"/>
-              </a:ext>
-            </a:extLst>
-          </p:cNvPr>
-          <p:cNvPicPr>
-            <a:picLocks noChangeAspect="1"/>
-          </p:cNvPicPr>
-          <p:nvPr/>
-        </p:nvPicPr>
-        <p:blipFill>
-          <a:blip r:embed="rId2">
-            <a:extLst>
-              <a:ext uri="{28A0092B-C50C-407E-A947-70E740481C1C}">
-                <a14:useLocalDpi xmlns:a14="http://schemas.microsoft.com/office/drawing/2010/main" val="0"/>
-              </a:ext>
-            </a:extLst>
-          </a:blip>
-          <a:stretch>
-            <a:fillRect/>
-          </a:stretch>
-        </p:blipFill>
-        <p:spPr>
-          <a:xfrm>
-            <a:off x="6700753" y="1825625"/>
-            <a:ext cx="3057696" cy="4351338"/>
-          </a:xfrm>
-          <a:prstGeom prst="rect">
-            <a:avLst/>
-          </a:prstGeom>
-        </p:spPr>
-      </p:pic>
     </p:spTree>
     <p:extLst>
       <p:ext uri="{BB962C8B-B14F-4D97-AF65-F5344CB8AC3E}">
-        <p14:creationId xmlns:p14="http://schemas.microsoft.com/office/powerpoint/2010/main" val="2862273913"/>
+        <p14:creationId xmlns:p14="http://schemas.microsoft.com/office/powerpoint/2010/main" val="3370072153"/>
       </p:ext>
     </p:extLst>
   </p:cSld>
@@ -8447,13 +10212,7 @@
   <p:cSld>
     <p:spTree>
       <p:nvGrpSpPr>
-        <p:cNvPr id="1" name="">
-          <a:extLst>
-            <a:ext uri="{FF2B5EF4-FFF2-40B4-BE49-F238E27FC236}">
-              <a16:creationId xmlns:a16="http://schemas.microsoft.com/office/drawing/2014/main" id="{09FD0850-E51E-B6A1-3534-EEED17EF86B3}"/>
-            </a:ext>
-          </a:extLst>
-        </p:cNvPr>
+        <p:cNvPr id="1" name=""/>
         <p:cNvGrpSpPr/>
         <p:nvPr/>
       </p:nvGrpSpPr>
@@ -8470,7 +10229,7 @@
           <p:cNvPr id="2" name="Title 1">
             <a:extLst>
               <a:ext uri="{FF2B5EF4-FFF2-40B4-BE49-F238E27FC236}">
-                <a16:creationId xmlns:a16="http://schemas.microsoft.com/office/drawing/2014/main" id="{056BD3B8-9244-BC5A-A86D-D34BBF0E0782}"/>
+                <a16:creationId xmlns:a16="http://schemas.microsoft.com/office/drawing/2014/main" id="{31F363D2-EC35-600D-E56C-C7BCD5550CB8}"/>
               </a:ext>
             </a:extLst>
           </p:cNvPr>
@@ -8488,17 +10247,17 @@
           <a:p>
             <a:r>
               <a:rPr lang="en-PK" dirty="0"/>
-              <a:t>Color</a:t>
+              <a:t>1. Age and experience</a:t>
             </a:r>
           </a:p>
         </p:txBody>
       </p:sp>
       <p:sp>
         <p:nvSpPr>
-          <p:cNvPr id="6" name="Content Placeholder 5">
-            <a:extLst>
-              <a:ext uri="{FF2B5EF4-FFF2-40B4-BE49-F238E27FC236}">
-                <a16:creationId xmlns:a16="http://schemas.microsoft.com/office/drawing/2014/main" id="{507249C9-0C78-BB2E-D8C3-92F52071B3B8}"/>
+          <p:cNvPr id="3" name="Content Placeholder 2">
+            <a:extLst>
+              <a:ext uri="{FF2B5EF4-FFF2-40B4-BE49-F238E27FC236}">
+                <a16:creationId xmlns:a16="http://schemas.microsoft.com/office/drawing/2014/main" id="{75538C26-B171-D6C9-B48F-F833FD4C53A7}"/>
               </a:ext>
             </a:extLst>
           </p:cNvPr>
@@ -8516,51 +10275,21 @@
           <a:p>
             <a:r>
               <a:rPr lang="en-PK" dirty="0"/>
-              <a:t>Evoke emotions</a:t>
+              <a:t>Highly correlated</a:t>
+            </a:r>
+          </a:p>
+          <a:p>
+            <a:r>
+              <a:rPr lang="en-PK" dirty="0"/>
+              <a:t>Does not impact on personal loan</a:t>
             </a:r>
           </a:p>
         </p:txBody>
       </p:sp>
-      <p:pic>
-        <p:nvPicPr>
-          <p:cNvPr id="7" name="Content Placeholder 4" descr="A person standing in front of a chart&#10;&#10;Description automatically generated">
-            <a:extLst>
-              <a:ext uri="{FF2B5EF4-FFF2-40B4-BE49-F238E27FC236}">
-                <a16:creationId xmlns:a16="http://schemas.microsoft.com/office/drawing/2014/main" id="{CDB94046-DAC3-615A-3FB2-1F4D1E1AC34B}"/>
-              </a:ext>
-            </a:extLst>
-          </p:cNvPr>
-          <p:cNvPicPr>
-            <a:picLocks noChangeAspect="1"/>
-          </p:cNvPicPr>
-          <p:nvPr/>
-        </p:nvPicPr>
-        <p:blipFill>
-          <a:blip r:embed="rId2">
-            <a:extLst>
-              <a:ext uri="{28A0092B-C50C-407E-A947-70E740481C1C}">
-                <a14:useLocalDpi xmlns:a14="http://schemas.microsoft.com/office/drawing/2010/main" val="0"/>
-              </a:ext>
-            </a:extLst>
-          </a:blip>
-          <a:stretch>
-            <a:fillRect/>
-          </a:stretch>
-        </p:blipFill>
-        <p:spPr>
-          <a:xfrm>
-            <a:off x="6700753" y="1825625"/>
-            <a:ext cx="3057696" cy="4351338"/>
-          </a:xfrm>
-          <a:prstGeom prst="rect">
-            <a:avLst/>
-          </a:prstGeom>
-        </p:spPr>
-      </p:pic>
     </p:spTree>
     <p:extLst>
       <p:ext uri="{BB962C8B-B14F-4D97-AF65-F5344CB8AC3E}">
-        <p14:creationId xmlns:p14="http://schemas.microsoft.com/office/powerpoint/2010/main" val="2858580774"/>
+        <p14:creationId xmlns:p14="http://schemas.microsoft.com/office/powerpoint/2010/main" val="2188935233"/>
       </p:ext>
     </p:extLst>
   </p:cSld>
@@ -8575,13 +10304,7 @@
   <p:cSld>
     <p:spTree>
       <p:nvGrpSpPr>
-        <p:cNvPr id="1" name="">
-          <a:extLst>
-            <a:ext uri="{FF2B5EF4-FFF2-40B4-BE49-F238E27FC236}">
-              <a16:creationId xmlns:a16="http://schemas.microsoft.com/office/drawing/2014/main" id="{F433C578-28F9-C404-F157-D2B0BD1FB0A9}"/>
-            </a:ext>
-          </a:extLst>
-        </p:cNvPr>
+        <p:cNvPr id="1" name=""/>
         <p:cNvGrpSpPr/>
         <p:nvPr/>
       </p:nvGrpSpPr>
@@ -8598,7 +10321,7 @@
           <p:cNvPr id="2" name="Title 1">
             <a:extLst>
               <a:ext uri="{FF2B5EF4-FFF2-40B4-BE49-F238E27FC236}">
-                <a16:creationId xmlns:a16="http://schemas.microsoft.com/office/drawing/2014/main" id="{8593C5ED-D1B6-2AE9-C527-715C4076F42E}"/>
+                <a16:creationId xmlns:a16="http://schemas.microsoft.com/office/drawing/2014/main" id="{67811A0C-D6A8-9E3D-6782-FEE82ECE6059}"/>
               </a:ext>
             </a:extLst>
           </p:cNvPr>
@@ -8616,51 +10339,60 @@
           <a:p>
             <a:r>
               <a:rPr lang="en-PK" dirty="0"/>
-              <a:t>Typography</a:t>
+              <a:t>2. Income and C</a:t>
+            </a:r>
+            <a:r>
+              <a:rPr lang="en-GB" dirty="0"/>
+              <a:t>C</a:t>
+            </a:r>
+            <a:r>
+              <a:rPr lang="en-PK" dirty="0"/>
+              <a:t>avg</a:t>
             </a:r>
           </a:p>
         </p:txBody>
       </p:sp>
       <p:sp>
         <p:nvSpPr>
-          <p:cNvPr id="6" name="Content Placeholder 5">
-            <a:extLst>
-              <a:ext uri="{FF2B5EF4-FFF2-40B4-BE49-F238E27FC236}">
-                <a16:creationId xmlns:a16="http://schemas.microsoft.com/office/drawing/2014/main" id="{3C2D7B9C-CBC5-DE00-3817-5A69EE8C8DD8}"/>
-              </a:ext>
-            </a:extLst>
-          </p:cNvPr>
-          <p:cNvSpPr>
-            <a:spLocks noGrp="1"/>
-          </p:cNvSpPr>
-          <p:nvPr>
-            <p:ph idx="1"/>
-          </p:nvPr>
-        </p:nvSpPr>
-        <p:spPr/>
+          <p:cNvPr id="6" name="TextBox 5">
+            <a:extLst>
+              <a:ext uri="{FF2B5EF4-FFF2-40B4-BE49-F238E27FC236}">
+                <a16:creationId xmlns:a16="http://schemas.microsoft.com/office/drawing/2014/main" id="{6604F985-A499-53A9-9673-E2AB24761097}"/>
+              </a:ext>
+            </a:extLst>
+          </p:cNvPr>
+          <p:cNvSpPr txBox="1"/>
+          <p:nvPr/>
+        </p:nvSpPr>
+        <p:spPr>
+          <a:xfrm>
+            <a:off x="4973053" y="5917433"/>
+            <a:ext cx="3031958" cy="369332"/>
+          </a:xfrm>
+          <a:prstGeom prst="rect">
+            <a:avLst/>
+          </a:prstGeom>
+          <a:noFill/>
+        </p:spPr>
         <p:txBody>
-          <a:bodyPr/>
+          <a:bodyPr wrap="square" rtlCol="0">
+            <a:spAutoFit/>
+          </a:bodyPr>
           <a:lstStyle/>
           <a:p>
             <a:r>
               <a:rPr lang="en-PK" dirty="0"/>
-              <a:t>Text is readable</a:t>
-            </a:r>
-          </a:p>
-          <a:p>
-            <a:r>
-              <a:rPr lang="en-PK" dirty="0"/>
-              <a:t>Pleasing</a:t>
+              <a:t>Fig 1: Income and CCavg</a:t>
             </a:r>
           </a:p>
         </p:txBody>
       </p:sp>
       <p:pic>
         <p:nvPicPr>
-          <p:cNvPr id="7" name="Content Placeholder 4" descr="A person standing in front of a chart&#10;&#10;Description automatically generated">
-            <a:extLst>
-              <a:ext uri="{FF2B5EF4-FFF2-40B4-BE49-F238E27FC236}">
-                <a16:creationId xmlns:a16="http://schemas.microsoft.com/office/drawing/2014/main" id="{29C73E44-6A54-1C2E-000A-1FED46A300AD}"/>
+          <p:cNvPr id="8" name="Picture 7">
+            <a:extLst>
+              <a:ext uri="{FF2B5EF4-FFF2-40B4-BE49-F238E27FC236}">
+                <a16:creationId xmlns:a16="http://schemas.microsoft.com/office/drawing/2014/main" id="{1D194618-FE9F-E370-128D-69BE6346CB7F}"/>
               </a:ext>
             </a:extLst>
           </p:cNvPr>
@@ -8683,18 +10415,46 @@
         </p:blipFill>
         <p:spPr>
           <a:xfrm>
-            <a:off x="6700753" y="1825625"/>
-            <a:ext cx="3057696" cy="4351338"/>
+            <a:off x="3513221" y="1992781"/>
+            <a:ext cx="4866440" cy="4017025"/>
           </a:xfrm>
           <a:prstGeom prst="rect">
             <a:avLst/>
           </a:prstGeom>
         </p:spPr>
       </p:pic>
+      <p:sp>
+        <p:nvSpPr>
+          <p:cNvPr id="12" name="Content Placeholder 11">
+            <a:extLst>
+              <a:ext uri="{FF2B5EF4-FFF2-40B4-BE49-F238E27FC236}">
+                <a16:creationId xmlns:a16="http://schemas.microsoft.com/office/drawing/2014/main" id="{8B99EFAB-877C-3736-DE0B-03C78A443FAC}"/>
+              </a:ext>
+            </a:extLst>
+          </p:cNvPr>
+          <p:cNvSpPr>
+            <a:spLocks noGrp="1"/>
+          </p:cNvSpPr>
+          <p:nvPr>
+            <p:ph idx="1"/>
+          </p:nvPr>
+        </p:nvSpPr>
+        <p:spPr/>
+        <p:txBody>
+          <a:bodyPr/>
+          <a:lstStyle/>
+          <a:p>
+            <a:endParaRPr lang="en-PK" dirty="0"/>
+          </a:p>
+          <a:p>
+            <a:endParaRPr lang="en-PK" dirty="0"/>
+          </a:p>
+        </p:txBody>
+      </p:sp>
     </p:spTree>
     <p:extLst>
       <p:ext uri="{BB962C8B-B14F-4D97-AF65-F5344CB8AC3E}">
-        <p14:creationId xmlns:p14="http://schemas.microsoft.com/office/powerpoint/2010/main" val="3141221572"/>
+        <p14:creationId xmlns:p14="http://schemas.microsoft.com/office/powerpoint/2010/main" val="3847908616"/>
       </p:ext>
     </p:extLst>
   </p:cSld>
@@ -8712,7 +10472,7 @@
         <p:cNvPr id="1" name="">
           <a:extLst>
             <a:ext uri="{FF2B5EF4-FFF2-40B4-BE49-F238E27FC236}">
-              <a16:creationId xmlns:a16="http://schemas.microsoft.com/office/drawing/2014/main" id="{33D5E1CF-811F-BD03-3FA2-44664FCCE2BE}"/>
+              <a16:creationId xmlns:a16="http://schemas.microsoft.com/office/drawing/2014/main" id="{73BBCF34-874A-3039-DA15-3E88519DBB97}"/>
             </a:ext>
           </a:extLst>
         </p:cNvPr>
@@ -8732,7 +10492,7 @@
           <p:cNvPr id="2" name="Title 1">
             <a:extLst>
               <a:ext uri="{FF2B5EF4-FFF2-40B4-BE49-F238E27FC236}">
-                <a16:creationId xmlns:a16="http://schemas.microsoft.com/office/drawing/2014/main" id="{BC006E2D-A03E-3C97-87C7-1A3EBCF63370}"/>
+                <a16:creationId xmlns:a16="http://schemas.microsoft.com/office/drawing/2014/main" id="{9E757863-C4A3-66E2-681D-CCCD291CCA98}"/>
               </a:ext>
             </a:extLst>
           </p:cNvPr>
@@ -8750,17 +10510,57 @@
           <a:p>
             <a:r>
               <a:rPr lang="en-PK" dirty="0"/>
-              <a:t>Simplicity</a:t>
-            </a:r>
+              <a:t>3. C</a:t>
+            </a:r>
+            <a:r>
+              <a:rPr lang="en-US" dirty="0"/>
+              <a:t>D Account</a:t>
+            </a:r>
+            <a:endParaRPr lang="en-PK" dirty="0"/>
           </a:p>
         </p:txBody>
       </p:sp>
       <p:sp>
         <p:nvSpPr>
-          <p:cNvPr id="6" name="Content Placeholder 5">
-            <a:extLst>
-              <a:ext uri="{FF2B5EF4-FFF2-40B4-BE49-F238E27FC236}">
-                <a16:creationId xmlns:a16="http://schemas.microsoft.com/office/drawing/2014/main" id="{F8C98BEC-076A-8E0E-F0AE-7BD06D010F80}"/>
+          <p:cNvPr id="6" name="TextBox 5">
+            <a:extLst>
+              <a:ext uri="{FF2B5EF4-FFF2-40B4-BE49-F238E27FC236}">
+                <a16:creationId xmlns:a16="http://schemas.microsoft.com/office/drawing/2014/main" id="{AD2BF482-347B-5CB6-06DD-BE8F4884CE63}"/>
+              </a:ext>
+            </a:extLst>
+          </p:cNvPr>
+          <p:cNvSpPr txBox="1"/>
+          <p:nvPr/>
+        </p:nvSpPr>
+        <p:spPr>
+          <a:xfrm>
+            <a:off x="4973052" y="5917433"/>
+            <a:ext cx="3801979" cy="369332"/>
+          </a:xfrm>
+          <a:prstGeom prst="rect">
+            <a:avLst/>
+          </a:prstGeom>
+          <a:noFill/>
+        </p:spPr>
+        <p:txBody>
+          <a:bodyPr wrap="square" rtlCol="0">
+            <a:spAutoFit/>
+          </a:bodyPr>
+          <a:lstStyle/>
+          <a:p>
+            <a:r>
+              <a:rPr lang="en-PK" dirty="0"/>
+              <a:t>Fig 2: CD account and personal loan</a:t>
+            </a:r>
+          </a:p>
+        </p:txBody>
+      </p:sp>
+      <p:sp>
+        <p:nvSpPr>
+          <p:cNvPr id="12" name="Content Placeholder 11">
+            <a:extLst>
+              <a:ext uri="{FF2B5EF4-FFF2-40B4-BE49-F238E27FC236}">
+                <a16:creationId xmlns:a16="http://schemas.microsoft.com/office/drawing/2014/main" id="{73BF81BE-5C3A-117F-53DD-C07460227137}"/>
               </a:ext>
             </a:extLst>
           </p:cNvPr>
@@ -8776,27 +10576,19 @@
           <a:bodyPr/>
           <a:lstStyle/>
           <a:p>
-            <a:r>
-              <a:rPr lang="en-PK" dirty="0"/>
-              <a:t>Nec</a:t>
-            </a:r>
-            <a:r>
-              <a:rPr lang="en-GB" dirty="0"/>
-              <a:t>e</a:t>
-            </a:r>
-            <a:r>
-              <a:rPr lang="en-PK" dirty="0"/>
-              <a:t>ssary elements</a:t>
-            </a:r>
+            <a:endParaRPr lang="en-PK" dirty="0"/>
+          </a:p>
+          <a:p>
+            <a:endParaRPr lang="en-PK" dirty="0"/>
           </a:p>
         </p:txBody>
       </p:sp>
       <p:pic>
         <p:nvPicPr>
-          <p:cNvPr id="7" name="Content Placeholder 4" descr="A person standing in front of a chart&#10;&#10;Description automatically generated">
-            <a:extLst>
-              <a:ext uri="{FF2B5EF4-FFF2-40B4-BE49-F238E27FC236}">
-                <a16:creationId xmlns:a16="http://schemas.microsoft.com/office/drawing/2014/main" id="{0FDCB0D4-D660-6477-4C08-AC95AD599D77}"/>
+          <p:cNvPr id="4" name="Picture 3" descr="A graph with a bar and a number of bars&#10;&#10;Description automatically generated with medium confidence">
+            <a:extLst>
+              <a:ext uri="{FF2B5EF4-FFF2-40B4-BE49-F238E27FC236}">
+                <a16:creationId xmlns:a16="http://schemas.microsoft.com/office/drawing/2014/main" id="{42715F0C-BF8C-6E9E-0769-534898CFC470}"/>
               </a:ext>
             </a:extLst>
           </p:cNvPr>
@@ -8819,8 +10611,8 @@
         </p:blipFill>
         <p:spPr>
           <a:xfrm>
-            <a:off x="6700753" y="1825625"/>
-            <a:ext cx="3057696" cy="4351338"/>
+            <a:off x="3812862" y="2089150"/>
+            <a:ext cx="5352339" cy="3828283"/>
           </a:xfrm>
           <a:prstGeom prst="rect">
             <a:avLst/>
@@ -8830,7 +10622,7 @@
     </p:spTree>
     <p:extLst>
       <p:ext uri="{BB962C8B-B14F-4D97-AF65-F5344CB8AC3E}">
-        <p14:creationId xmlns:p14="http://schemas.microsoft.com/office/powerpoint/2010/main" val="2300616177"/>
+        <p14:creationId xmlns:p14="http://schemas.microsoft.com/office/powerpoint/2010/main" val="478390229"/>
       </p:ext>
     </p:extLst>
   </p:cSld>
